--- a/lecture_3_microservice_patterns.pptx
+++ b/lecture_3_microservice_patterns.pptx
@@ -7,10 +7,10 @@
     <p:sldMasterId id="2147483663" r:id="rId3"/>
   </p:sldMasterIdLst>
   <p:notesMasterIdLst>
-    <p:notesMasterId r:id="rId24"/>
+    <p:notesMasterId r:id="rId33"/>
   </p:notesMasterIdLst>
   <p:handoutMasterIdLst>
-    <p:handoutMasterId r:id="rId25"/>
+    <p:handoutMasterId r:id="rId34"/>
   </p:handoutMasterIdLst>
   <p:sldIdLst>
     <p:sldId id="256" r:id="rId4"/>
@@ -33,6 +33,15 @@
     <p:sldId id="334" r:id="rId21"/>
     <p:sldId id="335" r:id="rId22"/>
     <p:sldId id="337" r:id="rId23"/>
+    <p:sldId id="338" r:id="rId24"/>
+    <p:sldId id="339" r:id="rId25"/>
+    <p:sldId id="342" r:id="rId26"/>
+    <p:sldId id="341" r:id="rId27"/>
+    <p:sldId id="343" r:id="rId28"/>
+    <p:sldId id="344" r:id="rId29"/>
+    <p:sldId id="345" r:id="rId30"/>
+    <p:sldId id="346" r:id="rId31"/>
+    <p:sldId id="347" r:id="rId32"/>
   </p:sldIdLst>
   <p:sldSz cx="9144000" cy="5143500" type="screen16x9"/>
   <p:notesSz cx="6858000" cy="9144000"/>
@@ -156,6 +165,15 @@
             <p14:sldId id="334"/>
             <p14:sldId id="335"/>
             <p14:sldId id="337"/>
+            <p14:sldId id="338"/>
+            <p14:sldId id="339"/>
+            <p14:sldId id="342"/>
+            <p14:sldId id="341"/>
+            <p14:sldId id="343"/>
+            <p14:sldId id="344"/>
+            <p14:sldId id="345"/>
+            <p14:sldId id="346"/>
+            <p14:sldId id="347"/>
           </p14:sldIdLst>
         </p14:section>
       </p14:sectionLst>
@@ -263,7 +281,7 @@
           <a:p>
             <a:fld id="{3FDC14FC-A894-4869-A797-1EC82735D106}" type="datetimeFigureOut">
               <a:rPr lang="en-US" smtClean="0"/>
-              <a:t>9/25/2020</a:t>
+              <a:t>9/28/2020</a:t>
             </a:fld>
             <a:endParaRPr lang="en-US"/>
           </a:p>
@@ -428,7 +446,7 @@
           <a:p>
             <a:fld id="{B4F99C05-63F9-4248-8E20-3ACD9DF9DE7F}" type="datetimeFigureOut">
               <a:rPr lang="en-US" smtClean="0"/>
-              <a:t>9/25/2020</a:t>
+              <a:t>9/28/2020</a:t>
             </a:fld>
             <a:endParaRPr lang="en-US"/>
           </a:p>
@@ -1070,6 +1088,360 @@
     <p:extLst>
       <p:ext uri="{BB962C8B-B14F-4D97-AF65-F5344CB8AC3E}">
         <p14:creationId xmlns:p14="http://schemas.microsoft.com/office/powerpoint/2010/main" val="947142371"/>
+      </p:ext>
+    </p:extLst>
+  </p:cSld>
+  <p:clrMapOvr>
+    <a:masterClrMapping/>
+  </p:clrMapOvr>
+</p:notes>
+</file>
+
+<file path=ppt/notesSlides/notesSlide5.xml><?xml version="1.0" encoding="utf-8"?>
+<p:notes xmlns:a="http://schemas.openxmlformats.org/drawingml/2006/main" xmlns:r="http://schemas.openxmlformats.org/officeDocument/2006/relationships" xmlns:p="http://schemas.openxmlformats.org/presentationml/2006/main">
+  <p:cSld>
+    <p:spTree>
+      <p:nvGrpSpPr>
+        <p:cNvPr id="1" name=""/>
+        <p:cNvGrpSpPr/>
+        <p:nvPr/>
+      </p:nvGrpSpPr>
+      <p:grpSpPr>
+        <a:xfrm>
+          <a:off x="0" y="0"/>
+          <a:ext cx="0" cy="0"/>
+          <a:chOff x="0" y="0"/>
+          <a:chExt cx="0" cy="0"/>
+        </a:xfrm>
+      </p:grpSpPr>
+      <p:sp>
+        <p:nvSpPr>
+          <p:cNvPr id="2" name="Slide Image Placeholder 1"/>
+          <p:cNvSpPr>
+            <a:spLocks noGrp="1" noRot="1" noChangeAspect="1"/>
+          </p:cNvSpPr>
+          <p:nvPr>
+            <p:ph type="sldImg"/>
+          </p:nvPr>
+        </p:nvSpPr>
+        <p:spPr/>
+      </p:sp>
+      <p:sp>
+        <p:nvSpPr>
+          <p:cNvPr id="3" name="Notes Placeholder 2"/>
+          <p:cNvSpPr>
+            <a:spLocks noGrp="1"/>
+          </p:cNvSpPr>
+          <p:nvPr>
+            <p:ph type="body" idx="1"/>
+          </p:nvPr>
+        </p:nvSpPr>
+        <p:spPr/>
+        <p:txBody>
+          <a:bodyPr/>
+          <a:lstStyle/>
+          <a:p>
+            <a:r>
+              <a:rPr lang="en-US" dirty="0"/>
+              <a:t>The Technical Boundary</a:t>
+            </a:r>
+          </a:p>
+          <a:p>
+            <a:endParaRPr lang="en-US" dirty="0"/>
+          </a:p>
+          <a:p>
+            <a:r>
+              <a:rPr lang="en-US" dirty="0"/>
+              <a:t>(Page 36). </a:t>
+            </a:r>
+          </a:p>
+        </p:txBody>
+      </p:sp>
+      <p:sp>
+        <p:nvSpPr>
+          <p:cNvPr id="4" name="Slide Number Placeholder 3"/>
+          <p:cNvSpPr>
+            <a:spLocks noGrp="1"/>
+          </p:cNvSpPr>
+          <p:nvPr>
+            <p:ph type="sldNum" sz="quarter" idx="5"/>
+          </p:nvPr>
+        </p:nvSpPr>
+        <p:spPr/>
+        <p:txBody>
+          <a:bodyPr/>
+          <a:lstStyle/>
+          <a:p>
+            <a:fld id="{A874FABB-6DBE-47C4-B626-20167906F475}" type="slidenum">
+              <a:rPr lang="en-US" smtClean="0"/>
+              <a:t>21</a:t>
+            </a:fld>
+            <a:endParaRPr lang="en-US"/>
+          </a:p>
+        </p:txBody>
+      </p:sp>
+    </p:spTree>
+    <p:extLst>
+      <p:ext uri="{BB962C8B-B14F-4D97-AF65-F5344CB8AC3E}">
+        <p14:creationId xmlns:p14="http://schemas.microsoft.com/office/powerpoint/2010/main" val="1162545044"/>
+      </p:ext>
+    </p:extLst>
+  </p:cSld>
+  <p:clrMapOvr>
+    <a:masterClrMapping/>
+  </p:clrMapOvr>
+</p:notes>
+</file>
+
+<file path=ppt/notesSlides/notesSlide6.xml><?xml version="1.0" encoding="utf-8"?>
+<p:notes xmlns:a="http://schemas.openxmlformats.org/drawingml/2006/main" xmlns:r="http://schemas.openxmlformats.org/officeDocument/2006/relationships" xmlns:p="http://schemas.openxmlformats.org/presentationml/2006/main">
+  <p:cSld>
+    <p:spTree>
+      <p:nvGrpSpPr>
+        <p:cNvPr id="1" name=""/>
+        <p:cNvGrpSpPr/>
+        <p:nvPr/>
+      </p:nvGrpSpPr>
+      <p:grpSpPr>
+        <a:xfrm>
+          <a:off x="0" y="0"/>
+          <a:ext cx="0" cy="0"/>
+          <a:chOff x="0" y="0"/>
+          <a:chExt cx="0" cy="0"/>
+        </a:xfrm>
+      </p:grpSpPr>
+      <p:sp>
+        <p:nvSpPr>
+          <p:cNvPr id="2" name="Slide Image Placeholder 1"/>
+          <p:cNvSpPr>
+            <a:spLocks noGrp="1" noRot="1" noChangeAspect="1"/>
+          </p:cNvSpPr>
+          <p:nvPr>
+            <p:ph type="sldImg"/>
+          </p:nvPr>
+        </p:nvSpPr>
+        <p:spPr/>
+      </p:sp>
+      <p:sp>
+        <p:nvSpPr>
+          <p:cNvPr id="3" name="Notes Placeholder 2"/>
+          <p:cNvSpPr>
+            <a:spLocks noGrp="1"/>
+          </p:cNvSpPr>
+          <p:nvPr>
+            <p:ph type="body" idx="1"/>
+          </p:nvPr>
+        </p:nvSpPr>
+        <p:spPr/>
+        <p:txBody>
+          <a:bodyPr/>
+          <a:lstStyle/>
+          <a:p>
+            <a:endParaRPr lang="en-US" dirty="0"/>
+          </a:p>
+        </p:txBody>
+      </p:sp>
+      <p:sp>
+        <p:nvSpPr>
+          <p:cNvPr id="4" name="Slide Number Placeholder 3"/>
+          <p:cNvSpPr>
+            <a:spLocks noGrp="1"/>
+          </p:cNvSpPr>
+          <p:nvPr>
+            <p:ph type="sldNum" sz="quarter" idx="5"/>
+          </p:nvPr>
+        </p:nvSpPr>
+        <p:spPr/>
+        <p:txBody>
+          <a:bodyPr/>
+          <a:lstStyle/>
+          <a:p>
+            <a:fld id="{A874FABB-6DBE-47C4-B626-20167906F475}" type="slidenum">
+              <a:rPr lang="en-US" smtClean="0"/>
+              <a:t>26</a:t>
+            </a:fld>
+            <a:endParaRPr lang="en-US"/>
+          </a:p>
+        </p:txBody>
+      </p:sp>
+    </p:spTree>
+    <p:extLst>
+      <p:ext uri="{BB962C8B-B14F-4D97-AF65-F5344CB8AC3E}">
+        <p14:creationId xmlns:p14="http://schemas.microsoft.com/office/powerpoint/2010/main" val="292031243"/>
+      </p:ext>
+    </p:extLst>
+  </p:cSld>
+  <p:clrMapOvr>
+    <a:masterClrMapping/>
+  </p:clrMapOvr>
+</p:notes>
+</file>
+
+<file path=ppt/notesSlides/notesSlide7.xml><?xml version="1.0" encoding="utf-8"?>
+<p:notes xmlns:a="http://schemas.openxmlformats.org/drawingml/2006/main" xmlns:r="http://schemas.openxmlformats.org/officeDocument/2006/relationships" xmlns:p="http://schemas.openxmlformats.org/presentationml/2006/main">
+  <p:cSld>
+    <p:spTree>
+      <p:nvGrpSpPr>
+        <p:cNvPr id="1" name=""/>
+        <p:cNvGrpSpPr/>
+        <p:nvPr/>
+      </p:nvGrpSpPr>
+      <p:grpSpPr>
+        <a:xfrm>
+          <a:off x="0" y="0"/>
+          <a:ext cx="0" cy="0"/>
+          <a:chOff x="0" y="0"/>
+          <a:chExt cx="0" cy="0"/>
+        </a:xfrm>
+      </p:grpSpPr>
+      <p:sp>
+        <p:nvSpPr>
+          <p:cNvPr id="2" name="Slide Image Placeholder 1"/>
+          <p:cNvSpPr>
+            <a:spLocks noGrp="1" noRot="1" noChangeAspect="1"/>
+          </p:cNvSpPr>
+          <p:nvPr>
+            <p:ph type="sldImg"/>
+          </p:nvPr>
+        </p:nvSpPr>
+        <p:spPr/>
+      </p:sp>
+      <p:sp>
+        <p:nvSpPr>
+          <p:cNvPr id="3" name="Notes Placeholder 2"/>
+          <p:cNvSpPr>
+            <a:spLocks noGrp="1"/>
+          </p:cNvSpPr>
+          <p:nvPr>
+            <p:ph type="body" idx="1"/>
+          </p:nvPr>
+        </p:nvSpPr>
+        <p:spPr/>
+        <p:txBody>
+          <a:bodyPr/>
+          <a:lstStyle/>
+          <a:p>
+            <a:r>
+              <a:rPr lang="en-US" dirty="0"/>
+              <a:t>Idempotence</a:t>
+            </a:r>
+          </a:p>
+        </p:txBody>
+      </p:sp>
+      <p:sp>
+        <p:nvSpPr>
+          <p:cNvPr id="4" name="Slide Number Placeholder 3"/>
+          <p:cNvSpPr>
+            <a:spLocks noGrp="1"/>
+          </p:cNvSpPr>
+          <p:nvPr>
+            <p:ph type="sldNum" sz="quarter" idx="5"/>
+          </p:nvPr>
+        </p:nvSpPr>
+        <p:spPr/>
+        <p:txBody>
+          <a:bodyPr/>
+          <a:lstStyle/>
+          <a:p>
+            <a:fld id="{A874FABB-6DBE-47C4-B626-20167906F475}" type="slidenum">
+              <a:rPr lang="en-US" smtClean="0"/>
+              <a:t>27</a:t>
+            </a:fld>
+            <a:endParaRPr lang="en-US"/>
+          </a:p>
+        </p:txBody>
+      </p:sp>
+    </p:spTree>
+    <p:extLst>
+      <p:ext uri="{BB962C8B-B14F-4D97-AF65-F5344CB8AC3E}">
+        <p14:creationId xmlns:p14="http://schemas.microsoft.com/office/powerpoint/2010/main" val="3444273347"/>
+      </p:ext>
+    </p:extLst>
+  </p:cSld>
+  <p:clrMapOvr>
+    <a:masterClrMapping/>
+  </p:clrMapOvr>
+</p:notes>
+</file>
+
+<file path=ppt/notesSlides/notesSlide8.xml><?xml version="1.0" encoding="utf-8"?>
+<p:notes xmlns:a="http://schemas.openxmlformats.org/drawingml/2006/main" xmlns:r="http://schemas.openxmlformats.org/officeDocument/2006/relationships" xmlns:p="http://schemas.openxmlformats.org/presentationml/2006/main">
+  <p:cSld>
+    <p:spTree>
+      <p:nvGrpSpPr>
+        <p:cNvPr id="1" name=""/>
+        <p:cNvGrpSpPr/>
+        <p:nvPr/>
+      </p:nvGrpSpPr>
+      <p:grpSpPr>
+        <a:xfrm>
+          <a:off x="0" y="0"/>
+          <a:ext cx="0" cy="0"/>
+          <a:chOff x="0" y="0"/>
+          <a:chExt cx="0" cy="0"/>
+        </a:xfrm>
+      </p:grpSpPr>
+      <p:sp>
+        <p:nvSpPr>
+          <p:cNvPr id="2" name="Slide Image Placeholder 1"/>
+          <p:cNvSpPr>
+            <a:spLocks noGrp="1" noRot="1" noChangeAspect="1"/>
+          </p:cNvSpPr>
+          <p:nvPr>
+            <p:ph type="sldImg"/>
+          </p:nvPr>
+        </p:nvSpPr>
+        <p:spPr/>
+      </p:sp>
+      <p:sp>
+        <p:nvSpPr>
+          <p:cNvPr id="3" name="Notes Placeholder 2"/>
+          <p:cNvSpPr>
+            <a:spLocks noGrp="1"/>
+          </p:cNvSpPr>
+          <p:nvPr>
+            <p:ph type="body" idx="1"/>
+          </p:nvPr>
+        </p:nvSpPr>
+        <p:spPr/>
+        <p:txBody>
+          <a:bodyPr/>
+          <a:lstStyle/>
+          <a:p>
+            <a:r>
+              <a:rPr lang="en-US" dirty="0"/>
+              <a:t>Idempotence</a:t>
+            </a:r>
+          </a:p>
+        </p:txBody>
+      </p:sp>
+      <p:sp>
+        <p:nvSpPr>
+          <p:cNvPr id="4" name="Slide Number Placeholder 3"/>
+          <p:cNvSpPr>
+            <a:spLocks noGrp="1"/>
+          </p:cNvSpPr>
+          <p:nvPr>
+            <p:ph type="sldNum" sz="quarter" idx="5"/>
+          </p:nvPr>
+        </p:nvSpPr>
+        <p:spPr/>
+        <p:txBody>
+          <a:bodyPr/>
+          <a:lstStyle/>
+          <a:p>
+            <a:fld id="{A874FABB-6DBE-47C4-B626-20167906F475}" type="slidenum">
+              <a:rPr lang="en-US" smtClean="0"/>
+              <a:t>28</a:t>
+            </a:fld>
+            <a:endParaRPr lang="en-US"/>
+          </a:p>
+        </p:txBody>
+      </p:sp>
+    </p:spTree>
+    <p:extLst>
+      <p:ext uri="{BB962C8B-B14F-4D97-AF65-F5344CB8AC3E}">
+        <p14:creationId xmlns:p14="http://schemas.microsoft.com/office/powerpoint/2010/main" val="3623880309"/>
       </p:ext>
     </p:extLst>
   </p:cSld>
@@ -28334,6 +28706,5159 @@
     <p:extLst>
       <p:ext uri="{BB962C8B-B14F-4D97-AF65-F5344CB8AC3E}">
         <p14:creationId xmlns:p14="http://schemas.microsoft.com/office/powerpoint/2010/main" val="4104172956"/>
+      </p:ext>
+    </p:extLst>
+  </p:cSld>
+  <p:clrMapOvr>
+    <a:masterClrMapping/>
+  </p:clrMapOvr>
+</p:sld>
+</file>
+
+<file path=ppt/slides/slide21.xml><?xml version="1.0" encoding="utf-8"?>
+<p:sld xmlns:a="http://schemas.openxmlformats.org/drawingml/2006/main" xmlns:r="http://schemas.openxmlformats.org/officeDocument/2006/relationships" xmlns:p="http://schemas.openxmlformats.org/presentationml/2006/main">
+  <p:cSld>
+    <p:spTree>
+      <p:nvGrpSpPr>
+        <p:cNvPr id="1" name=""/>
+        <p:cNvGrpSpPr/>
+        <p:nvPr/>
+      </p:nvGrpSpPr>
+      <p:grpSpPr>
+        <a:xfrm>
+          <a:off x="0" y="0"/>
+          <a:ext cx="0" cy="0"/>
+          <a:chOff x="0" y="0"/>
+          <a:chExt cx="0" cy="0"/>
+        </a:xfrm>
+      </p:grpSpPr>
+      <p:sp>
+        <p:nvSpPr>
+          <p:cNvPr id="6" name="Title 1">
+            <a:extLst>
+              <a:ext uri="{FF2B5EF4-FFF2-40B4-BE49-F238E27FC236}">
+                <a16:creationId xmlns:a16="http://schemas.microsoft.com/office/drawing/2014/main" id="{86909CD1-1BC7-4BC0-B99E-D2E8BF5E300D}"/>
+              </a:ext>
+            </a:extLst>
+          </p:cNvPr>
+          <p:cNvSpPr>
+            <a:spLocks noGrp="1"/>
+          </p:cNvSpPr>
+          <p:nvPr>
+            <p:ph type="title"/>
+          </p:nvPr>
+        </p:nvSpPr>
+        <p:spPr/>
+        <p:txBody>
+          <a:bodyPr/>
+          <a:lstStyle/>
+          <a:p>
+            <a:r>
+              <a:rPr lang="en-US" dirty="0"/>
+              <a:t>CAP THEOREM</a:t>
+            </a:r>
+          </a:p>
+        </p:txBody>
+      </p:sp>
+      <p:pic>
+        <p:nvPicPr>
+          <p:cNvPr id="12" name="Shape 129">
+            <a:extLst>
+              <a:ext uri="{FF2B5EF4-FFF2-40B4-BE49-F238E27FC236}">
+                <a16:creationId xmlns:a16="http://schemas.microsoft.com/office/drawing/2014/main" id="{DB05585B-BB1D-49DA-BEA3-CFA22236E9AF}"/>
+              </a:ext>
+            </a:extLst>
+          </p:cNvPr>
+          <p:cNvPicPr preferRelativeResize="0"/>
+          <p:nvPr/>
+        </p:nvPicPr>
+        <p:blipFill>
+          <a:blip r:embed="rId3">
+            <a:alphaModFix/>
+          </a:blip>
+          <a:stretch>
+            <a:fillRect/>
+          </a:stretch>
+        </p:blipFill>
+        <p:spPr>
+          <a:xfrm>
+            <a:off x="1195219" y="816478"/>
+            <a:ext cx="7058361" cy="3839241"/>
+          </a:xfrm>
+          <a:prstGeom prst="rect">
+            <a:avLst/>
+          </a:prstGeom>
+          <a:noFill/>
+          <a:ln>
+            <a:noFill/>
+          </a:ln>
+        </p:spPr>
+      </p:pic>
+    </p:spTree>
+    <p:extLst>
+      <p:ext uri="{BB962C8B-B14F-4D97-AF65-F5344CB8AC3E}">
+        <p14:creationId xmlns:p14="http://schemas.microsoft.com/office/powerpoint/2010/main" val="3239136897"/>
+      </p:ext>
+    </p:extLst>
+  </p:cSld>
+  <p:clrMapOvr>
+    <a:masterClrMapping/>
+  </p:clrMapOvr>
+</p:sld>
+</file>
+
+<file path=ppt/slides/slide22.xml><?xml version="1.0" encoding="utf-8"?>
+<p:sld xmlns:a="http://schemas.openxmlformats.org/drawingml/2006/main" xmlns:r="http://schemas.openxmlformats.org/officeDocument/2006/relationships" xmlns:p="http://schemas.openxmlformats.org/presentationml/2006/main">
+  <p:cSld>
+    <p:spTree>
+      <p:nvGrpSpPr>
+        <p:cNvPr id="1" name=""/>
+        <p:cNvGrpSpPr/>
+        <p:nvPr/>
+      </p:nvGrpSpPr>
+      <p:grpSpPr>
+        <a:xfrm>
+          <a:off x="0" y="0"/>
+          <a:ext cx="0" cy="0"/>
+          <a:chOff x="0" y="0"/>
+          <a:chExt cx="0" cy="0"/>
+        </a:xfrm>
+      </p:grpSpPr>
+      <p:sp>
+        <p:nvSpPr>
+          <p:cNvPr id="4" name="Title 3">
+            <a:extLst>
+              <a:ext uri="{FF2B5EF4-FFF2-40B4-BE49-F238E27FC236}">
+                <a16:creationId xmlns:a16="http://schemas.microsoft.com/office/drawing/2014/main" id="{40FE1EA5-A1D5-4AC1-9ED4-656C6A6CEDD9}"/>
+              </a:ext>
+            </a:extLst>
+          </p:cNvPr>
+          <p:cNvSpPr>
+            <a:spLocks noGrp="1"/>
+          </p:cNvSpPr>
+          <p:nvPr>
+            <p:ph type="title"/>
+          </p:nvPr>
+        </p:nvSpPr>
+        <p:spPr/>
+        <p:txBody>
+          <a:bodyPr/>
+          <a:lstStyle/>
+          <a:p>
+            <a:r>
+              <a:rPr lang="en-US" dirty="0"/>
+              <a:t>TWO-PHASE COMMIT</a:t>
+            </a:r>
+          </a:p>
+        </p:txBody>
+      </p:sp>
+      <p:sp>
+        <p:nvSpPr>
+          <p:cNvPr id="3" name="Slide Number Placeholder 2">
+            <a:extLst>
+              <a:ext uri="{FF2B5EF4-FFF2-40B4-BE49-F238E27FC236}">
+                <a16:creationId xmlns:a16="http://schemas.microsoft.com/office/drawing/2014/main" id="{A918787D-0A17-41FF-999F-55829A91989B}"/>
+              </a:ext>
+            </a:extLst>
+          </p:cNvPr>
+          <p:cNvSpPr>
+            <a:spLocks noGrp="1"/>
+          </p:cNvSpPr>
+          <p:nvPr>
+            <p:ph type="sldNum" sz="quarter" idx="4"/>
+          </p:nvPr>
+        </p:nvSpPr>
+        <p:spPr/>
+        <p:txBody>
+          <a:bodyPr/>
+          <a:lstStyle/>
+          <a:p>
+            <a:fld id="{3A707DD9-E92B-45E8-BE0A-E6B2EDF345EB}" type="slidenum">
+              <a:rPr lang="en-US" smtClean="0"/>
+              <a:pPr/>
+              <a:t>22</a:t>
+            </a:fld>
+            <a:endParaRPr lang="en-US" dirty="0"/>
+          </a:p>
+        </p:txBody>
+      </p:sp>
+      <p:grpSp>
+        <p:nvGrpSpPr>
+          <p:cNvPr id="5" name="Group 4">
+            <a:extLst>
+              <a:ext uri="{FF2B5EF4-FFF2-40B4-BE49-F238E27FC236}">
+                <a16:creationId xmlns:a16="http://schemas.microsoft.com/office/drawing/2014/main" id="{AEE30EA7-2489-4EF1-B47B-67AB88A73ACE}"/>
+              </a:ext>
+            </a:extLst>
+          </p:cNvPr>
+          <p:cNvGrpSpPr/>
+          <p:nvPr/>
+        </p:nvGrpSpPr>
+        <p:grpSpPr>
+          <a:xfrm>
+            <a:off x="149062" y="3498111"/>
+            <a:ext cx="1575688" cy="1192675"/>
+            <a:chOff x="174621" y="3533552"/>
+            <a:chExt cx="1575688" cy="1192675"/>
+          </a:xfrm>
+        </p:grpSpPr>
+        <p:pic>
+          <p:nvPicPr>
+            <p:cNvPr id="6" name="Graphic 5" descr="Warning">
+              <a:extLst>
+                <a:ext uri="{FF2B5EF4-FFF2-40B4-BE49-F238E27FC236}">
+                  <a16:creationId xmlns:a16="http://schemas.microsoft.com/office/drawing/2014/main" id="{F5BA7D04-AB29-41EF-B5C8-0EAA04791452}"/>
+                </a:ext>
+              </a:extLst>
+            </p:cNvPr>
+            <p:cNvPicPr>
+              <a:picLocks noChangeAspect="1"/>
+            </p:cNvPicPr>
+            <p:nvPr/>
+          </p:nvPicPr>
+          <p:blipFill>
+            <a:blip r:embed="rId2">
+              <a:extLst>
+                <a:ext uri="{28A0092B-C50C-407E-A947-70E740481C1C}">
+                  <a14:useLocalDpi xmlns:a14="http://schemas.microsoft.com/office/drawing/2010/main" val="0"/>
+                </a:ext>
+                <a:ext uri="{96DAC541-7B7A-43D3-8B79-37D633B846F1}">
+                  <asvg:svgBlip xmlns:asvg="http://schemas.microsoft.com/office/drawing/2016/SVG/main" r:embed="rId3"/>
+                </a:ext>
+              </a:extLst>
+            </a:blip>
+            <a:stretch>
+              <a:fillRect/>
+            </a:stretch>
+          </p:blipFill>
+          <p:spPr>
+            <a:xfrm>
+              <a:off x="505265" y="3533552"/>
+              <a:ext cx="914400" cy="914400"/>
+            </a:xfrm>
+            <a:prstGeom prst="rect">
+              <a:avLst/>
+            </a:prstGeom>
+          </p:spPr>
+        </p:pic>
+        <p:sp>
+          <p:nvSpPr>
+            <p:cNvPr id="7" name="Rectangle 6">
+              <a:extLst>
+                <a:ext uri="{FF2B5EF4-FFF2-40B4-BE49-F238E27FC236}">
+                  <a16:creationId xmlns:a16="http://schemas.microsoft.com/office/drawing/2014/main" id="{EE1EF4DF-705F-4797-A6D3-D6684F6E746E}"/>
+                </a:ext>
+              </a:extLst>
+            </p:cNvPr>
+            <p:cNvSpPr/>
+            <p:nvPr/>
+          </p:nvSpPr>
+          <p:spPr>
+            <a:xfrm>
+              <a:off x="174621" y="4356895"/>
+              <a:ext cx="1575688" cy="369332"/>
+            </a:xfrm>
+            <a:prstGeom prst="rect">
+              <a:avLst/>
+            </a:prstGeom>
+            <a:noFill/>
+          </p:spPr>
+          <p:txBody>
+            <a:bodyPr wrap="none" lIns="91440" tIns="45720" rIns="91440" bIns="45720">
+              <a:spAutoFit/>
+            </a:bodyPr>
+            <a:lstStyle/>
+            <a:p>
+              <a:pPr algn="ctr"/>
+              <a:r>
+                <a:rPr lang="en-US" sz="1800" b="1" dirty="0">
+                  <a:ln w="9525">
+                    <a:solidFill>
+                      <a:schemeClr val="bg1"/>
+                    </a:solidFill>
+                    <a:prstDash val="solid"/>
+                  </a:ln>
+                  <a:effectLst>
+                    <a:outerShdw blurRad="12700" dist="38100" dir="2700000" algn="tl" rotWithShape="0">
+                      <a:schemeClr val="bg1">
+                        <a:lumMod val="50000"/>
+                      </a:schemeClr>
+                    </a:outerShdw>
+                  </a:effectLst>
+                </a:rPr>
+                <a:t>ANTI-PATTERN</a:t>
+              </a:r>
+              <a:endParaRPr lang="en-US" sz="1800" b="1" cap="none" spc="0" dirty="0">
+                <a:ln w="9525">
+                  <a:solidFill>
+                    <a:schemeClr val="bg1"/>
+                  </a:solidFill>
+                  <a:prstDash val="solid"/>
+                </a:ln>
+                <a:solidFill>
+                  <a:schemeClr val="tx1"/>
+                </a:solidFill>
+                <a:effectLst>
+                  <a:outerShdw blurRad="12700" dist="38100" dir="2700000" algn="tl" rotWithShape="0">
+                    <a:schemeClr val="bg1">
+                      <a:lumMod val="50000"/>
+                    </a:schemeClr>
+                  </a:outerShdw>
+                </a:effectLst>
+              </a:endParaRPr>
+            </a:p>
+          </p:txBody>
+        </p:sp>
+      </p:grpSp>
+      <p:sp>
+        <p:nvSpPr>
+          <p:cNvPr id="10" name="Rectangle: Rounded Corners 9">
+            <a:extLst>
+              <a:ext uri="{FF2B5EF4-FFF2-40B4-BE49-F238E27FC236}">
+                <a16:creationId xmlns:a16="http://schemas.microsoft.com/office/drawing/2014/main" id="{22A7FE25-4650-45F2-A635-BB43D9A31E5C}"/>
+              </a:ext>
+            </a:extLst>
+          </p:cNvPr>
+          <p:cNvSpPr/>
+          <p:nvPr/>
+        </p:nvSpPr>
+        <p:spPr>
+          <a:xfrm>
+            <a:off x="2296475" y="1362171"/>
+            <a:ext cx="1109330" cy="755519"/>
+          </a:xfrm>
+          <a:prstGeom prst="roundRect">
+            <a:avLst/>
+          </a:prstGeom>
+        </p:spPr>
+        <p:style>
+          <a:lnRef idx="2">
+            <a:schemeClr val="accent3">
+              <a:shade val="50000"/>
+            </a:schemeClr>
+          </a:lnRef>
+          <a:fillRef idx="1">
+            <a:schemeClr val="accent3"/>
+          </a:fillRef>
+          <a:effectRef idx="0">
+            <a:schemeClr val="accent3"/>
+          </a:effectRef>
+          <a:fontRef idx="minor">
+            <a:schemeClr val="lt1"/>
+          </a:fontRef>
+        </p:style>
+        <p:txBody>
+          <a:bodyPr rtlCol="0" anchor="ctr"/>
+          <a:lstStyle/>
+          <a:p>
+            <a:pPr algn="ctr"/>
+            <a:r>
+              <a:rPr lang="en-US" dirty="0"/>
+              <a:t>Coordinator</a:t>
+            </a:r>
+          </a:p>
+        </p:txBody>
+      </p:sp>
+      <p:cxnSp>
+        <p:nvCxnSpPr>
+          <p:cNvPr id="11" name="Straight Connector 10">
+            <a:extLst>
+              <a:ext uri="{FF2B5EF4-FFF2-40B4-BE49-F238E27FC236}">
+                <a16:creationId xmlns:a16="http://schemas.microsoft.com/office/drawing/2014/main" id="{B733B1D5-3D1C-4633-BA68-26271A1FE203}"/>
+              </a:ext>
+            </a:extLst>
+          </p:cNvPr>
+          <p:cNvCxnSpPr>
+            <a:cxnSpLocks/>
+            <a:stCxn id="12" idx="1"/>
+            <a:endCxn id="10" idx="3"/>
+          </p:cNvCxnSpPr>
+          <p:nvPr/>
+        </p:nvCxnSpPr>
+        <p:spPr>
+          <a:xfrm flipH="1">
+            <a:off x="3405805" y="1548730"/>
+            <a:ext cx="2088550" cy="191201"/>
+          </a:xfrm>
+          <a:prstGeom prst="line">
+            <a:avLst/>
+          </a:prstGeom>
+          <a:ln w="28575">
+            <a:prstDash val="dash"/>
+            <a:headEnd type="arrow" w="med" len="med"/>
+            <a:tailEnd type="none" w="med" len="med"/>
+          </a:ln>
+        </p:spPr>
+        <p:style>
+          <a:lnRef idx="1">
+            <a:schemeClr val="accent2"/>
+          </a:lnRef>
+          <a:fillRef idx="0">
+            <a:schemeClr val="accent2"/>
+          </a:fillRef>
+          <a:effectRef idx="0">
+            <a:schemeClr val="accent2"/>
+          </a:effectRef>
+          <a:fontRef idx="minor">
+            <a:schemeClr val="tx1"/>
+          </a:fontRef>
+        </p:style>
+      </p:cxnSp>
+      <p:sp>
+        <p:nvSpPr>
+          <p:cNvPr id="12" name="Rectangle: Rounded Corners 11">
+            <a:extLst>
+              <a:ext uri="{FF2B5EF4-FFF2-40B4-BE49-F238E27FC236}">
+                <a16:creationId xmlns:a16="http://schemas.microsoft.com/office/drawing/2014/main" id="{70952645-EB9F-43CB-B349-80717C5091FD}"/>
+              </a:ext>
+            </a:extLst>
+          </p:cNvPr>
+          <p:cNvSpPr/>
+          <p:nvPr/>
+        </p:nvSpPr>
+        <p:spPr>
+          <a:xfrm>
+            <a:off x="5494355" y="1170970"/>
+            <a:ext cx="1109330" cy="755519"/>
+          </a:xfrm>
+          <a:prstGeom prst="roundRect">
+            <a:avLst/>
+          </a:prstGeom>
+          <a:solidFill>
+            <a:schemeClr val="accent4"/>
+          </a:solidFill>
+        </p:spPr>
+        <p:style>
+          <a:lnRef idx="2">
+            <a:schemeClr val="accent4">
+              <a:shade val="50000"/>
+            </a:schemeClr>
+          </a:lnRef>
+          <a:fillRef idx="1">
+            <a:schemeClr val="accent4"/>
+          </a:fillRef>
+          <a:effectRef idx="0">
+            <a:schemeClr val="accent4"/>
+          </a:effectRef>
+          <a:fontRef idx="minor">
+            <a:schemeClr val="lt1"/>
+          </a:fontRef>
+        </p:style>
+        <p:txBody>
+          <a:bodyPr rtlCol="0" anchor="ctr"/>
+          <a:lstStyle/>
+          <a:p>
+            <a:pPr algn="ctr"/>
+            <a:r>
+              <a:rPr lang="en-US" dirty="0"/>
+              <a:t>Resource</a:t>
+            </a:r>
+          </a:p>
+        </p:txBody>
+      </p:sp>
+      <p:sp>
+        <p:nvSpPr>
+          <p:cNvPr id="17" name="Rectangle: Rounded Corners 16">
+            <a:extLst>
+              <a:ext uri="{FF2B5EF4-FFF2-40B4-BE49-F238E27FC236}">
+                <a16:creationId xmlns:a16="http://schemas.microsoft.com/office/drawing/2014/main" id="{36803CC7-2130-4095-AB8F-910B55B4A821}"/>
+              </a:ext>
+            </a:extLst>
+          </p:cNvPr>
+          <p:cNvSpPr/>
+          <p:nvPr/>
+        </p:nvSpPr>
+        <p:spPr>
+          <a:xfrm>
+            <a:off x="4572000" y="2949508"/>
+            <a:ext cx="1109330" cy="755519"/>
+          </a:xfrm>
+          <a:prstGeom prst="roundRect">
+            <a:avLst/>
+          </a:prstGeom>
+          <a:solidFill>
+            <a:schemeClr val="accent4"/>
+          </a:solidFill>
+        </p:spPr>
+        <p:style>
+          <a:lnRef idx="2">
+            <a:schemeClr val="accent4">
+              <a:shade val="50000"/>
+            </a:schemeClr>
+          </a:lnRef>
+          <a:fillRef idx="1">
+            <a:schemeClr val="accent4"/>
+          </a:fillRef>
+          <a:effectRef idx="0">
+            <a:schemeClr val="accent4"/>
+          </a:effectRef>
+          <a:fontRef idx="minor">
+            <a:schemeClr val="lt1"/>
+          </a:fontRef>
+        </p:style>
+        <p:txBody>
+          <a:bodyPr rtlCol="0" anchor="ctr"/>
+          <a:lstStyle/>
+          <a:p>
+            <a:pPr algn="ctr"/>
+            <a:r>
+              <a:rPr lang="en-US" dirty="0"/>
+              <a:t>Resource</a:t>
+            </a:r>
+          </a:p>
+        </p:txBody>
+      </p:sp>
+      <p:sp>
+        <p:nvSpPr>
+          <p:cNvPr id="19" name="Rectangle: Rounded Corners 18">
+            <a:extLst>
+              <a:ext uri="{FF2B5EF4-FFF2-40B4-BE49-F238E27FC236}">
+                <a16:creationId xmlns:a16="http://schemas.microsoft.com/office/drawing/2014/main" id="{D6A033A4-5A6B-4900-B0EE-F0EF59EB66AC}"/>
+              </a:ext>
+            </a:extLst>
+          </p:cNvPr>
+          <p:cNvSpPr/>
+          <p:nvPr/>
+        </p:nvSpPr>
+        <p:spPr>
+          <a:xfrm>
+            <a:off x="2740602" y="3577551"/>
+            <a:ext cx="1109330" cy="755519"/>
+          </a:xfrm>
+          <a:prstGeom prst="roundRect">
+            <a:avLst/>
+          </a:prstGeom>
+          <a:solidFill>
+            <a:schemeClr val="accent4"/>
+          </a:solidFill>
+        </p:spPr>
+        <p:style>
+          <a:lnRef idx="2">
+            <a:schemeClr val="accent4">
+              <a:shade val="50000"/>
+            </a:schemeClr>
+          </a:lnRef>
+          <a:fillRef idx="1">
+            <a:schemeClr val="accent4"/>
+          </a:fillRef>
+          <a:effectRef idx="0">
+            <a:schemeClr val="accent4"/>
+          </a:effectRef>
+          <a:fontRef idx="minor">
+            <a:schemeClr val="lt1"/>
+          </a:fontRef>
+        </p:style>
+        <p:txBody>
+          <a:bodyPr rtlCol="0" anchor="ctr"/>
+          <a:lstStyle/>
+          <a:p>
+            <a:pPr algn="ctr"/>
+            <a:r>
+              <a:rPr lang="en-US" dirty="0"/>
+              <a:t>Resource</a:t>
+            </a:r>
+          </a:p>
+        </p:txBody>
+      </p:sp>
+      <p:cxnSp>
+        <p:nvCxnSpPr>
+          <p:cNvPr id="20" name="Straight Connector 19">
+            <a:extLst>
+              <a:ext uri="{FF2B5EF4-FFF2-40B4-BE49-F238E27FC236}">
+                <a16:creationId xmlns:a16="http://schemas.microsoft.com/office/drawing/2014/main" id="{CA3AA4E4-0F37-45AD-8457-995F7F570F1B}"/>
+              </a:ext>
+            </a:extLst>
+          </p:cNvPr>
+          <p:cNvCxnSpPr>
+            <a:cxnSpLocks/>
+            <a:stCxn id="17" idx="0"/>
+          </p:cNvCxnSpPr>
+          <p:nvPr/>
+        </p:nvCxnSpPr>
+        <p:spPr>
+          <a:xfrm flipH="1" flipV="1">
+            <a:off x="3405805" y="2074195"/>
+            <a:ext cx="1720860" cy="875313"/>
+          </a:xfrm>
+          <a:prstGeom prst="line">
+            <a:avLst/>
+          </a:prstGeom>
+          <a:ln w="28575">
+            <a:prstDash val="dash"/>
+            <a:headEnd type="arrow" w="med" len="med"/>
+            <a:tailEnd type="none" w="med" len="med"/>
+          </a:ln>
+        </p:spPr>
+        <p:style>
+          <a:lnRef idx="1">
+            <a:schemeClr val="accent2"/>
+          </a:lnRef>
+          <a:fillRef idx="0">
+            <a:schemeClr val="accent2"/>
+          </a:fillRef>
+          <a:effectRef idx="0">
+            <a:schemeClr val="accent2"/>
+          </a:effectRef>
+          <a:fontRef idx="minor">
+            <a:schemeClr val="tx1"/>
+          </a:fontRef>
+        </p:style>
+      </p:cxnSp>
+      <p:cxnSp>
+        <p:nvCxnSpPr>
+          <p:cNvPr id="23" name="Straight Connector 22">
+            <a:extLst>
+              <a:ext uri="{FF2B5EF4-FFF2-40B4-BE49-F238E27FC236}">
+                <a16:creationId xmlns:a16="http://schemas.microsoft.com/office/drawing/2014/main" id="{A69C0183-2547-44A0-B66B-E3C891266762}"/>
+              </a:ext>
+            </a:extLst>
+          </p:cNvPr>
+          <p:cNvCxnSpPr>
+            <a:cxnSpLocks/>
+            <a:stCxn id="19" idx="0"/>
+            <a:endCxn id="10" idx="2"/>
+          </p:cNvCxnSpPr>
+          <p:nvPr/>
+        </p:nvCxnSpPr>
+        <p:spPr>
+          <a:xfrm flipH="1" flipV="1">
+            <a:off x="2851140" y="2117690"/>
+            <a:ext cx="444127" cy="1459861"/>
+          </a:xfrm>
+          <a:prstGeom prst="line">
+            <a:avLst/>
+          </a:prstGeom>
+          <a:ln w="28575">
+            <a:prstDash val="dash"/>
+            <a:headEnd type="arrow" w="med" len="med"/>
+            <a:tailEnd type="none" w="med" len="med"/>
+          </a:ln>
+        </p:spPr>
+        <p:style>
+          <a:lnRef idx="1">
+            <a:schemeClr val="accent2"/>
+          </a:lnRef>
+          <a:fillRef idx="0">
+            <a:schemeClr val="accent2"/>
+          </a:fillRef>
+          <a:effectRef idx="0">
+            <a:schemeClr val="accent2"/>
+          </a:effectRef>
+          <a:fontRef idx="minor">
+            <a:schemeClr val="tx1"/>
+          </a:fontRef>
+        </p:style>
+      </p:cxnSp>
+      <p:sp>
+        <p:nvSpPr>
+          <p:cNvPr id="29" name="TextBox 28">
+            <a:extLst>
+              <a:ext uri="{FF2B5EF4-FFF2-40B4-BE49-F238E27FC236}">
+                <a16:creationId xmlns:a16="http://schemas.microsoft.com/office/drawing/2014/main" id="{2D05656A-6C5B-4E54-97ED-773B605AE7FA}"/>
+              </a:ext>
+            </a:extLst>
+          </p:cNvPr>
+          <p:cNvSpPr txBox="1"/>
+          <p:nvPr/>
+        </p:nvSpPr>
+        <p:spPr>
+          <a:xfrm>
+            <a:off x="3836597" y="1248647"/>
+            <a:ext cx="739498" cy="300082"/>
+          </a:xfrm>
+          <a:prstGeom prst="rect">
+            <a:avLst/>
+          </a:prstGeom>
+          <a:noFill/>
+        </p:spPr>
+        <p:txBody>
+          <a:bodyPr wrap="none" rtlCol="0">
+            <a:spAutoFit/>
+          </a:bodyPr>
+          <a:lstStyle/>
+          <a:p>
+            <a:r>
+              <a:rPr lang="en-US" b="1" dirty="0"/>
+              <a:t>Prepare</a:t>
+            </a:r>
+          </a:p>
+        </p:txBody>
+      </p:sp>
+      <p:sp>
+        <p:nvSpPr>
+          <p:cNvPr id="31" name="TextBox 30">
+            <a:extLst>
+              <a:ext uri="{FF2B5EF4-FFF2-40B4-BE49-F238E27FC236}">
+                <a16:creationId xmlns:a16="http://schemas.microsoft.com/office/drawing/2014/main" id="{14CF97DD-63D3-4A85-ABD5-A64F43544B09}"/>
+              </a:ext>
+            </a:extLst>
+          </p:cNvPr>
+          <p:cNvSpPr txBox="1"/>
+          <p:nvPr/>
+        </p:nvSpPr>
+        <p:spPr>
+          <a:xfrm>
+            <a:off x="3980790" y="2074926"/>
+            <a:ext cx="739498" cy="300082"/>
+          </a:xfrm>
+          <a:prstGeom prst="rect">
+            <a:avLst/>
+          </a:prstGeom>
+          <a:noFill/>
+        </p:spPr>
+        <p:txBody>
+          <a:bodyPr wrap="none" rtlCol="0">
+            <a:spAutoFit/>
+          </a:bodyPr>
+          <a:lstStyle/>
+          <a:p>
+            <a:r>
+              <a:rPr lang="en-US" b="1" dirty="0"/>
+              <a:t>Prepare</a:t>
+            </a:r>
+          </a:p>
+        </p:txBody>
+      </p:sp>
+      <p:sp>
+        <p:nvSpPr>
+          <p:cNvPr id="33" name="TextBox 32">
+            <a:extLst>
+              <a:ext uri="{FF2B5EF4-FFF2-40B4-BE49-F238E27FC236}">
+                <a16:creationId xmlns:a16="http://schemas.microsoft.com/office/drawing/2014/main" id="{ACBB5754-126C-4519-9B55-2EF7A0C86FAE}"/>
+              </a:ext>
+            </a:extLst>
+          </p:cNvPr>
+          <p:cNvSpPr txBox="1"/>
+          <p:nvPr/>
+        </p:nvSpPr>
+        <p:spPr>
+          <a:xfrm>
+            <a:off x="3036056" y="2608268"/>
+            <a:ext cx="739498" cy="300082"/>
+          </a:xfrm>
+          <a:prstGeom prst="rect">
+            <a:avLst/>
+          </a:prstGeom>
+          <a:noFill/>
+        </p:spPr>
+        <p:txBody>
+          <a:bodyPr wrap="none" rtlCol="0">
+            <a:spAutoFit/>
+          </a:bodyPr>
+          <a:lstStyle/>
+          <a:p>
+            <a:r>
+              <a:rPr lang="en-US" b="1" dirty="0"/>
+              <a:t>Prepare</a:t>
+            </a:r>
+          </a:p>
+        </p:txBody>
+      </p:sp>
+      <p:cxnSp>
+        <p:nvCxnSpPr>
+          <p:cNvPr id="34" name="Straight Connector 33">
+            <a:extLst>
+              <a:ext uri="{FF2B5EF4-FFF2-40B4-BE49-F238E27FC236}">
+                <a16:creationId xmlns:a16="http://schemas.microsoft.com/office/drawing/2014/main" id="{62F7EC0D-3A48-4BE9-848A-A6CA51631A43}"/>
+              </a:ext>
+            </a:extLst>
+          </p:cNvPr>
+          <p:cNvCxnSpPr>
+            <a:cxnSpLocks/>
+          </p:cNvCxnSpPr>
+          <p:nvPr/>
+        </p:nvCxnSpPr>
+        <p:spPr>
+          <a:xfrm>
+            <a:off x="2681550" y="2070353"/>
+            <a:ext cx="445991" cy="1503357"/>
+          </a:xfrm>
+          <a:prstGeom prst="line">
+            <a:avLst/>
+          </a:prstGeom>
+          <a:ln w="28575">
+            <a:prstDash val="dash"/>
+            <a:headEnd type="arrow" w="med" len="med"/>
+            <a:tailEnd type="none" w="med" len="med"/>
+          </a:ln>
+        </p:spPr>
+        <p:style>
+          <a:lnRef idx="1">
+            <a:schemeClr val="accent2"/>
+          </a:lnRef>
+          <a:fillRef idx="0">
+            <a:schemeClr val="accent2"/>
+          </a:fillRef>
+          <a:effectRef idx="0">
+            <a:schemeClr val="accent2"/>
+          </a:effectRef>
+          <a:fontRef idx="minor">
+            <a:schemeClr val="tx1"/>
+          </a:fontRef>
+        </p:style>
+      </p:cxnSp>
+      <p:cxnSp>
+        <p:nvCxnSpPr>
+          <p:cNvPr id="37" name="Straight Connector 36">
+            <a:extLst>
+              <a:ext uri="{FF2B5EF4-FFF2-40B4-BE49-F238E27FC236}">
+                <a16:creationId xmlns:a16="http://schemas.microsoft.com/office/drawing/2014/main" id="{67F6BCB0-93F8-44DB-B706-DF2C183BB727}"/>
+              </a:ext>
+            </a:extLst>
+          </p:cNvPr>
+          <p:cNvCxnSpPr>
+            <a:cxnSpLocks/>
+          </p:cNvCxnSpPr>
+          <p:nvPr/>
+        </p:nvCxnSpPr>
+        <p:spPr>
+          <a:xfrm>
+            <a:off x="3238313" y="2117690"/>
+            <a:ext cx="1592513" cy="831818"/>
+          </a:xfrm>
+          <a:prstGeom prst="line">
+            <a:avLst/>
+          </a:prstGeom>
+          <a:ln w="28575">
+            <a:prstDash val="dash"/>
+            <a:headEnd type="arrow" w="med" len="med"/>
+            <a:tailEnd type="none" w="med" len="med"/>
+          </a:ln>
+        </p:spPr>
+        <p:style>
+          <a:lnRef idx="1">
+            <a:schemeClr val="accent2"/>
+          </a:lnRef>
+          <a:fillRef idx="0">
+            <a:schemeClr val="accent2"/>
+          </a:fillRef>
+          <a:effectRef idx="0">
+            <a:schemeClr val="accent2"/>
+          </a:effectRef>
+          <a:fontRef idx="minor">
+            <a:schemeClr val="tx1"/>
+          </a:fontRef>
+        </p:style>
+      </p:cxnSp>
+      <p:cxnSp>
+        <p:nvCxnSpPr>
+          <p:cNvPr id="42" name="Straight Connector 41">
+            <a:extLst>
+              <a:ext uri="{FF2B5EF4-FFF2-40B4-BE49-F238E27FC236}">
+                <a16:creationId xmlns:a16="http://schemas.microsoft.com/office/drawing/2014/main" id="{8F34811A-B486-48B0-BD44-DE6F43C3634C}"/>
+              </a:ext>
+            </a:extLst>
+          </p:cNvPr>
+          <p:cNvCxnSpPr>
+            <a:cxnSpLocks/>
+          </p:cNvCxnSpPr>
+          <p:nvPr/>
+        </p:nvCxnSpPr>
+        <p:spPr>
+          <a:xfrm flipV="1">
+            <a:off x="3398259" y="1680034"/>
+            <a:ext cx="2096096" cy="195550"/>
+          </a:xfrm>
+          <a:prstGeom prst="line">
+            <a:avLst/>
+          </a:prstGeom>
+          <a:ln w="28575">
+            <a:prstDash val="dash"/>
+            <a:headEnd type="arrow" w="med" len="med"/>
+            <a:tailEnd type="none" w="med" len="med"/>
+          </a:ln>
+        </p:spPr>
+        <p:style>
+          <a:lnRef idx="1">
+            <a:schemeClr val="accent2"/>
+          </a:lnRef>
+          <a:fillRef idx="0">
+            <a:schemeClr val="accent2"/>
+          </a:fillRef>
+          <a:effectRef idx="0">
+            <a:schemeClr val="accent2"/>
+          </a:effectRef>
+          <a:fontRef idx="minor">
+            <a:schemeClr val="tx1"/>
+          </a:fontRef>
+        </p:style>
+      </p:cxnSp>
+    </p:spTree>
+    <p:extLst>
+      <p:ext uri="{BB962C8B-B14F-4D97-AF65-F5344CB8AC3E}">
+        <p14:creationId xmlns:p14="http://schemas.microsoft.com/office/powerpoint/2010/main" val="625387443"/>
+      </p:ext>
+    </p:extLst>
+  </p:cSld>
+  <p:clrMapOvr>
+    <a:masterClrMapping/>
+  </p:clrMapOvr>
+</p:sld>
+</file>
+
+<file path=ppt/slides/slide23.xml><?xml version="1.0" encoding="utf-8"?>
+<p:sld xmlns:a="http://schemas.openxmlformats.org/drawingml/2006/main" xmlns:r="http://schemas.openxmlformats.org/officeDocument/2006/relationships" xmlns:p="http://schemas.openxmlformats.org/presentationml/2006/main">
+  <p:cSld>
+    <p:spTree>
+      <p:nvGrpSpPr>
+        <p:cNvPr id="1" name=""/>
+        <p:cNvGrpSpPr/>
+        <p:nvPr/>
+      </p:nvGrpSpPr>
+      <p:grpSpPr>
+        <a:xfrm>
+          <a:off x="0" y="0"/>
+          <a:ext cx="0" cy="0"/>
+          <a:chOff x="0" y="0"/>
+          <a:chExt cx="0" cy="0"/>
+        </a:xfrm>
+      </p:grpSpPr>
+      <p:sp>
+        <p:nvSpPr>
+          <p:cNvPr id="4" name="Title 3">
+            <a:extLst>
+              <a:ext uri="{FF2B5EF4-FFF2-40B4-BE49-F238E27FC236}">
+                <a16:creationId xmlns:a16="http://schemas.microsoft.com/office/drawing/2014/main" id="{40FE1EA5-A1D5-4AC1-9ED4-656C6A6CEDD9}"/>
+              </a:ext>
+            </a:extLst>
+          </p:cNvPr>
+          <p:cNvSpPr>
+            <a:spLocks noGrp="1"/>
+          </p:cNvSpPr>
+          <p:nvPr>
+            <p:ph type="title"/>
+          </p:nvPr>
+        </p:nvSpPr>
+        <p:spPr/>
+        <p:txBody>
+          <a:bodyPr/>
+          <a:lstStyle/>
+          <a:p>
+            <a:r>
+              <a:rPr lang="en-US" dirty="0"/>
+              <a:t>TWO-PHASE COMMIT</a:t>
+            </a:r>
+          </a:p>
+        </p:txBody>
+      </p:sp>
+      <p:sp>
+        <p:nvSpPr>
+          <p:cNvPr id="3" name="Slide Number Placeholder 2">
+            <a:extLst>
+              <a:ext uri="{FF2B5EF4-FFF2-40B4-BE49-F238E27FC236}">
+                <a16:creationId xmlns:a16="http://schemas.microsoft.com/office/drawing/2014/main" id="{A918787D-0A17-41FF-999F-55829A91989B}"/>
+              </a:ext>
+            </a:extLst>
+          </p:cNvPr>
+          <p:cNvSpPr>
+            <a:spLocks noGrp="1"/>
+          </p:cNvSpPr>
+          <p:nvPr>
+            <p:ph type="sldNum" sz="quarter" idx="4"/>
+          </p:nvPr>
+        </p:nvSpPr>
+        <p:spPr/>
+        <p:txBody>
+          <a:bodyPr/>
+          <a:lstStyle/>
+          <a:p>
+            <a:fld id="{3A707DD9-E92B-45E8-BE0A-E6B2EDF345EB}" type="slidenum">
+              <a:rPr lang="en-US" smtClean="0"/>
+              <a:pPr/>
+              <a:t>23</a:t>
+            </a:fld>
+            <a:endParaRPr lang="en-US" dirty="0"/>
+          </a:p>
+        </p:txBody>
+      </p:sp>
+      <p:grpSp>
+        <p:nvGrpSpPr>
+          <p:cNvPr id="5" name="Group 4">
+            <a:extLst>
+              <a:ext uri="{FF2B5EF4-FFF2-40B4-BE49-F238E27FC236}">
+                <a16:creationId xmlns:a16="http://schemas.microsoft.com/office/drawing/2014/main" id="{AEE30EA7-2489-4EF1-B47B-67AB88A73ACE}"/>
+              </a:ext>
+            </a:extLst>
+          </p:cNvPr>
+          <p:cNvGrpSpPr/>
+          <p:nvPr/>
+        </p:nvGrpSpPr>
+        <p:grpSpPr>
+          <a:xfrm>
+            <a:off x="149062" y="3498111"/>
+            <a:ext cx="1575688" cy="1192675"/>
+            <a:chOff x="174621" y="3533552"/>
+            <a:chExt cx="1575688" cy="1192675"/>
+          </a:xfrm>
+        </p:grpSpPr>
+        <p:pic>
+          <p:nvPicPr>
+            <p:cNvPr id="6" name="Graphic 5" descr="Warning">
+              <a:extLst>
+                <a:ext uri="{FF2B5EF4-FFF2-40B4-BE49-F238E27FC236}">
+                  <a16:creationId xmlns:a16="http://schemas.microsoft.com/office/drawing/2014/main" id="{F5BA7D04-AB29-41EF-B5C8-0EAA04791452}"/>
+                </a:ext>
+              </a:extLst>
+            </p:cNvPr>
+            <p:cNvPicPr>
+              <a:picLocks noChangeAspect="1"/>
+            </p:cNvPicPr>
+            <p:nvPr/>
+          </p:nvPicPr>
+          <p:blipFill>
+            <a:blip r:embed="rId2">
+              <a:extLst>
+                <a:ext uri="{28A0092B-C50C-407E-A947-70E740481C1C}">
+                  <a14:useLocalDpi xmlns:a14="http://schemas.microsoft.com/office/drawing/2010/main" val="0"/>
+                </a:ext>
+                <a:ext uri="{96DAC541-7B7A-43D3-8B79-37D633B846F1}">
+                  <asvg:svgBlip xmlns:asvg="http://schemas.microsoft.com/office/drawing/2016/SVG/main" r:embed="rId3"/>
+                </a:ext>
+              </a:extLst>
+            </a:blip>
+            <a:stretch>
+              <a:fillRect/>
+            </a:stretch>
+          </p:blipFill>
+          <p:spPr>
+            <a:xfrm>
+              <a:off x="505265" y="3533552"/>
+              <a:ext cx="914400" cy="914400"/>
+            </a:xfrm>
+            <a:prstGeom prst="rect">
+              <a:avLst/>
+            </a:prstGeom>
+          </p:spPr>
+        </p:pic>
+        <p:sp>
+          <p:nvSpPr>
+            <p:cNvPr id="7" name="Rectangle 6">
+              <a:extLst>
+                <a:ext uri="{FF2B5EF4-FFF2-40B4-BE49-F238E27FC236}">
+                  <a16:creationId xmlns:a16="http://schemas.microsoft.com/office/drawing/2014/main" id="{EE1EF4DF-705F-4797-A6D3-D6684F6E746E}"/>
+                </a:ext>
+              </a:extLst>
+            </p:cNvPr>
+            <p:cNvSpPr/>
+            <p:nvPr/>
+          </p:nvSpPr>
+          <p:spPr>
+            <a:xfrm>
+              <a:off x="174621" y="4356895"/>
+              <a:ext cx="1575688" cy="369332"/>
+            </a:xfrm>
+            <a:prstGeom prst="rect">
+              <a:avLst/>
+            </a:prstGeom>
+            <a:noFill/>
+          </p:spPr>
+          <p:txBody>
+            <a:bodyPr wrap="none" lIns="91440" tIns="45720" rIns="91440" bIns="45720">
+              <a:spAutoFit/>
+            </a:bodyPr>
+            <a:lstStyle/>
+            <a:p>
+              <a:pPr algn="ctr"/>
+              <a:r>
+                <a:rPr lang="en-US" sz="1800" b="1" dirty="0">
+                  <a:ln w="9525">
+                    <a:solidFill>
+                      <a:schemeClr val="bg1"/>
+                    </a:solidFill>
+                    <a:prstDash val="solid"/>
+                  </a:ln>
+                  <a:effectLst>
+                    <a:outerShdw blurRad="12700" dist="38100" dir="2700000" algn="tl" rotWithShape="0">
+                      <a:schemeClr val="bg1">
+                        <a:lumMod val="50000"/>
+                      </a:schemeClr>
+                    </a:outerShdw>
+                  </a:effectLst>
+                </a:rPr>
+                <a:t>ANTI-PATTERN</a:t>
+              </a:r>
+              <a:endParaRPr lang="en-US" sz="1800" b="1" cap="none" spc="0" dirty="0">
+                <a:ln w="9525">
+                  <a:solidFill>
+                    <a:schemeClr val="bg1"/>
+                  </a:solidFill>
+                  <a:prstDash val="solid"/>
+                </a:ln>
+                <a:solidFill>
+                  <a:schemeClr val="tx1"/>
+                </a:solidFill>
+                <a:effectLst>
+                  <a:outerShdw blurRad="12700" dist="38100" dir="2700000" algn="tl" rotWithShape="0">
+                    <a:schemeClr val="bg1">
+                      <a:lumMod val="50000"/>
+                    </a:schemeClr>
+                  </a:outerShdw>
+                </a:effectLst>
+              </a:endParaRPr>
+            </a:p>
+          </p:txBody>
+        </p:sp>
+      </p:grpSp>
+      <p:sp>
+        <p:nvSpPr>
+          <p:cNvPr id="10" name="Rectangle: Rounded Corners 9">
+            <a:extLst>
+              <a:ext uri="{FF2B5EF4-FFF2-40B4-BE49-F238E27FC236}">
+                <a16:creationId xmlns:a16="http://schemas.microsoft.com/office/drawing/2014/main" id="{22A7FE25-4650-45F2-A635-BB43D9A31E5C}"/>
+              </a:ext>
+            </a:extLst>
+          </p:cNvPr>
+          <p:cNvSpPr/>
+          <p:nvPr/>
+        </p:nvSpPr>
+        <p:spPr>
+          <a:xfrm>
+            <a:off x="2296475" y="1362171"/>
+            <a:ext cx="1109330" cy="755519"/>
+          </a:xfrm>
+          <a:prstGeom prst="roundRect">
+            <a:avLst/>
+          </a:prstGeom>
+        </p:spPr>
+        <p:style>
+          <a:lnRef idx="2">
+            <a:schemeClr val="accent3">
+              <a:shade val="50000"/>
+            </a:schemeClr>
+          </a:lnRef>
+          <a:fillRef idx="1">
+            <a:schemeClr val="accent3"/>
+          </a:fillRef>
+          <a:effectRef idx="0">
+            <a:schemeClr val="accent3"/>
+          </a:effectRef>
+          <a:fontRef idx="minor">
+            <a:schemeClr val="lt1"/>
+          </a:fontRef>
+        </p:style>
+        <p:txBody>
+          <a:bodyPr rtlCol="0" anchor="ctr"/>
+          <a:lstStyle/>
+          <a:p>
+            <a:pPr algn="ctr"/>
+            <a:r>
+              <a:rPr lang="en-US" dirty="0"/>
+              <a:t>Coordinator</a:t>
+            </a:r>
+          </a:p>
+        </p:txBody>
+      </p:sp>
+      <p:cxnSp>
+        <p:nvCxnSpPr>
+          <p:cNvPr id="11" name="Straight Connector 10">
+            <a:extLst>
+              <a:ext uri="{FF2B5EF4-FFF2-40B4-BE49-F238E27FC236}">
+                <a16:creationId xmlns:a16="http://schemas.microsoft.com/office/drawing/2014/main" id="{B733B1D5-3D1C-4633-BA68-26271A1FE203}"/>
+              </a:ext>
+            </a:extLst>
+          </p:cNvPr>
+          <p:cNvCxnSpPr>
+            <a:cxnSpLocks/>
+            <a:stCxn id="12" idx="1"/>
+            <a:endCxn id="10" idx="3"/>
+          </p:cNvCxnSpPr>
+          <p:nvPr/>
+        </p:nvCxnSpPr>
+        <p:spPr>
+          <a:xfrm flipH="1">
+            <a:off x="3405805" y="1548730"/>
+            <a:ext cx="2088550" cy="191201"/>
+          </a:xfrm>
+          <a:prstGeom prst="line">
+            <a:avLst/>
+          </a:prstGeom>
+          <a:ln w="28575">
+            <a:prstDash val="dash"/>
+            <a:headEnd type="arrow" w="med" len="med"/>
+            <a:tailEnd type="none" w="med" len="med"/>
+          </a:ln>
+        </p:spPr>
+        <p:style>
+          <a:lnRef idx="1">
+            <a:schemeClr val="accent2"/>
+          </a:lnRef>
+          <a:fillRef idx="0">
+            <a:schemeClr val="accent2"/>
+          </a:fillRef>
+          <a:effectRef idx="0">
+            <a:schemeClr val="accent2"/>
+          </a:effectRef>
+          <a:fontRef idx="minor">
+            <a:schemeClr val="tx1"/>
+          </a:fontRef>
+        </p:style>
+      </p:cxnSp>
+      <p:sp>
+        <p:nvSpPr>
+          <p:cNvPr id="12" name="Rectangle: Rounded Corners 11">
+            <a:extLst>
+              <a:ext uri="{FF2B5EF4-FFF2-40B4-BE49-F238E27FC236}">
+                <a16:creationId xmlns:a16="http://schemas.microsoft.com/office/drawing/2014/main" id="{70952645-EB9F-43CB-B349-80717C5091FD}"/>
+              </a:ext>
+            </a:extLst>
+          </p:cNvPr>
+          <p:cNvSpPr/>
+          <p:nvPr/>
+        </p:nvSpPr>
+        <p:spPr>
+          <a:xfrm>
+            <a:off x="5494355" y="1170970"/>
+            <a:ext cx="1109330" cy="755519"/>
+          </a:xfrm>
+          <a:prstGeom prst="roundRect">
+            <a:avLst/>
+          </a:prstGeom>
+          <a:solidFill>
+            <a:schemeClr val="accent4"/>
+          </a:solidFill>
+        </p:spPr>
+        <p:style>
+          <a:lnRef idx="2">
+            <a:schemeClr val="accent4">
+              <a:shade val="50000"/>
+            </a:schemeClr>
+          </a:lnRef>
+          <a:fillRef idx="1">
+            <a:schemeClr val="accent4"/>
+          </a:fillRef>
+          <a:effectRef idx="0">
+            <a:schemeClr val="accent4"/>
+          </a:effectRef>
+          <a:fontRef idx="minor">
+            <a:schemeClr val="lt1"/>
+          </a:fontRef>
+        </p:style>
+        <p:txBody>
+          <a:bodyPr rtlCol="0" anchor="ctr"/>
+          <a:lstStyle/>
+          <a:p>
+            <a:pPr algn="ctr"/>
+            <a:r>
+              <a:rPr lang="en-US" dirty="0"/>
+              <a:t>Resource</a:t>
+            </a:r>
+          </a:p>
+        </p:txBody>
+      </p:sp>
+      <p:sp>
+        <p:nvSpPr>
+          <p:cNvPr id="17" name="Rectangle: Rounded Corners 16">
+            <a:extLst>
+              <a:ext uri="{FF2B5EF4-FFF2-40B4-BE49-F238E27FC236}">
+                <a16:creationId xmlns:a16="http://schemas.microsoft.com/office/drawing/2014/main" id="{36803CC7-2130-4095-AB8F-910B55B4A821}"/>
+              </a:ext>
+            </a:extLst>
+          </p:cNvPr>
+          <p:cNvSpPr/>
+          <p:nvPr/>
+        </p:nvSpPr>
+        <p:spPr>
+          <a:xfrm>
+            <a:off x="4572000" y="2949508"/>
+            <a:ext cx="1109330" cy="755519"/>
+          </a:xfrm>
+          <a:prstGeom prst="roundRect">
+            <a:avLst/>
+          </a:prstGeom>
+          <a:solidFill>
+            <a:schemeClr val="accent4"/>
+          </a:solidFill>
+        </p:spPr>
+        <p:style>
+          <a:lnRef idx="2">
+            <a:schemeClr val="accent4">
+              <a:shade val="50000"/>
+            </a:schemeClr>
+          </a:lnRef>
+          <a:fillRef idx="1">
+            <a:schemeClr val="accent4"/>
+          </a:fillRef>
+          <a:effectRef idx="0">
+            <a:schemeClr val="accent4"/>
+          </a:effectRef>
+          <a:fontRef idx="minor">
+            <a:schemeClr val="lt1"/>
+          </a:fontRef>
+        </p:style>
+        <p:txBody>
+          <a:bodyPr rtlCol="0" anchor="ctr"/>
+          <a:lstStyle/>
+          <a:p>
+            <a:pPr algn="ctr"/>
+            <a:r>
+              <a:rPr lang="en-US" dirty="0"/>
+              <a:t>Resource</a:t>
+            </a:r>
+          </a:p>
+        </p:txBody>
+      </p:sp>
+      <p:sp>
+        <p:nvSpPr>
+          <p:cNvPr id="19" name="Rectangle: Rounded Corners 18">
+            <a:extLst>
+              <a:ext uri="{FF2B5EF4-FFF2-40B4-BE49-F238E27FC236}">
+                <a16:creationId xmlns:a16="http://schemas.microsoft.com/office/drawing/2014/main" id="{D6A033A4-5A6B-4900-B0EE-F0EF59EB66AC}"/>
+              </a:ext>
+            </a:extLst>
+          </p:cNvPr>
+          <p:cNvSpPr/>
+          <p:nvPr/>
+        </p:nvSpPr>
+        <p:spPr>
+          <a:xfrm>
+            <a:off x="2740602" y="3577551"/>
+            <a:ext cx="1109330" cy="755519"/>
+          </a:xfrm>
+          <a:prstGeom prst="roundRect">
+            <a:avLst/>
+          </a:prstGeom>
+          <a:solidFill>
+            <a:schemeClr val="accent4"/>
+          </a:solidFill>
+        </p:spPr>
+        <p:style>
+          <a:lnRef idx="2">
+            <a:schemeClr val="accent4">
+              <a:shade val="50000"/>
+            </a:schemeClr>
+          </a:lnRef>
+          <a:fillRef idx="1">
+            <a:schemeClr val="accent4"/>
+          </a:fillRef>
+          <a:effectRef idx="0">
+            <a:schemeClr val="accent4"/>
+          </a:effectRef>
+          <a:fontRef idx="minor">
+            <a:schemeClr val="lt1"/>
+          </a:fontRef>
+        </p:style>
+        <p:txBody>
+          <a:bodyPr rtlCol="0" anchor="ctr"/>
+          <a:lstStyle/>
+          <a:p>
+            <a:pPr algn="ctr"/>
+            <a:r>
+              <a:rPr lang="en-US" dirty="0"/>
+              <a:t>Resource</a:t>
+            </a:r>
+          </a:p>
+        </p:txBody>
+      </p:sp>
+      <p:cxnSp>
+        <p:nvCxnSpPr>
+          <p:cNvPr id="20" name="Straight Connector 19">
+            <a:extLst>
+              <a:ext uri="{FF2B5EF4-FFF2-40B4-BE49-F238E27FC236}">
+                <a16:creationId xmlns:a16="http://schemas.microsoft.com/office/drawing/2014/main" id="{CA3AA4E4-0F37-45AD-8457-995F7F570F1B}"/>
+              </a:ext>
+            </a:extLst>
+          </p:cNvPr>
+          <p:cNvCxnSpPr>
+            <a:cxnSpLocks/>
+            <a:stCxn id="17" idx="0"/>
+          </p:cNvCxnSpPr>
+          <p:nvPr/>
+        </p:nvCxnSpPr>
+        <p:spPr>
+          <a:xfrm flipH="1" flipV="1">
+            <a:off x="3405805" y="2074195"/>
+            <a:ext cx="1720860" cy="875313"/>
+          </a:xfrm>
+          <a:prstGeom prst="line">
+            <a:avLst/>
+          </a:prstGeom>
+          <a:ln w="28575">
+            <a:prstDash val="dash"/>
+            <a:headEnd type="arrow" w="med" len="med"/>
+            <a:tailEnd type="none" w="med" len="med"/>
+          </a:ln>
+        </p:spPr>
+        <p:style>
+          <a:lnRef idx="1">
+            <a:schemeClr val="accent2"/>
+          </a:lnRef>
+          <a:fillRef idx="0">
+            <a:schemeClr val="accent2"/>
+          </a:fillRef>
+          <a:effectRef idx="0">
+            <a:schemeClr val="accent2"/>
+          </a:effectRef>
+          <a:fontRef idx="minor">
+            <a:schemeClr val="tx1"/>
+          </a:fontRef>
+        </p:style>
+      </p:cxnSp>
+      <p:cxnSp>
+        <p:nvCxnSpPr>
+          <p:cNvPr id="23" name="Straight Connector 22">
+            <a:extLst>
+              <a:ext uri="{FF2B5EF4-FFF2-40B4-BE49-F238E27FC236}">
+                <a16:creationId xmlns:a16="http://schemas.microsoft.com/office/drawing/2014/main" id="{A69C0183-2547-44A0-B66B-E3C891266762}"/>
+              </a:ext>
+            </a:extLst>
+          </p:cNvPr>
+          <p:cNvCxnSpPr>
+            <a:cxnSpLocks/>
+            <a:stCxn id="19" idx="0"/>
+            <a:endCxn id="10" idx="2"/>
+          </p:cNvCxnSpPr>
+          <p:nvPr/>
+        </p:nvCxnSpPr>
+        <p:spPr>
+          <a:xfrm flipH="1" flipV="1">
+            <a:off x="2851140" y="2117690"/>
+            <a:ext cx="444127" cy="1459861"/>
+          </a:xfrm>
+          <a:prstGeom prst="line">
+            <a:avLst/>
+          </a:prstGeom>
+          <a:ln w="28575">
+            <a:prstDash val="dash"/>
+            <a:headEnd type="arrow" w="med" len="med"/>
+            <a:tailEnd type="none" w="med" len="med"/>
+          </a:ln>
+        </p:spPr>
+        <p:style>
+          <a:lnRef idx="1">
+            <a:schemeClr val="accent2"/>
+          </a:lnRef>
+          <a:fillRef idx="0">
+            <a:schemeClr val="accent2"/>
+          </a:fillRef>
+          <a:effectRef idx="0">
+            <a:schemeClr val="accent2"/>
+          </a:effectRef>
+          <a:fontRef idx="minor">
+            <a:schemeClr val="tx1"/>
+          </a:fontRef>
+        </p:style>
+      </p:cxnSp>
+      <p:sp>
+        <p:nvSpPr>
+          <p:cNvPr id="29" name="TextBox 28">
+            <a:extLst>
+              <a:ext uri="{FF2B5EF4-FFF2-40B4-BE49-F238E27FC236}">
+                <a16:creationId xmlns:a16="http://schemas.microsoft.com/office/drawing/2014/main" id="{2D05656A-6C5B-4E54-97ED-773B605AE7FA}"/>
+              </a:ext>
+            </a:extLst>
+          </p:cNvPr>
+          <p:cNvSpPr txBox="1"/>
+          <p:nvPr/>
+        </p:nvSpPr>
+        <p:spPr>
+          <a:xfrm>
+            <a:off x="3836597" y="1248647"/>
+            <a:ext cx="753732" cy="300082"/>
+          </a:xfrm>
+          <a:prstGeom prst="rect">
+            <a:avLst/>
+          </a:prstGeom>
+          <a:noFill/>
+        </p:spPr>
+        <p:txBody>
+          <a:bodyPr wrap="none" rtlCol="0">
+            <a:spAutoFit/>
+          </a:bodyPr>
+          <a:lstStyle/>
+          <a:p>
+            <a:r>
+              <a:rPr lang="en-US" b="1" dirty="0"/>
+              <a:t>Commit</a:t>
+            </a:r>
+          </a:p>
+        </p:txBody>
+      </p:sp>
+      <p:sp>
+        <p:nvSpPr>
+          <p:cNvPr id="31" name="TextBox 30">
+            <a:extLst>
+              <a:ext uri="{FF2B5EF4-FFF2-40B4-BE49-F238E27FC236}">
+                <a16:creationId xmlns:a16="http://schemas.microsoft.com/office/drawing/2014/main" id="{14CF97DD-63D3-4A85-ABD5-A64F43544B09}"/>
+              </a:ext>
+            </a:extLst>
+          </p:cNvPr>
+          <p:cNvSpPr txBox="1"/>
+          <p:nvPr/>
+        </p:nvSpPr>
+        <p:spPr>
+          <a:xfrm>
+            <a:off x="3980790" y="2074926"/>
+            <a:ext cx="753732" cy="300082"/>
+          </a:xfrm>
+          <a:prstGeom prst="rect">
+            <a:avLst/>
+          </a:prstGeom>
+          <a:noFill/>
+        </p:spPr>
+        <p:txBody>
+          <a:bodyPr wrap="none" rtlCol="0">
+            <a:spAutoFit/>
+          </a:bodyPr>
+          <a:lstStyle/>
+          <a:p>
+            <a:r>
+              <a:rPr lang="en-US" b="1" dirty="0"/>
+              <a:t>Commit</a:t>
+            </a:r>
+          </a:p>
+        </p:txBody>
+      </p:sp>
+      <p:sp>
+        <p:nvSpPr>
+          <p:cNvPr id="33" name="TextBox 32">
+            <a:extLst>
+              <a:ext uri="{FF2B5EF4-FFF2-40B4-BE49-F238E27FC236}">
+                <a16:creationId xmlns:a16="http://schemas.microsoft.com/office/drawing/2014/main" id="{ACBB5754-126C-4519-9B55-2EF7A0C86FAE}"/>
+              </a:ext>
+            </a:extLst>
+          </p:cNvPr>
+          <p:cNvSpPr txBox="1"/>
+          <p:nvPr/>
+        </p:nvSpPr>
+        <p:spPr>
+          <a:xfrm>
+            <a:off x="3036056" y="2608268"/>
+            <a:ext cx="753732" cy="300082"/>
+          </a:xfrm>
+          <a:prstGeom prst="rect">
+            <a:avLst/>
+          </a:prstGeom>
+          <a:noFill/>
+        </p:spPr>
+        <p:txBody>
+          <a:bodyPr wrap="none" rtlCol="0">
+            <a:spAutoFit/>
+          </a:bodyPr>
+          <a:lstStyle/>
+          <a:p>
+            <a:r>
+              <a:rPr lang="en-US" b="1" dirty="0"/>
+              <a:t>Commit</a:t>
+            </a:r>
+          </a:p>
+        </p:txBody>
+      </p:sp>
+      <p:cxnSp>
+        <p:nvCxnSpPr>
+          <p:cNvPr id="34" name="Straight Connector 33">
+            <a:extLst>
+              <a:ext uri="{FF2B5EF4-FFF2-40B4-BE49-F238E27FC236}">
+                <a16:creationId xmlns:a16="http://schemas.microsoft.com/office/drawing/2014/main" id="{62F7EC0D-3A48-4BE9-848A-A6CA51631A43}"/>
+              </a:ext>
+            </a:extLst>
+          </p:cNvPr>
+          <p:cNvCxnSpPr>
+            <a:cxnSpLocks/>
+          </p:cNvCxnSpPr>
+          <p:nvPr/>
+        </p:nvCxnSpPr>
+        <p:spPr>
+          <a:xfrm>
+            <a:off x="2681550" y="2070353"/>
+            <a:ext cx="445991" cy="1503357"/>
+          </a:xfrm>
+          <a:prstGeom prst="line">
+            <a:avLst/>
+          </a:prstGeom>
+          <a:ln w="28575">
+            <a:prstDash val="dash"/>
+            <a:headEnd type="arrow" w="med" len="med"/>
+            <a:tailEnd type="none" w="med" len="med"/>
+          </a:ln>
+        </p:spPr>
+        <p:style>
+          <a:lnRef idx="1">
+            <a:schemeClr val="accent2"/>
+          </a:lnRef>
+          <a:fillRef idx="0">
+            <a:schemeClr val="accent2"/>
+          </a:fillRef>
+          <a:effectRef idx="0">
+            <a:schemeClr val="accent2"/>
+          </a:effectRef>
+          <a:fontRef idx="minor">
+            <a:schemeClr val="tx1"/>
+          </a:fontRef>
+        </p:style>
+      </p:cxnSp>
+      <p:cxnSp>
+        <p:nvCxnSpPr>
+          <p:cNvPr id="37" name="Straight Connector 36">
+            <a:extLst>
+              <a:ext uri="{FF2B5EF4-FFF2-40B4-BE49-F238E27FC236}">
+                <a16:creationId xmlns:a16="http://schemas.microsoft.com/office/drawing/2014/main" id="{67F6BCB0-93F8-44DB-B706-DF2C183BB727}"/>
+              </a:ext>
+            </a:extLst>
+          </p:cNvPr>
+          <p:cNvCxnSpPr>
+            <a:cxnSpLocks/>
+          </p:cNvCxnSpPr>
+          <p:nvPr/>
+        </p:nvCxnSpPr>
+        <p:spPr>
+          <a:xfrm>
+            <a:off x="3238313" y="2117690"/>
+            <a:ext cx="1592513" cy="831818"/>
+          </a:xfrm>
+          <a:prstGeom prst="line">
+            <a:avLst/>
+          </a:prstGeom>
+          <a:ln w="28575">
+            <a:prstDash val="dash"/>
+            <a:headEnd type="arrow" w="med" len="med"/>
+            <a:tailEnd type="none" w="med" len="med"/>
+          </a:ln>
+        </p:spPr>
+        <p:style>
+          <a:lnRef idx="1">
+            <a:schemeClr val="accent2"/>
+          </a:lnRef>
+          <a:fillRef idx="0">
+            <a:schemeClr val="accent2"/>
+          </a:fillRef>
+          <a:effectRef idx="0">
+            <a:schemeClr val="accent2"/>
+          </a:effectRef>
+          <a:fontRef idx="minor">
+            <a:schemeClr val="tx1"/>
+          </a:fontRef>
+        </p:style>
+      </p:cxnSp>
+      <p:cxnSp>
+        <p:nvCxnSpPr>
+          <p:cNvPr id="42" name="Straight Connector 41">
+            <a:extLst>
+              <a:ext uri="{FF2B5EF4-FFF2-40B4-BE49-F238E27FC236}">
+                <a16:creationId xmlns:a16="http://schemas.microsoft.com/office/drawing/2014/main" id="{8F34811A-B486-48B0-BD44-DE6F43C3634C}"/>
+              </a:ext>
+            </a:extLst>
+          </p:cNvPr>
+          <p:cNvCxnSpPr>
+            <a:cxnSpLocks/>
+          </p:cNvCxnSpPr>
+          <p:nvPr/>
+        </p:nvCxnSpPr>
+        <p:spPr>
+          <a:xfrm flipV="1">
+            <a:off x="3398259" y="1680034"/>
+            <a:ext cx="2096096" cy="195550"/>
+          </a:xfrm>
+          <a:prstGeom prst="line">
+            <a:avLst/>
+          </a:prstGeom>
+          <a:ln w="28575">
+            <a:prstDash val="dash"/>
+            <a:headEnd type="arrow" w="med" len="med"/>
+            <a:tailEnd type="none" w="med" len="med"/>
+          </a:ln>
+        </p:spPr>
+        <p:style>
+          <a:lnRef idx="1">
+            <a:schemeClr val="accent2"/>
+          </a:lnRef>
+          <a:fillRef idx="0">
+            <a:schemeClr val="accent2"/>
+          </a:fillRef>
+          <a:effectRef idx="0">
+            <a:schemeClr val="accent2"/>
+          </a:effectRef>
+          <a:fontRef idx="minor">
+            <a:schemeClr val="tx1"/>
+          </a:fontRef>
+        </p:style>
+      </p:cxnSp>
+    </p:spTree>
+    <p:extLst>
+      <p:ext uri="{BB962C8B-B14F-4D97-AF65-F5344CB8AC3E}">
+        <p14:creationId xmlns:p14="http://schemas.microsoft.com/office/powerpoint/2010/main" val="1716798738"/>
+      </p:ext>
+    </p:extLst>
+  </p:cSld>
+  <p:clrMapOvr>
+    <a:masterClrMapping/>
+  </p:clrMapOvr>
+  <mc:AlternateContent xmlns:mc="http://schemas.openxmlformats.org/markup-compatibility/2006" xmlns:p159="http://schemas.microsoft.com/office/powerpoint/2015/09/main">
+    <mc:Choice Requires="p159">
+      <p:transition xmlns:p14="http://schemas.microsoft.com/office/powerpoint/2010/main" spd="slow" p14:dur="2000">
+        <p159:morph option="byObject"/>
+      </p:transition>
+    </mc:Choice>
+    <mc:Fallback xmlns="">
+      <p:transition spd="slow">
+        <p:fade/>
+      </p:transition>
+    </mc:Fallback>
+  </mc:AlternateContent>
+</p:sld>
+</file>
+
+<file path=ppt/slides/slide24.xml><?xml version="1.0" encoding="utf-8"?>
+<p:sld xmlns:a="http://schemas.openxmlformats.org/drawingml/2006/main" xmlns:r="http://schemas.openxmlformats.org/officeDocument/2006/relationships" xmlns:p="http://schemas.openxmlformats.org/presentationml/2006/main">
+  <p:cSld>
+    <p:spTree>
+      <p:nvGrpSpPr>
+        <p:cNvPr id="1" name=""/>
+        <p:cNvGrpSpPr/>
+        <p:nvPr/>
+      </p:nvGrpSpPr>
+      <p:grpSpPr>
+        <a:xfrm>
+          <a:off x="0" y="0"/>
+          <a:ext cx="0" cy="0"/>
+          <a:chOff x="0" y="0"/>
+          <a:chExt cx="0" cy="0"/>
+        </a:xfrm>
+      </p:grpSpPr>
+      <p:sp>
+        <p:nvSpPr>
+          <p:cNvPr id="4" name="Title 3">
+            <a:extLst>
+              <a:ext uri="{FF2B5EF4-FFF2-40B4-BE49-F238E27FC236}">
+                <a16:creationId xmlns:a16="http://schemas.microsoft.com/office/drawing/2014/main" id="{40FE1EA5-A1D5-4AC1-9ED4-656C6A6CEDD9}"/>
+              </a:ext>
+            </a:extLst>
+          </p:cNvPr>
+          <p:cNvSpPr>
+            <a:spLocks noGrp="1"/>
+          </p:cNvSpPr>
+          <p:nvPr>
+            <p:ph type="title"/>
+          </p:nvPr>
+        </p:nvSpPr>
+        <p:spPr/>
+        <p:txBody>
+          <a:bodyPr/>
+          <a:lstStyle/>
+          <a:p>
+            <a:r>
+              <a:rPr lang="en-US" dirty="0"/>
+              <a:t>TWO-PHASE COMMIT</a:t>
+            </a:r>
+          </a:p>
+        </p:txBody>
+      </p:sp>
+      <p:sp>
+        <p:nvSpPr>
+          <p:cNvPr id="3" name="Slide Number Placeholder 2">
+            <a:extLst>
+              <a:ext uri="{FF2B5EF4-FFF2-40B4-BE49-F238E27FC236}">
+                <a16:creationId xmlns:a16="http://schemas.microsoft.com/office/drawing/2014/main" id="{A918787D-0A17-41FF-999F-55829A91989B}"/>
+              </a:ext>
+            </a:extLst>
+          </p:cNvPr>
+          <p:cNvSpPr>
+            <a:spLocks noGrp="1"/>
+          </p:cNvSpPr>
+          <p:nvPr>
+            <p:ph type="sldNum" sz="quarter" idx="4"/>
+          </p:nvPr>
+        </p:nvSpPr>
+        <p:spPr/>
+        <p:txBody>
+          <a:bodyPr/>
+          <a:lstStyle/>
+          <a:p>
+            <a:fld id="{3A707DD9-E92B-45E8-BE0A-E6B2EDF345EB}" type="slidenum">
+              <a:rPr lang="en-US" smtClean="0"/>
+              <a:pPr/>
+              <a:t>24</a:t>
+            </a:fld>
+            <a:endParaRPr lang="en-US" dirty="0"/>
+          </a:p>
+        </p:txBody>
+      </p:sp>
+      <p:grpSp>
+        <p:nvGrpSpPr>
+          <p:cNvPr id="5" name="Group 4">
+            <a:extLst>
+              <a:ext uri="{FF2B5EF4-FFF2-40B4-BE49-F238E27FC236}">
+                <a16:creationId xmlns:a16="http://schemas.microsoft.com/office/drawing/2014/main" id="{AEE30EA7-2489-4EF1-B47B-67AB88A73ACE}"/>
+              </a:ext>
+            </a:extLst>
+          </p:cNvPr>
+          <p:cNvGrpSpPr/>
+          <p:nvPr/>
+        </p:nvGrpSpPr>
+        <p:grpSpPr>
+          <a:xfrm>
+            <a:off x="149062" y="3498111"/>
+            <a:ext cx="1575688" cy="1192675"/>
+            <a:chOff x="174621" y="3533552"/>
+            <a:chExt cx="1575688" cy="1192675"/>
+          </a:xfrm>
+        </p:grpSpPr>
+        <p:pic>
+          <p:nvPicPr>
+            <p:cNvPr id="6" name="Graphic 5" descr="Warning">
+              <a:extLst>
+                <a:ext uri="{FF2B5EF4-FFF2-40B4-BE49-F238E27FC236}">
+                  <a16:creationId xmlns:a16="http://schemas.microsoft.com/office/drawing/2014/main" id="{F5BA7D04-AB29-41EF-B5C8-0EAA04791452}"/>
+                </a:ext>
+              </a:extLst>
+            </p:cNvPr>
+            <p:cNvPicPr>
+              <a:picLocks noChangeAspect="1"/>
+            </p:cNvPicPr>
+            <p:nvPr/>
+          </p:nvPicPr>
+          <p:blipFill>
+            <a:blip r:embed="rId2">
+              <a:extLst>
+                <a:ext uri="{28A0092B-C50C-407E-A947-70E740481C1C}">
+                  <a14:useLocalDpi xmlns:a14="http://schemas.microsoft.com/office/drawing/2010/main" val="0"/>
+                </a:ext>
+                <a:ext uri="{96DAC541-7B7A-43D3-8B79-37D633B846F1}">
+                  <asvg:svgBlip xmlns:asvg="http://schemas.microsoft.com/office/drawing/2016/SVG/main" r:embed="rId3"/>
+                </a:ext>
+              </a:extLst>
+            </a:blip>
+            <a:stretch>
+              <a:fillRect/>
+            </a:stretch>
+          </p:blipFill>
+          <p:spPr>
+            <a:xfrm>
+              <a:off x="505265" y="3533552"/>
+              <a:ext cx="914400" cy="914400"/>
+            </a:xfrm>
+            <a:prstGeom prst="rect">
+              <a:avLst/>
+            </a:prstGeom>
+          </p:spPr>
+        </p:pic>
+        <p:sp>
+          <p:nvSpPr>
+            <p:cNvPr id="7" name="Rectangle 6">
+              <a:extLst>
+                <a:ext uri="{FF2B5EF4-FFF2-40B4-BE49-F238E27FC236}">
+                  <a16:creationId xmlns:a16="http://schemas.microsoft.com/office/drawing/2014/main" id="{EE1EF4DF-705F-4797-A6D3-D6684F6E746E}"/>
+                </a:ext>
+              </a:extLst>
+            </p:cNvPr>
+            <p:cNvSpPr/>
+            <p:nvPr/>
+          </p:nvSpPr>
+          <p:spPr>
+            <a:xfrm>
+              <a:off x="174621" y="4356895"/>
+              <a:ext cx="1575688" cy="369332"/>
+            </a:xfrm>
+            <a:prstGeom prst="rect">
+              <a:avLst/>
+            </a:prstGeom>
+            <a:noFill/>
+          </p:spPr>
+          <p:txBody>
+            <a:bodyPr wrap="none" lIns="91440" tIns="45720" rIns="91440" bIns="45720">
+              <a:spAutoFit/>
+            </a:bodyPr>
+            <a:lstStyle/>
+            <a:p>
+              <a:pPr algn="ctr"/>
+              <a:r>
+                <a:rPr lang="en-US" sz="1800" b="1" dirty="0">
+                  <a:ln w="9525">
+                    <a:solidFill>
+                      <a:schemeClr val="bg1"/>
+                    </a:solidFill>
+                    <a:prstDash val="solid"/>
+                  </a:ln>
+                  <a:effectLst>
+                    <a:outerShdw blurRad="12700" dist="38100" dir="2700000" algn="tl" rotWithShape="0">
+                      <a:schemeClr val="bg1">
+                        <a:lumMod val="50000"/>
+                      </a:schemeClr>
+                    </a:outerShdw>
+                  </a:effectLst>
+                </a:rPr>
+                <a:t>ANTI-PATTERN</a:t>
+              </a:r>
+              <a:endParaRPr lang="en-US" sz="1800" b="1" cap="none" spc="0" dirty="0">
+                <a:ln w="9525">
+                  <a:solidFill>
+                    <a:schemeClr val="bg1"/>
+                  </a:solidFill>
+                  <a:prstDash val="solid"/>
+                </a:ln>
+                <a:solidFill>
+                  <a:schemeClr val="tx1"/>
+                </a:solidFill>
+                <a:effectLst>
+                  <a:outerShdw blurRad="12700" dist="38100" dir="2700000" algn="tl" rotWithShape="0">
+                    <a:schemeClr val="bg1">
+                      <a:lumMod val="50000"/>
+                    </a:schemeClr>
+                  </a:outerShdw>
+                </a:effectLst>
+              </a:endParaRPr>
+            </a:p>
+          </p:txBody>
+        </p:sp>
+      </p:grpSp>
+      <p:sp>
+        <p:nvSpPr>
+          <p:cNvPr id="10" name="Rectangle: Rounded Corners 9">
+            <a:extLst>
+              <a:ext uri="{FF2B5EF4-FFF2-40B4-BE49-F238E27FC236}">
+                <a16:creationId xmlns:a16="http://schemas.microsoft.com/office/drawing/2014/main" id="{22A7FE25-4650-45F2-A635-BB43D9A31E5C}"/>
+              </a:ext>
+            </a:extLst>
+          </p:cNvPr>
+          <p:cNvSpPr/>
+          <p:nvPr/>
+        </p:nvSpPr>
+        <p:spPr>
+          <a:xfrm>
+            <a:off x="2296475" y="1362171"/>
+            <a:ext cx="1109330" cy="755519"/>
+          </a:xfrm>
+          <a:prstGeom prst="roundRect">
+            <a:avLst/>
+          </a:prstGeom>
+        </p:spPr>
+        <p:style>
+          <a:lnRef idx="2">
+            <a:schemeClr val="accent3">
+              <a:shade val="50000"/>
+            </a:schemeClr>
+          </a:lnRef>
+          <a:fillRef idx="1">
+            <a:schemeClr val="accent3"/>
+          </a:fillRef>
+          <a:effectRef idx="0">
+            <a:schemeClr val="accent3"/>
+          </a:effectRef>
+          <a:fontRef idx="minor">
+            <a:schemeClr val="lt1"/>
+          </a:fontRef>
+        </p:style>
+        <p:txBody>
+          <a:bodyPr rtlCol="0" anchor="ctr"/>
+          <a:lstStyle/>
+          <a:p>
+            <a:pPr algn="ctr"/>
+            <a:r>
+              <a:rPr lang="en-US" dirty="0"/>
+              <a:t>Coordinator</a:t>
+            </a:r>
+          </a:p>
+        </p:txBody>
+      </p:sp>
+      <p:cxnSp>
+        <p:nvCxnSpPr>
+          <p:cNvPr id="11" name="Straight Connector 10">
+            <a:extLst>
+              <a:ext uri="{FF2B5EF4-FFF2-40B4-BE49-F238E27FC236}">
+                <a16:creationId xmlns:a16="http://schemas.microsoft.com/office/drawing/2014/main" id="{B733B1D5-3D1C-4633-BA68-26271A1FE203}"/>
+              </a:ext>
+            </a:extLst>
+          </p:cNvPr>
+          <p:cNvCxnSpPr>
+            <a:cxnSpLocks/>
+            <a:stCxn id="12" idx="1"/>
+            <a:endCxn id="10" idx="3"/>
+          </p:cNvCxnSpPr>
+          <p:nvPr/>
+        </p:nvCxnSpPr>
+        <p:spPr>
+          <a:xfrm flipH="1">
+            <a:off x="3405805" y="1548730"/>
+            <a:ext cx="2088550" cy="191201"/>
+          </a:xfrm>
+          <a:prstGeom prst="line">
+            <a:avLst/>
+          </a:prstGeom>
+          <a:ln w="28575">
+            <a:prstDash val="dash"/>
+            <a:headEnd type="arrow" w="med" len="med"/>
+            <a:tailEnd type="none" w="med" len="med"/>
+          </a:ln>
+        </p:spPr>
+        <p:style>
+          <a:lnRef idx="1">
+            <a:schemeClr val="accent2"/>
+          </a:lnRef>
+          <a:fillRef idx="0">
+            <a:schemeClr val="accent2"/>
+          </a:fillRef>
+          <a:effectRef idx="0">
+            <a:schemeClr val="accent2"/>
+          </a:effectRef>
+          <a:fontRef idx="minor">
+            <a:schemeClr val="tx1"/>
+          </a:fontRef>
+        </p:style>
+      </p:cxnSp>
+      <p:sp>
+        <p:nvSpPr>
+          <p:cNvPr id="12" name="Rectangle: Rounded Corners 11">
+            <a:extLst>
+              <a:ext uri="{FF2B5EF4-FFF2-40B4-BE49-F238E27FC236}">
+                <a16:creationId xmlns:a16="http://schemas.microsoft.com/office/drawing/2014/main" id="{70952645-EB9F-43CB-B349-80717C5091FD}"/>
+              </a:ext>
+            </a:extLst>
+          </p:cNvPr>
+          <p:cNvSpPr/>
+          <p:nvPr/>
+        </p:nvSpPr>
+        <p:spPr>
+          <a:xfrm>
+            <a:off x="5494355" y="1170970"/>
+            <a:ext cx="1109330" cy="755519"/>
+          </a:xfrm>
+          <a:prstGeom prst="roundRect">
+            <a:avLst/>
+          </a:prstGeom>
+          <a:solidFill>
+            <a:schemeClr val="accent4"/>
+          </a:solidFill>
+        </p:spPr>
+        <p:style>
+          <a:lnRef idx="2">
+            <a:schemeClr val="accent4">
+              <a:shade val="50000"/>
+            </a:schemeClr>
+          </a:lnRef>
+          <a:fillRef idx="1">
+            <a:schemeClr val="accent4"/>
+          </a:fillRef>
+          <a:effectRef idx="0">
+            <a:schemeClr val="accent4"/>
+          </a:effectRef>
+          <a:fontRef idx="minor">
+            <a:schemeClr val="lt1"/>
+          </a:fontRef>
+        </p:style>
+        <p:txBody>
+          <a:bodyPr rtlCol="0" anchor="ctr"/>
+          <a:lstStyle/>
+          <a:p>
+            <a:pPr algn="ctr"/>
+            <a:endParaRPr lang="en-US" dirty="0"/>
+          </a:p>
+        </p:txBody>
+      </p:sp>
+      <p:sp>
+        <p:nvSpPr>
+          <p:cNvPr id="17" name="Rectangle: Rounded Corners 16">
+            <a:extLst>
+              <a:ext uri="{FF2B5EF4-FFF2-40B4-BE49-F238E27FC236}">
+                <a16:creationId xmlns:a16="http://schemas.microsoft.com/office/drawing/2014/main" id="{36803CC7-2130-4095-AB8F-910B55B4A821}"/>
+              </a:ext>
+            </a:extLst>
+          </p:cNvPr>
+          <p:cNvSpPr/>
+          <p:nvPr/>
+        </p:nvSpPr>
+        <p:spPr>
+          <a:xfrm>
+            <a:off x="4572000" y="2949508"/>
+            <a:ext cx="1109330" cy="755519"/>
+          </a:xfrm>
+          <a:prstGeom prst="roundRect">
+            <a:avLst/>
+          </a:prstGeom>
+          <a:solidFill>
+            <a:schemeClr val="accent4"/>
+          </a:solidFill>
+        </p:spPr>
+        <p:style>
+          <a:lnRef idx="2">
+            <a:schemeClr val="accent4">
+              <a:shade val="50000"/>
+            </a:schemeClr>
+          </a:lnRef>
+          <a:fillRef idx="1">
+            <a:schemeClr val="accent4"/>
+          </a:fillRef>
+          <a:effectRef idx="0">
+            <a:schemeClr val="accent4"/>
+          </a:effectRef>
+          <a:fontRef idx="minor">
+            <a:schemeClr val="lt1"/>
+          </a:fontRef>
+        </p:style>
+        <p:txBody>
+          <a:bodyPr rtlCol="0" anchor="ctr"/>
+          <a:lstStyle/>
+          <a:p>
+            <a:pPr algn="ctr"/>
+            <a:r>
+              <a:rPr lang="en-US" dirty="0"/>
+              <a:t>Resource</a:t>
+            </a:r>
+          </a:p>
+        </p:txBody>
+      </p:sp>
+      <p:sp>
+        <p:nvSpPr>
+          <p:cNvPr id="19" name="Rectangle: Rounded Corners 18">
+            <a:extLst>
+              <a:ext uri="{FF2B5EF4-FFF2-40B4-BE49-F238E27FC236}">
+                <a16:creationId xmlns:a16="http://schemas.microsoft.com/office/drawing/2014/main" id="{D6A033A4-5A6B-4900-B0EE-F0EF59EB66AC}"/>
+              </a:ext>
+            </a:extLst>
+          </p:cNvPr>
+          <p:cNvSpPr/>
+          <p:nvPr/>
+        </p:nvSpPr>
+        <p:spPr>
+          <a:xfrm>
+            <a:off x="2740602" y="3577551"/>
+            <a:ext cx="1109330" cy="755519"/>
+          </a:xfrm>
+          <a:prstGeom prst="roundRect">
+            <a:avLst/>
+          </a:prstGeom>
+          <a:solidFill>
+            <a:schemeClr val="accent4"/>
+          </a:solidFill>
+        </p:spPr>
+        <p:style>
+          <a:lnRef idx="2">
+            <a:schemeClr val="accent4">
+              <a:shade val="50000"/>
+            </a:schemeClr>
+          </a:lnRef>
+          <a:fillRef idx="1">
+            <a:schemeClr val="accent4"/>
+          </a:fillRef>
+          <a:effectRef idx="0">
+            <a:schemeClr val="accent4"/>
+          </a:effectRef>
+          <a:fontRef idx="minor">
+            <a:schemeClr val="lt1"/>
+          </a:fontRef>
+        </p:style>
+        <p:txBody>
+          <a:bodyPr rtlCol="0" anchor="ctr"/>
+          <a:lstStyle/>
+          <a:p>
+            <a:pPr algn="ctr"/>
+            <a:r>
+              <a:rPr lang="en-US" dirty="0"/>
+              <a:t>Resource</a:t>
+            </a:r>
+          </a:p>
+        </p:txBody>
+      </p:sp>
+      <p:cxnSp>
+        <p:nvCxnSpPr>
+          <p:cNvPr id="20" name="Straight Connector 19">
+            <a:extLst>
+              <a:ext uri="{FF2B5EF4-FFF2-40B4-BE49-F238E27FC236}">
+                <a16:creationId xmlns:a16="http://schemas.microsoft.com/office/drawing/2014/main" id="{CA3AA4E4-0F37-45AD-8457-995F7F570F1B}"/>
+              </a:ext>
+            </a:extLst>
+          </p:cNvPr>
+          <p:cNvCxnSpPr>
+            <a:cxnSpLocks/>
+            <a:stCxn id="17" idx="0"/>
+          </p:cNvCxnSpPr>
+          <p:nvPr/>
+        </p:nvCxnSpPr>
+        <p:spPr>
+          <a:xfrm flipH="1" flipV="1">
+            <a:off x="3405805" y="2074195"/>
+            <a:ext cx="1720860" cy="875313"/>
+          </a:xfrm>
+          <a:prstGeom prst="line">
+            <a:avLst/>
+          </a:prstGeom>
+          <a:ln w="28575">
+            <a:prstDash val="dash"/>
+            <a:headEnd type="arrow" w="med" len="med"/>
+            <a:tailEnd type="none" w="med" len="med"/>
+          </a:ln>
+        </p:spPr>
+        <p:style>
+          <a:lnRef idx="1">
+            <a:schemeClr val="accent2"/>
+          </a:lnRef>
+          <a:fillRef idx="0">
+            <a:schemeClr val="accent2"/>
+          </a:fillRef>
+          <a:effectRef idx="0">
+            <a:schemeClr val="accent2"/>
+          </a:effectRef>
+          <a:fontRef idx="minor">
+            <a:schemeClr val="tx1"/>
+          </a:fontRef>
+        </p:style>
+      </p:cxnSp>
+      <p:cxnSp>
+        <p:nvCxnSpPr>
+          <p:cNvPr id="23" name="Straight Connector 22">
+            <a:extLst>
+              <a:ext uri="{FF2B5EF4-FFF2-40B4-BE49-F238E27FC236}">
+                <a16:creationId xmlns:a16="http://schemas.microsoft.com/office/drawing/2014/main" id="{A69C0183-2547-44A0-B66B-E3C891266762}"/>
+              </a:ext>
+            </a:extLst>
+          </p:cNvPr>
+          <p:cNvCxnSpPr>
+            <a:cxnSpLocks/>
+            <a:stCxn id="19" idx="0"/>
+            <a:endCxn id="10" idx="2"/>
+          </p:cNvCxnSpPr>
+          <p:nvPr/>
+        </p:nvCxnSpPr>
+        <p:spPr>
+          <a:xfrm flipH="1" flipV="1">
+            <a:off x="2851140" y="2117690"/>
+            <a:ext cx="444127" cy="1459861"/>
+          </a:xfrm>
+          <a:prstGeom prst="line">
+            <a:avLst/>
+          </a:prstGeom>
+          <a:ln w="28575">
+            <a:prstDash val="dash"/>
+            <a:headEnd type="arrow" w="med" len="med"/>
+            <a:tailEnd type="none" w="med" len="med"/>
+          </a:ln>
+        </p:spPr>
+        <p:style>
+          <a:lnRef idx="1">
+            <a:schemeClr val="accent2"/>
+          </a:lnRef>
+          <a:fillRef idx="0">
+            <a:schemeClr val="accent2"/>
+          </a:fillRef>
+          <a:effectRef idx="0">
+            <a:schemeClr val="accent2"/>
+          </a:effectRef>
+          <a:fontRef idx="minor">
+            <a:schemeClr val="tx1"/>
+          </a:fontRef>
+        </p:style>
+      </p:cxnSp>
+      <p:sp>
+        <p:nvSpPr>
+          <p:cNvPr id="29" name="TextBox 28">
+            <a:extLst>
+              <a:ext uri="{FF2B5EF4-FFF2-40B4-BE49-F238E27FC236}">
+                <a16:creationId xmlns:a16="http://schemas.microsoft.com/office/drawing/2014/main" id="{2D05656A-6C5B-4E54-97ED-773B605AE7FA}"/>
+              </a:ext>
+            </a:extLst>
+          </p:cNvPr>
+          <p:cNvSpPr txBox="1"/>
+          <p:nvPr/>
+        </p:nvSpPr>
+        <p:spPr>
+          <a:xfrm>
+            <a:off x="3836597" y="1248647"/>
+            <a:ext cx="753732" cy="300082"/>
+          </a:xfrm>
+          <a:prstGeom prst="rect">
+            <a:avLst/>
+          </a:prstGeom>
+          <a:noFill/>
+        </p:spPr>
+        <p:txBody>
+          <a:bodyPr wrap="none" rtlCol="0">
+            <a:spAutoFit/>
+          </a:bodyPr>
+          <a:lstStyle/>
+          <a:p>
+            <a:r>
+              <a:rPr lang="en-US" b="1" dirty="0"/>
+              <a:t>Commit</a:t>
+            </a:r>
+          </a:p>
+        </p:txBody>
+      </p:sp>
+      <p:sp>
+        <p:nvSpPr>
+          <p:cNvPr id="31" name="TextBox 30">
+            <a:extLst>
+              <a:ext uri="{FF2B5EF4-FFF2-40B4-BE49-F238E27FC236}">
+                <a16:creationId xmlns:a16="http://schemas.microsoft.com/office/drawing/2014/main" id="{14CF97DD-63D3-4A85-ABD5-A64F43544B09}"/>
+              </a:ext>
+            </a:extLst>
+          </p:cNvPr>
+          <p:cNvSpPr txBox="1"/>
+          <p:nvPr/>
+        </p:nvSpPr>
+        <p:spPr>
+          <a:xfrm>
+            <a:off x="3980790" y="2074926"/>
+            <a:ext cx="753732" cy="300082"/>
+          </a:xfrm>
+          <a:prstGeom prst="rect">
+            <a:avLst/>
+          </a:prstGeom>
+          <a:noFill/>
+        </p:spPr>
+        <p:txBody>
+          <a:bodyPr wrap="none" rtlCol="0">
+            <a:spAutoFit/>
+          </a:bodyPr>
+          <a:lstStyle/>
+          <a:p>
+            <a:r>
+              <a:rPr lang="en-US" b="1" dirty="0"/>
+              <a:t>Commit</a:t>
+            </a:r>
+          </a:p>
+        </p:txBody>
+      </p:sp>
+      <p:sp>
+        <p:nvSpPr>
+          <p:cNvPr id="33" name="TextBox 32">
+            <a:extLst>
+              <a:ext uri="{FF2B5EF4-FFF2-40B4-BE49-F238E27FC236}">
+                <a16:creationId xmlns:a16="http://schemas.microsoft.com/office/drawing/2014/main" id="{ACBB5754-126C-4519-9B55-2EF7A0C86FAE}"/>
+              </a:ext>
+            </a:extLst>
+          </p:cNvPr>
+          <p:cNvSpPr txBox="1"/>
+          <p:nvPr/>
+        </p:nvSpPr>
+        <p:spPr>
+          <a:xfrm>
+            <a:off x="3036056" y="2608268"/>
+            <a:ext cx="753732" cy="300082"/>
+          </a:xfrm>
+          <a:prstGeom prst="rect">
+            <a:avLst/>
+          </a:prstGeom>
+          <a:noFill/>
+        </p:spPr>
+        <p:txBody>
+          <a:bodyPr wrap="none" rtlCol="0">
+            <a:spAutoFit/>
+          </a:bodyPr>
+          <a:lstStyle/>
+          <a:p>
+            <a:r>
+              <a:rPr lang="en-US" b="1" dirty="0"/>
+              <a:t>Commit</a:t>
+            </a:r>
+          </a:p>
+        </p:txBody>
+      </p:sp>
+      <p:cxnSp>
+        <p:nvCxnSpPr>
+          <p:cNvPr id="34" name="Straight Connector 33">
+            <a:extLst>
+              <a:ext uri="{FF2B5EF4-FFF2-40B4-BE49-F238E27FC236}">
+                <a16:creationId xmlns:a16="http://schemas.microsoft.com/office/drawing/2014/main" id="{62F7EC0D-3A48-4BE9-848A-A6CA51631A43}"/>
+              </a:ext>
+            </a:extLst>
+          </p:cNvPr>
+          <p:cNvCxnSpPr>
+            <a:cxnSpLocks/>
+          </p:cNvCxnSpPr>
+          <p:nvPr/>
+        </p:nvCxnSpPr>
+        <p:spPr>
+          <a:xfrm>
+            <a:off x="2681550" y="2070353"/>
+            <a:ext cx="445991" cy="1503357"/>
+          </a:xfrm>
+          <a:prstGeom prst="line">
+            <a:avLst/>
+          </a:prstGeom>
+          <a:ln w="28575">
+            <a:prstDash val="dash"/>
+            <a:headEnd type="arrow" w="med" len="med"/>
+            <a:tailEnd type="none" w="med" len="med"/>
+          </a:ln>
+        </p:spPr>
+        <p:style>
+          <a:lnRef idx="1">
+            <a:schemeClr val="accent2"/>
+          </a:lnRef>
+          <a:fillRef idx="0">
+            <a:schemeClr val="accent2"/>
+          </a:fillRef>
+          <a:effectRef idx="0">
+            <a:schemeClr val="accent2"/>
+          </a:effectRef>
+          <a:fontRef idx="minor">
+            <a:schemeClr val="tx1"/>
+          </a:fontRef>
+        </p:style>
+      </p:cxnSp>
+      <p:cxnSp>
+        <p:nvCxnSpPr>
+          <p:cNvPr id="37" name="Straight Connector 36">
+            <a:extLst>
+              <a:ext uri="{FF2B5EF4-FFF2-40B4-BE49-F238E27FC236}">
+                <a16:creationId xmlns:a16="http://schemas.microsoft.com/office/drawing/2014/main" id="{67F6BCB0-93F8-44DB-B706-DF2C183BB727}"/>
+              </a:ext>
+            </a:extLst>
+          </p:cNvPr>
+          <p:cNvCxnSpPr>
+            <a:cxnSpLocks/>
+          </p:cNvCxnSpPr>
+          <p:nvPr/>
+        </p:nvCxnSpPr>
+        <p:spPr>
+          <a:xfrm>
+            <a:off x="3238313" y="2117690"/>
+            <a:ext cx="1592513" cy="831818"/>
+          </a:xfrm>
+          <a:prstGeom prst="line">
+            <a:avLst/>
+          </a:prstGeom>
+          <a:ln w="28575">
+            <a:prstDash val="dash"/>
+            <a:headEnd type="arrow" w="med" len="med"/>
+            <a:tailEnd type="none" w="med" len="med"/>
+          </a:ln>
+        </p:spPr>
+        <p:style>
+          <a:lnRef idx="1">
+            <a:schemeClr val="accent2"/>
+          </a:lnRef>
+          <a:fillRef idx="0">
+            <a:schemeClr val="accent2"/>
+          </a:fillRef>
+          <a:effectRef idx="0">
+            <a:schemeClr val="accent2"/>
+          </a:effectRef>
+          <a:fontRef idx="minor">
+            <a:schemeClr val="tx1"/>
+          </a:fontRef>
+        </p:style>
+      </p:cxnSp>
+      <p:cxnSp>
+        <p:nvCxnSpPr>
+          <p:cNvPr id="42" name="Straight Connector 41">
+            <a:extLst>
+              <a:ext uri="{FF2B5EF4-FFF2-40B4-BE49-F238E27FC236}">
+                <a16:creationId xmlns:a16="http://schemas.microsoft.com/office/drawing/2014/main" id="{8F34811A-B486-48B0-BD44-DE6F43C3634C}"/>
+              </a:ext>
+            </a:extLst>
+          </p:cNvPr>
+          <p:cNvCxnSpPr>
+            <a:cxnSpLocks/>
+          </p:cNvCxnSpPr>
+          <p:nvPr/>
+        </p:nvCxnSpPr>
+        <p:spPr>
+          <a:xfrm flipV="1">
+            <a:off x="3398259" y="1680034"/>
+            <a:ext cx="2096096" cy="195550"/>
+          </a:xfrm>
+          <a:prstGeom prst="line">
+            <a:avLst/>
+          </a:prstGeom>
+          <a:ln w="28575">
+            <a:prstDash val="dash"/>
+            <a:headEnd type="arrow" w="med" len="med"/>
+            <a:tailEnd type="none" w="med" len="med"/>
+          </a:ln>
+        </p:spPr>
+        <p:style>
+          <a:lnRef idx="1">
+            <a:schemeClr val="accent2"/>
+          </a:lnRef>
+          <a:fillRef idx="0">
+            <a:schemeClr val="accent2"/>
+          </a:fillRef>
+          <a:effectRef idx="0">
+            <a:schemeClr val="accent2"/>
+          </a:effectRef>
+          <a:fontRef idx="minor">
+            <a:schemeClr val="tx1"/>
+          </a:fontRef>
+        </p:style>
+      </p:cxnSp>
+      <p:sp>
+        <p:nvSpPr>
+          <p:cNvPr id="21" name="Lightning Bolt 20">
+            <a:extLst>
+              <a:ext uri="{FF2B5EF4-FFF2-40B4-BE49-F238E27FC236}">
+                <a16:creationId xmlns:a16="http://schemas.microsoft.com/office/drawing/2014/main" id="{3C51D609-CD25-4D65-B84C-8C1E5B0F7545}"/>
+              </a:ext>
+            </a:extLst>
+          </p:cNvPr>
+          <p:cNvSpPr/>
+          <p:nvPr/>
+        </p:nvSpPr>
+        <p:spPr>
+          <a:xfrm>
+            <a:off x="5889137" y="1347423"/>
+            <a:ext cx="319765" cy="402612"/>
+          </a:xfrm>
+          <a:prstGeom prst="lightningBolt">
+            <a:avLst/>
+          </a:prstGeom>
+        </p:spPr>
+        <p:style>
+          <a:lnRef idx="2">
+            <a:schemeClr val="accent6">
+              <a:shade val="50000"/>
+            </a:schemeClr>
+          </a:lnRef>
+          <a:fillRef idx="1">
+            <a:schemeClr val="accent6"/>
+          </a:fillRef>
+          <a:effectRef idx="0">
+            <a:schemeClr val="accent6"/>
+          </a:effectRef>
+          <a:fontRef idx="minor">
+            <a:schemeClr val="lt1"/>
+          </a:fontRef>
+        </p:style>
+        <p:txBody>
+          <a:bodyPr rtlCol="0" anchor="ctr"/>
+          <a:lstStyle/>
+          <a:p>
+            <a:pPr algn="ctr"/>
+            <a:endParaRPr lang="en-US"/>
+          </a:p>
+        </p:txBody>
+      </p:sp>
+    </p:spTree>
+    <p:extLst>
+      <p:ext uri="{BB962C8B-B14F-4D97-AF65-F5344CB8AC3E}">
+        <p14:creationId xmlns:p14="http://schemas.microsoft.com/office/powerpoint/2010/main" val="3869235689"/>
+      </p:ext>
+    </p:extLst>
+  </p:cSld>
+  <p:clrMapOvr>
+    <a:masterClrMapping/>
+  </p:clrMapOvr>
+  <p:timing>
+    <p:tnLst>
+      <p:par>
+        <p:cTn id="1" dur="indefinite" restart="never" nodeType="tmRoot">
+          <p:childTnLst>
+            <p:seq concurrent="1" nextAc="seek">
+              <p:cTn id="2" dur="indefinite" nodeType="mainSeq">
+                <p:childTnLst>
+                  <p:par>
+                    <p:cTn id="3" fill="hold">
+                      <p:stCondLst>
+                        <p:cond delay="indefinite"/>
+                      </p:stCondLst>
+                      <p:childTnLst>
+                        <p:par>
+                          <p:cTn id="4" fill="hold">
+                            <p:stCondLst>
+                              <p:cond delay="0"/>
+                            </p:stCondLst>
+                            <p:childTnLst>
+                              <p:par>
+                                <p:cTn id="5" presetID="31" presetClass="entr" presetSubtype="0" fill="hold" grpId="0" nodeType="clickEffect">
+                                  <p:stCondLst>
+                                    <p:cond delay="0"/>
+                                  </p:stCondLst>
+                                  <p:childTnLst>
+                                    <p:set>
+                                      <p:cBhvr>
+                                        <p:cTn id="6" dur="1" fill="hold">
+                                          <p:stCondLst>
+                                            <p:cond delay="0"/>
+                                          </p:stCondLst>
+                                        </p:cTn>
+                                        <p:tgtEl>
+                                          <p:spTgt spid="21"/>
+                                        </p:tgtEl>
+                                        <p:attrNameLst>
+                                          <p:attrName>style.visibility</p:attrName>
+                                        </p:attrNameLst>
+                                      </p:cBhvr>
+                                      <p:to>
+                                        <p:strVal val="visible"/>
+                                      </p:to>
+                                    </p:set>
+                                    <p:anim calcmode="lin" valueType="num">
+                                      <p:cBhvr>
+                                        <p:cTn id="7" dur="1000" fill="hold"/>
+                                        <p:tgtEl>
+                                          <p:spTgt spid="21"/>
+                                        </p:tgtEl>
+                                        <p:attrNameLst>
+                                          <p:attrName>ppt_w</p:attrName>
+                                        </p:attrNameLst>
+                                      </p:cBhvr>
+                                      <p:tavLst>
+                                        <p:tav tm="0">
+                                          <p:val>
+                                            <p:fltVal val="0"/>
+                                          </p:val>
+                                        </p:tav>
+                                        <p:tav tm="100000">
+                                          <p:val>
+                                            <p:strVal val="#ppt_w"/>
+                                          </p:val>
+                                        </p:tav>
+                                      </p:tavLst>
+                                    </p:anim>
+                                    <p:anim calcmode="lin" valueType="num">
+                                      <p:cBhvr>
+                                        <p:cTn id="8" dur="1000" fill="hold"/>
+                                        <p:tgtEl>
+                                          <p:spTgt spid="21"/>
+                                        </p:tgtEl>
+                                        <p:attrNameLst>
+                                          <p:attrName>ppt_h</p:attrName>
+                                        </p:attrNameLst>
+                                      </p:cBhvr>
+                                      <p:tavLst>
+                                        <p:tav tm="0">
+                                          <p:val>
+                                            <p:fltVal val="0"/>
+                                          </p:val>
+                                        </p:tav>
+                                        <p:tav tm="100000">
+                                          <p:val>
+                                            <p:strVal val="#ppt_h"/>
+                                          </p:val>
+                                        </p:tav>
+                                      </p:tavLst>
+                                    </p:anim>
+                                    <p:anim calcmode="lin" valueType="num">
+                                      <p:cBhvr>
+                                        <p:cTn id="9" dur="1000" fill="hold"/>
+                                        <p:tgtEl>
+                                          <p:spTgt spid="21"/>
+                                        </p:tgtEl>
+                                        <p:attrNameLst>
+                                          <p:attrName>style.rotation</p:attrName>
+                                        </p:attrNameLst>
+                                      </p:cBhvr>
+                                      <p:tavLst>
+                                        <p:tav tm="0">
+                                          <p:val>
+                                            <p:fltVal val="90"/>
+                                          </p:val>
+                                        </p:tav>
+                                        <p:tav tm="100000">
+                                          <p:val>
+                                            <p:fltVal val="0"/>
+                                          </p:val>
+                                        </p:tav>
+                                      </p:tavLst>
+                                    </p:anim>
+                                    <p:animEffect transition="in" filter="fade">
+                                      <p:cBhvr>
+                                        <p:cTn id="10" dur="1000"/>
+                                        <p:tgtEl>
+                                          <p:spTgt spid="21"/>
+                                        </p:tgtEl>
+                                      </p:cBhvr>
+                                    </p:animEffect>
+                                  </p:childTnLst>
+                                </p:cTn>
+                              </p:par>
+                            </p:childTnLst>
+                          </p:cTn>
+                        </p:par>
+                      </p:childTnLst>
+                    </p:cTn>
+                  </p:par>
+                </p:childTnLst>
+              </p:cTn>
+              <p:prevCondLst>
+                <p:cond evt="onPrev" delay="0">
+                  <p:tgtEl>
+                    <p:sldTgt/>
+                  </p:tgtEl>
+                </p:cond>
+              </p:prevCondLst>
+              <p:nextCondLst>
+                <p:cond evt="onNext" delay="0">
+                  <p:tgtEl>
+                    <p:sldTgt/>
+                  </p:tgtEl>
+                </p:cond>
+              </p:nextCondLst>
+            </p:seq>
+          </p:childTnLst>
+        </p:cTn>
+      </p:par>
+    </p:tnLst>
+    <p:bldLst>
+      <p:bldP spid="21" grpId="0" animBg="1"/>
+    </p:bldLst>
+  </p:timing>
+</p:sld>
+</file>
+
+<file path=ppt/slides/slide25.xml><?xml version="1.0" encoding="utf-8"?>
+<p:sld xmlns:a="http://schemas.openxmlformats.org/drawingml/2006/main" xmlns:r="http://schemas.openxmlformats.org/officeDocument/2006/relationships" xmlns:p="http://schemas.openxmlformats.org/presentationml/2006/main">
+  <p:cSld>
+    <p:spTree>
+      <p:nvGrpSpPr>
+        <p:cNvPr id="1" name=""/>
+        <p:cNvGrpSpPr/>
+        <p:nvPr/>
+      </p:nvGrpSpPr>
+      <p:grpSpPr>
+        <a:xfrm>
+          <a:off x="0" y="0"/>
+          <a:ext cx="0" cy="0"/>
+          <a:chOff x="0" y="0"/>
+          <a:chExt cx="0" cy="0"/>
+        </a:xfrm>
+      </p:grpSpPr>
+      <p:sp>
+        <p:nvSpPr>
+          <p:cNvPr id="4" name="Title 3">
+            <a:extLst>
+              <a:ext uri="{FF2B5EF4-FFF2-40B4-BE49-F238E27FC236}">
+                <a16:creationId xmlns:a16="http://schemas.microsoft.com/office/drawing/2014/main" id="{40FE1EA5-A1D5-4AC1-9ED4-656C6A6CEDD9}"/>
+              </a:ext>
+            </a:extLst>
+          </p:cNvPr>
+          <p:cNvSpPr>
+            <a:spLocks noGrp="1"/>
+          </p:cNvSpPr>
+          <p:nvPr>
+            <p:ph type="title"/>
+          </p:nvPr>
+        </p:nvSpPr>
+        <p:spPr/>
+        <p:txBody>
+          <a:bodyPr/>
+          <a:lstStyle/>
+          <a:p>
+            <a:r>
+              <a:rPr lang="en-US" dirty="0"/>
+              <a:t>TWO-PHASE COMMIT</a:t>
+            </a:r>
+          </a:p>
+        </p:txBody>
+      </p:sp>
+      <p:sp>
+        <p:nvSpPr>
+          <p:cNvPr id="3" name="Slide Number Placeholder 2">
+            <a:extLst>
+              <a:ext uri="{FF2B5EF4-FFF2-40B4-BE49-F238E27FC236}">
+                <a16:creationId xmlns:a16="http://schemas.microsoft.com/office/drawing/2014/main" id="{A918787D-0A17-41FF-999F-55829A91989B}"/>
+              </a:ext>
+            </a:extLst>
+          </p:cNvPr>
+          <p:cNvSpPr>
+            <a:spLocks noGrp="1"/>
+          </p:cNvSpPr>
+          <p:nvPr>
+            <p:ph type="sldNum" sz="quarter" idx="4"/>
+          </p:nvPr>
+        </p:nvSpPr>
+        <p:spPr/>
+        <p:txBody>
+          <a:bodyPr/>
+          <a:lstStyle/>
+          <a:p>
+            <a:fld id="{3A707DD9-E92B-45E8-BE0A-E6B2EDF345EB}" type="slidenum">
+              <a:rPr lang="en-US" smtClean="0"/>
+              <a:pPr/>
+              <a:t>25</a:t>
+            </a:fld>
+            <a:endParaRPr lang="en-US" dirty="0"/>
+          </a:p>
+        </p:txBody>
+      </p:sp>
+      <p:grpSp>
+        <p:nvGrpSpPr>
+          <p:cNvPr id="5" name="Group 4">
+            <a:extLst>
+              <a:ext uri="{FF2B5EF4-FFF2-40B4-BE49-F238E27FC236}">
+                <a16:creationId xmlns:a16="http://schemas.microsoft.com/office/drawing/2014/main" id="{AEE30EA7-2489-4EF1-B47B-67AB88A73ACE}"/>
+              </a:ext>
+            </a:extLst>
+          </p:cNvPr>
+          <p:cNvGrpSpPr/>
+          <p:nvPr/>
+        </p:nvGrpSpPr>
+        <p:grpSpPr>
+          <a:xfrm>
+            <a:off x="149062" y="3498111"/>
+            <a:ext cx="1575688" cy="1192675"/>
+            <a:chOff x="174621" y="3533552"/>
+            <a:chExt cx="1575688" cy="1192675"/>
+          </a:xfrm>
+        </p:grpSpPr>
+        <p:pic>
+          <p:nvPicPr>
+            <p:cNvPr id="6" name="Graphic 5" descr="Warning">
+              <a:extLst>
+                <a:ext uri="{FF2B5EF4-FFF2-40B4-BE49-F238E27FC236}">
+                  <a16:creationId xmlns:a16="http://schemas.microsoft.com/office/drawing/2014/main" id="{F5BA7D04-AB29-41EF-B5C8-0EAA04791452}"/>
+                </a:ext>
+              </a:extLst>
+            </p:cNvPr>
+            <p:cNvPicPr>
+              <a:picLocks noChangeAspect="1"/>
+            </p:cNvPicPr>
+            <p:nvPr/>
+          </p:nvPicPr>
+          <p:blipFill>
+            <a:blip r:embed="rId2">
+              <a:extLst>
+                <a:ext uri="{28A0092B-C50C-407E-A947-70E740481C1C}">
+                  <a14:useLocalDpi xmlns:a14="http://schemas.microsoft.com/office/drawing/2010/main" val="0"/>
+                </a:ext>
+                <a:ext uri="{96DAC541-7B7A-43D3-8B79-37D633B846F1}">
+                  <asvg:svgBlip xmlns:asvg="http://schemas.microsoft.com/office/drawing/2016/SVG/main" r:embed="rId3"/>
+                </a:ext>
+              </a:extLst>
+            </a:blip>
+            <a:stretch>
+              <a:fillRect/>
+            </a:stretch>
+          </p:blipFill>
+          <p:spPr>
+            <a:xfrm>
+              <a:off x="505265" y="3533552"/>
+              <a:ext cx="914400" cy="914400"/>
+            </a:xfrm>
+            <a:prstGeom prst="rect">
+              <a:avLst/>
+            </a:prstGeom>
+          </p:spPr>
+        </p:pic>
+        <p:sp>
+          <p:nvSpPr>
+            <p:cNvPr id="7" name="Rectangle 6">
+              <a:extLst>
+                <a:ext uri="{FF2B5EF4-FFF2-40B4-BE49-F238E27FC236}">
+                  <a16:creationId xmlns:a16="http://schemas.microsoft.com/office/drawing/2014/main" id="{EE1EF4DF-705F-4797-A6D3-D6684F6E746E}"/>
+                </a:ext>
+              </a:extLst>
+            </p:cNvPr>
+            <p:cNvSpPr/>
+            <p:nvPr/>
+          </p:nvSpPr>
+          <p:spPr>
+            <a:xfrm>
+              <a:off x="174621" y="4356895"/>
+              <a:ext cx="1575688" cy="369332"/>
+            </a:xfrm>
+            <a:prstGeom prst="rect">
+              <a:avLst/>
+            </a:prstGeom>
+            <a:noFill/>
+          </p:spPr>
+          <p:txBody>
+            <a:bodyPr wrap="none" lIns="91440" tIns="45720" rIns="91440" bIns="45720">
+              <a:spAutoFit/>
+            </a:bodyPr>
+            <a:lstStyle/>
+            <a:p>
+              <a:pPr algn="ctr"/>
+              <a:r>
+                <a:rPr lang="en-US" sz="1800" b="1" dirty="0">
+                  <a:ln w="9525">
+                    <a:solidFill>
+                      <a:schemeClr val="bg1"/>
+                    </a:solidFill>
+                    <a:prstDash val="solid"/>
+                  </a:ln>
+                  <a:effectLst>
+                    <a:outerShdw blurRad="12700" dist="38100" dir="2700000" algn="tl" rotWithShape="0">
+                      <a:schemeClr val="bg1">
+                        <a:lumMod val="50000"/>
+                      </a:schemeClr>
+                    </a:outerShdw>
+                  </a:effectLst>
+                </a:rPr>
+                <a:t>ANTI-PATTERN</a:t>
+              </a:r>
+              <a:endParaRPr lang="en-US" sz="1800" b="1" cap="none" spc="0" dirty="0">
+                <a:ln w="9525">
+                  <a:solidFill>
+                    <a:schemeClr val="bg1"/>
+                  </a:solidFill>
+                  <a:prstDash val="solid"/>
+                </a:ln>
+                <a:solidFill>
+                  <a:schemeClr val="tx1"/>
+                </a:solidFill>
+                <a:effectLst>
+                  <a:outerShdw blurRad="12700" dist="38100" dir="2700000" algn="tl" rotWithShape="0">
+                    <a:schemeClr val="bg1">
+                      <a:lumMod val="50000"/>
+                    </a:schemeClr>
+                  </a:outerShdw>
+                </a:effectLst>
+              </a:endParaRPr>
+            </a:p>
+          </p:txBody>
+        </p:sp>
+      </p:grpSp>
+      <p:sp>
+        <p:nvSpPr>
+          <p:cNvPr id="10" name="Rectangle: Rounded Corners 9">
+            <a:extLst>
+              <a:ext uri="{FF2B5EF4-FFF2-40B4-BE49-F238E27FC236}">
+                <a16:creationId xmlns:a16="http://schemas.microsoft.com/office/drawing/2014/main" id="{22A7FE25-4650-45F2-A635-BB43D9A31E5C}"/>
+              </a:ext>
+            </a:extLst>
+          </p:cNvPr>
+          <p:cNvSpPr/>
+          <p:nvPr/>
+        </p:nvSpPr>
+        <p:spPr>
+          <a:xfrm>
+            <a:off x="2296475" y="1362171"/>
+            <a:ext cx="1109330" cy="755519"/>
+          </a:xfrm>
+          <a:prstGeom prst="roundRect">
+            <a:avLst/>
+          </a:prstGeom>
+        </p:spPr>
+        <p:style>
+          <a:lnRef idx="2">
+            <a:schemeClr val="accent3">
+              <a:shade val="50000"/>
+            </a:schemeClr>
+          </a:lnRef>
+          <a:fillRef idx="1">
+            <a:schemeClr val="accent3"/>
+          </a:fillRef>
+          <a:effectRef idx="0">
+            <a:schemeClr val="accent3"/>
+          </a:effectRef>
+          <a:fontRef idx="minor">
+            <a:schemeClr val="lt1"/>
+          </a:fontRef>
+        </p:style>
+        <p:txBody>
+          <a:bodyPr rtlCol="0" anchor="ctr"/>
+          <a:lstStyle/>
+          <a:p>
+            <a:pPr algn="ctr"/>
+            <a:endParaRPr lang="en-US" dirty="0"/>
+          </a:p>
+        </p:txBody>
+      </p:sp>
+      <p:sp>
+        <p:nvSpPr>
+          <p:cNvPr id="12" name="Rectangle: Rounded Corners 11">
+            <a:extLst>
+              <a:ext uri="{FF2B5EF4-FFF2-40B4-BE49-F238E27FC236}">
+                <a16:creationId xmlns:a16="http://schemas.microsoft.com/office/drawing/2014/main" id="{70952645-EB9F-43CB-B349-80717C5091FD}"/>
+              </a:ext>
+            </a:extLst>
+          </p:cNvPr>
+          <p:cNvSpPr/>
+          <p:nvPr/>
+        </p:nvSpPr>
+        <p:spPr>
+          <a:xfrm>
+            <a:off x="5494355" y="1170970"/>
+            <a:ext cx="1109330" cy="755519"/>
+          </a:xfrm>
+          <a:prstGeom prst="roundRect">
+            <a:avLst/>
+          </a:prstGeom>
+          <a:solidFill>
+            <a:schemeClr val="accent4"/>
+          </a:solidFill>
+        </p:spPr>
+        <p:style>
+          <a:lnRef idx="2">
+            <a:schemeClr val="accent4">
+              <a:shade val="50000"/>
+            </a:schemeClr>
+          </a:lnRef>
+          <a:fillRef idx="1">
+            <a:schemeClr val="accent4"/>
+          </a:fillRef>
+          <a:effectRef idx="0">
+            <a:schemeClr val="accent4"/>
+          </a:effectRef>
+          <a:fontRef idx="minor">
+            <a:schemeClr val="lt1"/>
+          </a:fontRef>
+        </p:style>
+        <p:txBody>
+          <a:bodyPr rtlCol="0" anchor="ctr"/>
+          <a:lstStyle/>
+          <a:p>
+            <a:pPr algn="ctr"/>
+            <a:endParaRPr lang="en-US" dirty="0"/>
+          </a:p>
+        </p:txBody>
+      </p:sp>
+      <p:sp>
+        <p:nvSpPr>
+          <p:cNvPr id="17" name="Rectangle: Rounded Corners 16">
+            <a:extLst>
+              <a:ext uri="{FF2B5EF4-FFF2-40B4-BE49-F238E27FC236}">
+                <a16:creationId xmlns:a16="http://schemas.microsoft.com/office/drawing/2014/main" id="{36803CC7-2130-4095-AB8F-910B55B4A821}"/>
+              </a:ext>
+            </a:extLst>
+          </p:cNvPr>
+          <p:cNvSpPr/>
+          <p:nvPr/>
+        </p:nvSpPr>
+        <p:spPr>
+          <a:xfrm>
+            <a:off x="4572000" y="2949508"/>
+            <a:ext cx="1109330" cy="755519"/>
+          </a:xfrm>
+          <a:prstGeom prst="roundRect">
+            <a:avLst/>
+          </a:prstGeom>
+          <a:solidFill>
+            <a:schemeClr val="accent4"/>
+          </a:solidFill>
+        </p:spPr>
+        <p:style>
+          <a:lnRef idx="2">
+            <a:schemeClr val="accent4">
+              <a:shade val="50000"/>
+            </a:schemeClr>
+          </a:lnRef>
+          <a:fillRef idx="1">
+            <a:schemeClr val="accent4"/>
+          </a:fillRef>
+          <a:effectRef idx="0">
+            <a:schemeClr val="accent4"/>
+          </a:effectRef>
+          <a:fontRef idx="minor">
+            <a:schemeClr val="lt1"/>
+          </a:fontRef>
+        </p:style>
+        <p:txBody>
+          <a:bodyPr rtlCol="0" anchor="ctr"/>
+          <a:lstStyle/>
+          <a:p>
+            <a:pPr algn="ctr"/>
+            <a:r>
+              <a:rPr lang="en-US" dirty="0"/>
+              <a:t>Resource</a:t>
+            </a:r>
+          </a:p>
+        </p:txBody>
+      </p:sp>
+      <p:sp>
+        <p:nvSpPr>
+          <p:cNvPr id="19" name="Rectangle: Rounded Corners 18">
+            <a:extLst>
+              <a:ext uri="{FF2B5EF4-FFF2-40B4-BE49-F238E27FC236}">
+                <a16:creationId xmlns:a16="http://schemas.microsoft.com/office/drawing/2014/main" id="{D6A033A4-5A6B-4900-B0EE-F0EF59EB66AC}"/>
+              </a:ext>
+            </a:extLst>
+          </p:cNvPr>
+          <p:cNvSpPr/>
+          <p:nvPr/>
+        </p:nvSpPr>
+        <p:spPr>
+          <a:xfrm>
+            <a:off x="2740602" y="3577551"/>
+            <a:ext cx="1109330" cy="755519"/>
+          </a:xfrm>
+          <a:prstGeom prst="roundRect">
+            <a:avLst/>
+          </a:prstGeom>
+          <a:solidFill>
+            <a:schemeClr val="accent4"/>
+          </a:solidFill>
+        </p:spPr>
+        <p:style>
+          <a:lnRef idx="2">
+            <a:schemeClr val="accent4">
+              <a:shade val="50000"/>
+            </a:schemeClr>
+          </a:lnRef>
+          <a:fillRef idx="1">
+            <a:schemeClr val="accent4"/>
+          </a:fillRef>
+          <a:effectRef idx="0">
+            <a:schemeClr val="accent4"/>
+          </a:effectRef>
+          <a:fontRef idx="minor">
+            <a:schemeClr val="lt1"/>
+          </a:fontRef>
+        </p:style>
+        <p:txBody>
+          <a:bodyPr rtlCol="0" anchor="ctr"/>
+          <a:lstStyle/>
+          <a:p>
+            <a:pPr algn="ctr"/>
+            <a:r>
+              <a:rPr lang="en-US" dirty="0"/>
+              <a:t>Resource</a:t>
+            </a:r>
+          </a:p>
+        </p:txBody>
+      </p:sp>
+      <p:cxnSp>
+        <p:nvCxnSpPr>
+          <p:cNvPr id="20" name="Straight Connector 19">
+            <a:extLst>
+              <a:ext uri="{FF2B5EF4-FFF2-40B4-BE49-F238E27FC236}">
+                <a16:creationId xmlns:a16="http://schemas.microsoft.com/office/drawing/2014/main" id="{CA3AA4E4-0F37-45AD-8457-995F7F570F1B}"/>
+              </a:ext>
+            </a:extLst>
+          </p:cNvPr>
+          <p:cNvCxnSpPr>
+            <a:cxnSpLocks/>
+            <a:stCxn id="17" idx="0"/>
+          </p:cNvCxnSpPr>
+          <p:nvPr/>
+        </p:nvCxnSpPr>
+        <p:spPr>
+          <a:xfrm flipH="1" flipV="1">
+            <a:off x="3405805" y="2074195"/>
+            <a:ext cx="1720860" cy="875313"/>
+          </a:xfrm>
+          <a:prstGeom prst="line">
+            <a:avLst/>
+          </a:prstGeom>
+          <a:ln w="28575">
+            <a:prstDash val="dash"/>
+            <a:headEnd type="arrow" w="med" len="med"/>
+            <a:tailEnd type="none" w="med" len="med"/>
+          </a:ln>
+        </p:spPr>
+        <p:style>
+          <a:lnRef idx="1">
+            <a:schemeClr val="accent2"/>
+          </a:lnRef>
+          <a:fillRef idx="0">
+            <a:schemeClr val="accent2"/>
+          </a:fillRef>
+          <a:effectRef idx="0">
+            <a:schemeClr val="accent2"/>
+          </a:effectRef>
+          <a:fontRef idx="minor">
+            <a:schemeClr val="tx1"/>
+          </a:fontRef>
+        </p:style>
+      </p:cxnSp>
+      <p:cxnSp>
+        <p:nvCxnSpPr>
+          <p:cNvPr id="23" name="Straight Connector 22">
+            <a:extLst>
+              <a:ext uri="{FF2B5EF4-FFF2-40B4-BE49-F238E27FC236}">
+                <a16:creationId xmlns:a16="http://schemas.microsoft.com/office/drawing/2014/main" id="{A69C0183-2547-44A0-B66B-E3C891266762}"/>
+              </a:ext>
+            </a:extLst>
+          </p:cNvPr>
+          <p:cNvCxnSpPr>
+            <a:cxnSpLocks/>
+            <a:stCxn id="19" idx="0"/>
+            <a:endCxn id="10" idx="2"/>
+          </p:cNvCxnSpPr>
+          <p:nvPr/>
+        </p:nvCxnSpPr>
+        <p:spPr>
+          <a:xfrm flipH="1" flipV="1">
+            <a:off x="2851140" y="2117690"/>
+            <a:ext cx="444127" cy="1459861"/>
+          </a:xfrm>
+          <a:prstGeom prst="line">
+            <a:avLst/>
+          </a:prstGeom>
+          <a:ln w="28575">
+            <a:prstDash val="dash"/>
+            <a:headEnd type="arrow" w="med" len="med"/>
+            <a:tailEnd type="none" w="med" len="med"/>
+          </a:ln>
+        </p:spPr>
+        <p:style>
+          <a:lnRef idx="1">
+            <a:schemeClr val="accent2"/>
+          </a:lnRef>
+          <a:fillRef idx="0">
+            <a:schemeClr val="accent2"/>
+          </a:fillRef>
+          <a:effectRef idx="0">
+            <a:schemeClr val="accent2"/>
+          </a:effectRef>
+          <a:fontRef idx="minor">
+            <a:schemeClr val="tx1"/>
+          </a:fontRef>
+        </p:style>
+      </p:cxnSp>
+      <p:sp>
+        <p:nvSpPr>
+          <p:cNvPr id="31" name="TextBox 30">
+            <a:extLst>
+              <a:ext uri="{FF2B5EF4-FFF2-40B4-BE49-F238E27FC236}">
+                <a16:creationId xmlns:a16="http://schemas.microsoft.com/office/drawing/2014/main" id="{14CF97DD-63D3-4A85-ABD5-A64F43544B09}"/>
+              </a:ext>
+            </a:extLst>
+          </p:cNvPr>
+          <p:cNvSpPr txBox="1"/>
+          <p:nvPr/>
+        </p:nvSpPr>
+        <p:spPr>
+          <a:xfrm>
+            <a:off x="3980790" y="2074926"/>
+            <a:ext cx="753732" cy="300082"/>
+          </a:xfrm>
+          <a:prstGeom prst="rect">
+            <a:avLst/>
+          </a:prstGeom>
+          <a:noFill/>
+        </p:spPr>
+        <p:txBody>
+          <a:bodyPr wrap="none" rtlCol="0">
+            <a:spAutoFit/>
+          </a:bodyPr>
+          <a:lstStyle/>
+          <a:p>
+            <a:r>
+              <a:rPr lang="en-US" b="1" dirty="0"/>
+              <a:t>Commit</a:t>
+            </a:r>
+          </a:p>
+        </p:txBody>
+      </p:sp>
+      <p:sp>
+        <p:nvSpPr>
+          <p:cNvPr id="33" name="TextBox 32">
+            <a:extLst>
+              <a:ext uri="{FF2B5EF4-FFF2-40B4-BE49-F238E27FC236}">
+                <a16:creationId xmlns:a16="http://schemas.microsoft.com/office/drawing/2014/main" id="{ACBB5754-126C-4519-9B55-2EF7A0C86FAE}"/>
+              </a:ext>
+            </a:extLst>
+          </p:cNvPr>
+          <p:cNvSpPr txBox="1"/>
+          <p:nvPr/>
+        </p:nvSpPr>
+        <p:spPr>
+          <a:xfrm>
+            <a:off x="3036056" y="2608268"/>
+            <a:ext cx="753732" cy="300082"/>
+          </a:xfrm>
+          <a:prstGeom prst="rect">
+            <a:avLst/>
+          </a:prstGeom>
+          <a:noFill/>
+        </p:spPr>
+        <p:txBody>
+          <a:bodyPr wrap="none" rtlCol="0">
+            <a:spAutoFit/>
+          </a:bodyPr>
+          <a:lstStyle/>
+          <a:p>
+            <a:r>
+              <a:rPr lang="en-US" b="1" dirty="0"/>
+              <a:t>Commit</a:t>
+            </a:r>
+          </a:p>
+        </p:txBody>
+      </p:sp>
+      <p:cxnSp>
+        <p:nvCxnSpPr>
+          <p:cNvPr id="34" name="Straight Connector 33">
+            <a:extLst>
+              <a:ext uri="{FF2B5EF4-FFF2-40B4-BE49-F238E27FC236}">
+                <a16:creationId xmlns:a16="http://schemas.microsoft.com/office/drawing/2014/main" id="{62F7EC0D-3A48-4BE9-848A-A6CA51631A43}"/>
+              </a:ext>
+            </a:extLst>
+          </p:cNvPr>
+          <p:cNvCxnSpPr>
+            <a:cxnSpLocks/>
+          </p:cNvCxnSpPr>
+          <p:nvPr/>
+        </p:nvCxnSpPr>
+        <p:spPr>
+          <a:xfrm>
+            <a:off x="2681550" y="2070353"/>
+            <a:ext cx="445991" cy="1503357"/>
+          </a:xfrm>
+          <a:prstGeom prst="line">
+            <a:avLst/>
+          </a:prstGeom>
+          <a:ln w="28575">
+            <a:prstDash val="dash"/>
+            <a:headEnd type="arrow" w="med" len="med"/>
+            <a:tailEnd type="none" w="med" len="med"/>
+          </a:ln>
+        </p:spPr>
+        <p:style>
+          <a:lnRef idx="1">
+            <a:schemeClr val="accent2"/>
+          </a:lnRef>
+          <a:fillRef idx="0">
+            <a:schemeClr val="accent2"/>
+          </a:fillRef>
+          <a:effectRef idx="0">
+            <a:schemeClr val="accent2"/>
+          </a:effectRef>
+          <a:fontRef idx="minor">
+            <a:schemeClr val="tx1"/>
+          </a:fontRef>
+        </p:style>
+      </p:cxnSp>
+      <p:cxnSp>
+        <p:nvCxnSpPr>
+          <p:cNvPr id="37" name="Straight Connector 36">
+            <a:extLst>
+              <a:ext uri="{FF2B5EF4-FFF2-40B4-BE49-F238E27FC236}">
+                <a16:creationId xmlns:a16="http://schemas.microsoft.com/office/drawing/2014/main" id="{67F6BCB0-93F8-44DB-B706-DF2C183BB727}"/>
+              </a:ext>
+            </a:extLst>
+          </p:cNvPr>
+          <p:cNvCxnSpPr>
+            <a:cxnSpLocks/>
+          </p:cNvCxnSpPr>
+          <p:nvPr/>
+        </p:nvCxnSpPr>
+        <p:spPr>
+          <a:xfrm>
+            <a:off x="3238313" y="2117690"/>
+            <a:ext cx="1592513" cy="831818"/>
+          </a:xfrm>
+          <a:prstGeom prst="line">
+            <a:avLst/>
+          </a:prstGeom>
+          <a:ln w="28575">
+            <a:prstDash val="dash"/>
+            <a:headEnd type="arrow" w="med" len="med"/>
+            <a:tailEnd type="none" w="med" len="med"/>
+          </a:ln>
+        </p:spPr>
+        <p:style>
+          <a:lnRef idx="1">
+            <a:schemeClr val="accent2"/>
+          </a:lnRef>
+          <a:fillRef idx="0">
+            <a:schemeClr val="accent2"/>
+          </a:fillRef>
+          <a:effectRef idx="0">
+            <a:schemeClr val="accent2"/>
+          </a:effectRef>
+          <a:fontRef idx="minor">
+            <a:schemeClr val="tx1"/>
+          </a:fontRef>
+        </p:style>
+      </p:cxnSp>
+      <p:sp>
+        <p:nvSpPr>
+          <p:cNvPr id="22" name="Lightning Bolt 21">
+            <a:extLst>
+              <a:ext uri="{FF2B5EF4-FFF2-40B4-BE49-F238E27FC236}">
+                <a16:creationId xmlns:a16="http://schemas.microsoft.com/office/drawing/2014/main" id="{1AF695B8-067F-4460-B62E-7B2DD143C876}"/>
+              </a:ext>
+            </a:extLst>
+          </p:cNvPr>
+          <p:cNvSpPr/>
+          <p:nvPr/>
+        </p:nvSpPr>
+        <p:spPr>
+          <a:xfrm>
+            <a:off x="2691257" y="1538624"/>
+            <a:ext cx="319765" cy="402612"/>
+          </a:xfrm>
+          <a:prstGeom prst="lightningBolt">
+            <a:avLst/>
+          </a:prstGeom>
+        </p:spPr>
+        <p:style>
+          <a:lnRef idx="2">
+            <a:schemeClr val="accent6">
+              <a:shade val="50000"/>
+            </a:schemeClr>
+          </a:lnRef>
+          <a:fillRef idx="1">
+            <a:schemeClr val="accent6"/>
+          </a:fillRef>
+          <a:effectRef idx="0">
+            <a:schemeClr val="accent6"/>
+          </a:effectRef>
+          <a:fontRef idx="minor">
+            <a:schemeClr val="lt1"/>
+          </a:fontRef>
+        </p:style>
+        <p:txBody>
+          <a:bodyPr rtlCol="0" anchor="ctr"/>
+          <a:lstStyle/>
+          <a:p>
+            <a:pPr algn="ctr"/>
+            <a:endParaRPr lang="en-US"/>
+          </a:p>
+        </p:txBody>
+      </p:sp>
+      <p:pic>
+        <p:nvPicPr>
+          <p:cNvPr id="8" name="Graphic 7" descr="Badge Question Mark">
+            <a:extLst>
+              <a:ext uri="{FF2B5EF4-FFF2-40B4-BE49-F238E27FC236}">
+                <a16:creationId xmlns:a16="http://schemas.microsoft.com/office/drawing/2014/main" id="{30AFD844-1405-4E33-8BCD-08652305644B}"/>
+              </a:ext>
+            </a:extLst>
+          </p:cNvPr>
+          <p:cNvPicPr>
+            <a:picLocks noChangeAspect="1"/>
+          </p:cNvPicPr>
+          <p:nvPr/>
+        </p:nvPicPr>
+        <p:blipFill>
+          <a:blip r:embed="rId4">
+            <a:extLst>
+              <a:ext uri="{28A0092B-C50C-407E-A947-70E740481C1C}">
+                <a14:useLocalDpi xmlns:a14="http://schemas.microsoft.com/office/drawing/2010/main" val="0"/>
+              </a:ext>
+              <a:ext uri="{96DAC541-7B7A-43D3-8B79-37D633B846F1}">
+                <asvg:svgBlip xmlns:asvg="http://schemas.microsoft.com/office/drawing/2016/SVG/main" r:embed="rId5"/>
+              </a:ext>
+            </a:extLst>
+          </a:blip>
+          <a:stretch>
+            <a:fillRect/>
+          </a:stretch>
+        </p:blipFill>
+        <p:spPr>
+          <a:xfrm>
+            <a:off x="5724527" y="1224236"/>
+            <a:ext cx="648986" cy="648986"/>
+          </a:xfrm>
+          <a:prstGeom prst="rect">
+            <a:avLst/>
+          </a:prstGeom>
+        </p:spPr>
+      </p:pic>
+    </p:spTree>
+    <p:extLst>
+      <p:ext uri="{BB962C8B-B14F-4D97-AF65-F5344CB8AC3E}">
+        <p14:creationId xmlns:p14="http://schemas.microsoft.com/office/powerpoint/2010/main" val="3864479066"/>
+      </p:ext>
+    </p:extLst>
+  </p:cSld>
+  <p:clrMapOvr>
+    <a:masterClrMapping/>
+  </p:clrMapOvr>
+  <p:timing>
+    <p:tnLst>
+      <p:par>
+        <p:cTn id="1" dur="indefinite" restart="never" nodeType="tmRoot">
+          <p:childTnLst>
+            <p:seq concurrent="1" nextAc="seek">
+              <p:cTn id="2" dur="indefinite" nodeType="mainSeq">
+                <p:childTnLst>
+                  <p:par>
+                    <p:cTn id="3" fill="hold">
+                      <p:stCondLst>
+                        <p:cond delay="indefinite"/>
+                      </p:stCondLst>
+                      <p:childTnLst>
+                        <p:par>
+                          <p:cTn id="4" fill="hold">
+                            <p:stCondLst>
+                              <p:cond delay="0"/>
+                            </p:stCondLst>
+                            <p:childTnLst>
+                              <p:par>
+                                <p:cTn id="5" presetID="31" presetClass="entr" presetSubtype="0" fill="hold" grpId="0" nodeType="clickEffect">
+                                  <p:stCondLst>
+                                    <p:cond delay="0"/>
+                                  </p:stCondLst>
+                                  <p:childTnLst>
+                                    <p:set>
+                                      <p:cBhvr>
+                                        <p:cTn id="6" dur="1" fill="hold">
+                                          <p:stCondLst>
+                                            <p:cond delay="0"/>
+                                          </p:stCondLst>
+                                        </p:cTn>
+                                        <p:tgtEl>
+                                          <p:spTgt spid="22"/>
+                                        </p:tgtEl>
+                                        <p:attrNameLst>
+                                          <p:attrName>style.visibility</p:attrName>
+                                        </p:attrNameLst>
+                                      </p:cBhvr>
+                                      <p:to>
+                                        <p:strVal val="visible"/>
+                                      </p:to>
+                                    </p:set>
+                                    <p:anim calcmode="lin" valueType="num">
+                                      <p:cBhvr>
+                                        <p:cTn id="7" dur="1000" fill="hold"/>
+                                        <p:tgtEl>
+                                          <p:spTgt spid="22"/>
+                                        </p:tgtEl>
+                                        <p:attrNameLst>
+                                          <p:attrName>ppt_w</p:attrName>
+                                        </p:attrNameLst>
+                                      </p:cBhvr>
+                                      <p:tavLst>
+                                        <p:tav tm="0">
+                                          <p:val>
+                                            <p:fltVal val="0"/>
+                                          </p:val>
+                                        </p:tav>
+                                        <p:tav tm="100000">
+                                          <p:val>
+                                            <p:strVal val="#ppt_w"/>
+                                          </p:val>
+                                        </p:tav>
+                                      </p:tavLst>
+                                    </p:anim>
+                                    <p:anim calcmode="lin" valueType="num">
+                                      <p:cBhvr>
+                                        <p:cTn id="8" dur="1000" fill="hold"/>
+                                        <p:tgtEl>
+                                          <p:spTgt spid="22"/>
+                                        </p:tgtEl>
+                                        <p:attrNameLst>
+                                          <p:attrName>ppt_h</p:attrName>
+                                        </p:attrNameLst>
+                                      </p:cBhvr>
+                                      <p:tavLst>
+                                        <p:tav tm="0">
+                                          <p:val>
+                                            <p:fltVal val="0"/>
+                                          </p:val>
+                                        </p:tav>
+                                        <p:tav tm="100000">
+                                          <p:val>
+                                            <p:strVal val="#ppt_h"/>
+                                          </p:val>
+                                        </p:tav>
+                                      </p:tavLst>
+                                    </p:anim>
+                                    <p:anim calcmode="lin" valueType="num">
+                                      <p:cBhvr>
+                                        <p:cTn id="9" dur="1000" fill="hold"/>
+                                        <p:tgtEl>
+                                          <p:spTgt spid="22"/>
+                                        </p:tgtEl>
+                                        <p:attrNameLst>
+                                          <p:attrName>style.rotation</p:attrName>
+                                        </p:attrNameLst>
+                                      </p:cBhvr>
+                                      <p:tavLst>
+                                        <p:tav tm="0">
+                                          <p:val>
+                                            <p:fltVal val="90"/>
+                                          </p:val>
+                                        </p:tav>
+                                        <p:tav tm="100000">
+                                          <p:val>
+                                            <p:fltVal val="0"/>
+                                          </p:val>
+                                        </p:tav>
+                                      </p:tavLst>
+                                    </p:anim>
+                                    <p:animEffect transition="in" filter="fade">
+                                      <p:cBhvr>
+                                        <p:cTn id="10" dur="1000"/>
+                                        <p:tgtEl>
+                                          <p:spTgt spid="22"/>
+                                        </p:tgtEl>
+                                      </p:cBhvr>
+                                    </p:animEffect>
+                                  </p:childTnLst>
+                                </p:cTn>
+                              </p:par>
+                            </p:childTnLst>
+                          </p:cTn>
+                        </p:par>
+                      </p:childTnLst>
+                    </p:cTn>
+                  </p:par>
+                </p:childTnLst>
+              </p:cTn>
+              <p:prevCondLst>
+                <p:cond evt="onPrev" delay="0">
+                  <p:tgtEl>
+                    <p:sldTgt/>
+                  </p:tgtEl>
+                </p:cond>
+              </p:prevCondLst>
+              <p:nextCondLst>
+                <p:cond evt="onNext" delay="0">
+                  <p:tgtEl>
+                    <p:sldTgt/>
+                  </p:tgtEl>
+                </p:cond>
+              </p:nextCondLst>
+            </p:seq>
+          </p:childTnLst>
+        </p:cTn>
+      </p:par>
+    </p:tnLst>
+    <p:bldLst>
+      <p:bldP spid="22" grpId="0" animBg="1"/>
+    </p:bldLst>
+  </p:timing>
+</p:sld>
+</file>
+
+<file path=ppt/slides/slide26.xml><?xml version="1.0" encoding="utf-8"?>
+<p:sld xmlns:a="http://schemas.openxmlformats.org/drawingml/2006/main" xmlns:r="http://schemas.openxmlformats.org/officeDocument/2006/relationships" xmlns:p="http://schemas.openxmlformats.org/presentationml/2006/main">
+  <p:cSld>
+    <p:spTree>
+      <p:nvGrpSpPr>
+        <p:cNvPr id="1" name=""/>
+        <p:cNvGrpSpPr/>
+        <p:nvPr/>
+      </p:nvGrpSpPr>
+      <p:grpSpPr>
+        <a:xfrm>
+          <a:off x="0" y="0"/>
+          <a:ext cx="0" cy="0"/>
+          <a:chOff x="0" y="0"/>
+          <a:chExt cx="0" cy="0"/>
+        </a:xfrm>
+      </p:grpSpPr>
+      <p:sp>
+        <p:nvSpPr>
+          <p:cNvPr id="4" name="Title 3">
+            <a:extLst>
+              <a:ext uri="{FF2B5EF4-FFF2-40B4-BE49-F238E27FC236}">
+                <a16:creationId xmlns:a16="http://schemas.microsoft.com/office/drawing/2014/main" id="{40FE1EA5-A1D5-4AC1-9ED4-656C6A6CEDD9}"/>
+              </a:ext>
+            </a:extLst>
+          </p:cNvPr>
+          <p:cNvSpPr>
+            <a:spLocks noGrp="1"/>
+          </p:cNvSpPr>
+          <p:nvPr>
+            <p:ph type="title"/>
+          </p:nvPr>
+        </p:nvSpPr>
+        <p:spPr/>
+        <p:txBody>
+          <a:bodyPr/>
+          <a:lstStyle/>
+          <a:p>
+            <a:r>
+              <a:rPr lang="en-US" dirty="0"/>
+              <a:t>EVENTUAL CONSISTENCY</a:t>
+            </a:r>
+          </a:p>
+        </p:txBody>
+      </p:sp>
+      <p:sp>
+        <p:nvSpPr>
+          <p:cNvPr id="3" name="Slide Number Placeholder 2">
+            <a:extLst>
+              <a:ext uri="{FF2B5EF4-FFF2-40B4-BE49-F238E27FC236}">
+                <a16:creationId xmlns:a16="http://schemas.microsoft.com/office/drawing/2014/main" id="{A918787D-0A17-41FF-999F-55829A91989B}"/>
+              </a:ext>
+            </a:extLst>
+          </p:cNvPr>
+          <p:cNvSpPr>
+            <a:spLocks noGrp="1"/>
+          </p:cNvSpPr>
+          <p:nvPr>
+            <p:ph type="sldNum" sz="quarter" idx="4"/>
+          </p:nvPr>
+        </p:nvSpPr>
+        <p:spPr/>
+        <p:txBody>
+          <a:bodyPr/>
+          <a:lstStyle/>
+          <a:p>
+            <a:fld id="{3A707DD9-E92B-45E8-BE0A-E6B2EDF345EB}" type="slidenum">
+              <a:rPr lang="en-US" smtClean="0"/>
+              <a:pPr/>
+              <a:t>26</a:t>
+            </a:fld>
+            <a:endParaRPr lang="en-US" dirty="0"/>
+          </a:p>
+        </p:txBody>
+      </p:sp>
+      <p:sp>
+        <p:nvSpPr>
+          <p:cNvPr id="19" name="Rectangle: Rounded Corners 18">
+            <a:extLst>
+              <a:ext uri="{FF2B5EF4-FFF2-40B4-BE49-F238E27FC236}">
+                <a16:creationId xmlns:a16="http://schemas.microsoft.com/office/drawing/2014/main" id="{D6A033A4-5A6B-4900-B0EE-F0EF59EB66AC}"/>
+              </a:ext>
+            </a:extLst>
+          </p:cNvPr>
+          <p:cNvSpPr/>
+          <p:nvPr/>
+        </p:nvSpPr>
+        <p:spPr>
+          <a:xfrm>
+            <a:off x="1803656" y="3218140"/>
+            <a:ext cx="1109330" cy="755519"/>
+          </a:xfrm>
+          <a:prstGeom prst="roundRect">
+            <a:avLst/>
+          </a:prstGeom>
+          <a:solidFill>
+            <a:schemeClr val="accent4"/>
+          </a:solidFill>
+        </p:spPr>
+        <p:style>
+          <a:lnRef idx="2">
+            <a:schemeClr val="accent4">
+              <a:shade val="50000"/>
+            </a:schemeClr>
+          </a:lnRef>
+          <a:fillRef idx="1">
+            <a:schemeClr val="accent4"/>
+          </a:fillRef>
+          <a:effectRef idx="0">
+            <a:schemeClr val="accent4"/>
+          </a:effectRef>
+          <a:fontRef idx="minor">
+            <a:schemeClr val="lt1"/>
+          </a:fontRef>
+        </p:style>
+        <p:txBody>
+          <a:bodyPr rtlCol="0" anchor="ctr"/>
+          <a:lstStyle/>
+          <a:p>
+            <a:pPr algn="ctr"/>
+            <a:endParaRPr lang="en-US" dirty="0"/>
+          </a:p>
+        </p:txBody>
+      </p:sp>
+      <p:sp>
+        <p:nvSpPr>
+          <p:cNvPr id="2" name="Rectangle: Rounded Corners 1">
+            <a:extLst>
+              <a:ext uri="{FF2B5EF4-FFF2-40B4-BE49-F238E27FC236}">
+                <a16:creationId xmlns:a16="http://schemas.microsoft.com/office/drawing/2014/main" id="{2205E3C5-90FD-4661-A3AD-AE3902EB1AFD}"/>
+              </a:ext>
+            </a:extLst>
+          </p:cNvPr>
+          <p:cNvSpPr/>
+          <p:nvPr/>
+        </p:nvSpPr>
+        <p:spPr>
+          <a:xfrm>
+            <a:off x="6304111" y="2776840"/>
+            <a:ext cx="1109330" cy="755519"/>
+          </a:xfrm>
+          <a:prstGeom prst="roundRect">
+            <a:avLst/>
+          </a:prstGeom>
+          <a:solidFill>
+            <a:schemeClr val="accent4"/>
+          </a:solidFill>
+        </p:spPr>
+        <p:style>
+          <a:lnRef idx="2">
+            <a:schemeClr val="accent4">
+              <a:shade val="50000"/>
+            </a:schemeClr>
+          </a:lnRef>
+          <a:fillRef idx="1">
+            <a:schemeClr val="accent4"/>
+          </a:fillRef>
+          <a:effectRef idx="0">
+            <a:schemeClr val="accent4"/>
+          </a:effectRef>
+          <a:fontRef idx="minor">
+            <a:schemeClr val="lt1"/>
+          </a:fontRef>
+        </p:style>
+        <p:txBody>
+          <a:bodyPr rtlCol="0" anchor="ctr"/>
+          <a:lstStyle/>
+          <a:p>
+            <a:pPr algn="ctr"/>
+            <a:endParaRPr lang="en-US" dirty="0"/>
+          </a:p>
+        </p:txBody>
+      </p:sp>
+      <p:pic>
+        <p:nvPicPr>
+          <p:cNvPr id="9" name="Graphic 8" descr="Badge Question Mark">
+            <a:extLst>
+              <a:ext uri="{FF2B5EF4-FFF2-40B4-BE49-F238E27FC236}">
+                <a16:creationId xmlns:a16="http://schemas.microsoft.com/office/drawing/2014/main" id="{4904B119-2944-4635-B1A8-2DD991D46696}"/>
+              </a:ext>
+            </a:extLst>
+          </p:cNvPr>
+          <p:cNvPicPr>
+            <a:picLocks noChangeAspect="1"/>
+          </p:cNvPicPr>
+          <p:nvPr/>
+        </p:nvPicPr>
+        <p:blipFill>
+          <a:blip r:embed="rId3">
+            <a:extLst>
+              <a:ext uri="{28A0092B-C50C-407E-A947-70E740481C1C}">
+                <a14:useLocalDpi xmlns:a14="http://schemas.microsoft.com/office/drawing/2010/main" val="0"/>
+              </a:ext>
+              <a:ext uri="{96DAC541-7B7A-43D3-8B79-37D633B846F1}">
+                <asvg:svgBlip xmlns:asvg="http://schemas.microsoft.com/office/drawing/2016/SVG/main" r:embed="rId4"/>
+              </a:ext>
+            </a:extLst>
+          </a:blip>
+          <a:stretch>
+            <a:fillRect/>
+          </a:stretch>
+        </p:blipFill>
+        <p:spPr>
+          <a:xfrm>
+            <a:off x="4313193" y="897592"/>
+            <a:ext cx="648986" cy="648986"/>
+          </a:xfrm>
+          <a:prstGeom prst="rect">
+            <a:avLst/>
+          </a:prstGeom>
+        </p:spPr>
+      </p:pic>
+      <p:cxnSp>
+        <p:nvCxnSpPr>
+          <p:cNvPr id="29" name="Straight Connector 28">
+            <a:extLst>
+              <a:ext uri="{FF2B5EF4-FFF2-40B4-BE49-F238E27FC236}">
+                <a16:creationId xmlns:a16="http://schemas.microsoft.com/office/drawing/2014/main" id="{5F98A30F-5D52-4D4C-BBA0-B96921F1C223}"/>
+              </a:ext>
+            </a:extLst>
+          </p:cNvPr>
+          <p:cNvCxnSpPr>
+            <a:cxnSpLocks/>
+            <a:stCxn id="19" idx="0"/>
+            <a:endCxn id="9" idx="1"/>
+          </p:cNvCxnSpPr>
+          <p:nvPr/>
+        </p:nvCxnSpPr>
+        <p:spPr>
+          <a:xfrm rot="5400000" flipH="1" flipV="1">
+            <a:off x="2337730" y="1242677"/>
+            <a:ext cx="1996055" cy="1954872"/>
+          </a:xfrm>
+          <a:prstGeom prst="curvedConnector2">
+            <a:avLst/>
+          </a:prstGeom>
+          <a:ln w="28575">
+            <a:prstDash val="dash"/>
+            <a:headEnd type="arrow" w="med" len="med"/>
+            <a:tailEnd type="none" w="med" len="med"/>
+          </a:ln>
+        </p:spPr>
+        <p:style>
+          <a:lnRef idx="1">
+            <a:schemeClr val="accent2"/>
+          </a:lnRef>
+          <a:fillRef idx="0">
+            <a:schemeClr val="accent2"/>
+          </a:fillRef>
+          <a:effectRef idx="0">
+            <a:schemeClr val="accent2"/>
+          </a:effectRef>
+          <a:fontRef idx="minor">
+            <a:schemeClr val="tx1"/>
+          </a:fontRef>
+        </p:style>
+      </p:cxnSp>
+      <p:cxnSp>
+        <p:nvCxnSpPr>
+          <p:cNvPr id="35" name="Straight Connector 28">
+            <a:extLst>
+              <a:ext uri="{FF2B5EF4-FFF2-40B4-BE49-F238E27FC236}">
+                <a16:creationId xmlns:a16="http://schemas.microsoft.com/office/drawing/2014/main" id="{6CC4DAD3-4E58-4413-9DEE-9AC17B546EDE}"/>
+              </a:ext>
+            </a:extLst>
+          </p:cNvPr>
+          <p:cNvCxnSpPr>
+            <a:cxnSpLocks/>
+            <a:stCxn id="2" idx="0"/>
+            <a:endCxn id="9" idx="3"/>
+          </p:cNvCxnSpPr>
+          <p:nvPr/>
+        </p:nvCxnSpPr>
+        <p:spPr>
+          <a:xfrm rot="16200000" flipV="1">
+            <a:off x="5133101" y="1051164"/>
+            <a:ext cx="1554755" cy="1896597"/>
+          </a:xfrm>
+          <a:prstGeom prst="curvedConnector2">
+            <a:avLst/>
+          </a:prstGeom>
+          <a:ln w="28575">
+            <a:prstDash val="dash"/>
+            <a:headEnd type="arrow" w="med" len="med"/>
+            <a:tailEnd type="none" w="med" len="med"/>
+          </a:ln>
+        </p:spPr>
+        <p:style>
+          <a:lnRef idx="1">
+            <a:schemeClr val="accent2"/>
+          </a:lnRef>
+          <a:fillRef idx="0">
+            <a:schemeClr val="accent2"/>
+          </a:fillRef>
+          <a:effectRef idx="0">
+            <a:schemeClr val="accent2"/>
+          </a:effectRef>
+          <a:fontRef idx="minor">
+            <a:schemeClr val="tx1"/>
+          </a:fontRef>
+        </p:style>
+      </p:cxnSp>
+      <p:cxnSp>
+        <p:nvCxnSpPr>
+          <p:cNvPr id="36" name="Straight Connector 28">
+            <a:extLst>
+              <a:ext uri="{FF2B5EF4-FFF2-40B4-BE49-F238E27FC236}">
+                <a16:creationId xmlns:a16="http://schemas.microsoft.com/office/drawing/2014/main" id="{A7B48C99-85B4-4259-BA94-254585480EB3}"/>
+              </a:ext>
+            </a:extLst>
+          </p:cNvPr>
+          <p:cNvCxnSpPr>
+            <a:cxnSpLocks/>
+            <a:stCxn id="17" idx="0"/>
+            <a:endCxn id="9" idx="2"/>
+          </p:cNvCxnSpPr>
+          <p:nvPr/>
+        </p:nvCxnSpPr>
+        <p:spPr>
+          <a:xfrm rot="5400000" flipH="1" flipV="1">
+            <a:off x="3538434" y="2645831"/>
+            <a:ext cx="2198505" cy="12700"/>
+          </a:xfrm>
+          <a:prstGeom prst="curvedConnector3">
+            <a:avLst>
+              <a:gd name="adj1" fmla="val 50000"/>
+            </a:avLst>
+          </a:prstGeom>
+          <a:ln w="28575">
+            <a:prstDash val="dash"/>
+            <a:headEnd type="arrow" w="med" len="med"/>
+            <a:tailEnd type="none" w="med" len="med"/>
+          </a:ln>
+        </p:spPr>
+        <p:style>
+          <a:lnRef idx="1">
+            <a:schemeClr val="accent2"/>
+          </a:lnRef>
+          <a:fillRef idx="0">
+            <a:schemeClr val="accent2"/>
+          </a:fillRef>
+          <a:effectRef idx="0">
+            <a:schemeClr val="accent2"/>
+          </a:effectRef>
+          <a:fontRef idx="minor">
+            <a:schemeClr val="tx1"/>
+          </a:fontRef>
+        </p:style>
+      </p:cxnSp>
+      <p:sp>
+        <p:nvSpPr>
+          <p:cNvPr id="13" name="Rectangle: Rounded Corners 12">
+            <a:extLst>
+              <a:ext uri="{FF2B5EF4-FFF2-40B4-BE49-F238E27FC236}">
+                <a16:creationId xmlns:a16="http://schemas.microsoft.com/office/drawing/2014/main" id="{C2156C95-ECEE-4903-A694-5B39B19F7CBF}"/>
+              </a:ext>
+            </a:extLst>
+          </p:cNvPr>
+          <p:cNvSpPr/>
+          <p:nvPr/>
+        </p:nvSpPr>
+        <p:spPr>
+          <a:xfrm>
+            <a:off x="4083021" y="1922975"/>
+            <a:ext cx="1109330" cy="755519"/>
+          </a:xfrm>
+          <a:prstGeom prst="roundRect">
+            <a:avLst/>
+          </a:prstGeom>
+        </p:spPr>
+        <p:style>
+          <a:lnRef idx="2">
+            <a:schemeClr val="accent2">
+              <a:shade val="50000"/>
+            </a:schemeClr>
+          </a:lnRef>
+          <a:fillRef idx="1">
+            <a:schemeClr val="accent2"/>
+          </a:fillRef>
+          <a:effectRef idx="0">
+            <a:schemeClr val="accent2"/>
+          </a:effectRef>
+          <a:fontRef idx="minor">
+            <a:schemeClr val="lt1"/>
+          </a:fontRef>
+        </p:style>
+        <p:txBody>
+          <a:bodyPr rtlCol="0" anchor="ctr"/>
+          <a:lstStyle/>
+          <a:p>
+            <a:pPr algn="ctr"/>
+            <a:r>
+              <a:rPr lang="en-US" dirty="0"/>
+              <a:t>Version: 2</a:t>
+            </a:r>
+          </a:p>
+          <a:p>
+            <a:pPr algn="ctr"/>
+            <a:r>
+              <a:rPr lang="en-US" dirty="0"/>
+              <a:t>Name: Joe</a:t>
+            </a:r>
+          </a:p>
+        </p:txBody>
+      </p:sp>
+      <p:sp>
+        <p:nvSpPr>
+          <p:cNvPr id="11" name="Rectangle: Rounded Corners 10">
+            <a:extLst>
+              <a:ext uri="{FF2B5EF4-FFF2-40B4-BE49-F238E27FC236}">
+                <a16:creationId xmlns:a16="http://schemas.microsoft.com/office/drawing/2014/main" id="{918AA115-2320-4BB0-AC9C-66247799806B}"/>
+              </a:ext>
+            </a:extLst>
+          </p:cNvPr>
+          <p:cNvSpPr/>
+          <p:nvPr/>
+        </p:nvSpPr>
+        <p:spPr>
+          <a:xfrm>
+            <a:off x="2212742" y="1621702"/>
+            <a:ext cx="1109330" cy="755519"/>
+          </a:xfrm>
+          <a:prstGeom prst="roundRect">
+            <a:avLst/>
+          </a:prstGeom>
+        </p:spPr>
+        <p:style>
+          <a:lnRef idx="2">
+            <a:schemeClr val="accent2">
+              <a:shade val="50000"/>
+            </a:schemeClr>
+          </a:lnRef>
+          <a:fillRef idx="1">
+            <a:schemeClr val="accent2"/>
+          </a:fillRef>
+          <a:effectRef idx="0">
+            <a:schemeClr val="accent2"/>
+          </a:effectRef>
+          <a:fontRef idx="minor">
+            <a:schemeClr val="lt1"/>
+          </a:fontRef>
+        </p:style>
+        <p:txBody>
+          <a:bodyPr rtlCol="0" anchor="ctr"/>
+          <a:lstStyle/>
+          <a:p>
+            <a:pPr algn="ctr"/>
+            <a:r>
+              <a:rPr lang="en-US" dirty="0"/>
+              <a:t>Version: 3</a:t>
+            </a:r>
+          </a:p>
+          <a:p>
+            <a:pPr algn="ctr"/>
+            <a:r>
+              <a:rPr lang="en-US" dirty="0"/>
+              <a:t>Name: Bob</a:t>
+            </a:r>
+          </a:p>
+        </p:txBody>
+      </p:sp>
+      <p:sp>
+        <p:nvSpPr>
+          <p:cNvPr id="14" name="Rectangle: Rounded Corners 13">
+            <a:extLst>
+              <a:ext uri="{FF2B5EF4-FFF2-40B4-BE49-F238E27FC236}">
+                <a16:creationId xmlns:a16="http://schemas.microsoft.com/office/drawing/2014/main" id="{D5843E38-105F-4F16-BEC9-D1746AC5424E}"/>
+              </a:ext>
+            </a:extLst>
+          </p:cNvPr>
+          <p:cNvSpPr/>
+          <p:nvPr/>
+        </p:nvSpPr>
+        <p:spPr>
+          <a:xfrm>
+            <a:off x="6031543" y="1552928"/>
+            <a:ext cx="1109330" cy="755519"/>
+          </a:xfrm>
+          <a:prstGeom prst="roundRect">
+            <a:avLst/>
+          </a:prstGeom>
+        </p:spPr>
+        <p:style>
+          <a:lnRef idx="2">
+            <a:schemeClr val="accent2">
+              <a:shade val="50000"/>
+            </a:schemeClr>
+          </a:lnRef>
+          <a:fillRef idx="1">
+            <a:schemeClr val="accent2"/>
+          </a:fillRef>
+          <a:effectRef idx="0">
+            <a:schemeClr val="accent2"/>
+          </a:effectRef>
+          <a:fontRef idx="minor">
+            <a:schemeClr val="lt1"/>
+          </a:fontRef>
+        </p:style>
+        <p:txBody>
+          <a:bodyPr rtlCol="0" anchor="ctr"/>
+          <a:lstStyle/>
+          <a:p>
+            <a:pPr algn="ctr"/>
+            <a:r>
+              <a:rPr lang="en-US" dirty="0"/>
+              <a:t>Version: 2</a:t>
+            </a:r>
+          </a:p>
+          <a:p>
+            <a:pPr algn="ctr"/>
+            <a:r>
+              <a:rPr lang="en-US" dirty="0"/>
+              <a:t>Name: Joe</a:t>
+            </a:r>
+          </a:p>
+        </p:txBody>
+      </p:sp>
+      <p:cxnSp>
+        <p:nvCxnSpPr>
+          <p:cNvPr id="45" name="Straight Connector 28">
+            <a:extLst>
+              <a:ext uri="{FF2B5EF4-FFF2-40B4-BE49-F238E27FC236}">
+                <a16:creationId xmlns:a16="http://schemas.microsoft.com/office/drawing/2014/main" id="{FEBC319B-39A1-47B7-89BC-0A68B464B5E9}"/>
+              </a:ext>
+            </a:extLst>
+          </p:cNvPr>
+          <p:cNvCxnSpPr>
+            <a:cxnSpLocks/>
+            <a:stCxn id="17" idx="1"/>
+            <a:endCxn id="19" idx="3"/>
+          </p:cNvCxnSpPr>
+          <p:nvPr/>
+        </p:nvCxnSpPr>
+        <p:spPr>
+          <a:xfrm rot="10800000">
+            <a:off x="2912987" y="3595901"/>
+            <a:ext cx="1170035" cy="526943"/>
+          </a:xfrm>
+          <a:prstGeom prst="curvedConnector3">
+            <a:avLst>
+              <a:gd name="adj1" fmla="val 50000"/>
+            </a:avLst>
+          </a:prstGeom>
+          <a:ln w="28575">
+            <a:solidFill>
+              <a:schemeClr val="accent6"/>
+            </a:solidFill>
+            <a:prstDash val="dash"/>
+            <a:headEnd type="arrow" w="med" len="med"/>
+            <a:tailEnd type="none" w="med" len="med"/>
+          </a:ln>
+        </p:spPr>
+        <p:style>
+          <a:lnRef idx="1">
+            <a:schemeClr val="accent2"/>
+          </a:lnRef>
+          <a:fillRef idx="0">
+            <a:schemeClr val="accent2"/>
+          </a:fillRef>
+          <a:effectRef idx="0">
+            <a:schemeClr val="accent2"/>
+          </a:effectRef>
+          <a:fontRef idx="minor">
+            <a:schemeClr val="tx1"/>
+          </a:fontRef>
+        </p:style>
+      </p:cxnSp>
+      <p:sp>
+        <p:nvSpPr>
+          <p:cNvPr id="17" name="Rectangle: Rounded Corners 16">
+            <a:extLst>
+              <a:ext uri="{FF2B5EF4-FFF2-40B4-BE49-F238E27FC236}">
+                <a16:creationId xmlns:a16="http://schemas.microsoft.com/office/drawing/2014/main" id="{36803CC7-2130-4095-AB8F-910B55B4A821}"/>
+              </a:ext>
+            </a:extLst>
+          </p:cNvPr>
+          <p:cNvSpPr/>
+          <p:nvPr/>
+        </p:nvSpPr>
+        <p:spPr>
+          <a:xfrm>
+            <a:off x="4083021" y="3745083"/>
+            <a:ext cx="1109330" cy="755519"/>
+          </a:xfrm>
+          <a:prstGeom prst="roundRect">
+            <a:avLst/>
+          </a:prstGeom>
+          <a:solidFill>
+            <a:schemeClr val="accent4"/>
+          </a:solidFill>
+        </p:spPr>
+        <p:style>
+          <a:lnRef idx="2">
+            <a:schemeClr val="accent4">
+              <a:shade val="50000"/>
+            </a:schemeClr>
+          </a:lnRef>
+          <a:fillRef idx="1">
+            <a:schemeClr val="accent4"/>
+          </a:fillRef>
+          <a:effectRef idx="0">
+            <a:schemeClr val="accent4"/>
+          </a:effectRef>
+          <a:fontRef idx="minor">
+            <a:schemeClr val="lt1"/>
+          </a:fontRef>
+        </p:style>
+        <p:txBody>
+          <a:bodyPr rtlCol="0" anchor="ctr"/>
+          <a:lstStyle/>
+          <a:p>
+            <a:pPr algn="ctr"/>
+            <a:endParaRPr lang="en-US" dirty="0"/>
+          </a:p>
+        </p:txBody>
+      </p:sp>
+      <p:cxnSp>
+        <p:nvCxnSpPr>
+          <p:cNvPr id="48" name="Straight Connector 28">
+            <a:extLst>
+              <a:ext uri="{FF2B5EF4-FFF2-40B4-BE49-F238E27FC236}">
+                <a16:creationId xmlns:a16="http://schemas.microsoft.com/office/drawing/2014/main" id="{499056AC-2B91-4241-B65F-EC4C881B9F57}"/>
+              </a:ext>
+            </a:extLst>
+          </p:cNvPr>
+          <p:cNvCxnSpPr>
+            <a:cxnSpLocks/>
+            <a:stCxn id="2" idx="1"/>
+            <a:endCxn id="19" idx="3"/>
+          </p:cNvCxnSpPr>
+          <p:nvPr/>
+        </p:nvCxnSpPr>
+        <p:spPr>
+          <a:xfrm rot="10800000" flipV="1">
+            <a:off x="2912987" y="3154600"/>
+            <a:ext cx="3391125" cy="441300"/>
+          </a:xfrm>
+          <a:prstGeom prst="curvedConnector3">
+            <a:avLst>
+              <a:gd name="adj1" fmla="val 50000"/>
+            </a:avLst>
+          </a:prstGeom>
+          <a:ln w="28575">
+            <a:solidFill>
+              <a:schemeClr val="accent6"/>
+            </a:solidFill>
+            <a:prstDash val="dash"/>
+            <a:headEnd type="arrow" w="med" len="med"/>
+            <a:tailEnd type="none" w="med" len="med"/>
+          </a:ln>
+        </p:spPr>
+        <p:style>
+          <a:lnRef idx="1">
+            <a:schemeClr val="accent2"/>
+          </a:lnRef>
+          <a:fillRef idx="0">
+            <a:schemeClr val="accent2"/>
+          </a:fillRef>
+          <a:effectRef idx="0">
+            <a:schemeClr val="accent2"/>
+          </a:effectRef>
+          <a:fontRef idx="minor">
+            <a:schemeClr val="tx1"/>
+          </a:fontRef>
+        </p:style>
+      </p:cxnSp>
+    </p:spTree>
+    <p:extLst>
+      <p:ext uri="{BB962C8B-B14F-4D97-AF65-F5344CB8AC3E}">
+        <p14:creationId xmlns:p14="http://schemas.microsoft.com/office/powerpoint/2010/main" val="2919605226"/>
+      </p:ext>
+    </p:extLst>
+  </p:cSld>
+  <p:clrMapOvr>
+    <a:masterClrMapping/>
+  </p:clrMapOvr>
+</p:sld>
+</file>
+
+<file path=ppt/slides/slide27.xml><?xml version="1.0" encoding="utf-8"?>
+<p:sld xmlns:a="http://schemas.openxmlformats.org/drawingml/2006/main" xmlns:r="http://schemas.openxmlformats.org/officeDocument/2006/relationships" xmlns:p="http://schemas.openxmlformats.org/presentationml/2006/main">
+  <p:cSld>
+    <p:spTree>
+      <p:nvGrpSpPr>
+        <p:cNvPr id="1" name=""/>
+        <p:cNvGrpSpPr/>
+        <p:nvPr/>
+      </p:nvGrpSpPr>
+      <p:grpSpPr>
+        <a:xfrm>
+          <a:off x="0" y="0"/>
+          <a:ext cx="0" cy="0"/>
+          <a:chOff x="0" y="0"/>
+          <a:chExt cx="0" cy="0"/>
+        </a:xfrm>
+      </p:grpSpPr>
+      <p:sp>
+        <p:nvSpPr>
+          <p:cNvPr id="2" name="Title 1">
+            <a:extLst>
+              <a:ext uri="{FF2B5EF4-FFF2-40B4-BE49-F238E27FC236}">
+                <a16:creationId xmlns:a16="http://schemas.microsoft.com/office/drawing/2014/main" id="{B968C3C1-D075-47BC-B992-FAE04CFFF215}"/>
+              </a:ext>
+            </a:extLst>
+          </p:cNvPr>
+          <p:cNvSpPr>
+            <a:spLocks noGrp="1"/>
+          </p:cNvSpPr>
+          <p:nvPr>
+            <p:ph type="title"/>
+          </p:nvPr>
+        </p:nvSpPr>
+        <p:spPr/>
+        <p:txBody>
+          <a:bodyPr/>
+          <a:lstStyle/>
+          <a:p>
+            <a:r>
+              <a:rPr lang="en-US" dirty="0"/>
+              <a:t>EVENT SOURCING</a:t>
+            </a:r>
+          </a:p>
+        </p:txBody>
+      </p:sp>
+      <p:sp>
+        <p:nvSpPr>
+          <p:cNvPr id="3" name="Slide Number Placeholder 2">
+            <a:extLst>
+              <a:ext uri="{FF2B5EF4-FFF2-40B4-BE49-F238E27FC236}">
+                <a16:creationId xmlns:a16="http://schemas.microsoft.com/office/drawing/2014/main" id="{E65F04EF-E13D-4D34-A6E0-07BCDFAA29D9}"/>
+              </a:ext>
+            </a:extLst>
+          </p:cNvPr>
+          <p:cNvSpPr>
+            <a:spLocks noGrp="1"/>
+          </p:cNvSpPr>
+          <p:nvPr>
+            <p:ph type="sldNum" sz="quarter" idx="4"/>
+          </p:nvPr>
+        </p:nvSpPr>
+        <p:spPr/>
+        <p:txBody>
+          <a:bodyPr/>
+          <a:lstStyle/>
+          <a:p>
+            <a:fld id="{3A707DD9-E92B-45E8-BE0A-E6B2EDF345EB}" type="slidenum">
+              <a:rPr lang="en-US" smtClean="0"/>
+              <a:pPr/>
+              <a:t>27</a:t>
+            </a:fld>
+            <a:endParaRPr lang="en-US" dirty="0"/>
+          </a:p>
+        </p:txBody>
+      </p:sp>
+      <p:sp>
+        <p:nvSpPr>
+          <p:cNvPr id="4" name="Rectangle: Rounded Corners 3">
+            <a:extLst>
+              <a:ext uri="{FF2B5EF4-FFF2-40B4-BE49-F238E27FC236}">
+                <a16:creationId xmlns:a16="http://schemas.microsoft.com/office/drawing/2014/main" id="{933BDACC-8930-4FF4-8B9D-1A664DA5A922}"/>
+              </a:ext>
+            </a:extLst>
+          </p:cNvPr>
+          <p:cNvSpPr/>
+          <p:nvPr/>
+        </p:nvSpPr>
+        <p:spPr>
+          <a:xfrm>
+            <a:off x="2787607" y="1783457"/>
+            <a:ext cx="861045" cy="600393"/>
+          </a:xfrm>
+          <a:prstGeom prst="roundRect">
+            <a:avLst/>
+          </a:prstGeom>
+          <a:solidFill>
+            <a:schemeClr val="accent4"/>
+          </a:solidFill>
+        </p:spPr>
+        <p:style>
+          <a:lnRef idx="2">
+            <a:schemeClr val="accent4">
+              <a:shade val="50000"/>
+            </a:schemeClr>
+          </a:lnRef>
+          <a:fillRef idx="1">
+            <a:schemeClr val="accent4"/>
+          </a:fillRef>
+          <a:effectRef idx="0">
+            <a:schemeClr val="accent4"/>
+          </a:effectRef>
+          <a:fontRef idx="minor">
+            <a:schemeClr val="lt1"/>
+          </a:fontRef>
+        </p:style>
+        <p:txBody>
+          <a:bodyPr rtlCol="0" anchor="ctr"/>
+          <a:lstStyle/>
+          <a:p>
+            <a:pPr algn="ctr"/>
+            <a:endParaRPr lang="en-US" dirty="0"/>
+          </a:p>
+        </p:txBody>
+      </p:sp>
+      <p:cxnSp>
+        <p:nvCxnSpPr>
+          <p:cNvPr id="7" name="Straight Connector 6">
+            <a:extLst>
+              <a:ext uri="{FF2B5EF4-FFF2-40B4-BE49-F238E27FC236}">
+                <a16:creationId xmlns:a16="http://schemas.microsoft.com/office/drawing/2014/main" id="{DCA14C88-1665-4D6C-A7A7-7C656BCF8094}"/>
+              </a:ext>
+            </a:extLst>
+          </p:cNvPr>
+          <p:cNvCxnSpPr>
+            <a:cxnSpLocks/>
+            <a:endCxn id="4" idx="2"/>
+          </p:cNvCxnSpPr>
+          <p:nvPr/>
+        </p:nvCxnSpPr>
+        <p:spPr>
+          <a:xfrm flipV="1">
+            <a:off x="3218130" y="2383850"/>
+            <a:ext cx="0" cy="870691"/>
+          </a:xfrm>
+          <a:prstGeom prst="line">
+            <a:avLst/>
+          </a:prstGeom>
+          <a:ln w="28575">
+            <a:prstDash val="dash"/>
+          </a:ln>
+        </p:spPr>
+        <p:style>
+          <a:lnRef idx="1">
+            <a:schemeClr val="accent2"/>
+          </a:lnRef>
+          <a:fillRef idx="0">
+            <a:schemeClr val="accent2"/>
+          </a:fillRef>
+          <a:effectRef idx="0">
+            <a:schemeClr val="accent2"/>
+          </a:effectRef>
+          <a:fontRef idx="minor">
+            <a:schemeClr val="tx1"/>
+          </a:fontRef>
+        </p:style>
+      </p:cxnSp>
+      <p:sp>
+        <p:nvSpPr>
+          <p:cNvPr id="8" name="Rectangle: Rounded Corners 7">
+            <a:extLst>
+              <a:ext uri="{FF2B5EF4-FFF2-40B4-BE49-F238E27FC236}">
+                <a16:creationId xmlns:a16="http://schemas.microsoft.com/office/drawing/2014/main" id="{480E8A9A-E44F-4B6B-8DD2-3640528E3573}"/>
+              </a:ext>
+            </a:extLst>
+          </p:cNvPr>
+          <p:cNvSpPr/>
+          <p:nvPr/>
+        </p:nvSpPr>
+        <p:spPr>
+          <a:xfrm>
+            <a:off x="1838966" y="3265600"/>
+            <a:ext cx="5574465" cy="301752"/>
+          </a:xfrm>
+          <a:prstGeom prst="roundRect">
+            <a:avLst/>
+          </a:prstGeom>
+          <a:solidFill>
+            <a:schemeClr val="accent2">
+              <a:lumMod val="40000"/>
+              <a:lumOff val="60000"/>
+            </a:schemeClr>
+          </a:solidFill>
+          <a:ln>
+            <a:solidFill>
+              <a:schemeClr val="accent2">
+                <a:lumMod val="75000"/>
+              </a:schemeClr>
+            </a:solidFill>
+          </a:ln>
+        </p:spPr>
+        <p:style>
+          <a:lnRef idx="2">
+            <a:schemeClr val="accent1">
+              <a:shade val="50000"/>
+            </a:schemeClr>
+          </a:lnRef>
+          <a:fillRef idx="1">
+            <a:schemeClr val="accent1"/>
+          </a:fillRef>
+          <a:effectRef idx="0">
+            <a:schemeClr val="accent1"/>
+          </a:effectRef>
+          <a:fontRef idx="minor">
+            <a:schemeClr val="lt1"/>
+          </a:fontRef>
+        </p:style>
+        <p:txBody>
+          <a:bodyPr rtlCol="0" anchor="ctr"/>
+          <a:lstStyle/>
+          <a:p>
+            <a:pPr algn="ctr"/>
+            <a:endParaRPr lang="en-US"/>
+          </a:p>
+        </p:txBody>
+      </p:sp>
+      <p:sp>
+        <p:nvSpPr>
+          <p:cNvPr id="14" name="Rectangle: Rounded Corners 13">
+            <a:extLst>
+              <a:ext uri="{FF2B5EF4-FFF2-40B4-BE49-F238E27FC236}">
+                <a16:creationId xmlns:a16="http://schemas.microsoft.com/office/drawing/2014/main" id="{C84FFFA4-0C6F-410C-936C-3CB7727CF26B}"/>
+              </a:ext>
+            </a:extLst>
+          </p:cNvPr>
+          <p:cNvSpPr/>
+          <p:nvPr/>
+        </p:nvSpPr>
+        <p:spPr>
+          <a:xfrm>
+            <a:off x="5462857" y="912766"/>
+            <a:ext cx="861045" cy="600393"/>
+          </a:xfrm>
+          <a:prstGeom prst="roundRect">
+            <a:avLst/>
+          </a:prstGeom>
+        </p:spPr>
+        <p:style>
+          <a:lnRef idx="2">
+            <a:schemeClr val="accent4">
+              <a:shade val="50000"/>
+            </a:schemeClr>
+          </a:lnRef>
+          <a:fillRef idx="1">
+            <a:schemeClr val="accent4"/>
+          </a:fillRef>
+          <a:effectRef idx="0">
+            <a:schemeClr val="accent4"/>
+          </a:effectRef>
+          <a:fontRef idx="minor">
+            <a:schemeClr val="lt1"/>
+          </a:fontRef>
+        </p:style>
+        <p:txBody>
+          <a:bodyPr rtlCol="0" anchor="ctr"/>
+          <a:lstStyle/>
+          <a:p>
+            <a:pPr algn="ctr"/>
+            <a:endParaRPr lang="en-US" dirty="0"/>
+          </a:p>
+        </p:txBody>
+      </p:sp>
+      <p:cxnSp>
+        <p:nvCxnSpPr>
+          <p:cNvPr id="15" name="Straight Connector 14">
+            <a:extLst>
+              <a:ext uri="{FF2B5EF4-FFF2-40B4-BE49-F238E27FC236}">
+                <a16:creationId xmlns:a16="http://schemas.microsoft.com/office/drawing/2014/main" id="{A3D14478-E8BE-4290-9E32-1E4602433A5A}"/>
+              </a:ext>
+            </a:extLst>
+          </p:cNvPr>
+          <p:cNvCxnSpPr>
+            <a:cxnSpLocks/>
+            <a:endCxn id="14" idx="2"/>
+          </p:cNvCxnSpPr>
+          <p:nvPr/>
+        </p:nvCxnSpPr>
+        <p:spPr>
+          <a:xfrm flipV="1">
+            <a:off x="5893380" y="1513159"/>
+            <a:ext cx="0" cy="1741382"/>
+          </a:xfrm>
+          <a:prstGeom prst="line">
+            <a:avLst/>
+          </a:prstGeom>
+          <a:ln w="28575">
+            <a:prstDash val="dash"/>
+          </a:ln>
+        </p:spPr>
+        <p:style>
+          <a:lnRef idx="1">
+            <a:schemeClr val="accent2"/>
+          </a:lnRef>
+          <a:fillRef idx="0">
+            <a:schemeClr val="accent2"/>
+          </a:fillRef>
+          <a:effectRef idx="0">
+            <a:schemeClr val="accent2"/>
+          </a:effectRef>
+          <a:fontRef idx="minor">
+            <a:schemeClr val="tx1"/>
+          </a:fontRef>
+        </p:style>
+      </p:cxnSp>
+      <p:sp>
+        <p:nvSpPr>
+          <p:cNvPr id="18" name="Rectangle: Rounded Corners 17">
+            <a:extLst>
+              <a:ext uri="{FF2B5EF4-FFF2-40B4-BE49-F238E27FC236}">
+                <a16:creationId xmlns:a16="http://schemas.microsoft.com/office/drawing/2014/main" id="{7D70040B-DC02-4EC5-ADA1-169A5C2E3EBB}"/>
+              </a:ext>
+            </a:extLst>
+          </p:cNvPr>
+          <p:cNvSpPr/>
+          <p:nvPr/>
+        </p:nvSpPr>
+        <p:spPr>
+          <a:xfrm>
+            <a:off x="2223850" y="2984243"/>
+            <a:ext cx="1983860" cy="870689"/>
+          </a:xfrm>
+          <a:prstGeom prst="roundRect">
+            <a:avLst/>
+          </a:prstGeom>
+        </p:spPr>
+        <p:style>
+          <a:lnRef idx="2">
+            <a:schemeClr val="accent2">
+              <a:shade val="50000"/>
+            </a:schemeClr>
+          </a:lnRef>
+          <a:fillRef idx="1">
+            <a:schemeClr val="accent2"/>
+          </a:fillRef>
+          <a:effectRef idx="0">
+            <a:schemeClr val="accent2"/>
+          </a:effectRef>
+          <a:fontRef idx="minor">
+            <a:schemeClr val="lt1"/>
+          </a:fontRef>
+        </p:style>
+        <p:txBody>
+          <a:bodyPr rtlCol="0" anchor="ctr"/>
+          <a:lstStyle/>
+          <a:p>
+            <a:pPr algn="ctr"/>
+            <a:r>
+              <a:rPr lang="en-US" dirty="0"/>
+              <a:t>Id: 3</a:t>
+            </a:r>
+          </a:p>
+          <a:p>
+            <a:pPr algn="ctr"/>
+            <a:r>
+              <a:rPr lang="en-US" dirty="0"/>
+              <a:t>Name: Bob</a:t>
+            </a:r>
+          </a:p>
+          <a:p>
+            <a:pPr algn="ctr"/>
+            <a:r>
+              <a:rPr lang="en-US" dirty="0"/>
+              <a:t>E-Mail: bob@gmail.com</a:t>
+            </a:r>
+          </a:p>
+        </p:txBody>
+      </p:sp>
+    </p:spTree>
+    <p:extLst>
+      <p:ext uri="{BB962C8B-B14F-4D97-AF65-F5344CB8AC3E}">
+        <p14:creationId xmlns:p14="http://schemas.microsoft.com/office/powerpoint/2010/main" val="2428447587"/>
+      </p:ext>
+    </p:extLst>
+  </p:cSld>
+  <p:clrMapOvr>
+    <a:masterClrMapping/>
+  </p:clrMapOvr>
+</p:sld>
+</file>
+
+<file path=ppt/slides/slide28.xml><?xml version="1.0" encoding="utf-8"?>
+<p:sld xmlns:a="http://schemas.openxmlformats.org/drawingml/2006/main" xmlns:r="http://schemas.openxmlformats.org/officeDocument/2006/relationships" xmlns:p="http://schemas.openxmlformats.org/presentationml/2006/main">
+  <p:cSld>
+    <p:spTree>
+      <p:nvGrpSpPr>
+        <p:cNvPr id="1" name=""/>
+        <p:cNvGrpSpPr/>
+        <p:nvPr/>
+      </p:nvGrpSpPr>
+      <p:grpSpPr>
+        <a:xfrm>
+          <a:off x="0" y="0"/>
+          <a:ext cx="0" cy="0"/>
+          <a:chOff x="0" y="0"/>
+          <a:chExt cx="0" cy="0"/>
+        </a:xfrm>
+      </p:grpSpPr>
+      <p:sp>
+        <p:nvSpPr>
+          <p:cNvPr id="2" name="Title 1">
+            <a:extLst>
+              <a:ext uri="{FF2B5EF4-FFF2-40B4-BE49-F238E27FC236}">
+                <a16:creationId xmlns:a16="http://schemas.microsoft.com/office/drawing/2014/main" id="{B968C3C1-D075-47BC-B992-FAE04CFFF215}"/>
+              </a:ext>
+            </a:extLst>
+          </p:cNvPr>
+          <p:cNvSpPr>
+            <a:spLocks noGrp="1"/>
+          </p:cNvSpPr>
+          <p:nvPr>
+            <p:ph type="title"/>
+          </p:nvPr>
+        </p:nvSpPr>
+        <p:spPr/>
+        <p:txBody>
+          <a:bodyPr/>
+          <a:lstStyle/>
+          <a:p>
+            <a:r>
+              <a:rPr lang="en-US" dirty="0"/>
+              <a:t>IDEMPOTENCE</a:t>
+            </a:r>
+          </a:p>
+        </p:txBody>
+      </p:sp>
+      <p:sp>
+        <p:nvSpPr>
+          <p:cNvPr id="3" name="Slide Number Placeholder 2">
+            <a:extLst>
+              <a:ext uri="{FF2B5EF4-FFF2-40B4-BE49-F238E27FC236}">
+                <a16:creationId xmlns:a16="http://schemas.microsoft.com/office/drawing/2014/main" id="{E65F04EF-E13D-4D34-A6E0-07BCDFAA29D9}"/>
+              </a:ext>
+            </a:extLst>
+          </p:cNvPr>
+          <p:cNvSpPr>
+            <a:spLocks noGrp="1"/>
+          </p:cNvSpPr>
+          <p:nvPr>
+            <p:ph type="sldNum" sz="quarter" idx="4"/>
+          </p:nvPr>
+        </p:nvSpPr>
+        <p:spPr/>
+        <p:txBody>
+          <a:bodyPr/>
+          <a:lstStyle/>
+          <a:p>
+            <a:fld id="{3A707DD9-E92B-45E8-BE0A-E6B2EDF345EB}" type="slidenum">
+              <a:rPr lang="en-US" smtClean="0"/>
+              <a:pPr/>
+              <a:t>28</a:t>
+            </a:fld>
+            <a:endParaRPr lang="en-US" dirty="0"/>
+          </a:p>
+        </p:txBody>
+      </p:sp>
+      <p:sp>
+        <p:nvSpPr>
+          <p:cNvPr id="4" name="Rectangle: Rounded Corners 3">
+            <a:extLst>
+              <a:ext uri="{FF2B5EF4-FFF2-40B4-BE49-F238E27FC236}">
+                <a16:creationId xmlns:a16="http://schemas.microsoft.com/office/drawing/2014/main" id="{933BDACC-8930-4FF4-8B9D-1A664DA5A922}"/>
+              </a:ext>
+            </a:extLst>
+          </p:cNvPr>
+          <p:cNvSpPr/>
+          <p:nvPr/>
+        </p:nvSpPr>
+        <p:spPr>
+          <a:xfrm>
+            <a:off x="2787607" y="1783457"/>
+            <a:ext cx="861045" cy="600393"/>
+          </a:xfrm>
+          <a:prstGeom prst="roundRect">
+            <a:avLst/>
+          </a:prstGeom>
+          <a:solidFill>
+            <a:schemeClr val="accent4"/>
+          </a:solidFill>
+        </p:spPr>
+        <p:style>
+          <a:lnRef idx="2">
+            <a:schemeClr val="accent4">
+              <a:shade val="50000"/>
+            </a:schemeClr>
+          </a:lnRef>
+          <a:fillRef idx="1">
+            <a:schemeClr val="accent4"/>
+          </a:fillRef>
+          <a:effectRef idx="0">
+            <a:schemeClr val="accent4"/>
+          </a:effectRef>
+          <a:fontRef idx="minor">
+            <a:schemeClr val="lt1"/>
+          </a:fontRef>
+        </p:style>
+        <p:txBody>
+          <a:bodyPr rtlCol="0" anchor="ctr"/>
+          <a:lstStyle/>
+          <a:p>
+            <a:pPr algn="ctr"/>
+            <a:endParaRPr lang="en-US" dirty="0"/>
+          </a:p>
+        </p:txBody>
+      </p:sp>
+      <p:cxnSp>
+        <p:nvCxnSpPr>
+          <p:cNvPr id="7" name="Straight Connector 6">
+            <a:extLst>
+              <a:ext uri="{FF2B5EF4-FFF2-40B4-BE49-F238E27FC236}">
+                <a16:creationId xmlns:a16="http://schemas.microsoft.com/office/drawing/2014/main" id="{DCA14C88-1665-4D6C-A7A7-7C656BCF8094}"/>
+              </a:ext>
+            </a:extLst>
+          </p:cNvPr>
+          <p:cNvCxnSpPr>
+            <a:cxnSpLocks/>
+            <a:endCxn id="4" idx="2"/>
+          </p:cNvCxnSpPr>
+          <p:nvPr/>
+        </p:nvCxnSpPr>
+        <p:spPr>
+          <a:xfrm flipV="1">
+            <a:off x="3218130" y="2383850"/>
+            <a:ext cx="0" cy="870691"/>
+          </a:xfrm>
+          <a:prstGeom prst="line">
+            <a:avLst/>
+          </a:prstGeom>
+          <a:ln w="28575">
+            <a:prstDash val="dash"/>
+          </a:ln>
+        </p:spPr>
+        <p:style>
+          <a:lnRef idx="1">
+            <a:schemeClr val="accent2"/>
+          </a:lnRef>
+          <a:fillRef idx="0">
+            <a:schemeClr val="accent2"/>
+          </a:fillRef>
+          <a:effectRef idx="0">
+            <a:schemeClr val="accent2"/>
+          </a:effectRef>
+          <a:fontRef idx="minor">
+            <a:schemeClr val="tx1"/>
+          </a:fontRef>
+        </p:style>
+      </p:cxnSp>
+      <p:sp>
+        <p:nvSpPr>
+          <p:cNvPr id="8" name="Rectangle: Rounded Corners 7">
+            <a:extLst>
+              <a:ext uri="{FF2B5EF4-FFF2-40B4-BE49-F238E27FC236}">
+                <a16:creationId xmlns:a16="http://schemas.microsoft.com/office/drawing/2014/main" id="{480E8A9A-E44F-4B6B-8DD2-3640528E3573}"/>
+              </a:ext>
+            </a:extLst>
+          </p:cNvPr>
+          <p:cNvSpPr/>
+          <p:nvPr/>
+        </p:nvSpPr>
+        <p:spPr>
+          <a:xfrm>
+            <a:off x="1838966" y="3265600"/>
+            <a:ext cx="5574465" cy="301752"/>
+          </a:xfrm>
+          <a:prstGeom prst="roundRect">
+            <a:avLst/>
+          </a:prstGeom>
+          <a:solidFill>
+            <a:schemeClr val="accent2">
+              <a:lumMod val="40000"/>
+              <a:lumOff val="60000"/>
+            </a:schemeClr>
+          </a:solidFill>
+          <a:ln>
+            <a:solidFill>
+              <a:schemeClr val="accent2">
+                <a:lumMod val="75000"/>
+              </a:schemeClr>
+            </a:solidFill>
+          </a:ln>
+        </p:spPr>
+        <p:style>
+          <a:lnRef idx="2">
+            <a:schemeClr val="accent1">
+              <a:shade val="50000"/>
+            </a:schemeClr>
+          </a:lnRef>
+          <a:fillRef idx="1">
+            <a:schemeClr val="accent1"/>
+          </a:fillRef>
+          <a:effectRef idx="0">
+            <a:schemeClr val="accent1"/>
+          </a:effectRef>
+          <a:fontRef idx="minor">
+            <a:schemeClr val="lt1"/>
+          </a:fontRef>
+        </p:style>
+        <p:txBody>
+          <a:bodyPr rtlCol="0" anchor="ctr"/>
+          <a:lstStyle/>
+          <a:p>
+            <a:pPr algn="ctr"/>
+            <a:endParaRPr lang="en-US"/>
+          </a:p>
+        </p:txBody>
+      </p:sp>
+      <p:sp>
+        <p:nvSpPr>
+          <p:cNvPr id="14" name="Rectangle: Rounded Corners 13">
+            <a:extLst>
+              <a:ext uri="{FF2B5EF4-FFF2-40B4-BE49-F238E27FC236}">
+                <a16:creationId xmlns:a16="http://schemas.microsoft.com/office/drawing/2014/main" id="{C84FFFA4-0C6F-410C-936C-3CB7727CF26B}"/>
+              </a:ext>
+            </a:extLst>
+          </p:cNvPr>
+          <p:cNvSpPr/>
+          <p:nvPr/>
+        </p:nvSpPr>
+        <p:spPr>
+          <a:xfrm>
+            <a:off x="5462857" y="912766"/>
+            <a:ext cx="861045" cy="600393"/>
+          </a:xfrm>
+          <a:prstGeom prst="roundRect">
+            <a:avLst/>
+          </a:prstGeom>
+        </p:spPr>
+        <p:style>
+          <a:lnRef idx="2">
+            <a:schemeClr val="accent4">
+              <a:shade val="50000"/>
+            </a:schemeClr>
+          </a:lnRef>
+          <a:fillRef idx="1">
+            <a:schemeClr val="accent4"/>
+          </a:fillRef>
+          <a:effectRef idx="0">
+            <a:schemeClr val="accent4"/>
+          </a:effectRef>
+          <a:fontRef idx="minor">
+            <a:schemeClr val="lt1"/>
+          </a:fontRef>
+        </p:style>
+        <p:txBody>
+          <a:bodyPr rtlCol="0" anchor="ctr"/>
+          <a:lstStyle/>
+          <a:p>
+            <a:pPr algn="ctr"/>
+            <a:endParaRPr lang="en-US" dirty="0"/>
+          </a:p>
+        </p:txBody>
+      </p:sp>
+      <p:cxnSp>
+        <p:nvCxnSpPr>
+          <p:cNvPr id="15" name="Straight Connector 14">
+            <a:extLst>
+              <a:ext uri="{FF2B5EF4-FFF2-40B4-BE49-F238E27FC236}">
+                <a16:creationId xmlns:a16="http://schemas.microsoft.com/office/drawing/2014/main" id="{A3D14478-E8BE-4290-9E32-1E4602433A5A}"/>
+              </a:ext>
+            </a:extLst>
+          </p:cNvPr>
+          <p:cNvCxnSpPr>
+            <a:cxnSpLocks/>
+            <a:endCxn id="14" idx="2"/>
+          </p:cNvCxnSpPr>
+          <p:nvPr/>
+        </p:nvCxnSpPr>
+        <p:spPr>
+          <a:xfrm flipV="1">
+            <a:off x="5893380" y="1513159"/>
+            <a:ext cx="0" cy="1741382"/>
+          </a:xfrm>
+          <a:prstGeom prst="line">
+            <a:avLst/>
+          </a:prstGeom>
+          <a:ln w="28575">
+            <a:prstDash val="dash"/>
+          </a:ln>
+        </p:spPr>
+        <p:style>
+          <a:lnRef idx="1">
+            <a:schemeClr val="accent2"/>
+          </a:lnRef>
+          <a:fillRef idx="0">
+            <a:schemeClr val="accent2"/>
+          </a:fillRef>
+          <a:effectRef idx="0">
+            <a:schemeClr val="accent2"/>
+          </a:effectRef>
+          <a:fontRef idx="minor">
+            <a:schemeClr val="tx1"/>
+          </a:fontRef>
+        </p:style>
+      </p:cxnSp>
+      <p:sp>
+        <p:nvSpPr>
+          <p:cNvPr id="18" name="Rectangle: Rounded Corners 17">
+            <a:extLst>
+              <a:ext uri="{FF2B5EF4-FFF2-40B4-BE49-F238E27FC236}">
+                <a16:creationId xmlns:a16="http://schemas.microsoft.com/office/drawing/2014/main" id="{7D70040B-DC02-4EC5-ADA1-169A5C2E3EBB}"/>
+              </a:ext>
+            </a:extLst>
+          </p:cNvPr>
+          <p:cNvSpPr/>
+          <p:nvPr/>
+        </p:nvSpPr>
+        <p:spPr>
+          <a:xfrm>
+            <a:off x="2223850" y="2984243"/>
+            <a:ext cx="1983860" cy="870689"/>
+          </a:xfrm>
+          <a:prstGeom prst="roundRect">
+            <a:avLst/>
+          </a:prstGeom>
+        </p:spPr>
+        <p:style>
+          <a:lnRef idx="2">
+            <a:schemeClr val="accent2">
+              <a:shade val="50000"/>
+            </a:schemeClr>
+          </a:lnRef>
+          <a:fillRef idx="1">
+            <a:schemeClr val="accent2"/>
+          </a:fillRef>
+          <a:effectRef idx="0">
+            <a:schemeClr val="accent2"/>
+          </a:effectRef>
+          <a:fontRef idx="minor">
+            <a:schemeClr val="lt1"/>
+          </a:fontRef>
+        </p:style>
+        <p:txBody>
+          <a:bodyPr rtlCol="0" anchor="ctr"/>
+          <a:lstStyle/>
+          <a:p>
+            <a:pPr algn="ctr"/>
+            <a:r>
+              <a:rPr lang="en-US" dirty="0"/>
+              <a:t>Id: 3</a:t>
+            </a:r>
+          </a:p>
+          <a:p>
+            <a:pPr algn="ctr"/>
+            <a:r>
+              <a:rPr lang="en-US" dirty="0"/>
+              <a:t>Name: Bob</a:t>
+            </a:r>
+          </a:p>
+          <a:p>
+            <a:pPr algn="ctr"/>
+            <a:r>
+              <a:rPr lang="en-US" dirty="0"/>
+              <a:t>E-Mail: bob@gmail.com</a:t>
+            </a:r>
+          </a:p>
+        </p:txBody>
+      </p:sp>
+      <p:sp>
+        <p:nvSpPr>
+          <p:cNvPr id="5" name="Rectangle: Rounded Corners 4">
+            <a:extLst>
+              <a:ext uri="{FF2B5EF4-FFF2-40B4-BE49-F238E27FC236}">
+                <a16:creationId xmlns:a16="http://schemas.microsoft.com/office/drawing/2014/main" id="{E576BFA8-BC20-4D5E-BD3C-F915D0896CA2}"/>
+              </a:ext>
+            </a:extLst>
+          </p:cNvPr>
+          <p:cNvSpPr/>
+          <p:nvPr/>
+        </p:nvSpPr>
+        <p:spPr>
+          <a:xfrm>
+            <a:off x="4901449" y="1877900"/>
+            <a:ext cx="1983860" cy="870689"/>
+          </a:xfrm>
+          <a:prstGeom prst="roundRect">
+            <a:avLst/>
+          </a:prstGeom>
+        </p:spPr>
+        <p:style>
+          <a:lnRef idx="2">
+            <a:schemeClr val="accent2">
+              <a:shade val="50000"/>
+            </a:schemeClr>
+          </a:lnRef>
+          <a:fillRef idx="1">
+            <a:schemeClr val="accent2"/>
+          </a:fillRef>
+          <a:effectRef idx="0">
+            <a:schemeClr val="accent2"/>
+          </a:effectRef>
+          <a:fontRef idx="minor">
+            <a:schemeClr val="lt1"/>
+          </a:fontRef>
+        </p:style>
+        <p:txBody>
+          <a:bodyPr rtlCol="0" anchor="ctr"/>
+          <a:lstStyle/>
+          <a:p>
+            <a:pPr algn="ctr"/>
+            <a:r>
+              <a:rPr lang="en-US" dirty="0"/>
+              <a:t>Id: 3</a:t>
+            </a:r>
+          </a:p>
+          <a:p>
+            <a:pPr algn="ctr"/>
+            <a:r>
+              <a:rPr lang="en-US" dirty="0"/>
+              <a:t>Name: Bob</a:t>
+            </a:r>
+          </a:p>
+          <a:p>
+            <a:pPr algn="ctr"/>
+            <a:r>
+              <a:rPr lang="en-US" dirty="0"/>
+              <a:t>E-Mail: bob@gmail.com</a:t>
+            </a:r>
+          </a:p>
+        </p:txBody>
+      </p:sp>
+    </p:spTree>
+    <p:extLst>
+      <p:ext uri="{BB962C8B-B14F-4D97-AF65-F5344CB8AC3E}">
+        <p14:creationId xmlns:p14="http://schemas.microsoft.com/office/powerpoint/2010/main" val="14218003"/>
+      </p:ext>
+    </p:extLst>
+  </p:cSld>
+  <p:clrMapOvr>
+    <a:masterClrMapping/>
+  </p:clrMapOvr>
+</p:sld>
+</file>
+
+<file path=ppt/slides/slide29.xml><?xml version="1.0" encoding="utf-8"?>
+<p:sld xmlns:a="http://schemas.openxmlformats.org/drawingml/2006/main" xmlns:r="http://schemas.openxmlformats.org/officeDocument/2006/relationships" xmlns:p="http://schemas.openxmlformats.org/presentationml/2006/main">
+  <p:cSld>
+    <p:spTree>
+      <p:nvGrpSpPr>
+        <p:cNvPr id="1" name=""/>
+        <p:cNvGrpSpPr/>
+        <p:nvPr/>
+      </p:nvGrpSpPr>
+      <p:grpSpPr>
+        <a:xfrm>
+          <a:off x="0" y="0"/>
+          <a:ext cx="0" cy="0"/>
+          <a:chOff x="0" y="0"/>
+          <a:chExt cx="0" cy="0"/>
+        </a:xfrm>
+      </p:grpSpPr>
+      <p:sp>
+        <p:nvSpPr>
+          <p:cNvPr id="3" name="Title 2">
+            <a:extLst>
+              <a:ext uri="{FF2B5EF4-FFF2-40B4-BE49-F238E27FC236}">
+                <a16:creationId xmlns:a16="http://schemas.microsoft.com/office/drawing/2014/main" id="{E7C850D0-2E7E-4DD9-A60B-8E7F6400DF4F}"/>
+              </a:ext>
+            </a:extLst>
+          </p:cNvPr>
+          <p:cNvSpPr>
+            <a:spLocks noGrp="1"/>
+          </p:cNvSpPr>
+          <p:nvPr>
+            <p:ph type="title" idx="4294967295"/>
+          </p:nvPr>
+        </p:nvSpPr>
+        <p:spPr>
+          <a:xfrm>
+            <a:off x="3600450" y="2420937"/>
+            <a:ext cx="1943100" cy="301625"/>
+          </a:xfrm>
+        </p:spPr>
+        <p:txBody>
+          <a:bodyPr/>
+          <a:lstStyle/>
+          <a:p>
+            <a:pPr algn="ctr"/>
+            <a:r>
+              <a:rPr lang="en-US" dirty="0"/>
+              <a:t>SCALING</a:t>
+            </a:r>
+          </a:p>
+        </p:txBody>
+      </p:sp>
+    </p:spTree>
+    <p:extLst>
+      <p:ext uri="{BB962C8B-B14F-4D97-AF65-F5344CB8AC3E}">
+        <p14:creationId xmlns:p14="http://schemas.microsoft.com/office/powerpoint/2010/main" val="3935811366"/>
       </p:ext>
     </p:extLst>
   </p:cSld>

--- a/lecture_3_microservice_patterns.pptx
+++ b/lecture_3_microservice_patterns.pptx
@@ -7,10 +7,10 @@
     <p:sldMasterId id="2147483663" r:id="rId3"/>
   </p:sldMasterIdLst>
   <p:notesMasterIdLst>
-    <p:notesMasterId r:id="rId48"/>
+    <p:notesMasterId r:id="rId51"/>
   </p:notesMasterIdLst>
   <p:handoutMasterIdLst>
-    <p:handoutMasterId r:id="rId49"/>
+    <p:handoutMasterId r:id="rId52"/>
   </p:handoutMasterIdLst>
   <p:sldIdLst>
     <p:sldId id="256" r:id="rId4"/>
@@ -57,6 +57,9 @@
     <p:sldId id="314" r:id="rId45"/>
     <p:sldId id="360" r:id="rId46"/>
     <p:sldId id="361" r:id="rId47"/>
+    <p:sldId id="362" r:id="rId48"/>
+    <p:sldId id="363" r:id="rId49"/>
+    <p:sldId id="310" r:id="rId50"/>
   </p:sldIdLst>
   <p:sldSz cx="9144000" cy="5143500" type="screen16x9"/>
   <p:notesSz cx="6858000" cy="9144000"/>
@@ -204,6 +207,9 @@
             <p14:sldId id="314"/>
             <p14:sldId id="360"/>
             <p14:sldId id="361"/>
+            <p14:sldId id="362"/>
+            <p14:sldId id="363"/>
+            <p14:sldId id="310"/>
           </p14:sldIdLst>
         </p14:section>
       </p14:sectionLst>
@@ -311,7 +317,7 @@
           <a:p>
             <a:fld id="{3FDC14FC-A894-4869-A797-1EC82735D106}" type="datetimeFigureOut">
               <a:rPr lang="en-US" smtClean="0"/>
-              <a:t>9/29/2020</a:t>
+              <a:t>9/30/2020</a:t>
             </a:fld>
             <a:endParaRPr lang="en-US"/>
           </a:p>
@@ -476,7 +482,7 @@
           <a:p>
             <a:fld id="{B4F99C05-63F9-4248-8E20-3ACD9DF9DE7F}" type="datetimeFigureOut">
               <a:rPr lang="en-US" smtClean="0"/>
-              <a:t>9/29/2020</a:t>
+              <a:t>9/30/2020</a:t>
             </a:fld>
             <a:endParaRPr lang="en-US"/>
           </a:p>
@@ -24988,6 +24994,195 @@
   <p:clrMapOvr>
     <a:masterClrMapping/>
   </p:clrMapOvr>
+  <p:timing>
+    <p:tnLst>
+      <p:par>
+        <p:cTn id="1" dur="indefinite" restart="never" nodeType="tmRoot">
+          <p:childTnLst>
+            <p:seq concurrent="1" nextAc="seek">
+              <p:cTn id="2" dur="indefinite" nodeType="mainSeq">
+                <p:childTnLst>
+                  <p:par>
+                    <p:cTn id="3" fill="hold">
+                      <p:stCondLst>
+                        <p:cond delay="indefinite"/>
+                      </p:stCondLst>
+                      <p:childTnLst>
+                        <p:par>
+                          <p:cTn id="4" fill="hold">
+                            <p:stCondLst>
+                              <p:cond delay="0"/>
+                            </p:stCondLst>
+                            <p:childTnLst>
+                              <p:par>
+                                <p:cTn id="5" presetID="10" presetClass="entr" presetSubtype="0" fill="hold" nodeType="clickEffect">
+                                  <p:stCondLst>
+                                    <p:cond delay="0"/>
+                                  </p:stCondLst>
+                                  <p:childTnLst>
+                                    <p:set>
+                                      <p:cBhvr>
+                                        <p:cTn id="6" dur="1" fill="hold">
+                                          <p:stCondLst>
+                                            <p:cond delay="0"/>
+                                          </p:stCondLst>
+                                        </p:cTn>
+                                        <p:tgtEl>
+                                          <p:spTgt spid="2"/>
+                                        </p:tgtEl>
+                                        <p:attrNameLst>
+                                          <p:attrName>style.visibility</p:attrName>
+                                        </p:attrNameLst>
+                                      </p:cBhvr>
+                                      <p:to>
+                                        <p:strVal val="visible"/>
+                                      </p:to>
+                                    </p:set>
+                                    <p:animEffect transition="in" filter="fade">
+                                      <p:cBhvr>
+                                        <p:cTn id="7" dur="500"/>
+                                        <p:tgtEl>
+                                          <p:spTgt spid="2"/>
+                                        </p:tgtEl>
+                                      </p:cBhvr>
+                                    </p:animEffect>
+                                  </p:childTnLst>
+                                </p:cTn>
+                              </p:par>
+                            </p:childTnLst>
+                          </p:cTn>
+                        </p:par>
+                      </p:childTnLst>
+                    </p:cTn>
+                  </p:par>
+                  <p:par>
+                    <p:cTn id="8" fill="hold">
+                      <p:stCondLst>
+                        <p:cond delay="indefinite"/>
+                      </p:stCondLst>
+                      <p:childTnLst>
+                        <p:par>
+                          <p:cTn id="9" fill="hold">
+                            <p:stCondLst>
+                              <p:cond delay="0"/>
+                            </p:stCondLst>
+                            <p:childTnLst>
+                              <p:par>
+                                <p:cTn id="10" presetID="10" presetClass="entr" presetSubtype="0" fill="hold" nodeType="clickEffect">
+                                  <p:stCondLst>
+                                    <p:cond delay="0"/>
+                                  </p:stCondLst>
+                                  <p:childTnLst>
+                                    <p:set>
+                                      <p:cBhvr>
+                                        <p:cTn id="11" dur="1" fill="hold">
+                                          <p:stCondLst>
+                                            <p:cond delay="0"/>
+                                          </p:stCondLst>
+                                        </p:cTn>
+                                        <p:tgtEl>
+                                          <p:spTgt spid="4"/>
+                                        </p:tgtEl>
+                                        <p:attrNameLst>
+                                          <p:attrName>style.visibility</p:attrName>
+                                        </p:attrNameLst>
+                                      </p:cBhvr>
+                                      <p:to>
+                                        <p:strVal val="visible"/>
+                                      </p:to>
+                                    </p:set>
+                                    <p:animEffect transition="in" filter="fade">
+                                      <p:cBhvr>
+                                        <p:cTn id="12" dur="500"/>
+                                        <p:tgtEl>
+                                          <p:spTgt spid="4"/>
+                                        </p:tgtEl>
+                                      </p:cBhvr>
+                                    </p:animEffect>
+                                  </p:childTnLst>
+                                </p:cTn>
+                              </p:par>
+                            </p:childTnLst>
+                          </p:cTn>
+                        </p:par>
+                      </p:childTnLst>
+                    </p:cTn>
+                  </p:par>
+                  <p:par>
+                    <p:cTn id="13" fill="hold">
+                      <p:stCondLst>
+                        <p:cond delay="indefinite"/>
+                      </p:stCondLst>
+                      <p:childTnLst>
+                        <p:par>
+                          <p:cTn id="14" fill="hold">
+                            <p:stCondLst>
+                              <p:cond delay="0"/>
+                            </p:stCondLst>
+                            <p:childTnLst>
+                              <p:par>
+                                <p:cTn id="15" presetID="10" presetClass="entr" presetSubtype="0" fill="hold" nodeType="clickEffect">
+                                  <p:stCondLst>
+                                    <p:cond delay="0"/>
+                                  </p:stCondLst>
+                                  <p:childTnLst>
+                                    <p:set>
+                                      <p:cBhvr>
+                                        <p:cTn id="16" dur="1" fill="hold">
+                                          <p:stCondLst>
+                                            <p:cond delay="0"/>
+                                          </p:stCondLst>
+                                        </p:cTn>
+                                        <p:tgtEl>
+                                          <p:spTgt spid="1026"/>
+                                        </p:tgtEl>
+                                        <p:attrNameLst>
+                                          <p:attrName>style.visibility</p:attrName>
+                                        </p:attrNameLst>
+                                      </p:cBhvr>
+                                      <p:to>
+                                        <p:strVal val="visible"/>
+                                      </p:to>
+                                    </p:set>
+                                    <p:animEffect transition="in" filter="fade">
+                                      <p:cBhvr>
+                                        <p:cTn id="17" dur="500"/>
+                                        <p:tgtEl>
+                                          <p:spTgt spid="1026"/>
+                                        </p:tgtEl>
+                                      </p:cBhvr>
+                                    </p:animEffect>
+                                  </p:childTnLst>
+                                </p:cTn>
+                              </p:par>
+                            </p:childTnLst>
+                          </p:cTn>
+                        </p:par>
+                      </p:childTnLst>
+                    </p:cTn>
+                  </p:par>
+                </p:childTnLst>
+              </p:cTn>
+              <p:prevCondLst>
+                <p:cond evt="onPrev" delay="0">
+                  <p:tgtEl>
+                    <p:sldTgt/>
+                  </p:tgtEl>
+                </p:cond>
+              </p:prevCondLst>
+              <p:nextCondLst>
+                <p:cond evt="onNext" delay="0">
+                  <p:tgtEl>
+                    <p:sldTgt/>
+                  </p:tgtEl>
+                </p:cond>
+              </p:nextCondLst>
+            </p:seq>
+          </p:childTnLst>
+        </p:cTn>
+      </p:par>
+    </p:tnLst>
+  </p:timing>
 </p:sld>
 </file>
 
@@ -28195,6 +28390,128 @@
   <p:clrMapOvr>
     <a:masterClrMapping/>
   </p:clrMapOvr>
+  <p:timing>
+    <p:tnLst>
+      <p:par>
+        <p:cTn id="1" dur="indefinite" restart="never" nodeType="tmRoot">
+          <p:childTnLst>
+            <p:seq concurrent="1" nextAc="seek">
+              <p:cTn id="2" dur="indefinite" nodeType="mainSeq">
+                <p:childTnLst>
+                  <p:par>
+                    <p:cTn id="3" fill="hold">
+                      <p:stCondLst>
+                        <p:cond delay="indefinite"/>
+                      </p:stCondLst>
+                      <p:childTnLst>
+                        <p:par>
+                          <p:cTn id="4" fill="hold">
+                            <p:stCondLst>
+                              <p:cond delay="0"/>
+                            </p:stCondLst>
+                            <p:childTnLst>
+                              <p:par>
+                                <p:cTn id="5" presetID="22" presetClass="exit" presetSubtype="2" fill="hold" grpId="0" nodeType="clickEffect">
+                                  <p:stCondLst>
+                                    <p:cond delay="0"/>
+                                  </p:stCondLst>
+                                  <p:childTnLst>
+                                    <p:animEffect transition="out" filter="wipe(right)">
+                                      <p:cBhvr>
+                                        <p:cTn id="6" dur="500"/>
+                                        <p:tgtEl>
+                                          <p:spTgt spid="4"/>
+                                        </p:tgtEl>
+                                      </p:cBhvr>
+                                    </p:animEffect>
+                                    <p:set>
+                                      <p:cBhvr>
+                                        <p:cTn id="7" dur="1" fill="hold">
+                                          <p:stCondLst>
+                                            <p:cond delay="499"/>
+                                          </p:stCondLst>
+                                        </p:cTn>
+                                        <p:tgtEl>
+                                          <p:spTgt spid="4"/>
+                                        </p:tgtEl>
+                                        <p:attrNameLst>
+                                          <p:attrName>style.visibility</p:attrName>
+                                        </p:attrNameLst>
+                                      </p:cBhvr>
+                                      <p:to>
+                                        <p:strVal val="hidden"/>
+                                      </p:to>
+                                    </p:set>
+                                  </p:childTnLst>
+                                </p:cTn>
+                              </p:par>
+                              <p:par>
+                                <p:cTn id="8" presetID="22" presetClass="entr" presetSubtype="2" fill="hold" grpId="0" nodeType="withEffect">
+                                  <p:stCondLst>
+                                    <p:cond delay="0"/>
+                                  </p:stCondLst>
+                                  <p:childTnLst>
+                                    <p:set>
+                                      <p:cBhvr>
+                                        <p:cTn id="9" dur="1" fill="hold">
+                                          <p:stCondLst>
+                                            <p:cond delay="0"/>
+                                          </p:stCondLst>
+                                        </p:cTn>
+                                        <p:tgtEl>
+                                          <p:spTgt spid="24"/>
+                                        </p:tgtEl>
+                                        <p:attrNameLst>
+                                          <p:attrName>style.visibility</p:attrName>
+                                        </p:attrNameLst>
+                                      </p:cBhvr>
+                                      <p:to>
+                                        <p:strVal val="visible"/>
+                                      </p:to>
+                                    </p:set>
+                                    <p:animEffect transition="in" filter="wipe(right)">
+                                      <p:cBhvr>
+                                        <p:cTn id="10" dur="500"/>
+                                        <p:tgtEl>
+                                          <p:spTgt spid="24"/>
+                                        </p:tgtEl>
+                                      </p:cBhvr>
+                                    </p:animEffect>
+                                  </p:childTnLst>
+                                </p:cTn>
+                              </p:par>
+                            </p:childTnLst>
+                          </p:cTn>
+                        </p:par>
+                      </p:childTnLst>
+                    </p:cTn>
+                  </p:par>
+                </p:childTnLst>
+              </p:cTn>
+              <p:prevCondLst>
+                <p:cond evt="onPrev" delay="0">
+                  <p:tgtEl>
+                    <p:sldTgt/>
+                  </p:tgtEl>
+                </p:cond>
+              </p:prevCondLst>
+              <p:nextCondLst>
+                <p:cond evt="onNext" delay="0">
+                  <p:tgtEl>
+                    <p:sldTgt/>
+                  </p:tgtEl>
+                </p:cond>
+              </p:nextCondLst>
+            </p:seq>
+          </p:childTnLst>
+        </p:cTn>
+      </p:par>
+    </p:tnLst>
+    <p:bldLst>
+      <p:bldP spid="24" grpId="0" animBg="1"/>
+      <p:bldP spid="4" grpId="0" animBg="1"/>
+    </p:bldLst>
+  </p:timing>
 </p:sld>
 </file>
 
@@ -29956,6 +30273,332 @@
   <p:clrMapOvr>
     <a:masterClrMapping/>
   </p:clrMapOvr>
+  <p:timing>
+    <p:tnLst>
+      <p:par>
+        <p:cTn id="1" dur="indefinite" restart="never" nodeType="tmRoot">
+          <p:childTnLst>
+            <p:seq concurrent="1" nextAc="seek">
+              <p:cTn id="2" dur="indefinite" nodeType="mainSeq">
+                <p:childTnLst>
+                  <p:par>
+                    <p:cTn id="3" fill="hold">
+                      <p:stCondLst>
+                        <p:cond delay="indefinite"/>
+                      </p:stCondLst>
+                      <p:childTnLst>
+                        <p:par>
+                          <p:cTn id="4" fill="hold">
+                            <p:stCondLst>
+                              <p:cond delay="0"/>
+                            </p:stCondLst>
+                            <p:childTnLst>
+                              <p:par>
+                                <p:cTn id="5" presetID="10" presetClass="entr" presetSubtype="0" fill="hold" grpId="0" nodeType="clickEffect">
+                                  <p:stCondLst>
+                                    <p:cond delay="0"/>
+                                  </p:stCondLst>
+                                  <p:childTnLst>
+                                    <p:set>
+                                      <p:cBhvr>
+                                        <p:cTn id="6" dur="1" fill="hold">
+                                          <p:stCondLst>
+                                            <p:cond delay="0"/>
+                                          </p:stCondLst>
+                                        </p:cTn>
+                                        <p:tgtEl>
+                                          <p:spTgt spid="29"/>
+                                        </p:tgtEl>
+                                        <p:attrNameLst>
+                                          <p:attrName>style.visibility</p:attrName>
+                                        </p:attrNameLst>
+                                      </p:cBhvr>
+                                      <p:to>
+                                        <p:strVal val="visible"/>
+                                      </p:to>
+                                    </p:set>
+                                    <p:animEffect transition="in" filter="fade">
+                                      <p:cBhvr>
+                                        <p:cTn id="7" dur="500"/>
+                                        <p:tgtEl>
+                                          <p:spTgt spid="29"/>
+                                        </p:tgtEl>
+                                      </p:cBhvr>
+                                    </p:animEffect>
+                                  </p:childTnLst>
+                                </p:cTn>
+                              </p:par>
+                            </p:childTnLst>
+                          </p:cTn>
+                        </p:par>
+                        <p:par>
+                          <p:cTn id="8" fill="hold">
+                            <p:stCondLst>
+                              <p:cond delay="500"/>
+                            </p:stCondLst>
+                            <p:childTnLst>
+                              <p:par>
+                                <p:cTn id="9" presetID="10" presetClass="entr" presetSubtype="0" fill="hold" nodeType="afterEffect">
+                                  <p:stCondLst>
+                                    <p:cond delay="0"/>
+                                  </p:stCondLst>
+                                  <p:childTnLst>
+                                    <p:set>
+                                      <p:cBhvr>
+                                        <p:cTn id="10" dur="1" fill="hold">
+                                          <p:stCondLst>
+                                            <p:cond delay="0"/>
+                                          </p:stCondLst>
+                                        </p:cTn>
+                                        <p:tgtEl>
+                                          <p:spTgt spid="42"/>
+                                        </p:tgtEl>
+                                        <p:attrNameLst>
+                                          <p:attrName>style.visibility</p:attrName>
+                                        </p:attrNameLst>
+                                      </p:cBhvr>
+                                      <p:to>
+                                        <p:strVal val="visible"/>
+                                      </p:to>
+                                    </p:set>
+                                    <p:animEffect transition="in" filter="fade">
+                                      <p:cBhvr>
+                                        <p:cTn id="11" dur="500"/>
+                                        <p:tgtEl>
+                                          <p:spTgt spid="42"/>
+                                        </p:tgtEl>
+                                      </p:cBhvr>
+                                    </p:animEffect>
+                                  </p:childTnLst>
+                                </p:cTn>
+                              </p:par>
+                            </p:childTnLst>
+                          </p:cTn>
+                        </p:par>
+                      </p:childTnLst>
+                    </p:cTn>
+                  </p:par>
+                  <p:par>
+                    <p:cTn id="12" fill="hold">
+                      <p:stCondLst>
+                        <p:cond delay="indefinite"/>
+                      </p:stCondLst>
+                      <p:childTnLst>
+                        <p:par>
+                          <p:cTn id="13" fill="hold">
+                            <p:stCondLst>
+                              <p:cond delay="0"/>
+                            </p:stCondLst>
+                            <p:childTnLst>
+                              <p:par>
+                                <p:cTn id="14" presetID="10" presetClass="entr" presetSubtype="0" fill="hold" grpId="0" nodeType="clickEffect">
+                                  <p:stCondLst>
+                                    <p:cond delay="0"/>
+                                  </p:stCondLst>
+                                  <p:childTnLst>
+                                    <p:set>
+                                      <p:cBhvr>
+                                        <p:cTn id="15" dur="1" fill="hold">
+                                          <p:stCondLst>
+                                            <p:cond delay="0"/>
+                                          </p:stCondLst>
+                                        </p:cTn>
+                                        <p:tgtEl>
+                                          <p:spTgt spid="31"/>
+                                        </p:tgtEl>
+                                        <p:attrNameLst>
+                                          <p:attrName>style.visibility</p:attrName>
+                                        </p:attrNameLst>
+                                      </p:cBhvr>
+                                      <p:to>
+                                        <p:strVal val="visible"/>
+                                      </p:to>
+                                    </p:set>
+                                    <p:animEffect transition="in" filter="fade">
+                                      <p:cBhvr>
+                                        <p:cTn id="16" dur="500"/>
+                                        <p:tgtEl>
+                                          <p:spTgt spid="31"/>
+                                        </p:tgtEl>
+                                      </p:cBhvr>
+                                    </p:animEffect>
+                                  </p:childTnLst>
+                                </p:cTn>
+                              </p:par>
+                            </p:childTnLst>
+                          </p:cTn>
+                        </p:par>
+                        <p:par>
+                          <p:cTn id="17" fill="hold">
+                            <p:stCondLst>
+                              <p:cond delay="500"/>
+                            </p:stCondLst>
+                            <p:childTnLst>
+                              <p:par>
+                                <p:cTn id="18" presetID="10" presetClass="entr" presetSubtype="0" fill="hold" nodeType="afterEffect">
+                                  <p:stCondLst>
+                                    <p:cond delay="0"/>
+                                  </p:stCondLst>
+                                  <p:childTnLst>
+                                    <p:set>
+                                      <p:cBhvr>
+                                        <p:cTn id="19" dur="1" fill="hold">
+                                          <p:stCondLst>
+                                            <p:cond delay="0"/>
+                                          </p:stCondLst>
+                                        </p:cTn>
+                                        <p:tgtEl>
+                                          <p:spTgt spid="37"/>
+                                        </p:tgtEl>
+                                        <p:attrNameLst>
+                                          <p:attrName>style.visibility</p:attrName>
+                                        </p:attrNameLst>
+                                      </p:cBhvr>
+                                      <p:to>
+                                        <p:strVal val="visible"/>
+                                      </p:to>
+                                    </p:set>
+                                    <p:animEffect transition="in" filter="fade">
+                                      <p:cBhvr>
+                                        <p:cTn id="20" dur="500"/>
+                                        <p:tgtEl>
+                                          <p:spTgt spid="37"/>
+                                        </p:tgtEl>
+                                      </p:cBhvr>
+                                    </p:animEffect>
+                                  </p:childTnLst>
+                                </p:cTn>
+                              </p:par>
+                            </p:childTnLst>
+                          </p:cTn>
+                        </p:par>
+                      </p:childTnLst>
+                    </p:cTn>
+                  </p:par>
+                  <p:par>
+                    <p:cTn id="21" fill="hold">
+                      <p:stCondLst>
+                        <p:cond delay="indefinite"/>
+                      </p:stCondLst>
+                      <p:childTnLst>
+                        <p:par>
+                          <p:cTn id="22" fill="hold">
+                            <p:stCondLst>
+                              <p:cond delay="0"/>
+                            </p:stCondLst>
+                            <p:childTnLst>
+                              <p:par>
+                                <p:cTn id="23" presetID="10" presetClass="entr" presetSubtype="0" fill="hold" grpId="0" nodeType="clickEffect">
+                                  <p:stCondLst>
+                                    <p:cond delay="0"/>
+                                  </p:stCondLst>
+                                  <p:childTnLst>
+                                    <p:set>
+                                      <p:cBhvr>
+                                        <p:cTn id="24" dur="1" fill="hold">
+                                          <p:stCondLst>
+                                            <p:cond delay="0"/>
+                                          </p:stCondLst>
+                                        </p:cTn>
+                                        <p:tgtEl>
+                                          <p:spTgt spid="33"/>
+                                        </p:tgtEl>
+                                        <p:attrNameLst>
+                                          <p:attrName>style.visibility</p:attrName>
+                                        </p:attrNameLst>
+                                      </p:cBhvr>
+                                      <p:to>
+                                        <p:strVal val="visible"/>
+                                      </p:to>
+                                    </p:set>
+                                    <p:animEffect transition="in" filter="fade">
+                                      <p:cBhvr>
+                                        <p:cTn id="25" dur="500"/>
+                                        <p:tgtEl>
+                                          <p:spTgt spid="33"/>
+                                        </p:tgtEl>
+                                      </p:cBhvr>
+                                    </p:animEffect>
+                                  </p:childTnLst>
+                                </p:cTn>
+                              </p:par>
+                            </p:childTnLst>
+                          </p:cTn>
+                        </p:par>
+                        <p:par>
+                          <p:cTn id="26" fill="hold">
+                            <p:stCondLst>
+                              <p:cond delay="500"/>
+                            </p:stCondLst>
+                            <p:childTnLst>
+                              <p:par>
+                                <p:cTn id="27" presetID="10" presetClass="entr" presetSubtype="0" fill="hold" nodeType="afterEffect">
+                                  <p:stCondLst>
+                                    <p:cond delay="0"/>
+                                  </p:stCondLst>
+                                  <p:childTnLst>
+                                    <p:set>
+                                      <p:cBhvr>
+                                        <p:cTn id="28" dur="1" fill="hold">
+                                          <p:stCondLst>
+                                            <p:cond delay="0"/>
+                                          </p:stCondLst>
+                                        </p:cTn>
+                                        <p:tgtEl>
+                                          <p:spTgt spid="34"/>
+                                        </p:tgtEl>
+                                        <p:attrNameLst>
+                                          <p:attrName>style.visibility</p:attrName>
+                                        </p:attrNameLst>
+                                      </p:cBhvr>
+                                      <p:to>
+                                        <p:strVal val="visible"/>
+                                      </p:to>
+                                    </p:set>
+                                    <p:animEffect transition="in" filter="fade">
+                                      <p:cBhvr>
+                                        <p:cTn id="29" dur="500"/>
+                                        <p:tgtEl>
+                                          <p:spTgt spid="34"/>
+                                        </p:tgtEl>
+                                      </p:cBhvr>
+                                    </p:animEffect>
+                                  </p:childTnLst>
+                                </p:cTn>
+                              </p:par>
+                            </p:childTnLst>
+                          </p:cTn>
+                        </p:par>
+                      </p:childTnLst>
+                    </p:cTn>
+                  </p:par>
+                </p:childTnLst>
+              </p:cTn>
+              <p:prevCondLst>
+                <p:cond evt="onPrev" delay="0">
+                  <p:tgtEl>
+                    <p:sldTgt/>
+                  </p:tgtEl>
+                </p:cond>
+              </p:prevCondLst>
+              <p:nextCondLst>
+                <p:cond evt="onNext" delay="0">
+                  <p:tgtEl>
+                    <p:sldTgt/>
+                  </p:tgtEl>
+                </p:cond>
+              </p:nextCondLst>
+            </p:seq>
+          </p:childTnLst>
+        </p:cTn>
+      </p:par>
+    </p:tnLst>
+    <p:bldLst>
+      <p:bldP spid="29" grpId="0"/>
+      <p:bldP spid="31" grpId="0"/>
+      <p:bldP spid="33" grpId="0"/>
+    </p:bldLst>
+  </p:timing>
 </p:sld>
 </file>
 
@@ -31490,49 +32133,6 @@
           </a:fontRef>
         </p:style>
       </p:cxnSp>
-      <p:cxnSp>
-        <p:nvCxnSpPr>
-          <p:cNvPr id="42" name="Straight Connector 41">
-            <a:extLst>
-              <a:ext uri="{FF2B5EF4-FFF2-40B4-BE49-F238E27FC236}">
-                <a16:creationId xmlns:a16="http://schemas.microsoft.com/office/drawing/2014/main" id="{8F34811A-B486-48B0-BD44-DE6F43C3634C}"/>
-              </a:ext>
-            </a:extLst>
-          </p:cNvPr>
-          <p:cNvCxnSpPr>
-            <a:cxnSpLocks/>
-          </p:cNvCxnSpPr>
-          <p:nvPr/>
-        </p:nvCxnSpPr>
-        <p:spPr>
-          <a:xfrm flipV="1">
-            <a:off x="3398259" y="1680034"/>
-            <a:ext cx="2096096" cy="195550"/>
-          </a:xfrm>
-          <a:prstGeom prst="line">
-            <a:avLst/>
-          </a:prstGeom>
-          <a:ln w="28575">
-            <a:prstDash val="dash"/>
-            <a:headEnd type="arrow" w="med" len="med"/>
-            <a:tailEnd type="none" w="med" len="med"/>
-          </a:ln>
-        </p:spPr>
-        <p:style>
-          <a:lnRef idx="1">
-            <a:schemeClr val="accent2"/>
-          </a:lnRef>
-          <a:fillRef idx="0">
-            <a:schemeClr val="accent2"/>
-          </a:fillRef>
-          <a:effectRef idx="0">
-            <a:schemeClr val="accent2"/>
-          </a:effectRef>
-          <a:fontRef idx="minor">
-            <a:schemeClr val="tx1"/>
-          </a:fontRef>
-        </p:style>
-      </p:cxnSp>
       <p:sp>
         <p:nvSpPr>
           <p:cNvPr id="21" name="Lightning Bolt 20">
@@ -31610,7 +32210,7 @@
                             </p:stCondLst>
                             <p:childTnLst>
                               <p:par>
-                                <p:cTn id="5" presetID="31" presetClass="entr" presetSubtype="0" fill="hold" grpId="0" nodeType="clickEffect">
+                                <p:cTn id="5" presetID="10" presetClass="entr" presetSubtype="0" fill="hold" grpId="0" nodeType="clickEffect">
                                   <p:stCondLst>
                                     <p:cond delay="0"/>
                                   </p:stCondLst>
@@ -31618,6 +32218,226 @@
                                     <p:set>
                                       <p:cBhvr>
                                         <p:cTn id="6" dur="1" fill="hold">
+                                          <p:stCondLst>
+                                            <p:cond delay="0"/>
+                                          </p:stCondLst>
+                                        </p:cTn>
+                                        <p:tgtEl>
+                                          <p:spTgt spid="31"/>
+                                        </p:tgtEl>
+                                        <p:attrNameLst>
+                                          <p:attrName>style.visibility</p:attrName>
+                                        </p:attrNameLst>
+                                      </p:cBhvr>
+                                      <p:to>
+                                        <p:strVal val="visible"/>
+                                      </p:to>
+                                    </p:set>
+                                    <p:animEffect transition="in" filter="fade">
+                                      <p:cBhvr>
+                                        <p:cTn id="7" dur="500"/>
+                                        <p:tgtEl>
+                                          <p:spTgt spid="31"/>
+                                        </p:tgtEl>
+                                      </p:cBhvr>
+                                    </p:animEffect>
+                                  </p:childTnLst>
+                                </p:cTn>
+                              </p:par>
+                              <p:par>
+                                <p:cTn id="8" presetID="10" presetClass="entr" presetSubtype="0" fill="hold" nodeType="withEffect">
+                                  <p:stCondLst>
+                                    <p:cond delay="0"/>
+                                  </p:stCondLst>
+                                  <p:childTnLst>
+                                    <p:set>
+                                      <p:cBhvr>
+                                        <p:cTn id="9" dur="1" fill="hold">
+                                          <p:stCondLst>
+                                            <p:cond delay="0"/>
+                                          </p:stCondLst>
+                                        </p:cTn>
+                                        <p:tgtEl>
+                                          <p:spTgt spid="37"/>
+                                        </p:tgtEl>
+                                        <p:attrNameLst>
+                                          <p:attrName>style.visibility</p:attrName>
+                                        </p:attrNameLst>
+                                      </p:cBhvr>
+                                      <p:to>
+                                        <p:strVal val="visible"/>
+                                      </p:to>
+                                    </p:set>
+                                    <p:animEffect transition="in" filter="fade">
+                                      <p:cBhvr>
+                                        <p:cTn id="10" dur="500"/>
+                                        <p:tgtEl>
+                                          <p:spTgt spid="37"/>
+                                        </p:tgtEl>
+                                      </p:cBhvr>
+                                    </p:animEffect>
+                                  </p:childTnLst>
+                                </p:cTn>
+                              </p:par>
+                            </p:childTnLst>
+                          </p:cTn>
+                        </p:par>
+                      </p:childTnLst>
+                    </p:cTn>
+                  </p:par>
+                  <p:par>
+                    <p:cTn id="11" fill="hold">
+                      <p:stCondLst>
+                        <p:cond delay="indefinite"/>
+                      </p:stCondLst>
+                      <p:childTnLst>
+                        <p:par>
+                          <p:cTn id="12" fill="hold">
+                            <p:stCondLst>
+                              <p:cond delay="0"/>
+                            </p:stCondLst>
+                            <p:childTnLst>
+                              <p:par>
+                                <p:cTn id="13" presetID="10" presetClass="entr" presetSubtype="0" fill="hold" grpId="0" nodeType="clickEffect">
+                                  <p:stCondLst>
+                                    <p:cond delay="0"/>
+                                  </p:stCondLst>
+                                  <p:childTnLst>
+                                    <p:set>
+                                      <p:cBhvr>
+                                        <p:cTn id="14" dur="1" fill="hold">
+                                          <p:stCondLst>
+                                            <p:cond delay="0"/>
+                                          </p:stCondLst>
+                                        </p:cTn>
+                                        <p:tgtEl>
+                                          <p:spTgt spid="33"/>
+                                        </p:tgtEl>
+                                        <p:attrNameLst>
+                                          <p:attrName>style.visibility</p:attrName>
+                                        </p:attrNameLst>
+                                      </p:cBhvr>
+                                      <p:to>
+                                        <p:strVal val="visible"/>
+                                      </p:to>
+                                    </p:set>
+                                    <p:animEffect transition="in" filter="fade">
+                                      <p:cBhvr>
+                                        <p:cTn id="15" dur="500"/>
+                                        <p:tgtEl>
+                                          <p:spTgt spid="33"/>
+                                        </p:tgtEl>
+                                      </p:cBhvr>
+                                    </p:animEffect>
+                                  </p:childTnLst>
+                                </p:cTn>
+                              </p:par>
+                              <p:par>
+                                <p:cTn id="16" presetID="10" presetClass="entr" presetSubtype="0" fill="hold" nodeType="withEffect">
+                                  <p:stCondLst>
+                                    <p:cond delay="0"/>
+                                  </p:stCondLst>
+                                  <p:childTnLst>
+                                    <p:set>
+                                      <p:cBhvr>
+                                        <p:cTn id="17" dur="1" fill="hold">
+                                          <p:stCondLst>
+                                            <p:cond delay="0"/>
+                                          </p:stCondLst>
+                                        </p:cTn>
+                                        <p:tgtEl>
+                                          <p:spTgt spid="34"/>
+                                        </p:tgtEl>
+                                        <p:attrNameLst>
+                                          <p:attrName>style.visibility</p:attrName>
+                                        </p:attrNameLst>
+                                      </p:cBhvr>
+                                      <p:to>
+                                        <p:strVal val="visible"/>
+                                      </p:to>
+                                    </p:set>
+                                    <p:animEffect transition="in" filter="fade">
+                                      <p:cBhvr>
+                                        <p:cTn id="18" dur="500"/>
+                                        <p:tgtEl>
+                                          <p:spTgt spid="34"/>
+                                        </p:tgtEl>
+                                      </p:cBhvr>
+                                    </p:animEffect>
+                                  </p:childTnLst>
+                                </p:cTn>
+                              </p:par>
+                            </p:childTnLst>
+                          </p:cTn>
+                        </p:par>
+                      </p:childTnLst>
+                    </p:cTn>
+                  </p:par>
+                  <p:par>
+                    <p:cTn id="19" fill="hold">
+                      <p:stCondLst>
+                        <p:cond delay="indefinite"/>
+                      </p:stCondLst>
+                      <p:childTnLst>
+                        <p:par>
+                          <p:cTn id="20" fill="hold">
+                            <p:stCondLst>
+                              <p:cond delay="0"/>
+                            </p:stCondLst>
+                            <p:childTnLst>
+                              <p:par>
+                                <p:cTn id="21" presetID="10" presetClass="entr" presetSubtype="0" fill="hold" grpId="0" nodeType="clickEffect">
+                                  <p:stCondLst>
+                                    <p:cond delay="0"/>
+                                  </p:stCondLst>
+                                  <p:childTnLst>
+                                    <p:set>
+                                      <p:cBhvr>
+                                        <p:cTn id="22" dur="1" fill="hold">
+                                          <p:stCondLst>
+                                            <p:cond delay="0"/>
+                                          </p:stCondLst>
+                                        </p:cTn>
+                                        <p:tgtEl>
+                                          <p:spTgt spid="29"/>
+                                        </p:tgtEl>
+                                        <p:attrNameLst>
+                                          <p:attrName>style.visibility</p:attrName>
+                                        </p:attrNameLst>
+                                      </p:cBhvr>
+                                      <p:to>
+                                        <p:strVal val="visible"/>
+                                      </p:to>
+                                    </p:set>
+                                    <p:animEffect transition="in" filter="fade">
+                                      <p:cBhvr>
+                                        <p:cTn id="23" dur="500"/>
+                                        <p:tgtEl>
+                                          <p:spTgt spid="29"/>
+                                        </p:tgtEl>
+                                      </p:cBhvr>
+                                    </p:animEffect>
+                                  </p:childTnLst>
+                                </p:cTn>
+                              </p:par>
+                            </p:childTnLst>
+                          </p:cTn>
+                        </p:par>
+                        <p:par>
+                          <p:cTn id="24" fill="hold">
+                            <p:stCondLst>
+                              <p:cond delay="500"/>
+                            </p:stCondLst>
+                            <p:childTnLst>
+                              <p:par>
+                                <p:cTn id="25" presetID="31" presetClass="entr" presetSubtype="0" fill="hold" grpId="0" nodeType="afterEffect">
+                                  <p:stCondLst>
+                                    <p:cond delay="0"/>
+                                  </p:stCondLst>
+                                  <p:childTnLst>
+                                    <p:set>
+                                      <p:cBhvr>
+                                        <p:cTn id="26" dur="1" fill="hold">
                                           <p:stCondLst>
                                             <p:cond delay="0"/>
                                           </p:stCondLst>
@@ -31635,7 +32455,7 @@
                                     </p:set>
                                     <p:anim calcmode="lin" valueType="num">
                                       <p:cBhvr>
-                                        <p:cTn id="7" dur="1000" fill="hold"/>
+                                        <p:cTn id="27" dur="1000" fill="hold"/>
                                         <p:tgtEl>
                                           <p:spTgt spid="21"/>
                                         </p:tgtEl>
@@ -31658,7 +32478,7 @@
                                     </p:anim>
                                     <p:anim calcmode="lin" valueType="num">
                                       <p:cBhvr>
-                                        <p:cTn id="8" dur="1000" fill="hold"/>
+                                        <p:cTn id="28" dur="1000" fill="hold"/>
                                         <p:tgtEl>
                                           <p:spTgt spid="21"/>
                                         </p:tgtEl>
@@ -31681,7 +32501,7 @@
                                     </p:anim>
                                     <p:anim calcmode="lin" valueType="num">
                                       <p:cBhvr>
-                                        <p:cTn id="9" dur="1000" fill="hold"/>
+                                        <p:cTn id="29" dur="1000" fill="hold"/>
                                         <p:tgtEl>
                                           <p:spTgt spid="21"/>
                                         </p:tgtEl>
@@ -31704,7 +32524,7 @@
                                     </p:anim>
                                     <p:animEffect transition="in" filter="fade">
                                       <p:cBhvr>
-                                        <p:cTn id="10" dur="1000"/>
+                                        <p:cTn id="30" dur="1000"/>
                                         <p:tgtEl>
                                           <p:spTgt spid="21"/>
                                         </p:tgtEl>
@@ -31741,6 +32561,9 @@
       </p:par>
     </p:tnLst>
     <p:bldLst>
+      <p:bldP spid="29" grpId="0"/>
+      <p:bldP spid="31" grpId="0"/>
+      <p:bldP spid="33" grpId="0"/>
       <p:bldP spid="21" grpId="0" animBg="1"/>
     </p:bldLst>
   </p:timing>
@@ -32510,7 +33333,7 @@
                             </p:stCondLst>
                             <p:childTnLst>
                               <p:par>
-                                <p:cTn id="5" presetID="31" presetClass="entr" presetSubtype="0" fill="hold" grpId="0" nodeType="clickEffect">
+                                <p:cTn id="5" presetID="10" presetClass="entr" presetSubtype="0" fill="hold" grpId="0" nodeType="clickEffect">
                                   <p:stCondLst>
                                     <p:cond delay="0"/>
                                   </p:stCondLst>
@@ -32518,6 +33341,182 @@
                                     <p:set>
                                       <p:cBhvr>
                                         <p:cTn id="6" dur="1" fill="hold">
+                                          <p:stCondLst>
+                                            <p:cond delay="0"/>
+                                          </p:stCondLst>
+                                        </p:cTn>
+                                        <p:tgtEl>
+                                          <p:spTgt spid="31"/>
+                                        </p:tgtEl>
+                                        <p:attrNameLst>
+                                          <p:attrName>style.visibility</p:attrName>
+                                        </p:attrNameLst>
+                                      </p:cBhvr>
+                                      <p:to>
+                                        <p:strVal val="visible"/>
+                                      </p:to>
+                                    </p:set>
+                                    <p:animEffect transition="in" filter="fade">
+                                      <p:cBhvr>
+                                        <p:cTn id="7" dur="500"/>
+                                        <p:tgtEl>
+                                          <p:spTgt spid="31"/>
+                                        </p:tgtEl>
+                                      </p:cBhvr>
+                                    </p:animEffect>
+                                  </p:childTnLst>
+                                </p:cTn>
+                              </p:par>
+                              <p:par>
+                                <p:cTn id="8" presetID="10" presetClass="entr" presetSubtype="0" fill="hold" nodeType="withEffect">
+                                  <p:stCondLst>
+                                    <p:cond delay="0"/>
+                                  </p:stCondLst>
+                                  <p:childTnLst>
+                                    <p:set>
+                                      <p:cBhvr>
+                                        <p:cTn id="9" dur="1" fill="hold">
+                                          <p:stCondLst>
+                                            <p:cond delay="0"/>
+                                          </p:stCondLst>
+                                        </p:cTn>
+                                        <p:tgtEl>
+                                          <p:spTgt spid="37"/>
+                                        </p:tgtEl>
+                                        <p:attrNameLst>
+                                          <p:attrName>style.visibility</p:attrName>
+                                        </p:attrNameLst>
+                                      </p:cBhvr>
+                                      <p:to>
+                                        <p:strVal val="visible"/>
+                                      </p:to>
+                                    </p:set>
+                                    <p:animEffect transition="in" filter="fade">
+                                      <p:cBhvr>
+                                        <p:cTn id="10" dur="500"/>
+                                        <p:tgtEl>
+                                          <p:spTgt spid="37"/>
+                                        </p:tgtEl>
+                                      </p:cBhvr>
+                                    </p:animEffect>
+                                  </p:childTnLst>
+                                </p:cTn>
+                              </p:par>
+                            </p:childTnLst>
+                          </p:cTn>
+                        </p:par>
+                      </p:childTnLst>
+                    </p:cTn>
+                  </p:par>
+                  <p:par>
+                    <p:cTn id="11" fill="hold">
+                      <p:stCondLst>
+                        <p:cond delay="indefinite"/>
+                      </p:stCondLst>
+                      <p:childTnLst>
+                        <p:par>
+                          <p:cTn id="12" fill="hold">
+                            <p:stCondLst>
+                              <p:cond delay="0"/>
+                            </p:stCondLst>
+                            <p:childTnLst>
+                              <p:par>
+                                <p:cTn id="13" presetID="10" presetClass="entr" presetSubtype="0" fill="hold" grpId="0" nodeType="clickEffect">
+                                  <p:stCondLst>
+                                    <p:cond delay="0"/>
+                                  </p:stCondLst>
+                                  <p:childTnLst>
+                                    <p:set>
+                                      <p:cBhvr>
+                                        <p:cTn id="14" dur="1" fill="hold">
+                                          <p:stCondLst>
+                                            <p:cond delay="0"/>
+                                          </p:stCondLst>
+                                        </p:cTn>
+                                        <p:tgtEl>
+                                          <p:spTgt spid="33"/>
+                                        </p:tgtEl>
+                                        <p:attrNameLst>
+                                          <p:attrName>style.visibility</p:attrName>
+                                        </p:attrNameLst>
+                                      </p:cBhvr>
+                                      <p:to>
+                                        <p:strVal val="visible"/>
+                                      </p:to>
+                                    </p:set>
+                                    <p:animEffect transition="in" filter="fade">
+                                      <p:cBhvr>
+                                        <p:cTn id="15" dur="500"/>
+                                        <p:tgtEl>
+                                          <p:spTgt spid="33"/>
+                                        </p:tgtEl>
+                                      </p:cBhvr>
+                                    </p:animEffect>
+                                  </p:childTnLst>
+                                </p:cTn>
+                              </p:par>
+                              <p:par>
+                                <p:cTn id="16" presetID="10" presetClass="entr" presetSubtype="0" fill="hold" nodeType="withEffect">
+                                  <p:stCondLst>
+                                    <p:cond delay="0"/>
+                                  </p:stCondLst>
+                                  <p:childTnLst>
+                                    <p:set>
+                                      <p:cBhvr>
+                                        <p:cTn id="17" dur="1" fill="hold">
+                                          <p:stCondLst>
+                                            <p:cond delay="0"/>
+                                          </p:stCondLst>
+                                        </p:cTn>
+                                        <p:tgtEl>
+                                          <p:spTgt spid="34"/>
+                                        </p:tgtEl>
+                                        <p:attrNameLst>
+                                          <p:attrName>style.visibility</p:attrName>
+                                        </p:attrNameLst>
+                                      </p:cBhvr>
+                                      <p:to>
+                                        <p:strVal val="visible"/>
+                                      </p:to>
+                                    </p:set>
+                                    <p:animEffect transition="in" filter="fade">
+                                      <p:cBhvr>
+                                        <p:cTn id="18" dur="500"/>
+                                        <p:tgtEl>
+                                          <p:spTgt spid="34"/>
+                                        </p:tgtEl>
+                                      </p:cBhvr>
+                                    </p:animEffect>
+                                  </p:childTnLst>
+                                </p:cTn>
+                              </p:par>
+                            </p:childTnLst>
+                          </p:cTn>
+                        </p:par>
+                      </p:childTnLst>
+                    </p:cTn>
+                  </p:par>
+                  <p:par>
+                    <p:cTn id="19" fill="hold">
+                      <p:stCondLst>
+                        <p:cond delay="indefinite"/>
+                      </p:stCondLst>
+                      <p:childTnLst>
+                        <p:par>
+                          <p:cTn id="20" fill="hold">
+                            <p:stCondLst>
+                              <p:cond delay="0"/>
+                            </p:stCondLst>
+                            <p:childTnLst>
+                              <p:par>
+                                <p:cTn id="21" presetID="31" presetClass="entr" presetSubtype="0" fill="hold" grpId="0" nodeType="clickEffect">
+                                  <p:stCondLst>
+                                    <p:cond delay="0"/>
+                                  </p:stCondLst>
+                                  <p:childTnLst>
+                                    <p:set>
+                                      <p:cBhvr>
+                                        <p:cTn id="22" dur="1" fill="hold">
                                           <p:stCondLst>
                                             <p:cond delay="0"/>
                                           </p:stCondLst>
@@ -32535,7 +33534,7 @@
                                     </p:set>
                                     <p:anim calcmode="lin" valueType="num">
                                       <p:cBhvr>
-                                        <p:cTn id="7" dur="1000" fill="hold"/>
+                                        <p:cTn id="23" dur="1000" fill="hold"/>
                                         <p:tgtEl>
                                           <p:spTgt spid="22"/>
                                         </p:tgtEl>
@@ -32558,7 +33557,7 @@
                                     </p:anim>
                                     <p:anim calcmode="lin" valueType="num">
                                       <p:cBhvr>
-                                        <p:cTn id="8" dur="1000" fill="hold"/>
+                                        <p:cTn id="24" dur="1000" fill="hold"/>
                                         <p:tgtEl>
                                           <p:spTgt spid="22"/>
                                         </p:tgtEl>
@@ -32581,7 +33580,7 @@
                                     </p:anim>
                                     <p:anim calcmode="lin" valueType="num">
                                       <p:cBhvr>
-                                        <p:cTn id="9" dur="1000" fill="hold"/>
+                                        <p:cTn id="25" dur="1000" fill="hold"/>
                                         <p:tgtEl>
                                           <p:spTgt spid="22"/>
                                         </p:tgtEl>
@@ -32604,9 +33603,62 @@
                                     </p:anim>
                                     <p:animEffect transition="in" filter="fade">
                                       <p:cBhvr>
-                                        <p:cTn id="10" dur="1000"/>
+                                        <p:cTn id="26" dur="1000"/>
                                         <p:tgtEl>
                                           <p:spTgt spid="22"/>
+                                        </p:tgtEl>
+                                      </p:cBhvr>
+                                    </p:animEffect>
+                                  </p:childTnLst>
+                                </p:cTn>
+                              </p:par>
+                            </p:childTnLst>
+                          </p:cTn>
+                        </p:par>
+                      </p:childTnLst>
+                    </p:cTn>
+                  </p:par>
+                  <p:par>
+                    <p:cTn id="27" fill="hold">
+                      <p:stCondLst>
+                        <p:cond delay="indefinite"/>
+                      </p:stCondLst>
+                      <p:childTnLst>
+                        <p:par>
+                          <p:cTn id="28" fill="hold">
+                            <p:stCondLst>
+                              <p:cond delay="0"/>
+                            </p:stCondLst>
+                            <p:childTnLst>
+                              <p:par>
+                                <p:cTn id="29" presetID="10" presetClass="entr" presetSubtype="0" fill="hold" nodeType="clickEffect">
+                                  <p:stCondLst>
+                                    <p:cond delay="0"/>
+                                  </p:stCondLst>
+                                  <p:childTnLst>
+                                    <p:set>
+                                      <p:cBhvr>
+                                        <p:cTn id="30" dur="1" fill="hold">
+                                          <p:stCondLst>
+                                            <p:cond delay="0"/>
+                                          </p:stCondLst>
+                                        </p:cTn>
+                                        <p:tgtEl>
+                                          <p:spTgt spid="8"/>
+                                        </p:tgtEl>
+                                        <p:attrNameLst>
+                                          <p:attrName>style.visibility</p:attrName>
+                                        </p:attrNameLst>
+                                      </p:cBhvr>
+                                      <p:to>
+                                        <p:strVal val="visible"/>
+                                      </p:to>
+                                    </p:set>
+                                    <p:animEffect transition="in" filter="fade">
+                                      <p:cBhvr>
+                                        <p:cTn id="31" dur="500"/>
+                                        <p:tgtEl>
+                                          <p:spTgt spid="8"/>
                                         </p:tgtEl>
                                       </p:cBhvr>
                                     </p:animEffect>
@@ -32641,6 +33693,8 @@
       </p:par>
     </p:tnLst>
     <p:bldLst>
+      <p:bldP spid="31" grpId="0"/>
+      <p:bldP spid="33" grpId="0"/>
       <p:bldP spid="22" grpId="0" animBg="1"/>
     </p:bldLst>
   </p:timing>
@@ -33323,6 +34377,420 @@
   <p:clrMapOvr>
     <a:masterClrMapping/>
   </p:clrMapOvr>
+  <p:timing>
+    <p:tnLst>
+      <p:par>
+        <p:cTn id="1" dur="indefinite" restart="never" nodeType="tmRoot">
+          <p:childTnLst>
+            <p:seq concurrent="1" nextAc="seek">
+              <p:cTn id="2" dur="indefinite" nodeType="mainSeq">
+                <p:childTnLst>
+                  <p:par>
+                    <p:cTn id="3" fill="hold">
+                      <p:stCondLst>
+                        <p:cond delay="indefinite"/>
+                      </p:stCondLst>
+                      <p:childTnLst>
+                        <p:par>
+                          <p:cTn id="4" fill="hold">
+                            <p:stCondLst>
+                              <p:cond delay="0"/>
+                            </p:stCondLst>
+                            <p:childTnLst>
+                              <p:par>
+                                <p:cTn id="5" presetID="10" presetClass="entr" presetSubtype="0" fill="hold" nodeType="clickEffect">
+                                  <p:stCondLst>
+                                    <p:cond delay="0"/>
+                                  </p:stCondLst>
+                                  <p:childTnLst>
+                                    <p:set>
+                                      <p:cBhvr>
+                                        <p:cTn id="6" dur="1" fill="hold">
+                                          <p:stCondLst>
+                                            <p:cond delay="0"/>
+                                          </p:stCondLst>
+                                        </p:cTn>
+                                        <p:tgtEl>
+                                          <p:spTgt spid="29"/>
+                                        </p:tgtEl>
+                                        <p:attrNameLst>
+                                          <p:attrName>style.visibility</p:attrName>
+                                        </p:attrNameLst>
+                                      </p:cBhvr>
+                                      <p:to>
+                                        <p:strVal val="visible"/>
+                                      </p:to>
+                                    </p:set>
+                                    <p:animEffect transition="in" filter="fade">
+                                      <p:cBhvr>
+                                        <p:cTn id="7" dur="500"/>
+                                        <p:tgtEl>
+                                          <p:spTgt spid="29"/>
+                                        </p:tgtEl>
+                                      </p:cBhvr>
+                                    </p:animEffect>
+                                  </p:childTnLst>
+                                </p:cTn>
+                              </p:par>
+                            </p:childTnLst>
+                          </p:cTn>
+                        </p:par>
+                        <p:par>
+                          <p:cTn id="8" fill="hold">
+                            <p:stCondLst>
+                              <p:cond delay="500"/>
+                            </p:stCondLst>
+                            <p:childTnLst>
+                              <p:par>
+                                <p:cTn id="9" presetID="10" presetClass="entr" presetSubtype="0" fill="hold" grpId="0" nodeType="afterEffect">
+                                  <p:stCondLst>
+                                    <p:cond delay="0"/>
+                                  </p:stCondLst>
+                                  <p:childTnLst>
+                                    <p:set>
+                                      <p:cBhvr>
+                                        <p:cTn id="10" dur="1" fill="hold">
+                                          <p:stCondLst>
+                                            <p:cond delay="0"/>
+                                          </p:stCondLst>
+                                        </p:cTn>
+                                        <p:tgtEl>
+                                          <p:spTgt spid="11"/>
+                                        </p:tgtEl>
+                                        <p:attrNameLst>
+                                          <p:attrName>style.visibility</p:attrName>
+                                        </p:attrNameLst>
+                                      </p:cBhvr>
+                                      <p:to>
+                                        <p:strVal val="visible"/>
+                                      </p:to>
+                                    </p:set>
+                                    <p:animEffect transition="in" filter="fade">
+                                      <p:cBhvr>
+                                        <p:cTn id="11" dur="500"/>
+                                        <p:tgtEl>
+                                          <p:spTgt spid="11"/>
+                                        </p:tgtEl>
+                                      </p:cBhvr>
+                                    </p:animEffect>
+                                  </p:childTnLst>
+                                </p:cTn>
+                              </p:par>
+                            </p:childTnLst>
+                          </p:cTn>
+                        </p:par>
+                      </p:childTnLst>
+                    </p:cTn>
+                  </p:par>
+                  <p:par>
+                    <p:cTn id="12" fill="hold">
+                      <p:stCondLst>
+                        <p:cond delay="indefinite"/>
+                      </p:stCondLst>
+                      <p:childTnLst>
+                        <p:par>
+                          <p:cTn id="13" fill="hold">
+                            <p:stCondLst>
+                              <p:cond delay="0"/>
+                            </p:stCondLst>
+                            <p:childTnLst>
+                              <p:par>
+                                <p:cTn id="14" presetID="10" presetClass="entr" presetSubtype="0" fill="hold" nodeType="clickEffect">
+                                  <p:stCondLst>
+                                    <p:cond delay="0"/>
+                                  </p:stCondLst>
+                                  <p:childTnLst>
+                                    <p:set>
+                                      <p:cBhvr>
+                                        <p:cTn id="15" dur="1" fill="hold">
+                                          <p:stCondLst>
+                                            <p:cond delay="0"/>
+                                          </p:stCondLst>
+                                        </p:cTn>
+                                        <p:tgtEl>
+                                          <p:spTgt spid="36"/>
+                                        </p:tgtEl>
+                                        <p:attrNameLst>
+                                          <p:attrName>style.visibility</p:attrName>
+                                        </p:attrNameLst>
+                                      </p:cBhvr>
+                                      <p:to>
+                                        <p:strVal val="visible"/>
+                                      </p:to>
+                                    </p:set>
+                                    <p:animEffect transition="in" filter="fade">
+                                      <p:cBhvr>
+                                        <p:cTn id="16" dur="500"/>
+                                        <p:tgtEl>
+                                          <p:spTgt spid="36"/>
+                                        </p:tgtEl>
+                                      </p:cBhvr>
+                                    </p:animEffect>
+                                  </p:childTnLst>
+                                </p:cTn>
+                              </p:par>
+                            </p:childTnLst>
+                          </p:cTn>
+                        </p:par>
+                        <p:par>
+                          <p:cTn id="17" fill="hold">
+                            <p:stCondLst>
+                              <p:cond delay="500"/>
+                            </p:stCondLst>
+                            <p:childTnLst>
+                              <p:par>
+                                <p:cTn id="18" presetID="10" presetClass="entr" presetSubtype="0" fill="hold" grpId="0" nodeType="afterEffect">
+                                  <p:stCondLst>
+                                    <p:cond delay="0"/>
+                                  </p:stCondLst>
+                                  <p:childTnLst>
+                                    <p:set>
+                                      <p:cBhvr>
+                                        <p:cTn id="19" dur="1" fill="hold">
+                                          <p:stCondLst>
+                                            <p:cond delay="0"/>
+                                          </p:stCondLst>
+                                        </p:cTn>
+                                        <p:tgtEl>
+                                          <p:spTgt spid="13"/>
+                                        </p:tgtEl>
+                                        <p:attrNameLst>
+                                          <p:attrName>style.visibility</p:attrName>
+                                        </p:attrNameLst>
+                                      </p:cBhvr>
+                                      <p:to>
+                                        <p:strVal val="visible"/>
+                                      </p:to>
+                                    </p:set>
+                                    <p:animEffect transition="in" filter="fade">
+                                      <p:cBhvr>
+                                        <p:cTn id="20" dur="500"/>
+                                        <p:tgtEl>
+                                          <p:spTgt spid="13"/>
+                                        </p:tgtEl>
+                                      </p:cBhvr>
+                                    </p:animEffect>
+                                  </p:childTnLst>
+                                </p:cTn>
+                              </p:par>
+                            </p:childTnLst>
+                          </p:cTn>
+                        </p:par>
+                      </p:childTnLst>
+                    </p:cTn>
+                  </p:par>
+                  <p:par>
+                    <p:cTn id="21" fill="hold">
+                      <p:stCondLst>
+                        <p:cond delay="indefinite"/>
+                      </p:stCondLst>
+                      <p:childTnLst>
+                        <p:par>
+                          <p:cTn id="22" fill="hold">
+                            <p:stCondLst>
+                              <p:cond delay="0"/>
+                            </p:stCondLst>
+                            <p:childTnLst>
+                              <p:par>
+                                <p:cTn id="23" presetID="10" presetClass="entr" presetSubtype="0" fill="hold" grpId="0" nodeType="clickEffect">
+                                  <p:stCondLst>
+                                    <p:cond delay="0"/>
+                                  </p:stCondLst>
+                                  <p:childTnLst>
+                                    <p:set>
+                                      <p:cBhvr>
+                                        <p:cTn id="24" dur="1" fill="hold">
+                                          <p:stCondLst>
+                                            <p:cond delay="0"/>
+                                          </p:stCondLst>
+                                        </p:cTn>
+                                        <p:tgtEl>
+                                          <p:spTgt spid="14"/>
+                                        </p:tgtEl>
+                                        <p:attrNameLst>
+                                          <p:attrName>style.visibility</p:attrName>
+                                        </p:attrNameLst>
+                                      </p:cBhvr>
+                                      <p:to>
+                                        <p:strVal val="visible"/>
+                                      </p:to>
+                                    </p:set>
+                                    <p:animEffect transition="in" filter="fade">
+                                      <p:cBhvr>
+                                        <p:cTn id="25" dur="500"/>
+                                        <p:tgtEl>
+                                          <p:spTgt spid="14"/>
+                                        </p:tgtEl>
+                                      </p:cBhvr>
+                                    </p:animEffect>
+                                  </p:childTnLst>
+                                </p:cTn>
+                              </p:par>
+                            </p:childTnLst>
+                          </p:cTn>
+                        </p:par>
+                        <p:par>
+                          <p:cTn id="26" fill="hold">
+                            <p:stCondLst>
+                              <p:cond delay="500"/>
+                            </p:stCondLst>
+                            <p:childTnLst>
+                              <p:par>
+                                <p:cTn id="27" presetID="10" presetClass="entr" presetSubtype="0" fill="hold" nodeType="afterEffect">
+                                  <p:stCondLst>
+                                    <p:cond delay="0"/>
+                                  </p:stCondLst>
+                                  <p:childTnLst>
+                                    <p:set>
+                                      <p:cBhvr>
+                                        <p:cTn id="28" dur="1" fill="hold">
+                                          <p:stCondLst>
+                                            <p:cond delay="0"/>
+                                          </p:stCondLst>
+                                        </p:cTn>
+                                        <p:tgtEl>
+                                          <p:spTgt spid="35"/>
+                                        </p:tgtEl>
+                                        <p:attrNameLst>
+                                          <p:attrName>style.visibility</p:attrName>
+                                        </p:attrNameLst>
+                                      </p:cBhvr>
+                                      <p:to>
+                                        <p:strVal val="visible"/>
+                                      </p:to>
+                                    </p:set>
+                                    <p:animEffect transition="in" filter="fade">
+                                      <p:cBhvr>
+                                        <p:cTn id="29" dur="500"/>
+                                        <p:tgtEl>
+                                          <p:spTgt spid="35"/>
+                                        </p:tgtEl>
+                                      </p:cBhvr>
+                                    </p:animEffect>
+                                  </p:childTnLst>
+                                </p:cTn>
+                              </p:par>
+                            </p:childTnLst>
+                          </p:cTn>
+                        </p:par>
+                      </p:childTnLst>
+                    </p:cTn>
+                  </p:par>
+                  <p:par>
+                    <p:cTn id="30" fill="hold">
+                      <p:stCondLst>
+                        <p:cond delay="indefinite"/>
+                      </p:stCondLst>
+                      <p:childTnLst>
+                        <p:par>
+                          <p:cTn id="31" fill="hold">
+                            <p:stCondLst>
+                              <p:cond delay="0"/>
+                            </p:stCondLst>
+                            <p:childTnLst>
+                              <p:par>
+                                <p:cTn id="32" presetID="22" presetClass="entr" presetSubtype="8" fill="hold" nodeType="clickEffect">
+                                  <p:stCondLst>
+                                    <p:cond delay="0"/>
+                                  </p:stCondLst>
+                                  <p:childTnLst>
+                                    <p:set>
+                                      <p:cBhvr>
+                                        <p:cTn id="33" dur="1" fill="hold">
+                                          <p:stCondLst>
+                                            <p:cond delay="0"/>
+                                          </p:stCondLst>
+                                        </p:cTn>
+                                        <p:tgtEl>
+                                          <p:spTgt spid="48"/>
+                                        </p:tgtEl>
+                                        <p:attrNameLst>
+                                          <p:attrName>style.visibility</p:attrName>
+                                        </p:attrNameLst>
+                                      </p:cBhvr>
+                                      <p:to>
+                                        <p:strVal val="visible"/>
+                                      </p:to>
+                                    </p:set>
+                                    <p:animEffect transition="in" filter="wipe(left)">
+                                      <p:cBhvr>
+                                        <p:cTn id="34" dur="500"/>
+                                        <p:tgtEl>
+                                          <p:spTgt spid="48"/>
+                                        </p:tgtEl>
+                                      </p:cBhvr>
+                                    </p:animEffect>
+                                  </p:childTnLst>
+                                </p:cTn>
+                              </p:par>
+                              <p:par>
+                                <p:cTn id="35" presetID="22" presetClass="entr" presetSubtype="8" fill="hold" nodeType="withEffect">
+                                  <p:stCondLst>
+                                    <p:cond delay="0"/>
+                                  </p:stCondLst>
+                                  <p:childTnLst>
+                                    <p:set>
+                                      <p:cBhvr>
+                                        <p:cTn id="36" dur="1" fill="hold">
+                                          <p:stCondLst>
+                                            <p:cond delay="0"/>
+                                          </p:stCondLst>
+                                        </p:cTn>
+                                        <p:tgtEl>
+                                          <p:spTgt spid="45"/>
+                                        </p:tgtEl>
+                                        <p:attrNameLst>
+                                          <p:attrName>style.visibility</p:attrName>
+                                        </p:attrNameLst>
+                                      </p:cBhvr>
+                                      <p:to>
+                                        <p:strVal val="visible"/>
+                                      </p:to>
+                                    </p:set>
+                                    <p:animEffect transition="in" filter="wipe(left)">
+                                      <p:cBhvr>
+                                        <p:cTn id="37" dur="500"/>
+                                        <p:tgtEl>
+                                          <p:spTgt spid="45"/>
+                                        </p:tgtEl>
+                                      </p:cBhvr>
+                                    </p:animEffect>
+                                  </p:childTnLst>
+                                </p:cTn>
+                              </p:par>
+                            </p:childTnLst>
+                          </p:cTn>
+                        </p:par>
+                      </p:childTnLst>
+                    </p:cTn>
+                  </p:par>
+                </p:childTnLst>
+              </p:cTn>
+              <p:prevCondLst>
+                <p:cond evt="onPrev" delay="0">
+                  <p:tgtEl>
+                    <p:sldTgt/>
+                  </p:tgtEl>
+                </p:cond>
+              </p:prevCondLst>
+              <p:nextCondLst>
+                <p:cond evt="onNext" delay="0">
+                  <p:tgtEl>
+                    <p:sldTgt/>
+                  </p:tgtEl>
+                </p:cond>
+              </p:nextCondLst>
+            </p:seq>
+          </p:childTnLst>
+        </p:cTn>
+      </p:par>
+    </p:tnLst>
+    <p:bldLst>
+      <p:bldP spid="13" grpId="0" animBg="1"/>
+      <p:bldP spid="11" grpId="0" animBg="1"/>
+      <p:bldP spid="14" grpId="0" animBg="1"/>
+    </p:bldLst>
+  </p:timing>
 </p:sld>
 </file>
 
@@ -33712,6 +35180,79 @@
   <p:clrMapOvr>
     <a:masterClrMapping/>
   </p:clrMapOvr>
+  <p:timing>
+    <p:tnLst>
+      <p:par>
+        <p:cTn id="1" dur="indefinite" restart="never" nodeType="tmRoot">
+          <p:childTnLst>
+            <p:seq concurrent="1" nextAc="seek">
+              <p:cTn id="2" dur="indefinite" nodeType="mainSeq">
+                <p:childTnLst>
+                  <p:par>
+                    <p:cTn id="3" fill="hold">
+                      <p:stCondLst>
+                        <p:cond delay="indefinite"/>
+                      </p:stCondLst>
+                      <p:childTnLst>
+                        <p:par>
+                          <p:cTn id="4" fill="hold">
+                            <p:stCondLst>
+                              <p:cond delay="0"/>
+                            </p:stCondLst>
+                            <p:childTnLst>
+                              <p:par>
+                                <p:cTn id="5" presetID="50" presetClass="path" presetSubtype="0" accel="50000" decel="50000" fill="hold" grpId="0" nodeType="clickEffect">
+                                  <p:stCondLst>
+                                    <p:cond delay="0"/>
+                                  </p:stCondLst>
+                                  <p:childTnLst>
+                                    <p:animMotion origin="layout" path="M 3.88889E-6 -4.81481E-6 L 0.14635 -4.81481E-6 C 0.21198 -4.81481E-6 0.2927 -0.06141 0.2927 -0.11049 L 0.2927 -0.22098 " pathEditMode="relative" rAng="0" ptsTypes="AAAA">
+                                      <p:cBhvr>
+                                        <p:cTn id="6" dur="2000" fill="hold"/>
+                                        <p:tgtEl>
+                                          <p:spTgt spid="18"/>
+                                        </p:tgtEl>
+                                        <p:attrNameLst>
+                                          <p:attrName>ppt_x</p:attrName>
+                                          <p:attrName>ppt_y</p:attrName>
+                                        </p:attrNameLst>
+                                      </p:cBhvr>
+                                      <p:rCtr x="14635" y="-11049"/>
+                                    </p:animMotion>
+                                  </p:childTnLst>
+                                </p:cTn>
+                              </p:par>
+                            </p:childTnLst>
+                          </p:cTn>
+                        </p:par>
+                      </p:childTnLst>
+                    </p:cTn>
+                  </p:par>
+                </p:childTnLst>
+              </p:cTn>
+              <p:prevCondLst>
+                <p:cond evt="onPrev" delay="0">
+                  <p:tgtEl>
+                    <p:sldTgt/>
+                  </p:tgtEl>
+                </p:cond>
+              </p:prevCondLst>
+              <p:nextCondLst>
+                <p:cond evt="onNext" delay="0">
+                  <p:tgtEl>
+                    <p:sldTgt/>
+                  </p:tgtEl>
+                </p:cond>
+              </p:nextCondLst>
+            </p:seq>
+          </p:childTnLst>
+        </p:cTn>
+      </p:par>
+    </p:tnLst>
+    <p:bldLst>
+      <p:bldP spid="18" grpId="0" animBg="1"/>
+    </p:bldLst>
+  </p:timing>
 </p:sld>
 </file>
 
@@ -34164,6 +35705,169 @@
   <p:clrMapOvr>
     <a:masterClrMapping/>
   </p:clrMapOvr>
+  <p:timing>
+    <p:tnLst>
+      <p:par>
+        <p:cTn id="1" dur="indefinite" restart="never" nodeType="tmRoot">
+          <p:childTnLst>
+            <p:seq concurrent="1" nextAc="seek">
+              <p:cTn id="2" dur="indefinite" nodeType="mainSeq">
+                <p:childTnLst>
+                  <p:par>
+                    <p:cTn id="3" fill="hold">
+                      <p:stCondLst>
+                        <p:cond delay="indefinite"/>
+                      </p:stCondLst>
+                      <p:childTnLst>
+                        <p:par>
+                          <p:cTn id="4" fill="hold">
+                            <p:stCondLst>
+                              <p:cond delay="0"/>
+                            </p:stCondLst>
+                            <p:childTnLst>
+                              <p:par>
+                                <p:cTn id="5" presetID="10" presetClass="entr" presetSubtype="0" fill="hold" grpId="0" nodeType="clickEffect">
+                                  <p:stCondLst>
+                                    <p:cond delay="0"/>
+                                  </p:stCondLst>
+                                  <p:childTnLst>
+                                    <p:set>
+                                      <p:cBhvr>
+                                        <p:cTn id="6" dur="1" fill="hold">
+                                          <p:stCondLst>
+                                            <p:cond delay="0"/>
+                                          </p:stCondLst>
+                                        </p:cTn>
+                                        <p:tgtEl>
+                                          <p:spTgt spid="18"/>
+                                        </p:tgtEl>
+                                        <p:attrNameLst>
+                                          <p:attrName>style.visibility</p:attrName>
+                                        </p:attrNameLst>
+                                      </p:cBhvr>
+                                      <p:to>
+                                        <p:strVal val="visible"/>
+                                      </p:to>
+                                    </p:set>
+                                    <p:animEffect transition="in" filter="fade">
+                                      <p:cBhvr>
+                                        <p:cTn id="7" dur="500"/>
+                                        <p:tgtEl>
+                                          <p:spTgt spid="18"/>
+                                        </p:tgtEl>
+                                      </p:cBhvr>
+                                    </p:animEffect>
+                                  </p:childTnLst>
+                                </p:cTn>
+                              </p:par>
+                            </p:childTnLst>
+                          </p:cTn>
+                        </p:par>
+                      </p:childTnLst>
+                    </p:cTn>
+                  </p:par>
+                  <p:par>
+                    <p:cTn id="8" fill="hold">
+                      <p:stCondLst>
+                        <p:cond delay="indefinite"/>
+                      </p:stCondLst>
+                      <p:childTnLst>
+                        <p:par>
+                          <p:cTn id="9" fill="hold">
+                            <p:stCondLst>
+                              <p:cond delay="0"/>
+                            </p:stCondLst>
+                            <p:childTnLst>
+                              <p:par>
+                                <p:cTn id="10" presetID="50" presetClass="path" presetSubtype="0" accel="50000" decel="50000" fill="hold" grpId="1" nodeType="clickEffect">
+                                  <p:stCondLst>
+                                    <p:cond delay="0"/>
+                                  </p:stCondLst>
+                                  <p:childTnLst>
+                                    <p:animMotion origin="layout" path="M 3.88889E-6 -4.81481E-6 L 0.14618 -4.81481E-6 C 0.2118 -4.81481E-6 0.29253 -0.05987 0.29253 -0.10802 L 0.29253 -0.21574 " pathEditMode="relative" rAng="0" ptsTypes="AAAA">
+                                      <p:cBhvr>
+                                        <p:cTn id="11" dur="2000" fill="hold"/>
+                                        <p:tgtEl>
+                                          <p:spTgt spid="18"/>
+                                        </p:tgtEl>
+                                        <p:attrNameLst>
+                                          <p:attrName>ppt_x</p:attrName>
+                                          <p:attrName>ppt_y</p:attrName>
+                                        </p:attrNameLst>
+                                      </p:cBhvr>
+                                      <p:rCtr x="14618" y="-10802"/>
+                                    </p:animMotion>
+                                  </p:childTnLst>
+                                </p:cTn>
+                              </p:par>
+                              <p:par>
+                                <p:cTn id="12" presetID="10" presetClass="exit" presetSubtype="0" fill="hold" grpId="0" nodeType="withEffect">
+                                  <p:stCondLst>
+                                    <p:cond delay="0"/>
+                                  </p:stCondLst>
+                                  <p:childTnLst>
+                                    <p:animEffect transition="out" filter="fade">
+                                      <p:cBhvr>
+                                        <p:cTn id="13" dur="500"/>
+                                        <p:tgtEl>
+                                          <p:spTgt spid="5"/>
+                                        </p:tgtEl>
+                                      </p:cBhvr>
+                                    </p:animEffect>
+                                    <p:set>
+                                      <p:cBhvr>
+                                        <p:cTn id="14" dur="1" fill="hold">
+                                          <p:stCondLst>
+                                            <p:cond delay="499"/>
+                                          </p:stCondLst>
+                                        </p:cTn>
+                                        <p:tgtEl>
+                                          <p:spTgt spid="5"/>
+                                        </p:tgtEl>
+                                        <p:attrNameLst>
+                                          <p:attrName>style.visibility</p:attrName>
+                                        </p:attrNameLst>
+                                      </p:cBhvr>
+                                      <p:to>
+                                        <p:strVal val="hidden"/>
+                                      </p:to>
+                                    </p:set>
+                                  </p:childTnLst>
+                                </p:cTn>
+                              </p:par>
+                            </p:childTnLst>
+                          </p:cTn>
+                        </p:par>
+                      </p:childTnLst>
+                    </p:cTn>
+                  </p:par>
+                </p:childTnLst>
+              </p:cTn>
+              <p:prevCondLst>
+                <p:cond evt="onPrev" delay="0">
+                  <p:tgtEl>
+                    <p:sldTgt/>
+                  </p:tgtEl>
+                </p:cond>
+              </p:prevCondLst>
+              <p:nextCondLst>
+                <p:cond evt="onNext" delay="0">
+                  <p:tgtEl>
+                    <p:sldTgt/>
+                  </p:tgtEl>
+                </p:cond>
+              </p:nextCondLst>
+            </p:seq>
+          </p:childTnLst>
+        </p:cTn>
+      </p:par>
+    </p:tnLst>
+    <p:bldLst>
+      <p:bldP spid="18" grpId="0" animBg="1"/>
+      <p:bldP spid="18" grpId="1" animBg="1"/>
+      <p:bldP spid="5" grpId="0" animBg="1"/>
+    </p:bldLst>
+  </p:timing>
 </p:sld>
 </file>
 
@@ -36160,6 +37864,49 @@
           </a:p>
         </p:txBody>
       </p:sp>
+      <p:cxnSp>
+        <p:nvCxnSpPr>
+          <p:cNvPr id="16" name="Straight Connector 15">
+            <a:extLst>
+              <a:ext uri="{FF2B5EF4-FFF2-40B4-BE49-F238E27FC236}">
+                <a16:creationId xmlns:a16="http://schemas.microsoft.com/office/drawing/2014/main" id="{C20FDF59-E2FD-40DE-8131-25A307BE254E}"/>
+              </a:ext>
+            </a:extLst>
+          </p:cNvPr>
+          <p:cNvCxnSpPr>
+            <a:cxnSpLocks/>
+            <a:stCxn id="20" idx="1"/>
+            <a:endCxn id="22" idx="3"/>
+          </p:cNvCxnSpPr>
+          <p:nvPr/>
+        </p:nvCxnSpPr>
+        <p:spPr>
+          <a:xfrm flipH="1">
+            <a:off x="5046264" y="1610253"/>
+            <a:ext cx="819899" cy="998082"/>
+          </a:xfrm>
+          <a:prstGeom prst="line">
+            <a:avLst/>
+          </a:prstGeom>
+          <a:ln w="28575">
+            <a:prstDash val="dash"/>
+          </a:ln>
+        </p:spPr>
+        <p:style>
+          <a:lnRef idx="1">
+            <a:schemeClr val="accent2"/>
+          </a:lnRef>
+          <a:fillRef idx="0">
+            <a:schemeClr val="accent2"/>
+          </a:fillRef>
+          <a:effectRef idx="0">
+            <a:schemeClr val="accent2"/>
+          </a:effectRef>
+          <a:fontRef idx="minor">
+            <a:schemeClr val="tx1"/>
+          </a:fontRef>
+        </p:style>
+      </p:cxnSp>
     </p:spTree>
     <p:extLst>
       <p:ext uri="{BB962C8B-B14F-4D97-AF65-F5344CB8AC3E}">
@@ -36291,6 +38038,59 @@
                                         </p:tgtEl>
                                       </p:cBhvr>
                                     </p:animEffect>
+                                  </p:childTnLst>
+                                </p:cTn>
+                              </p:par>
+                            </p:childTnLst>
+                          </p:cTn>
+                        </p:par>
+                      </p:childTnLst>
+                    </p:cTn>
+                  </p:par>
+                  <p:par>
+                    <p:cTn id="11" fill="hold">
+                      <p:stCondLst>
+                        <p:cond delay="indefinite"/>
+                      </p:stCondLst>
+                      <p:childTnLst>
+                        <p:par>
+                          <p:cTn id="12" fill="hold">
+                            <p:stCondLst>
+                              <p:cond delay="0"/>
+                            </p:stCondLst>
+                            <p:childTnLst>
+                              <p:par>
+                                <p:cTn id="13" presetID="10" presetClass="exit" presetSubtype="0" fill="hold" nodeType="clickEffect">
+                                  <p:stCondLst>
+                                    <p:cond delay="0"/>
+                                  </p:stCondLst>
+                                  <p:childTnLst>
+                                    <p:animEffect transition="out" filter="fade">
+                                      <p:cBhvr>
+                                        <p:cTn id="14" dur="500"/>
+                                        <p:tgtEl>
+                                          <p:spTgt spid="16"/>
+                                        </p:tgtEl>
+                                      </p:cBhvr>
+                                    </p:animEffect>
+                                    <p:set>
+                                      <p:cBhvr>
+                                        <p:cTn id="15" dur="1" fill="hold">
+                                          <p:stCondLst>
+                                            <p:cond delay="499"/>
+                                          </p:stCondLst>
+                                        </p:cTn>
+                                        <p:tgtEl>
+                                          <p:spTgt spid="16"/>
+                                        </p:tgtEl>
+                                        <p:attrNameLst>
+                                          <p:attrName>style.visibility</p:attrName>
+                                        </p:attrNameLst>
+                                      </p:cBhvr>
+                                      <p:to>
+                                        <p:strVal val="hidden"/>
+                                      </p:to>
+                                    </p:set>
                                   </p:childTnLst>
                                 </p:cTn>
                               </p:par>
@@ -36846,6 +38646,18 @@
   <p:clrMapOvr>
     <a:masterClrMapping/>
   </p:clrMapOvr>
+  <mc:AlternateContent xmlns:mc="http://schemas.openxmlformats.org/markup-compatibility/2006">
+    <mc:Choice xmlns:p159="http://schemas.microsoft.com/office/powerpoint/2015/09/main" Requires="p159">
+      <p:transition xmlns:p14="http://schemas.microsoft.com/office/powerpoint/2010/main" spd="slow" p14:dur="2000">
+        <p159:morph option="byObject"/>
+      </p:transition>
+    </mc:Choice>
+    <mc:Fallback>
+      <p:transition spd="slow">
+        <p:fade/>
+      </p:transition>
+    </mc:Fallback>
+  </mc:AlternateContent>
 </p:sld>
 </file>
 
@@ -37579,6 +39391,18 @@
   <p:clrMapOvr>
     <a:masterClrMapping/>
   </p:clrMapOvr>
+  <mc:AlternateContent xmlns:mc="http://schemas.openxmlformats.org/markup-compatibility/2006">
+    <mc:Choice xmlns:p159="http://schemas.microsoft.com/office/powerpoint/2015/09/main" Requires="p159">
+      <p:transition xmlns:p14="http://schemas.microsoft.com/office/powerpoint/2010/main" spd="slow" p14:dur="2000">
+        <p159:morph option="byObject"/>
+      </p:transition>
+    </mc:Choice>
+    <mc:Fallback>
+      <p:transition spd="slow">
+        <p:fade/>
+      </p:transition>
+    </mc:Fallback>
+  </mc:AlternateContent>
 </p:sld>
 </file>
 
@@ -38225,6 +40049,18 @@
   <p:clrMapOvr>
     <a:masterClrMapping/>
   </p:clrMapOvr>
+  <mc:AlternateContent xmlns:mc="http://schemas.openxmlformats.org/markup-compatibility/2006">
+    <mc:Choice xmlns:p159="http://schemas.microsoft.com/office/powerpoint/2015/09/main" Requires="p159">
+      <p:transition xmlns:p14="http://schemas.microsoft.com/office/powerpoint/2010/main" spd="slow" p14:dur="2000">
+        <p159:morph option="byObject"/>
+      </p:transition>
+    </mc:Choice>
+    <mc:Fallback>
+      <p:transition spd="slow">
+        <p:fade/>
+      </p:transition>
+    </mc:Fallback>
+  </mc:AlternateContent>
   <p:timing>
     <p:tnLst>
       <p:par>
@@ -38246,7 +40082,7 @@
                             </p:stCondLst>
                             <p:childTnLst>
                               <p:par>
-                                <p:cTn id="5" presetID="22" presetClass="entr" presetSubtype="4" fill="hold" nodeType="clickEffect">
+                                <p:cTn id="5" presetID="42" presetClass="entr" presetSubtype="0" fill="hold" grpId="0" nodeType="clickEffect">
                                   <p:stCondLst>
                                     <p:cond delay="0"/>
                                   </p:stCondLst>
@@ -38259,60 +40095,7 @@
                                           </p:stCondLst>
                                         </p:cTn>
                                         <p:tgtEl>
-                                          <p:spTgt spid="14"/>
-                                        </p:tgtEl>
-                                        <p:attrNameLst>
-                                          <p:attrName>style.visibility</p:attrName>
-                                        </p:attrNameLst>
-                                      </p:cBhvr>
-                                      <p:to>
-                                        <p:strVal val="visible"/>
-                                      </p:to>
-                                    </p:set>
-                                    <p:animEffect transition="in" filter="wipe(down)">
-                                      <p:cBhvr>
-                                        <p:cTn id="7" dur="500"/>
-                                        <p:tgtEl>
-                                          <p:spTgt spid="14"/>
-                                        </p:tgtEl>
-                                      </p:cBhvr>
-                                    </p:animEffect>
-                                  </p:childTnLst>
-                                </p:cTn>
-                              </p:par>
-                            </p:childTnLst>
-                          </p:cTn>
-                        </p:par>
-                      </p:childTnLst>
-                    </p:cTn>
-                  </p:par>
-                  <p:par>
-                    <p:cTn id="8" fill="hold">
-                      <p:stCondLst>
-                        <p:cond delay="indefinite"/>
-                      </p:stCondLst>
-                      <p:childTnLst>
-                        <p:par>
-                          <p:cTn id="9" fill="hold">
-                            <p:stCondLst>
-                              <p:cond delay="0"/>
-                            </p:stCondLst>
-                            <p:childTnLst>
-                              <p:par>
-                                <p:cTn id="10" presetID="42" presetClass="entr" presetSubtype="0" fill="hold" grpId="0" nodeType="clickEffect">
-                                  <p:stCondLst>
-                                    <p:cond delay="0"/>
-                                  </p:stCondLst>
-                                  <p:childTnLst>
-                                    <p:set>
-                                      <p:cBhvr>
-                                        <p:cTn id="11" dur="1" fill="hold">
-                                          <p:stCondLst>
-                                            <p:cond delay="0"/>
-                                          </p:stCondLst>
-                                        </p:cTn>
-                                        <p:tgtEl>
-                                          <p:spTgt spid="7"/>
+                                          <p:spTgt spid="9"/>
                                         </p:tgtEl>
                                         <p:attrNameLst>
                                           <p:attrName>style.visibility</p:attrName>
@@ -38324,17 +40107,17 @@
                                     </p:set>
                                     <p:animEffect transition="in" filter="fade">
                                       <p:cBhvr>
-                                        <p:cTn id="12" dur="1000"/>
+                                        <p:cTn id="7" dur="1000"/>
                                         <p:tgtEl>
-                                          <p:spTgt spid="7"/>
+                                          <p:spTgt spid="9"/>
                                         </p:tgtEl>
                                       </p:cBhvr>
                                     </p:animEffect>
                                     <p:anim calcmode="lin" valueType="num">
                                       <p:cBhvr>
-                                        <p:cTn id="13" dur="1000" fill="hold"/>
+                                        <p:cTn id="8" dur="1000" fill="hold"/>
                                         <p:tgtEl>
-                                          <p:spTgt spid="7"/>
+                                          <p:spTgt spid="9"/>
                                         </p:tgtEl>
                                         <p:attrNameLst>
                                           <p:attrName>ppt_x</p:attrName>
@@ -38355,9 +40138,9 @@
                                     </p:anim>
                                     <p:anim calcmode="lin" valueType="num">
                                       <p:cBhvr>
-                                        <p:cTn id="14" dur="1000" fill="hold"/>
+                                        <p:cTn id="9" dur="1000" fill="hold"/>
                                         <p:tgtEl>
-                                          <p:spTgt spid="7"/>
+                                          <p:spTgt spid="9"/>
                                         </p:tgtEl>
                                         <p:attrNameLst>
                                           <p:attrName>ppt_y</p:attrName>
@@ -38383,13 +40166,66 @@
                           </p:cTn>
                         </p:par>
                         <p:par>
-                          <p:cTn id="15" fill="hold">
+                          <p:cTn id="10" fill="hold">
                             <p:stCondLst>
                               <p:cond delay="1000"/>
                             </p:stCondLst>
                             <p:childTnLst>
                               <p:par>
-                                <p:cTn id="16" presetID="22" presetClass="entr" presetSubtype="4" fill="hold" nodeType="afterEffect">
+                                <p:cTn id="11" presetID="22" presetClass="entr" presetSubtype="4" fill="hold" nodeType="afterEffect">
+                                  <p:stCondLst>
+                                    <p:cond delay="0"/>
+                                  </p:stCondLst>
+                                  <p:childTnLst>
+                                    <p:set>
+                                      <p:cBhvr>
+                                        <p:cTn id="12" dur="1" fill="hold">
+                                          <p:stCondLst>
+                                            <p:cond delay="0"/>
+                                          </p:stCondLst>
+                                        </p:cTn>
+                                        <p:tgtEl>
+                                          <p:spTgt spid="14"/>
+                                        </p:tgtEl>
+                                        <p:attrNameLst>
+                                          <p:attrName>style.visibility</p:attrName>
+                                        </p:attrNameLst>
+                                      </p:cBhvr>
+                                      <p:to>
+                                        <p:strVal val="visible"/>
+                                      </p:to>
+                                    </p:set>
+                                    <p:animEffect transition="in" filter="wipe(down)">
+                                      <p:cBhvr>
+                                        <p:cTn id="13" dur="500"/>
+                                        <p:tgtEl>
+                                          <p:spTgt spid="14"/>
+                                        </p:tgtEl>
+                                      </p:cBhvr>
+                                    </p:animEffect>
+                                  </p:childTnLst>
+                                </p:cTn>
+                              </p:par>
+                            </p:childTnLst>
+                          </p:cTn>
+                        </p:par>
+                      </p:childTnLst>
+                    </p:cTn>
+                  </p:par>
+                  <p:par>
+                    <p:cTn id="14" fill="hold">
+                      <p:stCondLst>
+                        <p:cond delay="indefinite"/>
+                      </p:stCondLst>
+                      <p:childTnLst>
+                        <p:par>
+                          <p:cTn id="15" fill="hold">
+                            <p:stCondLst>
+                              <p:cond delay="0"/>
+                            </p:stCondLst>
+                            <p:childTnLst>
+                              <p:par>
+                                <p:cTn id="16" presetID="10" presetClass="entr" presetSubtype="0" fill="hold" grpId="0" nodeType="clickEffect">
                                   <p:stCondLst>
                                     <p:cond delay="0"/>
                                   </p:stCondLst>
@@ -38402,7 +40238,7 @@
                                           </p:stCondLst>
                                         </p:cTn>
                                         <p:tgtEl>
-                                          <p:spTgt spid="13"/>
+                                          <p:spTgt spid="18"/>
                                         </p:tgtEl>
                                         <p:attrNameLst>
                                           <p:attrName>style.visibility</p:attrName>
@@ -38412,11 +40248,11 @@
                                         <p:strVal val="visible"/>
                                       </p:to>
                                     </p:set>
-                                    <p:animEffect transition="in" filter="wipe(down)">
+                                    <p:animEffect transition="in" filter="fade">
                                       <p:cBhvr>
                                         <p:cTn id="18" dur="500"/>
                                         <p:tgtEl>
-                                          <p:spTgt spid="13"/>
+                                          <p:spTgt spid="18"/>
                                         </p:tgtEl>
                                       </p:cBhvr>
                                     </p:animEffect>
@@ -38442,7 +40278,7 @@
                             </p:stCondLst>
                             <p:childTnLst>
                               <p:par>
-                                <p:cTn id="21" presetID="42" presetClass="entr" presetSubtype="0" fill="hold" grpId="0" nodeType="clickEffect">
+                                <p:cTn id="21" presetID="22" presetClass="entr" presetSubtype="4" fill="hold" nodeType="clickEffect">
                                   <p:stCondLst>
                                     <p:cond delay="0"/>
                                   </p:stCondLst>
@@ -38455,178 +40291,7 @@
                                           </p:stCondLst>
                                         </p:cTn>
                                         <p:tgtEl>
-                                          <p:spTgt spid="6"/>
-                                        </p:tgtEl>
-                                        <p:attrNameLst>
-                                          <p:attrName>style.visibility</p:attrName>
-                                        </p:attrNameLst>
-                                      </p:cBhvr>
-                                      <p:to>
-                                        <p:strVal val="visible"/>
-                                      </p:to>
-                                    </p:set>
-                                    <p:animEffect transition="in" filter="fade">
-                                      <p:cBhvr>
-                                        <p:cTn id="23" dur="1000"/>
-                                        <p:tgtEl>
-                                          <p:spTgt spid="6"/>
-                                        </p:tgtEl>
-                                      </p:cBhvr>
-                                    </p:animEffect>
-                                    <p:anim calcmode="lin" valueType="num">
-                                      <p:cBhvr>
-                                        <p:cTn id="24" dur="1000" fill="hold"/>
-                                        <p:tgtEl>
-                                          <p:spTgt spid="6"/>
-                                        </p:tgtEl>
-                                        <p:attrNameLst>
-                                          <p:attrName>ppt_x</p:attrName>
-                                        </p:attrNameLst>
-                                      </p:cBhvr>
-                                      <p:tavLst>
-                                        <p:tav tm="0">
-                                          <p:val>
-                                            <p:strVal val="#ppt_x"/>
-                                          </p:val>
-                                        </p:tav>
-                                        <p:tav tm="100000">
-                                          <p:val>
-                                            <p:strVal val="#ppt_x"/>
-                                          </p:val>
-                                        </p:tav>
-                                      </p:tavLst>
-                                    </p:anim>
-                                    <p:anim calcmode="lin" valueType="num">
-                                      <p:cBhvr>
-                                        <p:cTn id="25" dur="1000" fill="hold"/>
-                                        <p:tgtEl>
-                                          <p:spTgt spid="6"/>
-                                        </p:tgtEl>
-                                        <p:attrNameLst>
-                                          <p:attrName>ppt_y</p:attrName>
-                                        </p:attrNameLst>
-                                      </p:cBhvr>
-                                      <p:tavLst>
-                                        <p:tav tm="0">
-                                          <p:val>
-                                            <p:strVal val="#ppt_y+.1"/>
-                                          </p:val>
-                                        </p:tav>
-                                        <p:tav tm="100000">
-                                          <p:val>
-                                            <p:strVal val="#ppt_y"/>
-                                          </p:val>
-                                        </p:tav>
-                                      </p:tavLst>
-                                    </p:anim>
-                                  </p:childTnLst>
-                                </p:cTn>
-                              </p:par>
-                              <p:par>
-                                <p:cTn id="26" presetID="42" presetClass="entr" presetSubtype="0" fill="hold" grpId="0" nodeType="withEffect">
-                                  <p:stCondLst>
-                                    <p:cond delay="0"/>
-                                  </p:stCondLst>
-                                  <p:childTnLst>
-                                    <p:set>
-                                      <p:cBhvr>
-                                        <p:cTn id="27" dur="1" fill="hold">
-                                          <p:stCondLst>
-                                            <p:cond delay="0"/>
-                                          </p:stCondLst>
-                                        </p:cTn>
-                                        <p:tgtEl>
-                                          <p:spTgt spid="8"/>
-                                        </p:tgtEl>
-                                        <p:attrNameLst>
-                                          <p:attrName>style.visibility</p:attrName>
-                                        </p:attrNameLst>
-                                      </p:cBhvr>
-                                      <p:to>
-                                        <p:strVal val="visible"/>
-                                      </p:to>
-                                    </p:set>
-                                    <p:animEffect transition="in" filter="fade">
-                                      <p:cBhvr>
-                                        <p:cTn id="28" dur="1000"/>
-                                        <p:tgtEl>
-                                          <p:spTgt spid="8"/>
-                                        </p:tgtEl>
-                                      </p:cBhvr>
-                                    </p:animEffect>
-                                    <p:anim calcmode="lin" valueType="num">
-                                      <p:cBhvr>
-                                        <p:cTn id="29" dur="1000" fill="hold"/>
-                                        <p:tgtEl>
-                                          <p:spTgt spid="8"/>
-                                        </p:tgtEl>
-                                        <p:attrNameLst>
-                                          <p:attrName>ppt_x</p:attrName>
-                                        </p:attrNameLst>
-                                      </p:cBhvr>
-                                      <p:tavLst>
-                                        <p:tav tm="0">
-                                          <p:val>
-                                            <p:strVal val="#ppt_x"/>
-                                          </p:val>
-                                        </p:tav>
-                                        <p:tav tm="100000">
-                                          <p:val>
-                                            <p:strVal val="#ppt_x"/>
-                                          </p:val>
-                                        </p:tav>
-                                      </p:tavLst>
-                                    </p:anim>
-                                    <p:anim calcmode="lin" valueType="num">
-                                      <p:cBhvr>
-                                        <p:cTn id="30" dur="1000" fill="hold"/>
-                                        <p:tgtEl>
-                                          <p:spTgt spid="8"/>
-                                        </p:tgtEl>
-                                        <p:attrNameLst>
-                                          <p:attrName>ppt_y</p:attrName>
-                                        </p:attrNameLst>
-                                      </p:cBhvr>
-                                      <p:tavLst>
-                                        <p:tav tm="0">
-                                          <p:val>
-                                            <p:strVal val="#ppt_y+.1"/>
-                                          </p:val>
-                                        </p:tav>
-                                        <p:tav tm="100000">
-                                          <p:val>
-                                            <p:strVal val="#ppt_y"/>
-                                          </p:val>
-                                        </p:tav>
-                                      </p:tavLst>
-                                    </p:anim>
-                                  </p:childTnLst>
-                                </p:cTn>
-                              </p:par>
-                            </p:childTnLst>
-                          </p:cTn>
-                        </p:par>
-                        <p:par>
-                          <p:cTn id="31" fill="hold">
-                            <p:stCondLst>
-                              <p:cond delay="1000"/>
-                            </p:stCondLst>
-                            <p:childTnLst>
-                              <p:par>
-                                <p:cTn id="32" presetID="22" presetClass="entr" presetSubtype="4" fill="hold" nodeType="afterEffect">
-                                  <p:stCondLst>
-                                    <p:cond delay="0"/>
-                                  </p:stCondLst>
-                                  <p:childTnLst>
-                                    <p:set>
-                                      <p:cBhvr>
-                                        <p:cTn id="33" dur="1" fill="hold">
-                                          <p:stCondLst>
-                                            <p:cond delay="0"/>
-                                          </p:stCondLst>
-                                        </p:cTn>
-                                        <p:tgtEl>
-                                          <p:spTgt spid="11"/>
+                                          <p:spTgt spid="43"/>
                                         </p:tgtEl>
                                         <p:attrNameLst>
                                           <p:attrName>style.visibility</p:attrName>
@@ -38638,53 +40303,9 @@
                                     </p:set>
                                     <p:animEffect transition="in" filter="wipe(down)">
                                       <p:cBhvr>
-                                        <p:cTn id="34" dur="500"/>
+                                        <p:cTn id="23" dur="500"/>
                                         <p:tgtEl>
-                                          <p:spTgt spid="11"/>
-                                        </p:tgtEl>
-                                      </p:cBhvr>
-                                    </p:animEffect>
-                                  </p:childTnLst>
-                                </p:cTn>
-                              </p:par>
-                            </p:childTnLst>
-                          </p:cTn>
-                        </p:par>
-                        <p:par>
-                          <p:cTn id="35" fill="hold">
-                            <p:stCondLst>
-                              <p:cond delay="1500"/>
-                            </p:stCondLst>
-                            <p:childTnLst>
-                              <p:par>
-                                <p:cTn id="36" presetID="22" presetClass="entr" presetSubtype="4" fill="hold" nodeType="afterEffect">
-                                  <p:stCondLst>
-                                    <p:cond delay="0"/>
-                                  </p:stCondLst>
-                                  <p:childTnLst>
-                                    <p:set>
-                                      <p:cBhvr>
-                                        <p:cTn id="37" dur="1" fill="hold">
-                                          <p:stCondLst>
-                                            <p:cond delay="0"/>
-                                          </p:stCondLst>
-                                        </p:cTn>
-                                        <p:tgtEl>
-                                          <p:spTgt spid="12"/>
-                                        </p:tgtEl>
-                                        <p:attrNameLst>
-                                          <p:attrName>style.visibility</p:attrName>
-                                        </p:attrNameLst>
-                                      </p:cBhvr>
-                                      <p:to>
-                                        <p:strVal val="visible"/>
-                                      </p:to>
-                                    </p:set>
-                                    <p:animEffect transition="in" filter="wipe(down)">
-                                      <p:cBhvr>
-                                        <p:cTn id="38" dur="500"/>
-                                        <p:tgtEl>
-                                          <p:spTgt spid="12"/>
+                                          <p:spTgt spid="43"/>
                                         </p:tgtEl>
                                       </p:cBhvr>
                                     </p:animEffect>
@@ -38719,9 +40340,8 @@
       </p:par>
     </p:tnLst>
     <p:bldLst>
-      <p:bldP spid="6" grpId="0" animBg="1"/>
-      <p:bldP spid="7" grpId="0" animBg="1"/>
-      <p:bldP spid="8" grpId="0" animBg="1"/>
+      <p:bldP spid="9" grpId="0" animBg="1"/>
+      <p:bldP spid="18" grpId="0"/>
     </p:bldLst>
   </p:timing>
 </p:sld>
@@ -40229,9 +41849,6 @@
                     <p:cTn id="3" fill="hold">
                       <p:stCondLst>
                         <p:cond delay="indefinite"/>
-                        <p:cond evt="onBegin" delay="0">
-                          <p:tn val="2"/>
-                        </p:cond>
                       </p:stCondLst>
                       <p:childTnLst>
                         <p:par>
@@ -40241,106 +41858,148 @@
                             </p:stCondLst>
                             <p:childTnLst>
                               <p:par>
-                                <p:cTn id="5" presetID="26" presetClass="emph" presetSubtype="0" repeatCount="5000" fill="hold" nodeType="withEffect">
+                                <p:cTn id="5" presetID="2" presetClass="entr" presetSubtype="4" fill="hold" grpId="0" nodeType="clickEffect">
                                   <p:stCondLst>
                                     <p:cond delay="0"/>
                                   </p:stCondLst>
                                   <p:childTnLst>
-                                    <p:animEffect transition="out" filter="fade">
+                                    <p:set>
                                       <p:cBhvr>
-                                        <p:cTn id="6" dur="500" tmFilter="0, 0; .2, .5; .8, .5; 1, 0"/>
+                                        <p:cTn id="6" dur="1" fill="hold">
+                                          <p:stCondLst>
+                                            <p:cond delay="0"/>
+                                          </p:stCondLst>
+                                        </p:cTn>
                                         <p:tgtEl>
-                                          <p:spTgt spid="9"/>
+                                          <p:spTgt spid="5"/>
                                         </p:tgtEl>
+                                        <p:attrNameLst>
+                                          <p:attrName>style.visibility</p:attrName>
+                                        </p:attrNameLst>
                                       </p:cBhvr>
-                                    </p:animEffect>
-                                    <p:animScale>
-                                      <p:cBhvr>
-                                        <p:cTn id="7" dur="250" autoRev="1" fill="hold"/>
+                                      <p:to>
+                                        <p:strVal val="visible"/>
+                                      </p:to>
+                                    </p:set>
+                                    <p:anim calcmode="lin" valueType="num">
+                                      <p:cBhvr additive="base">
+                                        <p:cTn id="7" dur="500" fill="hold"/>
                                         <p:tgtEl>
-                                          <p:spTgt spid="9"/>
+                                          <p:spTgt spid="5"/>
                                         </p:tgtEl>
+                                        <p:attrNameLst>
+                                          <p:attrName>ppt_x</p:attrName>
+                                        </p:attrNameLst>
                                       </p:cBhvr>
-                                      <p:by x="105000" y="105000"/>
-                                    </p:animScale>
+                                      <p:tavLst>
+                                        <p:tav tm="0">
+                                          <p:val>
+                                            <p:strVal val="#ppt_x"/>
+                                          </p:val>
+                                        </p:tav>
+                                        <p:tav tm="100000">
+                                          <p:val>
+                                            <p:strVal val="#ppt_x"/>
+                                          </p:val>
+                                        </p:tav>
+                                      </p:tavLst>
+                                    </p:anim>
+                                    <p:anim calcmode="lin" valueType="num">
+                                      <p:cBhvr additive="base">
+                                        <p:cTn id="8" dur="500" fill="hold"/>
+                                        <p:tgtEl>
+                                          <p:spTgt spid="5"/>
+                                        </p:tgtEl>
+                                        <p:attrNameLst>
+                                          <p:attrName>ppt_y</p:attrName>
+                                        </p:attrNameLst>
+                                      </p:cBhvr>
+                                      <p:tavLst>
+                                        <p:tav tm="0">
+                                          <p:val>
+                                            <p:strVal val="1+#ppt_h/2"/>
+                                          </p:val>
+                                        </p:tav>
+                                        <p:tav tm="100000">
+                                          <p:val>
+                                            <p:strVal val="#ppt_y"/>
+                                          </p:val>
+                                        </p:tav>
+                                      </p:tavLst>
+                                    </p:anim>
                                   </p:childTnLst>
                                 </p:cTn>
                               </p:par>
                               <p:par>
-                                <p:cTn id="8" presetID="26" presetClass="emph" presetSubtype="0" repeatCount="5000" fill="hold" nodeType="withEffect">
+                                <p:cTn id="9" presetID="2" presetClass="entr" presetSubtype="4" fill="hold" grpId="0" nodeType="withEffect">
                                   <p:stCondLst>
                                     <p:cond delay="0"/>
                                   </p:stCondLst>
                                   <p:childTnLst>
-                                    <p:animEffect transition="out" filter="fade">
+                                    <p:set>
                                       <p:cBhvr>
-                                        <p:cTn id="9" dur="500" tmFilter="0, 0; .2, .5; .8, .5; 1, 0"/>
+                                        <p:cTn id="10" dur="1" fill="hold">
+                                          <p:stCondLst>
+                                            <p:cond delay="0"/>
+                                          </p:stCondLst>
+                                        </p:cTn>
                                         <p:tgtEl>
-                                          <p:spTgt spid="10"/>
+                                          <p:spTgt spid="7"/>
                                         </p:tgtEl>
+                                        <p:attrNameLst>
+                                          <p:attrName>style.visibility</p:attrName>
+                                        </p:attrNameLst>
                                       </p:cBhvr>
-                                    </p:animEffect>
-                                    <p:animScale>
-                                      <p:cBhvr>
-                                        <p:cTn id="10" dur="250" autoRev="1" fill="hold"/>
+                                      <p:to>
+                                        <p:strVal val="visible"/>
+                                      </p:to>
+                                    </p:set>
+                                    <p:anim calcmode="lin" valueType="num">
+                                      <p:cBhvr additive="base">
+                                        <p:cTn id="11" dur="500" fill="hold"/>
                                         <p:tgtEl>
-                                          <p:spTgt spid="10"/>
+                                          <p:spTgt spid="7"/>
                                         </p:tgtEl>
+                                        <p:attrNameLst>
+                                          <p:attrName>ppt_x</p:attrName>
+                                        </p:attrNameLst>
                                       </p:cBhvr>
-                                      <p:by x="105000" y="105000"/>
-                                    </p:animScale>
-                                  </p:childTnLst>
-                                </p:cTn>
-                              </p:par>
-                              <p:par>
-                                <p:cTn id="11" presetID="26" presetClass="emph" presetSubtype="0" repeatCount="5000" fill="hold" nodeType="withEffect">
-                                  <p:stCondLst>
-                                    <p:cond delay="0"/>
-                                  </p:stCondLst>
-                                  <p:childTnLst>
-                                    <p:animEffect transition="out" filter="fade">
-                                      <p:cBhvr>
-                                        <p:cTn id="12" dur="500" tmFilter="0, 0; .2, .5; .8, .5; 1, 0"/>
+                                      <p:tavLst>
+                                        <p:tav tm="0">
+                                          <p:val>
+                                            <p:strVal val="#ppt_x"/>
+                                          </p:val>
+                                        </p:tav>
+                                        <p:tav tm="100000">
+                                          <p:val>
+                                            <p:strVal val="#ppt_x"/>
+                                          </p:val>
+                                        </p:tav>
+                                      </p:tavLst>
+                                    </p:anim>
+                                    <p:anim calcmode="lin" valueType="num">
+                                      <p:cBhvr additive="base">
+                                        <p:cTn id="12" dur="500" fill="hold"/>
                                         <p:tgtEl>
-                                          <p:spTgt spid="11"/>
+                                          <p:spTgt spid="7"/>
                                         </p:tgtEl>
+                                        <p:attrNameLst>
+                                          <p:attrName>ppt_y</p:attrName>
+                                        </p:attrNameLst>
                                       </p:cBhvr>
-                                    </p:animEffect>
-                                    <p:animScale>
-                                      <p:cBhvr>
-                                        <p:cTn id="13" dur="250" autoRev="1" fill="hold"/>
-                                        <p:tgtEl>
-                                          <p:spTgt spid="11"/>
-                                        </p:tgtEl>
-                                      </p:cBhvr>
-                                      <p:by x="105000" y="105000"/>
-                                    </p:animScale>
-                                  </p:childTnLst>
-                                </p:cTn>
-                              </p:par>
-                              <p:par>
-                                <p:cTn id="14" presetID="26" presetClass="emph" presetSubtype="0" repeatCount="5000" fill="hold" nodeType="withEffect">
-                                  <p:stCondLst>
-                                    <p:cond delay="0"/>
-                                  </p:stCondLst>
-                                  <p:childTnLst>
-                                    <p:animEffect transition="out" filter="fade">
-                                      <p:cBhvr>
-                                        <p:cTn id="15" dur="500" tmFilter="0, 0; .2, .5; .8, .5; 1, 0"/>
-                                        <p:tgtEl>
-                                          <p:spTgt spid="12"/>
-                                        </p:tgtEl>
-                                      </p:cBhvr>
-                                    </p:animEffect>
-                                    <p:animScale>
-                                      <p:cBhvr>
-                                        <p:cTn id="16" dur="250" autoRev="1" fill="hold"/>
-                                        <p:tgtEl>
-                                          <p:spTgt spid="12"/>
-                                        </p:tgtEl>
-                                      </p:cBhvr>
-                                      <p:by x="105000" y="105000"/>
-                                    </p:animScale>
+                                      <p:tavLst>
+                                        <p:tav tm="0">
+                                          <p:val>
+                                            <p:strVal val="1+#ppt_h/2"/>
+                                          </p:val>
+                                        </p:tav>
+                                        <p:tav tm="100000">
+                                          <p:val>
+                                            <p:strVal val="#ppt_y"/>
+                                          </p:val>
+                                        </p:tav>
+                                      </p:tavLst>
+                                    </p:anim>
                                   </p:childTnLst>
                                 </p:cTn>
                               </p:par>
@@ -40351,77 +42010,126 @@
                     </p:cTn>
                   </p:par>
                   <p:par>
-                    <p:cTn id="17" fill="hold">
+                    <p:cTn id="13" fill="hold">
                       <p:stCondLst>
                         <p:cond delay="indefinite"/>
                       </p:stCondLst>
                       <p:childTnLst>
                         <p:par>
-                          <p:cTn id="18" fill="hold">
+                          <p:cTn id="14" fill="hold">
                             <p:stCondLst>
                               <p:cond delay="0"/>
                             </p:stCondLst>
                             <p:childTnLst>
                               <p:par>
-                                <p:cTn id="19" presetID="21" presetClass="emph" presetSubtype="0" fill="hold" grpId="0" nodeType="clickEffect">
+                                <p:cTn id="15" presetID="22" presetClass="entr" presetSubtype="8" fill="hold" nodeType="clickEffect">
                                   <p:stCondLst>
                                     <p:cond delay="0"/>
                                   </p:stCondLst>
                                   <p:childTnLst>
-                                    <p:animClr clrSpc="hsl" dir="cw">
-                                      <p:cBhvr override="childStyle">
-                                        <p:cTn id="20" dur="500" fill="hold"/>
+                                    <p:set>
+                                      <p:cBhvr>
+                                        <p:cTn id="16" dur="1" fill="hold">
+                                          <p:stCondLst>
+                                            <p:cond delay="0"/>
+                                          </p:stCondLst>
+                                        </p:cTn>
                                         <p:tgtEl>
-                                          <p:spTgt spid="7"/>
+                                          <p:spTgt spid="11"/>
                                         </p:tgtEl>
                                         <p:attrNameLst>
-                                          <p:attrName>style.color</p:attrName>
-                                        </p:attrNameLst>
-                                      </p:cBhvr>
-                                      <p:by>
-                                        <p:hsl h="7200000" s="0" l="0"/>
-                                      </p:by>
-                                    </p:animClr>
-                                    <p:animClr clrSpc="hsl" dir="cw">
-                                      <p:cBhvr>
-                                        <p:cTn id="21" dur="500" fill="hold"/>
-                                        <p:tgtEl>
-                                          <p:spTgt spid="7"/>
-                                        </p:tgtEl>
-                                        <p:attrNameLst>
-                                          <p:attrName>fillcolor</p:attrName>
-                                        </p:attrNameLst>
-                                      </p:cBhvr>
-                                      <p:by>
-                                        <p:hsl h="7200000" s="0" l="0"/>
-                                      </p:by>
-                                    </p:animClr>
-                                    <p:animClr clrSpc="hsl" dir="cw">
-                                      <p:cBhvr>
-                                        <p:cTn id="22" dur="500" fill="hold"/>
-                                        <p:tgtEl>
-                                          <p:spTgt spid="7"/>
-                                        </p:tgtEl>
-                                        <p:attrNameLst>
-                                          <p:attrName>stroke.color</p:attrName>
-                                        </p:attrNameLst>
-                                      </p:cBhvr>
-                                      <p:by>
-                                        <p:hsl h="7200000" s="0" l="0"/>
-                                      </p:by>
-                                    </p:animClr>
-                                    <p:set>
-                                      <p:cBhvr>
-                                        <p:cTn id="23" dur="500" fill="hold"/>
-                                        <p:tgtEl>
-                                          <p:spTgt spid="7"/>
-                                        </p:tgtEl>
-                                        <p:attrNameLst>
-                                          <p:attrName>fill.type</p:attrName>
+                                          <p:attrName>style.visibility</p:attrName>
                                         </p:attrNameLst>
                                       </p:cBhvr>
                                       <p:to>
-                                        <p:strVal val="solid"/>
+                                        <p:strVal val="visible"/>
+                                      </p:to>
+                                    </p:set>
+                                    <p:animEffect transition="in" filter="wipe(left)">
+                                      <p:cBhvr>
+                                        <p:cTn id="17" dur="500"/>
+                                        <p:tgtEl>
+                                          <p:spTgt spid="11"/>
+                                        </p:tgtEl>
+                                      </p:cBhvr>
+                                    </p:animEffect>
+                                  </p:childTnLst>
+                                </p:cTn>
+                              </p:par>
+                              <p:par>
+                                <p:cTn id="18" presetID="22" presetClass="entr" presetSubtype="8" fill="hold" nodeType="withEffect">
+                                  <p:stCondLst>
+                                    <p:cond delay="0"/>
+                                  </p:stCondLst>
+                                  <p:childTnLst>
+                                    <p:set>
+                                      <p:cBhvr>
+                                        <p:cTn id="19" dur="1" fill="hold">
+                                          <p:stCondLst>
+                                            <p:cond delay="0"/>
+                                          </p:stCondLst>
+                                        </p:cTn>
+                                        <p:tgtEl>
+                                          <p:spTgt spid="12"/>
+                                        </p:tgtEl>
+                                        <p:attrNameLst>
+                                          <p:attrName>style.visibility</p:attrName>
+                                        </p:attrNameLst>
+                                      </p:cBhvr>
+                                      <p:to>
+                                        <p:strVal val="visible"/>
+                                      </p:to>
+                                    </p:set>
+                                    <p:animEffect transition="in" filter="wipe(left)">
+                                      <p:cBhvr>
+                                        <p:cTn id="20" dur="500"/>
+                                        <p:tgtEl>
+                                          <p:spTgt spid="12"/>
+                                        </p:tgtEl>
+                                      </p:cBhvr>
+                                    </p:animEffect>
+                                  </p:childTnLst>
+                                </p:cTn>
+                              </p:par>
+                            </p:childTnLst>
+                          </p:cTn>
+                        </p:par>
+                        <p:par>
+                          <p:cTn id="21" fill="hold">
+                            <p:stCondLst>
+                              <p:cond delay="500"/>
+                            </p:stCondLst>
+                            <p:childTnLst>
+                              <p:par>
+                                <p:cTn id="22" presetID="22" presetClass="exit" presetSubtype="4" fill="hold" nodeType="afterEffect">
+                                  <p:stCondLst>
+                                    <p:cond delay="0"/>
+                                  </p:stCondLst>
+                                  <p:childTnLst>
+                                    <p:animEffect transition="out" filter="wipe(down)">
+                                      <p:cBhvr>
+                                        <p:cTn id="23" dur="500"/>
+                                        <p:tgtEl>
+                                          <p:spTgt spid="9"/>
+                                        </p:tgtEl>
+                                      </p:cBhvr>
+                                    </p:animEffect>
+                                    <p:set>
+                                      <p:cBhvr>
+                                        <p:cTn id="24" dur="1" fill="hold">
+                                          <p:stCondLst>
+                                            <p:cond delay="499"/>
+                                          </p:stCondLst>
+                                        </p:cTn>
+                                        <p:tgtEl>
+                                          <p:spTgt spid="9"/>
+                                        </p:tgtEl>
+                                        <p:attrNameLst>
+                                          <p:attrName>style.visibility</p:attrName>
+                                        </p:attrNameLst>
+                                      </p:cBhvr>
+                                      <p:to>
+                                        <p:strVal val="hidden"/>
                                       </p:to>
                                     </p:set>
                                   </p:childTnLst>
@@ -40430,247 +42138,42 @@
                             </p:childTnLst>
                           </p:cTn>
                         </p:par>
-                      </p:childTnLst>
-                    </p:cTn>
-                  </p:par>
-                  <p:par>
-                    <p:cTn id="24" fill="hold">
-                      <p:stCondLst>
-                        <p:cond delay="indefinite"/>
-                      </p:stCondLst>
-                      <p:childTnLst>
                         <p:par>
                           <p:cTn id="25" fill="hold">
                             <p:stCondLst>
-                              <p:cond delay="0"/>
+                              <p:cond delay="1000"/>
                             </p:stCondLst>
                             <p:childTnLst>
                               <p:par>
-                                <p:cTn id="26" presetID="21" presetClass="emph" presetSubtype="0" fill="hold" grpId="0" nodeType="clickEffect">
+                                <p:cTn id="26" presetID="22" presetClass="exit" presetSubtype="4" fill="hold" nodeType="afterEffect">
                                   <p:stCondLst>
                                     <p:cond delay="0"/>
                                   </p:stCondLst>
                                   <p:childTnLst>
-                                    <p:animClr clrSpc="hsl" dir="cw">
-                                      <p:cBhvr override="childStyle">
-                                        <p:cTn id="27" dur="500" fill="hold"/>
+                                    <p:animEffect transition="out" filter="wipe(down)">
+                                      <p:cBhvr>
+                                        <p:cTn id="27" dur="500"/>
                                         <p:tgtEl>
-                                          <p:spTgt spid="5"/>
+                                          <p:spTgt spid="10"/>
+                                        </p:tgtEl>
+                                      </p:cBhvr>
+                                    </p:animEffect>
+                                    <p:set>
+                                      <p:cBhvr>
+                                        <p:cTn id="28" dur="1" fill="hold">
+                                          <p:stCondLst>
+                                            <p:cond delay="499"/>
+                                          </p:stCondLst>
+                                        </p:cTn>
+                                        <p:tgtEl>
+                                          <p:spTgt spid="10"/>
                                         </p:tgtEl>
                                         <p:attrNameLst>
-                                          <p:attrName>style.color</p:attrName>
-                                        </p:attrNameLst>
-                                      </p:cBhvr>
-                                      <p:by>
-                                        <p:hsl h="7200000" s="0" l="0"/>
-                                      </p:by>
-                                    </p:animClr>
-                                    <p:animClr clrSpc="hsl" dir="cw">
-                                      <p:cBhvr>
-                                        <p:cTn id="28" dur="500" fill="hold"/>
-                                        <p:tgtEl>
-                                          <p:spTgt spid="5"/>
-                                        </p:tgtEl>
-                                        <p:attrNameLst>
-                                          <p:attrName>fillcolor</p:attrName>
-                                        </p:attrNameLst>
-                                      </p:cBhvr>
-                                      <p:by>
-                                        <p:hsl h="7200000" s="0" l="0"/>
-                                      </p:by>
-                                    </p:animClr>
-                                    <p:animClr clrSpc="hsl" dir="cw">
-                                      <p:cBhvr>
-                                        <p:cTn id="29" dur="500" fill="hold"/>
-                                        <p:tgtEl>
-                                          <p:spTgt spid="5"/>
-                                        </p:tgtEl>
-                                        <p:attrNameLst>
-                                          <p:attrName>stroke.color</p:attrName>
-                                        </p:attrNameLst>
-                                      </p:cBhvr>
-                                      <p:by>
-                                        <p:hsl h="7200000" s="0" l="0"/>
-                                      </p:by>
-                                    </p:animClr>
-                                    <p:set>
-                                      <p:cBhvr>
-                                        <p:cTn id="30" dur="500" fill="hold"/>
-                                        <p:tgtEl>
-                                          <p:spTgt spid="5"/>
-                                        </p:tgtEl>
-                                        <p:attrNameLst>
-                                          <p:attrName>fill.type</p:attrName>
+                                          <p:attrName>style.visibility</p:attrName>
                                         </p:attrNameLst>
                                       </p:cBhvr>
                                       <p:to>
-                                        <p:strVal val="solid"/>
-                                      </p:to>
-                                    </p:set>
-                                  </p:childTnLst>
-                                </p:cTn>
-                              </p:par>
-                            </p:childTnLst>
-                          </p:cTn>
-                        </p:par>
-                      </p:childTnLst>
-                    </p:cTn>
-                  </p:par>
-                  <p:par>
-                    <p:cTn id="31" fill="hold">
-                      <p:stCondLst>
-                        <p:cond delay="indefinite"/>
-                      </p:stCondLst>
-                      <p:childTnLst>
-                        <p:par>
-                          <p:cTn id="32" fill="hold">
-                            <p:stCondLst>
-                              <p:cond delay="0"/>
-                            </p:stCondLst>
-                            <p:childTnLst>
-                              <p:par>
-                                <p:cTn id="33" presetID="21" presetClass="emph" presetSubtype="0" fill="hold" grpId="0" nodeType="clickEffect">
-                                  <p:stCondLst>
-                                    <p:cond delay="0"/>
-                                  </p:stCondLst>
-                                  <p:childTnLst>
-                                    <p:animClr clrSpc="hsl" dir="cw">
-                                      <p:cBhvr override="childStyle">
-                                        <p:cTn id="34" dur="500" fill="hold"/>
-                                        <p:tgtEl>
-                                          <p:spTgt spid="4"/>
-                                        </p:tgtEl>
-                                        <p:attrNameLst>
-                                          <p:attrName>style.color</p:attrName>
-                                        </p:attrNameLst>
-                                      </p:cBhvr>
-                                      <p:by>
-                                        <p:hsl h="7200000" s="0" l="0"/>
-                                      </p:by>
-                                    </p:animClr>
-                                    <p:animClr clrSpc="hsl" dir="cw">
-                                      <p:cBhvr>
-                                        <p:cTn id="35" dur="500" fill="hold"/>
-                                        <p:tgtEl>
-                                          <p:spTgt spid="4"/>
-                                        </p:tgtEl>
-                                        <p:attrNameLst>
-                                          <p:attrName>fillcolor</p:attrName>
-                                        </p:attrNameLst>
-                                      </p:cBhvr>
-                                      <p:by>
-                                        <p:hsl h="7200000" s="0" l="0"/>
-                                      </p:by>
-                                    </p:animClr>
-                                    <p:animClr clrSpc="hsl" dir="cw">
-                                      <p:cBhvr>
-                                        <p:cTn id="36" dur="500" fill="hold"/>
-                                        <p:tgtEl>
-                                          <p:spTgt spid="4"/>
-                                        </p:tgtEl>
-                                        <p:attrNameLst>
-                                          <p:attrName>stroke.color</p:attrName>
-                                        </p:attrNameLst>
-                                      </p:cBhvr>
-                                      <p:by>
-                                        <p:hsl h="7200000" s="0" l="0"/>
-                                      </p:by>
-                                    </p:animClr>
-                                    <p:set>
-                                      <p:cBhvr>
-                                        <p:cTn id="37" dur="500" fill="hold"/>
-                                        <p:tgtEl>
-                                          <p:spTgt spid="4"/>
-                                        </p:tgtEl>
-                                        <p:attrNameLst>
-                                          <p:attrName>fill.type</p:attrName>
-                                        </p:attrNameLst>
-                                      </p:cBhvr>
-                                      <p:to>
-                                        <p:strVal val="solid"/>
-                                      </p:to>
-                                    </p:set>
-                                  </p:childTnLst>
-                                </p:cTn>
-                              </p:par>
-                            </p:childTnLst>
-                          </p:cTn>
-                        </p:par>
-                      </p:childTnLst>
-                    </p:cTn>
-                  </p:par>
-                  <p:par>
-                    <p:cTn id="38" fill="hold">
-                      <p:stCondLst>
-                        <p:cond delay="indefinite"/>
-                      </p:stCondLst>
-                      <p:childTnLst>
-                        <p:par>
-                          <p:cTn id="39" fill="hold">
-                            <p:stCondLst>
-                              <p:cond delay="0"/>
-                            </p:stCondLst>
-                            <p:childTnLst>
-                              <p:par>
-                                <p:cTn id="40" presetID="21" presetClass="emph" presetSubtype="0" fill="hold" grpId="0" nodeType="clickEffect">
-                                  <p:stCondLst>
-                                    <p:cond delay="0"/>
-                                  </p:stCondLst>
-                                  <p:childTnLst>
-                                    <p:animClr clrSpc="hsl" dir="cw">
-                                      <p:cBhvr override="childStyle">
-                                        <p:cTn id="41" dur="500" fill="hold"/>
-                                        <p:tgtEl>
-                                          <p:spTgt spid="6"/>
-                                        </p:tgtEl>
-                                        <p:attrNameLst>
-                                          <p:attrName>style.color</p:attrName>
-                                        </p:attrNameLst>
-                                      </p:cBhvr>
-                                      <p:by>
-                                        <p:hsl h="7200000" s="0" l="0"/>
-                                      </p:by>
-                                    </p:animClr>
-                                    <p:animClr clrSpc="hsl" dir="cw">
-                                      <p:cBhvr>
-                                        <p:cTn id="42" dur="500" fill="hold"/>
-                                        <p:tgtEl>
-                                          <p:spTgt spid="6"/>
-                                        </p:tgtEl>
-                                        <p:attrNameLst>
-                                          <p:attrName>fillcolor</p:attrName>
-                                        </p:attrNameLst>
-                                      </p:cBhvr>
-                                      <p:by>
-                                        <p:hsl h="7200000" s="0" l="0"/>
-                                      </p:by>
-                                    </p:animClr>
-                                    <p:animClr clrSpc="hsl" dir="cw">
-                                      <p:cBhvr>
-                                        <p:cTn id="43" dur="500" fill="hold"/>
-                                        <p:tgtEl>
-                                          <p:spTgt spid="6"/>
-                                        </p:tgtEl>
-                                        <p:attrNameLst>
-                                          <p:attrName>stroke.color</p:attrName>
-                                        </p:attrNameLst>
-                                      </p:cBhvr>
-                                      <p:by>
-                                        <p:hsl h="7200000" s="0" l="0"/>
-                                      </p:by>
-                                    </p:animClr>
-                                    <p:set>
-                                      <p:cBhvr>
-                                        <p:cTn id="44" dur="500" fill="hold"/>
-                                        <p:tgtEl>
-                                          <p:spTgt spid="6"/>
-                                        </p:tgtEl>
-                                        <p:attrNameLst>
-                                          <p:attrName>fill.type</p:attrName>
-                                        </p:attrNameLst>
-                                      </p:cBhvr>
-                                      <p:to>
-                                        <p:strVal val="solid"/>
+                                        <p:strVal val="hidden"/>
                                       </p:to>
                                     </p:set>
                                   </p:childTnLst>
@@ -40704,9 +42207,7 @@
       </p:par>
     </p:tnLst>
     <p:bldLst>
-      <p:bldP spid="4" grpId="0" animBg="1"/>
       <p:bldP spid="5" grpId="0" animBg="1"/>
-      <p:bldP spid="6" grpId="0" animBg="1"/>
       <p:bldP spid="7" grpId="0" animBg="1"/>
     </p:bldLst>
   </p:timing>
@@ -40949,15 +42450,15 @@
         </p:spPr>
         <p:style>
           <a:lnRef idx="2">
-            <a:schemeClr val="accent3">
+            <a:schemeClr val="accent4">
               <a:shade val="50000"/>
             </a:schemeClr>
           </a:lnRef>
           <a:fillRef idx="1">
-            <a:schemeClr val="accent3"/>
+            <a:schemeClr val="accent4"/>
           </a:fillRef>
           <a:effectRef idx="0">
-            <a:schemeClr val="accent3"/>
+            <a:schemeClr val="accent4"/>
           </a:effectRef>
           <a:fontRef idx="minor">
             <a:schemeClr val="lt1"/>
@@ -41189,6 +42690,18 @@
   <p:clrMapOvr>
     <a:masterClrMapping/>
   </p:clrMapOvr>
+  <mc:AlternateContent xmlns:mc="http://schemas.openxmlformats.org/markup-compatibility/2006">
+    <mc:Choice xmlns:p159="http://schemas.microsoft.com/office/powerpoint/2015/09/main" Requires="p159">
+      <p:transition xmlns:p14="http://schemas.microsoft.com/office/powerpoint/2010/main" spd="slow" p14:dur="2000">
+        <p159:morph option="byObject"/>
+      </p:transition>
+    </mc:Choice>
+    <mc:Fallback>
+      <p:transition spd="slow">
+        <p:fade/>
+      </p:transition>
+    </mc:Fallback>
+  </mc:AlternateContent>
   <p:timing>
     <p:tnLst>
       <p:par>
@@ -41201,9 +42714,6 @@
                     <p:cTn id="3" fill="hold">
                       <p:stCondLst>
                         <p:cond delay="indefinite"/>
-                        <p:cond evt="onBegin" delay="0">
-                          <p:tn val="2"/>
-                        </p:cond>
                       </p:stCondLst>
                       <p:childTnLst>
                         <p:par>
@@ -41213,136 +42723,14 @@
                             </p:stCondLst>
                             <p:childTnLst>
                               <p:par>
-                                <p:cTn id="5" presetID="26" presetClass="emph" presetSubtype="0" repeatCount="5000" fill="hold" nodeType="withEffect">
+                                <p:cTn id="5" presetID="19" presetClass="emph" presetSubtype="0" fill="hold" grpId="0" nodeType="clickEffect">
                                   <p:stCondLst>
                                     <p:cond delay="0"/>
                                   </p:stCondLst>
                                   <p:childTnLst>
-                                    <p:animEffect transition="out" filter="fade">
-                                      <p:cBhvr>
-                                        <p:cTn id="6" dur="500" tmFilter="0, 0; .2, .5; .8, .5; 1, 0"/>
-                                        <p:tgtEl>
-                                          <p:spTgt spid="9"/>
-                                        </p:tgtEl>
-                                      </p:cBhvr>
-                                    </p:animEffect>
-                                    <p:animScale>
-                                      <p:cBhvr>
-                                        <p:cTn id="7" dur="250" autoRev="1" fill="hold"/>
-                                        <p:tgtEl>
-                                          <p:spTgt spid="9"/>
-                                        </p:tgtEl>
-                                      </p:cBhvr>
-                                      <p:by x="105000" y="105000"/>
-                                    </p:animScale>
-                                  </p:childTnLst>
-                                </p:cTn>
-                              </p:par>
-                              <p:par>
-                                <p:cTn id="8" presetID="26" presetClass="emph" presetSubtype="0" repeatCount="5000" fill="hold" nodeType="withEffect">
-                                  <p:stCondLst>
-                                    <p:cond delay="0"/>
-                                  </p:stCondLst>
-                                  <p:childTnLst>
-                                    <p:animEffect transition="out" filter="fade">
-                                      <p:cBhvr>
-                                        <p:cTn id="9" dur="500" tmFilter="0, 0; .2, .5; .8, .5; 1, 0"/>
-                                        <p:tgtEl>
-                                          <p:spTgt spid="10"/>
-                                        </p:tgtEl>
-                                      </p:cBhvr>
-                                    </p:animEffect>
-                                    <p:animScale>
-                                      <p:cBhvr>
-                                        <p:cTn id="10" dur="250" autoRev="1" fill="hold"/>
-                                        <p:tgtEl>
-                                          <p:spTgt spid="10"/>
-                                        </p:tgtEl>
-                                      </p:cBhvr>
-                                      <p:by x="105000" y="105000"/>
-                                    </p:animScale>
-                                  </p:childTnLst>
-                                </p:cTn>
-                              </p:par>
-                              <p:par>
-                                <p:cTn id="11" presetID="26" presetClass="emph" presetSubtype="0" repeatCount="5000" fill="hold" nodeType="withEffect">
-                                  <p:stCondLst>
-                                    <p:cond delay="0"/>
-                                  </p:stCondLst>
-                                  <p:childTnLst>
-                                    <p:animEffect transition="out" filter="fade">
-                                      <p:cBhvr>
-                                        <p:cTn id="12" dur="500" tmFilter="0, 0; .2, .5; .8, .5; 1, 0"/>
-                                        <p:tgtEl>
-                                          <p:spTgt spid="11"/>
-                                        </p:tgtEl>
-                                      </p:cBhvr>
-                                    </p:animEffect>
-                                    <p:animScale>
-                                      <p:cBhvr>
-                                        <p:cTn id="13" dur="250" autoRev="1" fill="hold"/>
-                                        <p:tgtEl>
-                                          <p:spTgt spid="11"/>
-                                        </p:tgtEl>
-                                      </p:cBhvr>
-                                      <p:by x="105000" y="105000"/>
-                                    </p:animScale>
-                                  </p:childTnLst>
-                                </p:cTn>
-                              </p:par>
-                              <p:par>
-                                <p:cTn id="14" presetID="26" presetClass="emph" presetSubtype="0" repeatCount="5000" fill="hold" nodeType="withEffect">
-                                  <p:stCondLst>
-                                    <p:cond delay="0"/>
-                                  </p:stCondLst>
-                                  <p:childTnLst>
-                                    <p:animEffect transition="out" filter="fade">
-                                      <p:cBhvr>
-                                        <p:cTn id="15" dur="500" tmFilter="0, 0; .2, .5; .8, .5; 1, 0"/>
-                                        <p:tgtEl>
-                                          <p:spTgt spid="12"/>
-                                        </p:tgtEl>
-                                      </p:cBhvr>
-                                    </p:animEffect>
-                                    <p:animScale>
-                                      <p:cBhvr>
-                                        <p:cTn id="16" dur="250" autoRev="1" fill="hold"/>
-                                        <p:tgtEl>
-                                          <p:spTgt spid="12"/>
-                                        </p:tgtEl>
-                                      </p:cBhvr>
-                                      <p:by x="105000" y="105000"/>
-                                    </p:animScale>
-                                  </p:childTnLst>
-                                </p:cTn>
-                              </p:par>
-                            </p:childTnLst>
-                          </p:cTn>
-                        </p:par>
-                      </p:childTnLst>
-                    </p:cTn>
-                  </p:par>
-                  <p:par>
-                    <p:cTn id="17" fill="hold">
-                      <p:stCondLst>
-                        <p:cond delay="indefinite"/>
-                      </p:stCondLst>
-                      <p:childTnLst>
-                        <p:par>
-                          <p:cTn id="18" fill="hold">
-                            <p:stCondLst>
-                              <p:cond delay="0"/>
-                            </p:stCondLst>
-                            <p:childTnLst>
-                              <p:par>
-                                <p:cTn id="19" presetID="21" presetClass="emph" presetSubtype="0" fill="hold" grpId="0" nodeType="clickEffect">
-                                  <p:stCondLst>
-                                    <p:cond delay="0"/>
-                                  </p:stCondLst>
-                                  <p:childTnLst>
-                                    <p:animClr clrSpc="hsl" dir="cw">
+                                    <p:animClr clrSpc="rgb" dir="cw">
                                       <p:cBhvr override="childStyle">
-                                        <p:cTn id="20" dur="500" fill="hold"/>
+                                        <p:cTn id="6" dur="500" fill="hold"/>
                                         <p:tgtEl>
                                           <p:spTgt spid="7"/>
                                         </p:tgtEl>
@@ -41350,13 +42738,13 @@
                                           <p:attrName>style.color</p:attrName>
                                         </p:attrNameLst>
                                       </p:cBhvr>
-                                      <p:by>
-                                        <p:hsl h="7200000" s="0" l="0"/>
-                                      </p:by>
+                                      <p:to>
+                                        <a:srgbClr val="008ACF"/>
+                                      </p:to>
                                     </p:animClr>
-                                    <p:animClr clrSpc="hsl" dir="cw">
+                                    <p:animClr clrSpc="rgb" dir="cw">
                                       <p:cBhvr>
-                                        <p:cTn id="21" dur="500" fill="hold"/>
+                                        <p:cTn id="7" dur="500" fill="hold"/>
                                         <p:tgtEl>
                                           <p:spTgt spid="7"/>
                                         </p:tgtEl>
@@ -41364,27 +42752,13 @@
                                           <p:attrName>fillcolor</p:attrName>
                                         </p:attrNameLst>
                                       </p:cBhvr>
-                                      <p:by>
-                                        <p:hsl h="7200000" s="0" l="0"/>
-                                      </p:by>
-                                    </p:animClr>
-                                    <p:animClr clrSpc="hsl" dir="cw">
-                                      <p:cBhvr>
-                                        <p:cTn id="22" dur="500" fill="hold"/>
-                                        <p:tgtEl>
-                                          <p:spTgt spid="7"/>
-                                        </p:tgtEl>
-                                        <p:attrNameLst>
-                                          <p:attrName>stroke.color</p:attrName>
-                                        </p:attrNameLst>
-                                      </p:cBhvr>
-                                      <p:by>
-                                        <p:hsl h="7200000" s="0" l="0"/>
-                                      </p:by>
+                                      <p:to>
+                                        <a:srgbClr val="008ACF"/>
+                                      </p:to>
                                     </p:animClr>
                                     <p:set>
                                       <p:cBhvr>
-                                        <p:cTn id="23" dur="500" fill="hold"/>
+                                        <p:cTn id="8" dur="500" fill="hold"/>
                                         <p:tgtEl>
                                           <p:spTgt spid="7"/>
                                         </p:tgtEl>
@@ -41394,6 +42768,20 @@
                                       </p:cBhvr>
                                       <p:to>
                                         <p:strVal val="solid"/>
+                                      </p:to>
+                                    </p:set>
+                                    <p:set>
+                                      <p:cBhvr>
+                                        <p:cTn id="9" dur="500" fill="hold"/>
+                                        <p:tgtEl>
+                                          <p:spTgt spid="7"/>
+                                        </p:tgtEl>
+                                        <p:attrNameLst>
+                                          <p:attrName>fill.on</p:attrName>
+                                        </p:attrNameLst>
+                                      </p:cBhvr>
+                                      <p:to>
+                                        <p:strVal val="true"/>
                                       </p:to>
                                     </p:set>
                                   </p:childTnLst>
@@ -41406,26 +42794,26 @@
                     </p:cTn>
                   </p:par>
                   <p:par>
-                    <p:cTn id="24" fill="hold">
+                    <p:cTn id="10" fill="hold">
                       <p:stCondLst>
                         <p:cond delay="indefinite"/>
                       </p:stCondLst>
                       <p:childTnLst>
                         <p:par>
-                          <p:cTn id="25" fill="hold">
+                          <p:cTn id="11" fill="hold">
                             <p:stCondLst>
                               <p:cond delay="0"/>
                             </p:stCondLst>
                             <p:childTnLst>
                               <p:par>
-                                <p:cTn id="26" presetID="21" presetClass="emph" presetSubtype="0" fill="hold" grpId="0" nodeType="clickEffect">
+                                <p:cTn id="12" presetID="19" presetClass="emph" presetSubtype="0" fill="hold" grpId="0" nodeType="clickEffect">
                                   <p:stCondLst>
                                     <p:cond delay="0"/>
                                   </p:stCondLst>
                                   <p:childTnLst>
-                                    <p:animClr clrSpc="hsl" dir="cw">
+                                    <p:animClr clrSpc="rgb" dir="cw">
                                       <p:cBhvr override="childStyle">
-                                        <p:cTn id="27" dur="500" fill="hold"/>
+                                        <p:cTn id="13" dur="500" fill="hold"/>
                                         <p:tgtEl>
                                           <p:spTgt spid="5"/>
                                         </p:tgtEl>
@@ -41433,13 +42821,13 @@
                                           <p:attrName>style.color</p:attrName>
                                         </p:attrNameLst>
                                       </p:cBhvr>
-                                      <p:by>
-                                        <p:hsl h="7200000" s="0" l="0"/>
-                                      </p:by>
+                                      <p:to>
+                                        <a:srgbClr val="008ACF"/>
+                                      </p:to>
                                     </p:animClr>
-                                    <p:animClr clrSpc="hsl" dir="cw">
+                                    <p:animClr clrSpc="rgb" dir="cw">
                                       <p:cBhvr>
-                                        <p:cTn id="28" dur="500" fill="hold"/>
+                                        <p:cTn id="14" dur="500" fill="hold"/>
                                         <p:tgtEl>
                                           <p:spTgt spid="5"/>
                                         </p:tgtEl>
@@ -41447,27 +42835,13 @@
                                           <p:attrName>fillcolor</p:attrName>
                                         </p:attrNameLst>
                                       </p:cBhvr>
-                                      <p:by>
-                                        <p:hsl h="7200000" s="0" l="0"/>
-                                      </p:by>
-                                    </p:animClr>
-                                    <p:animClr clrSpc="hsl" dir="cw">
-                                      <p:cBhvr>
-                                        <p:cTn id="29" dur="500" fill="hold"/>
-                                        <p:tgtEl>
-                                          <p:spTgt spid="5"/>
-                                        </p:tgtEl>
-                                        <p:attrNameLst>
-                                          <p:attrName>stroke.color</p:attrName>
-                                        </p:attrNameLst>
-                                      </p:cBhvr>
-                                      <p:by>
-                                        <p:hsl h="7200000" s="0" l="0"/>
-                                      </p:by>
+                                      <p:to>
+                                        <a:srgbClr val="008ACF"/>
+                                      </p:to>
                                     </p:animClr>
                                     <p:set>
                                       <p:cBhvr>
-                                        <p:cTn id="30" dur="500" fill="hold"/>
+                                        <p:cTn id="15" dur="500" fill="hold"/>
                                         <p:tgtEl>
                                           <p:spTgt spid="5"/>
                                         </p:tgtEl>
@@ -41479,36 +42853,41 @@
                                         <p:strVal val="solid"/>
                                       </p:to>
                                     </p:set>
+                                    <p:set>
+                                      <p:cBhvr>
+                                        <p:cTn id="16" dur="500" fill="hold"/>
+                                        <p:tgtEl>
+                                          <p:spTgt spid="5"/>
+                                        </p:tgtEl>
+                                        <p:attrNameLst>
+                                          <p:attrName>fill.on</p:attrName>
+                                        </p:attrNameLst>
+                                      </p:cBhvr>
+                                      <p:to>
+                                        <p:strVal val="true"/>
+                                      </p:to>
+                                    </p:set>
                                   </p:childTnLst>
                                 </p:cTn>
                               </p:par>
                             </p:childTnLst>
                           </p:cTn>
                         </p:par>
-                      </p:childTnLst>
-                    </p:cTn>
-                  </p:par>
-                  <p:par>
-                    <p:cTn id="31" fill="hold">
-                      <p:stCondLst>
-                        <p:cond delay="indefinite"/>
-                      </p:stCondLst>
-                      <p:childTnLst>
                         <p:par>
-                          <p:cTn id="32" fill="hold">
+                          <p:cTn id="17" fill="hold">
                             <p:stCondLst>
-                              <p:cond delay="0"/>
+                              <p:cond delay="500"/>
                             </p:stCondLst>
                             <p:childTnLst>
                               <p:par>
-                                <p:cTn id="33" presetID="21" presetClass="emph" presetSubtype="0" fill="hold" grpId="0" nodeType="clickEffect">
+                                <p:cTn id="18" presetID="19" presetClass="emph" presetSubtype="0" fill="hold" grpId="0" nodeType="afterEffect">
                                   <p:stCondLst>
                                     <p:cond delay="0"/>
                                   </p:stCondLst>
                                   <p:childTnLst>
-                                    <p:animClr clrSpc="hsl" dir="cw">
+                                    <p:animClr clrSpc="rgb" dir="cw">
                                       <p:cBhvr override="childStyle">
-                                        <p:cTn id="34" dur="500" fill="hold"/>
+                                        <p:cTn id="19" dur="500" fill="hold"/>
                                         <p:tgtEl>
                                           <p:spTgt spid="4"/>
                                         </p:tgtEl>
@@ -41516,13 +42895,13 @@
                                           <p:attrName>style.color</p:attrName>
                                         </p:attrNameLst>
                                       </p:cBhvr>
-                                      <p:by>
-                                        <p:hsl h="7200000" s="0" l="0"/>
-                                      </p:by>
+                                      <p:to>
+                                        <a:srgbClr val="008ACF"/>
+                                      </p:to>
                                     </p:animClr>
-                                    <p:animClr clrSpc="hsl" dir="cw">
+                                    <p:animClr clrSpc="rgb" dir="cw">
                                       <p:cBhvr>
-                                        <p:cTn id="35" dur="500" fill="hold"/>
+                                        <p:cTn id="20" dur="500" fill="hold"/>
                                         <p:tgtEl>
                                           <p:spTgt spid="4"/>
                                         </p:tgtEl>
@@ -41530,27 +42909,13 @@
                                           <p:attrName>fillcolor</p:attrName>
                                         </p:attrNameLst>
                                       </p:cBhvr>
-                                      <p:by>
-                                        <p:hsl h="7200000" s="0" l="0"/>
-                                      </p:by>
-                                    </p:animClr>
-                                    <p:animClr clrSpc="hsl" dir="cw">
-                                      <p:cBhvr>
-                                        <p:cTn id="36" dur="500" fill="hold"/>
-                                        <p:tgtEl>
-                                          <p:spTgt spid="4"/>
-                                        </p:tgtEl>
-                                        <p:attrNameLst>
-                                          <p:attrName>stroke.color</p:attrName>
-                                        </p:attrNameLst>
-                                      </p:cBhvr>
-                                      <p:by>
-                                        <p:hsl h="7200000" s="0" l="0"/>
-                                      </p:by>
+                                      <p:to>
+                                        <a:srgbClr val="008ACF"/>
+                                      </p:to>
                                     </p:animClr>
                                     <p:set>
                                       <p:cBhvr>
-                                        <p:cTn id="37" dur="500" fill="hold"/>
+                                        <p:cTn id="21" dur="500" fill="hold"/>
                                         <p:tgtEl>
                                           <p:spTgt spid="4"/>
                                         </p:tgtEl>
@@ -41562,36 +42927,41 @@
                                         <p:strVal val="solid"/>
                                       </p:to>
                                     </p:set>
+                                    <p:set>
+                                      <p:cBhvr>
+                                        <p:cTn id="22" dur="500" fill="hold"/>
+                                        <p:tgtEl>
+                                          <p:spTgt spid="4"/>
+                                        </p:tgtEl>
+                                        <p:attrNameLst>
+                                          <p:attrName>fill.on</p:attrName>
+                                        </p:attrNameLst>
+                                      </p:cBhvr>
+                                      <p:to>
+                                        <p:strVal val="true"/>
+                                      </p:to>
+                                    </p:set>
                                   </p:childTnLst>
                                 </p:cTn>
                               </p:par>
                             </p:childTnLst>
                           </p:cTn>
                         </p:par>
-                      </p:childTnLst>
-                    </p:cTn>
-                  </p:par>
-                  <p:par>
-                    <p:cTn id="38" fill="hold">
-                      <p:stCondLst>
-                        <p:cond delay="indefinite"/>
-                      </p:stCondLst>
-                      <p:childTnLst>
                         <p:par>
-                          <p:cTn id="39" fill="hold">
+                          <p:cTn id="23" fill="hold">
                             <p:stCondLst>
-                              <p:cond delay="0"/>
+                              <p:cond delay="1000"/>
                             </p:stCondLst>
                             <p:childTnLst>
                               <p:par>
-                                <p:cTn id="40" presetID="21" presetClass="emph" presetSubtype="0" fill="hold" grpId="0" nodeType="clickEffect">
+                                <p:cTn id="24" presetID="19" presetClass="emph" presetSubtype="0" fill="hold" grpId="0" nodeType="afterEffect">
                                   <p:stCondLst>
                                     <p:cond delay="0"/>
                                   </p:stCondLst>
                                   <p:childTnLst>
-                                    <p:animClr clrSpc="hsl" dir="cw">
+                                    <p:animClr clrSpc="rgb" dir="cw">
                                       <p:cBhvr override="childStyle">
-                                        <p:cTn id="41" dur="500" fill="hold"/>
+                                        <p:cTn id="25" dur="500" fill="hold"/>
                                         <p:tgtEl>
                                           <p:spTgt spid="6"/>
                                         </p:tgtEl>
@@ -41599,13 +42969,13 @@
                                           <p:attrName>style.color</p:attrName>
                                         </p:attrNameLst>
                                       </p:cBhvr>
-                                      <p:by>
-                                        <p:hsl h="7200000" s="0" l="0"/>
-                                      </p:by>
+                                      <p:to>
+                                        <a:srgbClr val="008ACF"/>
+                                      </p:to>
                                     </p:animClr>
-                                    <p:animClr clrSpc="hsl" dir="cw">
+                                    <p:animClr clrSpc="rgb" dir="cw">
                                       <p:cBhvr>
-                                        <p:cTn id="42" dur="500" fill="hold"/>
+                                        <p:cTn id="26" dur="500" fill="hold"/>
                                         <p:tgtEl>
                                           <p:spTgt spid="6"/>
                                         </p:tgtEl>
@@ -41613,27 +42983,13 @@
                                           <p:attrName>fillcolor</p:attrName>
                                         </p:attrNameLst>
                                       </p:cBhvr>
-                                      <p:by>
-                                        <p:hsl h="7200000" s="0" l="0"/>
-                                      </p:by>
-                                    </p:animClr>
-                                    <p:animClr clrSpc="hsl" dir="cw">
-                                      <p:cBhvr>
-                                        <p:cTn id="43" dur="500" fill="hold"/>
-                                        <p:tgtEl>
-                                          <p:spTgt spid="6"/>
-                                        </p:tgtEl>
-                                        <p:attrNameLst>
-                                          <p:attrName>stroke.color</p:attrName>
-                                        </p:attrNameLst>
-                                      </p:cBhvr>
-                                      <p:by>
-                                        <p:hsl h="7200000" s="0" l="0"/>
-                                      </p:by>
+                                      <p:to>
+                                        <a:srgbClr val="008ACF"/>
+                                      </p:to>
                                     </p:animClr>
                                     <p:set>
                                       <p:cBhvr>
-                                        <p:cTn id="44" dur="500" fill="hold"/>
+                                        <p:cTn id="27" dur="500" fill="hold"/>
                                         <p:tgtEl>
                                           <p:spTgt spid="6"/>
                                         </p:tgtEl>
@@ -41643,6 +42999,20 @@
                                       </p:cBhvr>
                                       <p:to>
                                         <p:strVal val="solid"/>
+                                      </p:to>
+                                    </p:set>
+                                    <p:set>
+                                      <p:cBhvr>
+                                        <p:cTn id="28" dur="500" fill="hold"/>
+                                        <p:tgtEl>
+                                          <p:spTgt spid="6"/>
+                                        </p:tgtEl>
+                                        <p:attrNameLst>
+                                          <p:attrName>fill.on</p:attrName>
+                                        </p:attrNameLst>
+                                      </p:cBhvr>
+                                      <p:to>
+                                        <p:strVal val="true"/>
                                       </p:to>
                                     </p:set>
                                   </p:childTnLst>
@@ -41760,280 +43130,259 @@
           </a:p>
         </p:txBody>
       </p:sp>
-      <p:grpSp>
-        <p:nvGrpSpPr>
-          <p:cNvPr id="10" name="Group 9">
+      <p:sp>
+        <p:nvSpPr>
+          <p:cNvPr id="5" name="Rectangle: Rounded Corners 4">
             <a:extLst>
               <a:ext uri="{FF2B5EF4-FFF2-40B4-BE49-F238E27FC236}">
-                <a16:creationId xmlns:a16="http://schemas.microsoft.com/office/drawing/2014/main" id="{E111CCBC-4A86-47DB-A7E5-7227FE7F5D09}"/>
+                <a16:creationId xmlns:a16="http://schemas.microsoft.com/office/drawing/2014/main" id="{56926458-B4C5-4AFA-9E29-BE0B6BBC532C}"/>
               </a:ext>
             </a:extLst>
           </p:cNvPr>
-          <p:cNvGrpSpPr/>
+          <p:cNvSpPr/>
           <p:nvPr/>
-        </p:nvGrpSpPr>
-        <p:grpSpPr>
+        </p:nvSpPr>
+        <p:spPr>
           <a:xfrm>
             <a:off x="1529208" y="1857894"/>
             <a:ext cx="2012013" cy="1837113"/>
-            <a:chOff x="1529208" y="2028304"/>
-            <a:chExt cx="2012013" cy="1837113"/>
           </a:xfrm>
-        </p:grpSpPr>
-        <p:sp>
-          <p:nvSpPr>
-            <p:cNvPr id="5" name="Rectangle: Rounded Corners 4">
-              <a:extLst>
-                <a:ext uri="{FF2B5EF4-FFF2-40B4-BE49-F238E27FC236}">
-                  <a16:creationId xmlns:a16="http://schemas.microsoft.com/office/drawing/2014/main" id="{56926458-B4C5-4AFA-9E29-BE0B6BBC532C}"/>
-                </a:ext>
-              </a:extLst>
-            </p:cNvPr>
-            <p:cNvSpPr/>
-            <p:nvPr/>
-          </p:nvSpPr>
-          <p:spPr>
-            <a:xfrm>
-              <a:off x="1529208" y="2028304"/>
-              <a:ext cx="2012013" cy="1837113"/>
-            </a:xfrm>
-            <a:prstGeom prst="roundRect">
-              <a:avLst/>
-            </a:prstGeom>
-          </p:spPr>
-          <p:style>
-            <a:lnRef idx="2">
-              <a:schemeClr val="accent2">
-                <a:shade val="50000"/>
+          <a:prstGeom prst="roundRect">
+            <a:avLst/>
+          </a:prstGeom>
+        </p:spPr>
+        <p:style>
+          <a:lnRef idx="2">
+            <a:schemeClr val="accent2">
+              <a:shade val="50000"/>
+            </a:schemeClr>
+          </a:lnRef>
+          <a:fillRef idx="1">
+            <a:schemeClr val="accent2"/>
+          </a:fillRef>
+          <a:effectRef idx="0">
+            <a:schemeClr val="accent2"/>
+          </a:effectRef>
+          <a:fontRef idx="minor">
+            <a:schemeClr val="lt1"/>
+          </a:fontRef>
+        </p:style>
+        <p:txBody>
+          <a:bodyPr rtlCol="0" anchor="ctr"/>
+          <a:lstStyle/>
+          <a:p>
+            <a:pPr algn="ctr"/>
+            <a:endParaRPr lang="en-US" dirty="0"/>
+          </a:p>
+        </p:txBody>
+      </p:sp>
+      <p:sp>
+        <p:nvSpPr>
+          <p:cNvPr id="4" name="Rectangle: Rounded Corners 3">
+            <a:extLst>
+              <a:ext uri="{FF2B5EF4-FFF2-40B4-BE49-F238E27FC236}">
+                <a16:creationId xmlns:a16="http://schemas.microsoft.com/office/drawing/2014/main" id="{23B15746-BA9A-4FEA-9CE1-C1A4D41E1469}"/>
+              </a:ext>
+            </a:extLst>
+          </p:cNvPr>
+          <p:cNvSpPr/>
+          <p:nvPr/>
+        </p:nvSpPr>
+        <p:spPr>
+          <a:xfrm>
+            <a:off x="1643134" y="1997257"/>
+            <a:ext cx="1732623" cy="608784"/>
+          </a:xfrm>
+          <a:prstGeom prst="roundRect">
+            <a:avLst/>
+          </a:prstGeom>
+        </p:spPr>
+        <p:style>
+          <a:lnRef idx="2">
+            <a:schemeClr val="accent4">
+              <a:shade val="50000"/>
+            </a:schemeClr>
+          </a:lnRef>
+          <a:fillRef idx="1">
+            <a:schemeClr val="accent4"/>
+          </a:fillRef>
+          <a:effectRef idx="0">
+            <a:schemeClr val="accent4"/>
+          </a:effectRef>
+          <a:fontRef idx="minor">
+            <a:schemeClr val="lt1"/>
+          </a:fontRef>
+        </p:style>
+        <p:txBody>
+          <a:bodyPr rtlCol="0" anchor="ctr"/>
+          <a:lstStyle/>
+          <a:p>
+            <a:pPr algn="ctr"/>
+            <a:r>
+              <a:rPr lang="en-US" dirty="0"/>
+              <a:t>Application</a:t>
+            </a:r>
+          </a:p>
+        </p:txBody>
+      </p:sp>
+      <p:sp>
+        <p:nvSpPr>
+          <p:cNvPr id="7" name="Rectangle: Rounded Corners 6">
+            <a:extLst>
+              <a:ext uri="{FF2B5EF4-FFF2-40B4-BE49-F238E27FC236}">
+                <a16:creationId xmlns:a16="http://schemas.microsoft.com/office/drawing/2014/main" id="{0BF38195-0CFC-4F66-984C-DE8F131C0E75}"/>
+              </a:ext>
+            </a:extLst>
+          </p:cNvPr>
+          <p:cNvSpPr/>
+          <p:nvPr/>
+        </p:nvSpPr>
+        <p:spPr>
+          <a:xfrm>
+            <a:off x="1643135" y="2724916"/>
+            <a:ext cx="673345" cy="847350"/>
+          </a:xfrm>
+          <a:prstGeom prst="roundRect">
+            <a:avLst/>
+          </a:prstGeom>
+        </p:spPr>
+        <p:style>
+          <a:lnRef idx="2">
+            <a:schemeClr val="accent3">
+              <a:shade val="50000"/>
+            </a:schemeClr>
+          </a:lnRef>
+          <a:fillRef idx="1">
+            <a:schemeClr val="accent3"/>
+          </a:fillRef>
+          <a:effectRef idx="0">
+            <a:schemeClr val="accent3"/>
+          </a:effectRef>
+          <a:fontRef idx="minor">
+            <a:schemeClr val="lt1"/>
+          </a:fontRef>
+        </p:style>
+        <p:txBody>
+          <a:bodyPr rtlCol="0" anchor="ctr"/>
+          <a:lstStyle/>
+          <a:p>
+            <a:pPr algn="ctr"/>
+            <a:r>
+              <a:rPr lang="en-US" dirty="0"/>
+              <a:t>JVM</a:t>
+            </a:r>
+          </a:p>
+        </p:txBody>
+      </p:sp>
+      <p:sp>
+        <p:nvSpPr>
+          <p:cNvPr id="8" name="Rectangle: Rounded Corners 7">
+            <a:extLst>
+              <a:ext uri="{FF2B5EF4-FFF2-40B4-BE49-F238E27FC236}">
+                <a16:creationId xmlns:a16="http://schemas.microsoft.com/office/drawing/2014/main" id="{3D551B07-7DD9-493B-B7AA-B81593B2269D}"/>
+              </a:ext>
+            </a:extLst>
+          </p:cNvPr>
+          <p:cNvSpPr/>
+          <p:nvPr/>
+        </p:nvSpPr>
+        <p:spPr>
+          <a:xfrm>
+            <a:off x="2433087" y="2708291"/>
+            <a:ext cx="1000069" cy="388202"/>
+          </a:xfrm>
+          <a:prstGeom prst="roundRect">
+            <a:avLst/>
+          </a:prstGeom>
+          <a:solidFill>
+            <a:schemeClr val="bg2"/>
+          </a:solidFill>
+          <a:ln>
+            <a:solidFill>
+              <a:schemeClr val="bg2">
+                <a:lumMod val="50000"/>
               </a:schemeClr>
-            </a:lnRef>
-            <a:fillRef idx="1">
-              <a:schemeClr val="accent2"/>
-            </a:fillRef>
-            <a:effectRef idx="0">
-              <a:schemeClr val="accent2"/>
-            </a:effectRef>
-            <a:fontRef idx="minor">
-              <a:schemeClr val="lt1"/>
-            </a:fontRef>
-          </p:style>
-          <p:txBody>
-            <a:bodyPr rtlCol="0" anchor="ctr"/>
-            <a:lstStyle/>
-            <a:p>
-              <a:pPr algn="ctr"/>
-              <a:endParaRPr lang="en-US" dirty="0"/>
-            </a:p>
-          </p:txBody>
-        </p:sp>
-        <p:sp>
-          <p:nvSpPr>
-            <p:cNvPr id="4" name="Rectangle: Rounded Corners 3">
-              <a:extLst>
-                <a:ext uri="{FF2B5EF4-FFF2-40B4-BE49-F238E27FC236}">
-                  <a16:creationId xmlns:a16="http://schemas.microsoft.com/office/drawing/2014/main" id="{23B15746-BA9A-4FEA-9CE1-C1A4D41E1469}"/>
-                </a:ext>
-              </a:extLst>
-            </p:cNvPr>
-            <p:cNvSpPr/>
-            <p:nvPr/>
-          </p:nvSpPr>
-          <p:spPr>
-            <a:xfrm>
-              <a:off x="1643134" y="2167667"/>
-              <a:ext cx="1732623" cy="608784"/>
-            </a:xfrm>
-            <a:prstGeom prst="roundRect">
-              <a:avLst/>
-            </a:prstGeom>
-          </p:spPr>
-          <p:style>
-            <a:lnRef idx="2">
-              <a:schemeClr val="accent4">
-                <a:shade val="50000"/>
-              </a:schemeClr>
-            </a:lnRef>
-            <a:fillRef idx="1">
-              <a:schemeClr val="accent4"/>
-            </a:fillRef>
-            <a:effectRef idx="0">
-              <a:schemeClr val="accent4"/>
-            </a:effectRef>
-            <a:fontRef idx="minor">
-              <a:schemeClr val="lt1"/>
-            </a:fontRef>
-          </p:style>
-          <p:txBody>
-            <a:bodyPr rtlCol="0" anchor="ctr"/>
-            <a:lstStyle/>
-            <a:p>
-              <a:pPr algn="ctr"/>
-              <a:r>
-                <a:rPr lang="en-US" dirty="0"/>
-                <a:t>Application</a:t>
-              </a:r>
-            </a:p>
-          </p:txBody>
-        </p:sp>
-        <p:sp>
-          <p:nvSpPr>
-            <p:cNvPr id="7" name="Rectangle: Rounded Corners 6">
-              <a:extLst>
-                <a:ext uri="{FF2B5EF4-FFF2-40B4-BE49-F238E27FC236}">
-                  <a16:creationId xmlns:a16="http://schemas.microsoft.com/office/drawing/2014/main" id="{0BF38195-0CFC-4F66-984C-DE8F131C0E75}"/>
-                </a:ext>
-              </a:extLst>
-            </p:cNvPr>
-            <p:cNvSpPr/>
-            <p:nvPr/>
-          </p:nvSpPr>
-          <p:spPr>
-            <a:xfrm>
-              <a:off x="1643135" y="2895326"/>
-              <a:ext cx="673345" cy="847350"/>
-            </a:xfrm>
-            <a:prstGeom prst="roundRect">
-              <a:avLst/>
-            </a:prstGeom>
-          </p:spPr>
-          <p:style>
-            <a:lnRef idx="2">
-              <a:schemeClr val="accent3">
-                <a:shade val="50000"/>
-              </a:schemeClr>
-            </a:lnRef>
-            <a:fillRef idx="1">
-              <a:schemeClr val="accent3"/>
-            </a:fillRef>
-            <a:effectRef idx="0">
-              <a:schemeClr val="accent3"/>
-            </a:effectRef>
-            <a:fontRef idx="minor">
-              <a:schemeClr val="lt1"/>
-            </a:fontRef>
-          </p:style>
-          <p:txBody>
-            <a:bodyPr rtlCol="0" anchor="ctr"/>
-            <a:lstStyle/>
-            <a:p>
-              <a:pPr algn="ctr"/>
-              <a:r>
-                <a:rPr lang="en-US" dirty="0"/>
-                <a:t>JVM</a:t>
-              </a:r>
-            </a:p>
-          </p:txBody>
-        </p:sp>
-        <p:sp>
-          <p:nvSpPr>
-            <p:cNvPr id="8" name="Rectangle: Rounded Corners 7">
-              <a:extLst>
-                <a:ext uri="{FF2B5EF4-FFF2-40B4-BE49-F238E27FC236}">
-                  <a16:creationId xmlns:a16="http://schemas.microsoft.com/office/drawing/2014/main" id="{3D551B07-7DD9-493B-B7AA-B81593B2269D}"/>
-                </a:ext>
-              </a:extLst>
-            </p:cNvPr>
-            <p:cNvSpPr/>
-            <p:nvPr/>
-          </p:nvSpPr>
-          <p:spPr>
-            <a:xfrm>
-              <a:off x="2433087" y="2878701"/>
-              <a:ext cx="1000069" cy="388202"/>
-            </a:xfrm>
-            <a:prstGeom prst="roundRect">
-              <a:avLst/>
-            </a:prstGeom>
-            <a:solidFill>
-              <a:schemeClr val="bg2"/>
             </a:solidFill>
-            <a:ln>
-              <a:solidFill>
-                <a:schemeClr val="bg2">
-                  <a:lumMod val="50000"/>
-                </a:schemeClr>
-              </a:solidFill>
-            </a:ln>
-          </p:spPr>
-          <p:style>
-            <a:lnRef idx="2">
-              <a:schemeClr val="accent3">
-                <a:shade val="50000"/>
-              </a:schemeClr>
-            </a:lnRef>
-            <a:fillRef idx="1">
-              <a:schemeClr val="accent3"/>
-            </a:fillRef>
-            <a:effectRef idx="0">
-              <a:schemeClr val="accent3"/>
-            </a:effectRef>
-            <a:fontRef idx="minor">
-              <a:schemeClr val="lt1"/>
-            </a:fontRef>
-          </p:style>
-          <p:txBody>
-            <a:bodyPr rtlCol="0" anchor="ctr"/>
-            <a:lstStyle/>
-            <a:p>
-              <a:pPr algn="ctr"/>
-              <a:r>
-                <a:rPr lang="en-US" dirty="0"/>
-                <a:t>Libraries</a:t>
-              </a:r>
-            </a:p>
-          </p:txBody>
-        </p:sp>
-        <p:sp>
-          <p:nvSpPr>
-            <p:cNvPr id="9" name="Rectangle: Rounded Corners 8">
-              <a:extLst>
-                <a:ext uri="{FF2B5EF4-FFF2-40B4-BE49-F238E27FC236}">
-                  <a16:creationId xmlns:a16="http://schemas.microsoft.com/office/drawing/2014/main" id="{CA83B28C-5E6D-428A-81CF-C1696882C25D}"/>
-                </a:ext>
-              </a:extLst>
-            </p:cNvPr>
-            <p:cNvSpPr/>
-            <p:nvPr/>
-          </p:nvSpPr>
-          <p:spPr>
-            <a:xfrm>
-              <a:off x="2430406" y="3354474"/>
-              <a:ext cx="1002750" cy="388202"/>
-            </a:xfrm>
-            <a:prstGeom prst="roundRect">
-              <a:avLst/>
-            </a:prstGeom>
-            <a:ln/>
-          </p:spPr>
-          <p:style>
-            <a:lnRef idx="2">
-              <a:schemeClr val="dk1">
-                <a:shade val="50000"/>
-              </a:schemeClr>
-            </a:lnRef>
-            <a:fillRef idx="1">
-              <a:schemeClr val="dk1"/>
-            </a:fillRef>
-            <a:effectRef idx="0">
-              <a:schemeClr val="dk1"/>
-            </a:effectRef>
-            <a:fontRef idx="minor">
-              <a:schemeClr val="lt1"/>
-            </a:fontRef>
-          </p:style>
-          <p:txBody>
-            <a:bodyPr rtlCol="0" anchor="ctr"/>
-            <a:lstStyle/>
-            <a:p>
-              <a:pPr algn="ctr"/>
-              <a:r>
-                <a:rPr lang="en-US" dirty="0"/>
-                <a:t>Entry point</a:t>
-              </a:r>
-            </a:p>
-          </p:txBody>
-        </p:sp>
-      </p:grpSp>
+          </a:ln>
+        </p:spPr>
+        <p:style>
+          <a:lnRef idx="2">
+            <a:schemeClr val="accent3">
+              <a:shade val="50000"/>
+            </a:schemeClr>
+          </a:lnRef>
+          <a:fillRef idx="1">
+            <a:schemeClr val="accent3"/>
+          </a:fillRef>
+          <a:effectRef idx="0">
+            <a:schemeClr val="accent3"/>
+          </a:effectRef>
+          <a:fontRef idx="minor">
+            <a:schemeClr val="lt1"/>
+          </a:fontRef>
+        </p:style>
+        <p:txBody>
+          <a:bodyPr rtlCol="0" anchor="ctr"/>
+          <a:lstStyle/>
+          <a:p>
+            <a:pPr algn="ctr"/>
+            <a:r>
+              <a:rPr lang="en-US" dirty="0"/>
+              <a:t>Libraries</a:t>
+            </a:r>
+          </a:p>
+        </p:txBody>
+      </p:sp>
+      <p:sp>
+        <p:nvSpPr>
+          <p:cNvPr id="9" name="Rectangle: Rounded Corners 8">
+            <a:extLst>
+              <a:ext uri="{FF2B5EF4-FFF2-40B4-BE49-F238E27FC236}">
+                <a16:creationId xmlns:a16="http://schemas.microsoft.com/office/drawing/2014/main" id="{CA83B28C-5E6D-428A-81CF-C1696882C25D}"/>
+              </a:ext>
+            </a:extLst>
+          </p:cNvPr>
+          <p:cNvSpPr/>
+          <p:nvPr/>
+        </p:nvSpPr>
+        <p:spPr>
+          <a:xfrm>
+            <a:off x="2430406" y="3184064"/>
+            <a:ext cx="1002750" cy="388202"/>
+          </a:xfrm>
+          <a:prstGeom prst="roundRect">
+            <a:avLst/>
+          </a:prstGeom>
+          <a:ln/>
+        </p:spPr>
+        <p:style>
+          <a:lnRef idx="2">
+            <a:schemeClr val="dk1">
+              <a:shade val="50000"/>
+            </a:schemeClr>
+          </a:lnRef>
+          <a:fillRef idx="1">
+            <a:schemeClr val="dk1"/>
+          </a:fillRef>
+          <a:effectRef idx="0">
+            <a:schemeClr val="dk1"/>
+          </a:effectRef>
+          <a:fontRef idx="minor">
+            <a:schemeClr val="lt1"/>
+          </a:fontRef>
+        </p:style>
+        <p:txBody>
+          <a:bodyPr rtlCol="0" anchor="ctr"/>
+          <a:lstStyle/>
+          <a:p>
+            <a:pPr algn="ctr"/>
+            <a:r>
+              <a:rPr lang="en-US" dirty="0"/>
+              <a:t>Entry point</a:t>
+            </a:r>
+          </a:p>
+        </p:txBody>
+      </p:sp>
       <p:pic>
         <p:nvPicPr>
           <p:cNvPr id="1030" name="Picture 6" descr="Docker – Logos Download">
@@ -42091,6 +43440,327 @@
   <p:clrMapOvr>
     <a:masterClrMapping/>
   </p:clrMapOvr>
+  <p:timing>
+    <p:tnLst>
+      <p:par>
+        <p:cTn id="1" dur="indefinite" restart="never" nodeType="tmRoot">
+          <p:childTnLst>
+            <p:seq concurrent="1" nextAc="seek">
+              <p:cTn id="2" dur="indefinite" nodeType="mainSeq">
+                <p:childTnLst>
+                  <p:par>
+                    <p:cTn id="3" fill="hold">
+                      <p:stCondLst>
+                        <p:cond delay="indefinite"/>
+                      </p:stCondLst>
+                      <p:childTnLst>
+                        <p:par>
+                          <p:cTn id="4" fill="hold">
+                            <p:stCondLst>
+                              <p:cond delay="0"/>
+                            </p:stCondLst>
+                            <p:childTnLst>
+                              <p:par>
+                                <p:cTn id="5" presetID="10" presetClass="entr" presetSubtype="0" fill="hold" grpId="0" nodeType="clickEffect">
+                                  <p:stCondLst>
+                                    <p:cond delay="0"/>
+                                  </p:stCondLst>
+                                  <p:childTnLst>
+                                    <p:set>
+                                      <p:cBhvr>
+                                        <p:cTn id="6" dur="1" fill="hold">
+                                          <p:stCondLst>
+                                            <p:cond delay="0"/>
+                                          </p:stCondLst>
+                                        </p:cTn>
+                                        <p:tgtEl>
+                                          <p:spTgt spid="4"/>
+                                        </p:tgtEl>
+                                        <p:attrNameLst>
+                                          <p:attrName>style.visibility</p:attrName>
+                                        </p:attrNameLst>
+                                      </p:cBhvr>
+                                      <p:to>
+                                        <p:strVal val="visible"/>
+                                      </p:to>
+                                    </p:set>
+                                    <p:animEffect transition="in" filter="fade">
+                                      <p:cBhvr>
+                                        <p:cTn id="7" dur="500"/>
+                                        <p:tgtEl>
+                                          <p:spTgt spid="4"/>
+                                        </p:tgtEl>
+                                      </p:cBhvr>
+                                    </p:animEffect>
+                                  </p:childTnLst>
+                                </p:cTn>
+                              </p:par>
+                            </p:childTnLst>
+                          </p:cTn>
+                        </p:par>
+                      </p:childTnLst>
+                    </p:cTn>
+                  </p:par>
+                  <p:par>
+                    <p:cTn id="8" fill="hold">
+                      <p:stCondLst>
+                        <p:cond delay="indefinite"/>
+                      </p:stCondLst>
+                      <p:childTnLst>
+                        <p:par>
+                          <p:cTn id="9" fill="hold">
+                            <p:stCondLst>
+                              <p:cond delay="0"/>
+                            </p:stCondLst>
+                            <p:childTnLst>
+                              <p:par>
+                                <p:cTn id="10" presetID="10" presetClass="entr" presetSubtype="0" fill="hold" grpId="0" nodeType="clickEffect">
+                                  <p:stCondLst>
+                                    <p:cond delay="0"/>
+                                  </p:stCondLst>
+                                  <p:childTnLst>
+                                    <p:set>
+                                      <p:cBhvr>
+                                        <p:cTn id="11" dur="1" fill="hold">
+                                          <p:stCondLst>
+                                            <p:cond delay="0"/>
+                                          </p:stCondLst>
+                                        </p:cTn>
+                                        <p:tgtEl>
+                                          <p:spTgt spid="7"/>
+                                        </p:tgtEl>
+                                        <p:attrNameLst>
+                                          <p:attrName>style.visibility</p:attrName>
+                                        </p:attrNameLst>
+                                      </p:cBhvr>
+                                      <p:to>
+                                        <p:strVal val="visible"/>
+                                      </p:to>
+                                    </p:set>
+                                    <p:animEffect transition="in" filter="fade">
+                                      <p:cBhvr>
+                                        <p:cTn id="12" dur="500"/>
+                                        <p:tgtEl>
+                                          <p:spTgt spid="7"/>
+                                        </p:tgtEl>
+                                      </p:cBhvr>
+                                    </p:animEffect>
+                                  </p:childTnLst>
+                                </p:cTn>
+                              </p:par>
+                            </p:childTnLst>
+                          </p:cTn>
+                        </p:par>
+                        <p:par>
+                          <p:cTn id="13" fill="hold">
+                            <p:stCondLst>
+                              <p:cond delay="500"/>
+                            </p:stCondLst>
+                            <p:childTnLst>
+                              <p:par>
+                                <p:cTn id="14" presetID="10" presetClass="entr" presetSubtype="0" fill="hold" grpId="0" nodeType="afterEffect">
+                                  <p:stCondLst>
+                                    <p:cond delay="0"/>
+                                  </p:stCondLst>
+                                  <p:childTnLst>
+                                    <p:set>
+                                      <p:cBhvr>
+                                        <p:cTn id="15" dur="1" fill="hold">
+                                          <p:stCondLst>
+                                            <p:cond delay="0"/>
+                                          </p:stCondLst>
+                                        </p:cTn>
+                                        <p:tgtEl>
+                                          <p:spTgt spid="8"/>
+                                        </p:tgtEl>
+                                        <p:attrNameLst>
+                                          <p:attrName>style.visibility</p:attrName>
+                                        </p:attrNameLst>
+                                      </p:cBhvr>
+                                      <p:to>
+                                        <p:strVal val="visible"/>
+                                      </p:to>
+                                    </p:set>
+                                    <p:animEffect transition="in" filter="fade">
+                                      <p:cBhvr>
+                                        <p:cTn id="16" dur="500"/>
+                                        <p:tgtEl>
+                                          <p:spTgt spid="8"/>
+                                        </p:tgtEl>
+                                      </p:cBhvr>
+                                    </p:animEffect>
+                                  </p:childTnLst>
+                                </p:cTn>
+                              </p:par>
+                            </p:childTnLst>
+                          </p:cTn>
+                        </p:par>
+                        <p:par>
+                          <p:cTn id="17" fill="hold">
+                            <p:stCondLst>
+                              <p:cond delay="1000"/>
+                            </p:stCondLst>
+                            <p:childTnLst>
+                              <p:par>
+                                <p:cTn id="18" presetID="10" presetClass="entr" presetSubtype="0" fill="hold" grpId="0" nodeType="afterEffect">
+                                  <p:stCondLst>
+                                    <p:cond delay="0"/>
+                                  </p:stCondLst>
+                                  <p:childTnLst>
+                                    <p:set>
+                                      <p:cBhvr>
+                                        <p:cTn id="19" dur="1" fill="hold">
+                                          <p:stCondLst>
+                                            <p:cond delay="0"/>
+                                          </p:stCondLst>
+                                        </p:cTn>
+                                        <p:tgtEl>
+                                          <p:spTgt spid="9"/>
+                                        </p:tgtEl>
+                                        <p:attrNameLst>
+                                          <p:attrName>style.visibility</p:attrName>
+                                        </p:attrNameLst>
+                                      </p:cBhvr>
+                                      <p:to>
+                                        <p:strVal val="visible"/>
+                                      </p:to>
+                                    </p:set>
+                                    <p:animEffect transition="in" filter="fade">
+                                      <p:cBhvr>
+                                        <p:cTn id="20" dur="500"/>
+                                        <p:tgtEl>
+                                          <p:spTgt spid="9"/>
+                                        </p:tgtEl>
+                                      </p:cBhvr>
+                                    </p:animEffect>
+                                  </p:childTnLst>
+                                </p:cTn>
+                              </p:par>
+                            </p:childTnLst>
+                          </p:cTn>
+                        </p:par>
+                      </p:childTnLst>
+                    </p:cTn>
+                  </p:par>
+                  <p:par>
+                    <p:cTn id="21" fill="hold">
+                      <p:stCondLst>
+                        <p:cond delay="indefinite"/>
+                      </p:stCondLst>
+                      <p:childTnLst>
+                        <p:par>
+                          <p:cTn id="22" fill="hold">
+                            <p:stCondLst>
+                              <p:cond delay="0"/>
+                            </p:stCondLst>
+                            <p:childTnLst>
+                              <p:par>
+                                <p:cTn id="23" presetID="2" presetClass="entr" presetSubtype="4" fill="hold" nodeType="clickEffect">
+                                  <p:stCondLst>
+                                    <p:cond delay="0"/>
+                                  </p:stCondLst>
+                                  <p:childTnLst>
+                                    <p:set>
+                                      <p:cBhvr>
+                                        <p:cTn id="24" dur="1" fill="hold">
+                                          <p:stCondLst>
+                                            <p:cond delay="0"/>
+                                          </p:stCondLst>
+                                        </p:cTn>
+                                        <p:tgtEl>
+                                          <p:spTgt spid="1030"/>
+                                        </p:tgtEl>
+                                        <p:attrNameLst>
+                                          <p:attrName>style.visibility</p:attrName>
+                                        </p:attrNameLst>
+                                      </p:cBhvr>
+                                      <p:to>
+                                        <p:strVal val="visible"/>
+                                      </p:to>
+                                    </p:set>
+                                    <p:anim calcmode="lin" valueType="num">
+                                      <p:cBhvr additive="base">
+                                        <p:cTn id="25" dur="500" fill="hold"/>
+                                        <p:tgtEl>
+                                          <p:spTgt spid="1030"/>
+                                        </p:tgtEl>
+                                        <p:attrNameLst>
+                                          <p:attrName>ppt_x</p:attrName>
+                                        </p:attrNameLst>
+                                      </p:cBhvr>
+                                      <p:tavLst>
+                                        <p:tav tm="0">
+                                          <p:val>
+                                            <p:strVal val="#ppt_x"/>
+                                          </p:val>
+                                        </p:tav>
+                                        <p:tav tm="100000">
+                                          <p:val>
+                                            <p:strVal val="#ppt_x"/>
+                                          </p:val>
+                                        </p:tav>
+                                      </p:tavLst>
+                                    </p:anim>
+                                    <p:anim calcmode="lin" valueType="num">
+                                      <p:cBhvr additive="base">
+                                        <p:cTn id="26" dur="500" fill="hold"/>
+                                        <p:tgtEl>
+                                          <p:spTgt spid="1030"/>
+                                        </p:tgtEl>
+                                        <p:attrNameLst>
+                                          <p:attrName>ppt_y</p:attrName>
+                                        </p:attrNameLst>
+                                      </p:cBhvr>
+                                      <p:tavLst>
+                                        <p:tav tm="0">
+                                          <p:val>
+                                            <p:strVal val="1+#ppt_h/2"/>
+                                          </p:val>
+                                        </p:tav>
+                                        <p:tav tm="100000">
+                                          <p:val>
+                                            <p:strVal val="#ppt_y"/>
+                                          </p:val>
+                                        </p:tav>
+                                      </p:tavLst>
+                                    </p:anim>
+                                  </p:childTnLst>
+                                </p:cTn>
+                              </p:par>
+                            </p:childTnLst>
+                          </p:cTn>
+                        </p:par>
+                      </p:childTnLst>
+                    </p:cTn>
+                  </p:par>
+                </p:childTnLst>
+              </p:cTn>
+              <p:prevCondLst>
+                <p:cond evt="onPrev" delay="0">
+                  <p:tgtEl>
+                    <p:sldTgt/>
+                  </p:tgtEl>
+                </p:cond>
+              </p:prevCondLst>
+              <p:nextCondLst>
+                <p:cond evt="onNext" delay="0">
+                  <p:tgtEl>
+                    <p:sldTgt/>
+                  </p:tgtEl>
+                </p:cond>
+              </p:nextCondLst>
+            </p:seq>
+          </p:childTnLst>
+        </p:cTn>
+      </p:par>
+    </p:tnLst>
+    <p:bldLst>
+      <p:bldP spid="4" grpId="0" animBg="1"/>
+      <p:bldP spid="7" grpId="0" animBg="1"/>
+      <p:bldP spid="8" grpId="0" animBg="1"/>
+      <p:bldP spid="9" grpId="0" animBg="1"/>
+    </p:bldLst>
+  </p:timing>
 </p:sld>
 </file>
 
@@ -43992,342 +45662,6 @@
   <p:clrMapOvr>
     <a:masterClrMapping/>
   </p:clrMapOvr>
-  <p:timing>
-    <p:tnLst>
-      <p:par>
-        <p:cTn id="1" dur="indefinite" restart="never" nodeType="tmRoot">
-          <p:childTnLst>
-            <p:seq concurrent="1" nextAc="seek">
-              <p:cTn id="2" dur="indefinite" nodeType="mainSeq">
-                <p:childTnLst>
-                  <p:par>
-                    <p:cTn id="3" fill="hold">
-                      <p:stCondLst>
-                        <p:cond delay="indefinite"/>
-                      </p:stCondLst>
-                      <p:childTnLst>
-                        <p:par>
-                          <p:cTn id="4" fill="hold">
-                            <p:stCondLst>
-                              <p:cond delay="0"/>
-                            </p:stCondLst>
-                            <p:childTnLst>
-                              <p:par>
-                                <p:cTn id="5" presetID="21" presetClass="emph" presetSubtype="0" fill="hold" grpId="0" nodeType="clickEffect">
-                                  <p:stCondLst>
-                                    <p:cond delay="0"/>
-                                  </p:stCondLst>
-                                  <p:childTnLst>
-                                    <p:animClr clrSpc="hsl" dir="cw">
-                                      <p:cBhvr override="childStyle">
-                                        <p:cTn id="6" dur="500" fill="hold"/>
-                                        <p:tgtEl>
-                                          <p:spTgt spid="24"/>
-                                        </p:tgtEl>
-                                        <p:attrNameLst>
-                                          <p:attrName>style.color</p:attrName>
-                                        </p:attrNameLst>
-                                      </p:cBhvr>
-                                      <p:by>
-                                        <p:hsl h="7200000" s="0" l="0"/>
-                                      </p:by>
-                                    </p:animClr>
-                                    <p:animClr clrSpc="hsl" dir="cw">
-                                      <p:cBhvr>
-                                        <p:cTn id="7" dur="500" fill="hold"/>
-                                        <p:tgtEl>
-                                          <p:spTgt spid="24"/>
-                                        </p:tgtEl>
-                                        <p:attrNameLst>
-                                          <p:attrName>fillcolor</p:attrName>
-                                        </p:attrNameLst>
-                                      </p:cBhvr>
-                                      <p:by>
-                                        <p:hsl h="7200000" s="0" l="0"/>
-                                      </p:by>
-                                    </p:animClr>
-                                    <p:animClr clrSpc="hsl" dir="cw">
-                                      <p:cBhvr>
-                                        <p:cTn id="8" dur="500" fill="hold"/>
-                                        <p:tgtEl>
-                                          <p:spTgt spid="24"/>
-                                        </p:tgtEl>
-                                        <p:attrNameLst>
-                                          <p:attrName>stroke.color</p:attrName>
-                                        </p:attrNameLst>
-                                      </p:cBhvr>
-                                      <p:by>
-                                        <p:hsl h="7200000" s="0" l="0"/>
-                                      </p:by>
-                                    </p:animClr>
-                                    <p:set>
-                                      <p:cBhvr>
-                                        <p:cTn id="9" dur="500" fill="hold"/>
-                                        <p:tgtEl>
-                                          <p:spTgt spid="24"/>
-                                        </p:tgtEl>
-                                        <p:attrNameLst>
-                                          <p:attrName>fill.type</p:attrName>
-                                        </p:attrNameLst>
-                                      </p:cBhvr>
-                                      <p:to>
-                                        <p:strVal val="solid"/>
-                                      </p:to>
-                                    </p:set>
-                                  </p:childTnLst>
-                                </p:cTn>
-                              </p:par>
-                            </p:childTnLst>
-                          </p:cTn>
-                        </p:par>
-                      </p:childTnLst>
-                    </p:cTn>
-                  </p:par>
-                  <p:par>
-                    <p:cTn id="10" fill="hold">
-                      <p:stCondLst>
-                        <p:cond delay="indefinite"/>
-                      </p:stCondLst>
-                      <p:childTnLst>
-                        <p:par>
-                          <p:cTn id="11" fill="hold">
-                            <p:stCondLst>
-                              <p:cond delay="0"/>
-                            </p:stCondLst>
-                            <p:childTnLst>
-                              <p:par>
-                                <p:cTn id="12" presetID="21" presetClass="emph" presetSubtype="0" fill="hold" grpId="0" nodeType="clickEffect">
-                                  <p:stCondLst>
-                                    <p:cond delay="0"/>
-                                  </p:stCondLst>
-                                  <p:childTnLst>
-                                    <p:animClr clrSpc="hsl" dir="cw">
-                                      <p:cBhvr override="childStyle">
-                                        <p:cTn id="13" dur="500" fill="hold"/>
-                                        <p:tgtEl>
-                                          <p:spTgt spid="25"/>
-                                        </p:tgtEl>
-                                        <p:attrNameLst>
-                                          <p:attrName>style.color</p:attrName>
-                                        </p:attrNameLst>
-                                      </p:cBhvr>
-                                      <p:by>
-                                        <p:hsl h="7200000" s="0" l="0"/>
-                                      </p:by>
-                                    </p:animClr>
-                                    <p:animClr clrSpc="hsl" dir="cw">
-                                      <p:cBhvr>
-                                        <p:cTn id="14" dur="500" fill="hold"/>
-                                        <p:tgtEl>
-                                          <p:spTgt spid="25"/>
-                                        </p:tgtEl>
-                                        <p:attrNameLst>
-                                          <p:attrName>fillcolor</p:attrName>
-                                        </p:attrNameLst>
-                                      </p:cBhvr>
-                                      <p:by>
-                                        <p:hsl h="7200000" s="0" l="0"/>
-                                      </p:by>
-                                    </p:animClr>
-                                    <p:animClr clrSpc="hsl" dir="cw">
-                                      <p:cBhvr>
-                                        <p:cTn id="15" dur="500" fill="hold"/>
-                                        <p:tgtEl>
-                                          <p:spTgt spid="25"/>
-                                        </p:tgtEl>
-                                        <p:attrNameLst>
-                                          <p:attrName>stroke.color</p:attrName>
-                                        </p:attrNameLst>
-                                      </p:cBhvr>
-                                      <p:by>
-                                        <p:hsl h="7200000" s="0" l="0"/>
-                                      </p:by>
-                                    </p:animClr>
-                                    <p:set>
-                                      <p:cBhvr>
-                                        <p:cTn id="16" dur="500" fill="hold"/>
-                                        <p:tgtEl>
-                                          <p:spTgt spid="25"/>
-                                        </p:tgtEl>
-                                        <p:attrNameLst>
-                                          <p:attrName>fill.type</p:attrName>
-                                        </p:attrNameLst>
-                                      </p:cBhvr>
-                                      <p:to>
-                                        <p:strVal val="solid"/>
-                                      </p:to>
-                                    </p:set>
-                                  </p:childTnLst>
-                                </p:cTn>
-                              </p:par>
-                            </p:childTnLst>
-                          </p:cTn>
-                        </p:par>
-                      </p:childTnLst>
-                    </p:cTn>
-                  </p:par>
-                  <p:par>
-                    <p:cTn id="17" fill="hold">
-                      <p:stCondLst>
-                        <p:cond delay="indefinite"/>
-                      </p:stCondLst>
-                      <p:childTnLst>
-                        <p:par>
-                          <p:cTn id="18" fill="hold">
-                            <p:stCondLst>
-                              <p:cond delay="0"/>
-                            </p:stCondLst>
-                            <p:childTnLst>
-                              <p:par>
-                                <p:cTn id="19" presetID="21" presetClass="emph" presetSubtype="0" fill="hold" grpId="0" nodeType="clickEffect">
-                                  <p:stCondLst>
-                                    <p:cond delay="0"/>
-                                  </p:stCondLst>
-                                  <p:childTnLst>
-                                    <p:animClr clrSpc="hsl" dir="cw">
-                                      <p:cBhvr override="childStyle">
-                                        <p:cTn id="20" dur="500" fill="hold"/>
-                                        <p:tgtEl>
-                                          <p:spTgt spid="26"/>
-                                        </p:tgtEl>
-                                        <p:attrNameLst>
-                                          <p:attrName>style.color</p:attrName>
-                                        </p:attrNameLst>
-                                      </p:cBhvr>
-                                      <p:by>
-                                        <p:hsl h="7200000" s="0" l="0"/>
-                                      </p:by>
-                                    </p:animClr>
-                                    <p:animClr clrSpc="hsl" dir="cw">
-                                      <p:cBhvr>
-                                        <p:cTn id="21" dur="500" fill="hold"/>
-                                        <p:tgtEl>
-                                          <p:spTgt spid="26"/>
-                                        </p:tgtEl>
-                                        <p:attrNameLst>
-                                          <p:attrName>fillcolor</p:attrName>
-                                        </p:attrNameLst>
-                                      </p:cBhvr>
-                                      <p:by>
-                                        <p:hsl h="7200000" s="0" l="0"/>
-                                      </p:by>
-                                    </p:animClr>
-                                    <p:animClr clrSpc="hsl" dir="cw">
-                                      <p:cBhvr>
-                                        <p:cTn id="22" dur="500" fill="hold"/>
-                                        <p:tgtEl>
-                                          <p:spTgt spid="26"/>
-                                        </p:tgtEl>
-                                        <p:attrNameLst>
-                                          <p:attrName>stroke.color</p:attrName>
-                                        </p:attrNameLst>
-                                      </p:cBhvr>
-                                      <p:by>
-                                        <p:hsl h="7200000" s="0" l="0"/>
-                                      </p:by>
-                                    </p:animClr>
-                                    <p:set>
-                                      <p:cBhvr>
-                                        <p:cTn id="23" dur="500" fill="hold"/>
-                                        <p:tgtEl>
-                                          <p:spTgt spid="26"/>
-                                        </p:tgtEl>
-                                        <p:attrNameLst>
-                                          <p:attrName>fill.type</p:attrName>
-                                        </p:attrNameLst>
-                                      </p:cBhvr>
-                                      <p:to>
-                                        <p:strVal val="solid"/>
-                                      </p:to>
-                                    </p:set>
-                                  </p:childTnLst>
-                                </p:cTn>
-                              </p:par>
-                              <p:par>
-                                <p:cTn id="24" presetID="26" presetClass="emph" presetSubtype="0" repeatCount="5000" fill="hold" nodeType="withEffect">
-                                  <p:stCondLst>
-                                    <p:cond delay="0"/>
-                                  </p:stCondLst>
-                                  <p:childTnLst>
-                                    <p:animEffect transition="out" filter="fade">
-                                      <p:cBhvr>
-                                        <p:cTn id="25" dur="500" tmFilter="0, 0; .2, .5; .8, .5; 1, 0"/>
-                                        <p:tgtEl>
-                                          <p:spTgt spid="39"/>
-                                        </p:tgtEl>
-                                      </p:cBhvr>
-                                    </p:animEffect>
-                                    <p:animScale>
-                                      <p:cBhvr>
-                                        <p:cTn id="26" dur="250" autoRev="1" fill="hold"/>
-                                        <p:tgtEl>
-                                          <p:spTgt spid="39"/>
-                                        </p:tgtEl>
-                                      </p:cBhvr>
-                                      <p:by x="105000" y="105000"/>
-                                    </p:animScale>
-                                  </p:childTnLst>
-                                </p:cTn>
-                              </p:par>
-                              <p:par>
-                                <p:cTn id="27" presetID="26" presetClass="emph" presetSubtype="0" repeatCount="5000" fill="hold" nodeType="withEffect">
-                                  <p:stCondLst>
-                                    <p:cond delay="0"/>
-                                  </p:stCondLst>
-                                  <p:childTnLst>
-                                    <p:animEffect transition="out" filter="fade">
-                                      <p:cBhvr>
-                                        <p:cTn id="28" dur="500" tmFilter="0, 0; .2, .5; .8, .5; 1, 0"/>
-                                        <p:tgtEl>
-                                          <p:spTgt spid="42"/>
-                                        </p:tgtEl>
-                                      </p:cBhvr>
-                                    </p:animEffect>
-                                    <p:animScale>
-                                      <p:cBhvr>
-                                        <p:cTn id="29" dur="250" autoRev="1" fill="hold"/>
-                                        <p:tgtEl>
-                                          <p:spTgt spid="42"/>
-                                        </p:tgtEl>
-                                      </p:cBhvr>
-                                      <p:by x="105000" y="105000"/>
-                                    </p:animScale>
-                                  </p:childTnLst>
-                                </p:cTn>
-                              </p:par>
-                            </p:childTnLst>
-                          </p:cTn>
-                        </p:par>
-                      </p:childTnLst>
-                    </p:cTn>
-                  </p:par>
-                </p:childTnLst>
-              </p:cTn>
-              <p:prevCondLst>
-                <p:cond evt="onPrev" delay="0">
-                  <p:tgtEl>
-                    <p:sldTgt/>
-                  </p:tgtEl>
-                </p:cond>
-              </p:prevCondLst>
-              <p:nextCondLst>
-                <p:cond evt="onNext" delay="0">
-                  <p:tgtEl>
-                    <p:sldTgt/>
-                  </p:tgtEl>
-                </p:cond>
-              </p:nextCondLst>
-            </p:seq>
-          </p:childTnLst>
-        </p:cTn>
-      </p:par>
-    </p:tnLst>
-    <p:bldLst>
-      <p:bldP spid="26" grpId="0" animBg="1"/>
-      <p:bldP spid="25" grpId="0" animBg="1"/>
-      <p:bldP spid="24" grpId="0" animBg="1"/>
-    </p:bldLst>
-  </p:timing>
 </p:sld>
 </file>
 
@@ -46256,6 +47590,427 @@
                                         <p:strVal val="solid"/>
                                       </p:to>
                                     </p:set>
+                                  </p:childTnLst>
+                                </p:cTn>
+                              </p:par>
+                            </p:childTnLst>
+                          </p:cTn>
+                        </p:par>
+                      </p:childTnLst>
+                    </p:cTn>
+                  </p:par>
+                  <p:par>
+                    <p:cTn id="10" fill="hold">
+                      <p:stCondLst>
+                        <p:cond delay="indefinite"/>
+                      </p:stCondLst>
+                      <p:childTnLst>
+                        <p:par>
+                          <p:cTn id="11" fill="hold">
+                            <p:stCondLst>
+                              <p:cond delay="0"/>
+                            </p:stCondLst>
+                            <p:childTnLst>
+                              <p:par>
+                                <p:cTn id="12" presetID="22" presetClass="entr" presetSubtype="2" fill="hold" nodeType="clickEffect">
+                                  <p:stCondLst>
+                                    <p:cond delay="0"/>
+                                  </p:stCondLst>
+                                  <p:childTnLst>
+                                    <p:set>
+                                      <p:cBhvr>
+                                        <p:cTn id="13" dur="1" fill="hold">
+                                          <p:stCondLst>
+                                            <p:cond delay="0"/>
+                                          </p:stCondLst>
+                                        </p:cTn>
+                                        <p:tgtEl>
+                                          <p:spTgt spid="40"/>
+                                        </p:tgtEl>
+                                        <p:attrNameLst>
+                                          <p:attrName>style.visibility</p:attrName>
+                                        </p:attrNameLst>
+                                      </p:cBhvr>
+                                      <p:to>
+                                        <p:strVal val="visible"/>
+                                      </p:to>
+                                    </p:set>
+                                    <p:animEffect transition="in" filter="wipe(right)">
+                                      <p:cBhvr>
+                                        <p:cTn id="14" dur="500"/>
+                                        <p:tgtEl>
+                                          <p:spTgt spid="40"/>
+                                        </p:tgtEl>
+                                      </p:cBhvr>
+                                    </p:animEffect>
+                                  </p:childTnLst>
+                                </p:cTn>
+                              </p:par>
+                              <p:par>
+                                <p:cTn id="15" presetID="22" presetClass="entr" presetSubtype="2" fill="hold" nodeType="withEffect">
+                                  <p:stCondLst>
+                                    <p:cond delay="0"/>
+                                  </p:stCondLst>
+                                  <p:childTnLst>
+                                    <p:set>
+                                      <p:cBhvr>
+                                        <p:cTn id="16" dur="1" fill="hold">
+                                          <p:stCondLst>
+                                            <p:cond delay="0"/>
+                                          </p:stCondLst>
+                                        </p:cTn>
+                                        <p:tgtEl>
+                                          <p:spTgt spid="49"/>
+                                        </p:tgtEl>
+                                        <p:attrNameLst>
+                                          <p:attrName>style.visibility</p:attrName>
+                                        </p:attrNameLst>
+                                      </p:cBhvr>
+                                      <p:to>
+                                        <p:strVal val="visible"/>
+                                      </p:to>
+                                    </p:set>
+                                    <p:animEffect transition="in" filter="wipe(right)">
+                                      <p:cBhvr>
+                                        <p:cTn id="17" dur="500"/>
+                                        <p:tgtEl>
+                                          <p:spTgt spid="49"/>
+                                        </p:tgtEl>
+                                      </p:cBhvr>
+                                    </p:animEffect>
+                                  </p:childTnLst>
+                                </p:cTn>
+                              </p:par>
+                              <p:par>
+                                <p:cTn id="18" presetID="22" presetClass="entr" presetSubtype="2" fill="hold" nodeType="withEffect">
+                                  <p:stCondLst>
+                                    <p:cond delay="0"/>
+                                  </p:stCondLst>
+                                  <p:childTnLst>
+                                    <p:set>
+                                      <p:cBhvr>
+                                        <p:cTn id="19" dur="1" fill="hold">
+                                          <p:stCondLst>
+                                            <p:cond delay="0"/>
+                                          </p:stCondLst>
+                                        </p:cTn>
+                                        <p:tgtEl>
+                                          <p:spTgt spid="52"/>
+                                        </p:tgtEl>
+                                        <p:attrNameLst>
+                                          <p:attrName>style.visibility</p:attrName>
+                                        </p:attrNameLst>
+                                      </p:cBhvr>
+                                      <p:to>
+                                        <p:strVal val="visible"/>
+                                      </p:to>
+                                    </p:set>
+                                    <p:animEffect transition="in" filter="wipe(right)">
+                                      <p:cBhvr>
+                                        <p:cTn id="20" dur="500"/>
+                                        <p:tgtEl>
+                                          <p:spTgt spid="52"/>
+                                        </p:tgtEl>
+                                      </p:cBhvr>
+                                    </p:animEffect>
+                                  </p:childTnLst>
+                                </p:cTn>
+                              </p:par>
+                              <p:par>
+                                <p:cTn id="21" presetID="22" presetClass="entr" presetSubtype="2" fill="hold" nodeType="withEffect">
+                                  <p:stCondLst>
+                                    <p:cond delay="0"/>
+                                  </p:stCondLst>
+                                  <p:childTnLst>
+                                    <p:set>
+                                      <p:cBhvr>
+                                        <p:cTn id="22" dur="1" fill="hold">
+                                          <p:stCondLst>
+                                            <p:cond delay="0"/>
+                                          </p:stCondLst>
+                                        </p:cTn>
+                                        <p:tgtEl>
+                                          <p:spTgt spid="46"/>
+                                        </p:tgtEl>
+                                        <p:attrNameLst>
+                                          <p:attrName>style.visibility</p:attrName>
+                                        </p:attrNameLst>
+                                      </p:cBhvr>
+                                      <p:to>
+                                        <p:strVal val="visible"/>
+                                      </p:to>
+                                    </p:set>
+                                    <p:animEffect transition="in" filter="wipe(right)">
+                                      <p:cBhvr>
+                                        <p:cTn id="23" dur="500"/>
+                                        <p:tgtEl>
+                                          <p:spTgt spid="46"/>
+                                        </p:tgtEl>
+                                      </p:cBhvr>
+                                    </p:animEffect>
+                                  </p:childTnLst>
+                                </p:cTn>
+                              </p:par>
+                              <p:par>
+                                <p:cTn id="24" presetID="22" presetClass="entr" presetSubtype="2" fill="hold" nodeType="withEffect">
+                                  <p:stCondLst>
+                                    <p:cond delay="0"/>
+                                  </p:stCondLst>
+                                  <p:childTnLst>
+                                    <p:set>
+                                      <p:cBhvr>
+                                        <p:cTn id="25" dur="1" fill="hold">
+                                          <p:stCondLst>
+                                            <p:cond delay="0"/>
+                                          </p:stCondLst>
+                                        </p:cTn>
+                                        <p:tgtEl>
+                                          <p:spTgt spid="58"/>
+                                        </p:tgtEl>
+                                        <p:attrNameLst>
+                                          <p:attrName>style.visibility</p:attrName>
+                                        </p:attrNameLst>
+                                      </p:cBhvr>
+                                      <p:to>
+                                        <p:strVal val="visible"/>
+                                      </p:to>
+                                    </p:set>
+                                    <p:animEffect transition="in" filter="wipe(right)">
+                                      <p:cBhvr>
+                                        <p:cTn id="26" dur="500"/>
+                                        <p:tgtEl>
+                                          <p:spTgt spid="58"/>
+                                        </p:tgtEl>
+                                      </p:cBhvr>
+                                    </p:animEffect>
+                                  </p:childTnLst>
+                                </p:cTn>
+                              </p:par>
+                              <p:par>
+                                <p:cTn id="27" presetID="22" presetClass="entr" presetSubtype="2" fill="hold" nodeType="withEffect">
+                                  <p:stCondLst>
+                                    <p:cond delay="0"/>
+                                  </p:stCondLst>
+                                  <p:childTnLst>
+                                    <p:set>
+                                      <p:cBhvr>
+                                        <p:cTn id="28" dur="1" fill="hold">
+                                          <p:stCondLst>
+                                            <p:cond delay="0"/>
+                                          </p:stCondLst>
+                                        </p:cTn>
+                                        <p:tgtEl>
+                                          <p:spTgt spid="43"/>
+                                        </p:tgtEl>
+                                        <p:attrNameLst>
+                                          <p:attrName>style.visibility</p:attrName>
+                                        </p:attrNameLst>
+                                      </p:cBhvr>
+                                      <p:to>
+                                        <p:strVal val="visible"/>
+                                      </p:to>
+                                    </p:set>
+                                    <p:animEffect transition="in" filter="wipe(right)">
+                                      <p:cBhvr>
+                                        <p:cTn id="29" dur="500"/>
+                                        <p:tgtEl>
+                                          <p:spTgt spid="43"/>
+                                        </p:tgtEl>
+                                      </p:cBhvr>
+                                    </p:animEffect>
+                                  </p:childTnLst>
+                                </p:cTn>
+                              </p:par>
+                            </p:childTnLst>
+                          </p:cTn>
+                        </p:par>
+                      </p:childTnLst>
+                    </p:cTn>
+                  </p:par>
+                  <p:par>
+                    <p:cTn id="30" fill="hold">
+                      <p:stCondLst>
+                        <p:cond delay="indefinite"/>
+                      </p:stCondLst>
+                      <p:childTnLst>
+                        <p:par>
+                          <p:cTn id="31" fill="hold">
+                            <p:stCondLst>
+                              <p:cond delay="0"/>
+                            </p:stCondLst>
+                            <p:childTnLst>
+                              <p:par>
+                                <p:cTn id="32" presetID="2" presetClass="entr" presetSubtype="1" fill="hold" nodeType="clickEffect">
+                                  <p:stCondLst>
+                                    <p:cond delay="0"/>
+                                  </p:stCondLst>
+                                  <p:childTnLst>
+                                    <p:set>
+                                      <p:cBhvr>
+                                        <p:cTn id="33" dur="1" fill="hold">
+                                          <p:stCondLst>
+                                            <p:cond delay="0"/>
+                                          </p:stCondLst>
+                                        </p:cTn>
+                                        <p:tgtEl>
+                                          <p:spTgt spid="110"/>
+                                        </p:tgtEl>
+                                        <p:attrNameLst>
+                                          <p:attrName>style.visibility</p:attrName>
+                                        </p:attrNameLst>
+                                      </p:cBhvr>
+                                      <p:to>
+                                        <p:strVal val="visible"/>
+                                      </p:to>
+                                    </p:set>
+                                    <p:anim calcmode="lin" valueType="num">
+                                      <p:cBhvr additive="base">
+                                        <p:cTn id="34" dur="500" fill="hold"/>
+                                        <p:tgtEl>
+                                          <p:spTgt spid="110"/>
+                                        </p:tgtEl>
+                                        <p:attrNameLst>
+                                          <p:attrName>ppt_x</p:attrName>
+                                        </p:attrNameLst>
+                                      </p:cBhvr>
+                                      <p:tavLst>
+                                        <p:tav tm="0">
+                                          <p:val>
+                                            <p:strVal val="#ppt_x"/>
+                                          </p:val>
+                                        </p:tav>
+                                        <p:tav tm="100000">
+                                          <p:val>
+                                            <p:strVal val="#ppt_x"/>
+                                          </p:val>
+                                        </p:tav>
+                                      </p:tavLst>
+                                    </p:anim>
+                                    <p:anim calcmode="lin" valueType="num">
+                                      <p:cBhvr additive="base">
+                                        <p:cTn id="35" dur="500" fill="hold"/>
+                                        <p:tgtEl>
+                                          <p:spTgt spid="110"/>
+                                        </p:tgtEl>
+                                        <p:attrNameLst>
+                                          <p:attrName>ppt_y</p:attrName>
+                                        </p:attrNameLst>
+                                      </p:cBhvr>
+                                      <p:tavLst>
+                                        <p:tav tm="0">
+                                          <p:val>
+                                            <p:strVal val="0-#ppt_h/2"/>
+                                          </p:val>
+                                        </p:tav>
+                                        <p:tav tm="100000">
+                                          <p:val>
+                                            <p:strVal val="#ppt_y"/>
+                                          </p:val>
+                                        </p:tav>
+                                      </p:tavLst>
+                                    </p:anim>
+                                  </p:childTnLst>
+                                </p:cTn>
+                              </p:par>
+                            </p:childTnLst>
+                          </p:cTn>
+                        </p:par>
+                      </p:childTnLst>
+                    </p:cTn>
+                  </p:par>
+                  <p:par>
+                    <p:cTn id="36" fill="hold">
+                      <p:stCondLst>
+                        <p:cond delay="indefinite"/>
+                      </p:stCondLst>
+                      <p:childTnLst>
+                        <p:par>
+                          <p:cTn id="37" fill="hold">
+                            <p:stCondLst>
+                              <p:cond delay="0"/>
+                            </p:stCondLst>
+                            <p:childTnLst>
+                              <p:par>
+                                <p:cTn id="38" presetID="32" presetClass="emph" presetSubtype="0" fill="hold" nodeType="clickEffect">
+                                  <p:stCondLst>
+                                    <p:cond delay="0"/>
+                                  </p:stCondLst>
+                                  <p:childTnLst>
+                                    <p:animRot by="120000">
+                                      <p:cBhvr>
+                                        <p:cTn id="39" dur="100" fill="hold">
+                                          <p:stCondLst>
+                                            <p:cond delay="0"/>
+                                          </p:stCondLst>
+                                        </p:cTn>
+                                        <p:tgtEl>
+                                          <p:spTgt spid="111"/>
+                                        </p:tgtEl>
+                                        <p:attrNameLst>
+                                          <p:attrName>r</p:attrName>
+                                        </p:attrNameLst>
+                                      </p:cBhvr>
+                                    </p:animRot>
+                                    <p:animRot by="-240000">
+                                      <p:cBhvr>
+                                        <p:cTn id="40" dur="200" fill="hold">
+                                          <p:stCondLst>
+                                            <p:cond delay="200"/>
+                                          </p:stCondLst>
+                                        </p:cTn>
+                                        <p:tgtEl>
+                                          <p:spTgt spid="111"/>
+                                        </p:tgtEl>
+                                        <p:attrNameLst>
+                                          <p:attrName>r</p:attrName>
+                                        </p:attrNameLst>
+                                      </p:cBhvr>
+                                    </p:animRot>
+                                    <p:animRot by="240000">
+                                      <p:cBhvr>
+                                        <p:cTn id="41" dur="200" fill="hold">
+                                          <p:stCondLst>
+                                            <p:cond delay="400"/>
+                                          </p:stCondLst>
+                                        </p:cTn>
+                                        <p:tgtEl>
+                                          <p:spTgt spid="111"/>
+                                        </p:tgtEl>
+                                        <p:attrNameLst>
+                                          <p:attrName>r</p:attrName>
+                                        </p:attrNameLst>
+                                      </p:cBhvr>
+                                    </p:animRot>
+                                    <p:animRot by="-240000">
+                                      <p:cBhvr>
+                                        <p:cTn id="42" dur="200" fill="hold">
+                                          <p:stCondLst>
+                                            <p:cond delay="600"/>
+                                          </p:stCondLst>
+                                        </p:cTn>
+                                        <p:tgtEl>
+                                          <p:spTgt spid="111"/>
+                                        </p:tgtEl>
+                                        <p:attrNameLst>
+                                          <p:attrName>r</p:attrName>
+                                        </p:attrNameLst>
+                                      </p:cBhvr>
+                                    </p:animRot>
+                                    <p:animRot by="120000">
+                                      <p:cBhvr>
+                                        <p:cTn id="43" dur="200" fill="hold">
+                                          <p:stCondLst>
+                                            <p:cond delay="800"/>
+                                          </p:stCondLst>
+                                        </p:cTn>
+                                        <p:tgtEl>
+                                          <p:spTgt spid="111"/>
+                                        </p:tgtEl>
+                                        <p:attrNameLst>
+                                          <p:attrName>r</p:attrName>
+                                        </p:attrNameLst>
+                                      </p:cBhvr>
+                                    </p:animRot>
                                   </p:childTnLst>
                                 </p:cTn>
                               </p:par>
@@ -47638,6 +49393,2914 @@
   <p:clrMapOvr>
     <a:masterClrMapping/>
   </p:clrMapOvr>
+  <p:timing>
+    <p:tnLst>
+      <p:par>
+        <p:cTn id="1" dur="indefinite" restart="never" nodeType="tmRoot">
+          <p:childTnLst>
+            <p:seq concurrent="1" nextAc="seek">
+              <p:cTn id="2" dur="indefinite" nodeType="mainSeq">
+                <p:childTnLst>
+                  <p:par>
+                    <p:cTn id="3" fill="hold">
+                      <p:stCondLst>
+                        <p:cond delay="indefinite"/>
+                      </p:stCondLst>
+                      <p:childTnLst>
+                        <p:par>
+                          <p:cTn id="4" fill="hold">
+                            <p:stCondLst>
+                              <p:cond delay="0"/>
+                            </p:stCondLst>
+                            <p:childTnLst>
+                              <p:par>
+                                <p:cTn id="5" presetID="2" presetClass="entr" presetSubtype="4" fill="hold" grpId="0" nodeType="clickEffect">
+                                  <p:stCondLst>
+                                    <p:cond delay="0"/>
+                                  </p:stCondLst>
+                                  <p:childTnLst>
+                                    <p:set>
+                                      <p:cBhvr>
+                                        <p:cTn id="6" dur="1" fill="hold">
+                                          <p:stCondLst>
+                                            <p:cond delay="0"/>
+                                          </p:stCondLst>
+                                        </p:cTn>
+                                        <p:tgtEl>
+                                          <p:spTgt spid="2"/>
+                                        </p:tgtEl>
+                                        <p:attrNameLst>
+                                          <p:attrName>style.visibility</p:attrName>
+                                        </p:attrNameLst>
+                                      </p:cBhvr>
+                                      <p:to>
+                                        <p:strVal val="visible"/>
+                                      </p:to>
+                                    </p:set>
+                                    <p:anim calcmode="lin" valueType="num">
+                                      <p:cBhvr additive="base">
+                                        <p:cTn id="7" dur="500" fill="hold"/>
+                                        <p:tgtEl>
+                                          <p:spTgt spid="2"/>
+                                        </p:tgtEl>
+                                        <p:attrNameLst>
+                                          <p:attrName>ppt_x</p:attrName>
+                                        </p:attrNameLst>
+                                      </p:cBhvr>
+                                      <p:tavLst>
+                                        <p:tav tm="0">
+                                          <p:val>
+                                            <p:strVal val="#ppt_x"/>
+                                          </p:val>
+                                        </p:tav>
+                                        <p:tav tm="100000">
+                                          <p:val>
+                                            <p:strVal val="#ppt_x"/>
+                                          </p:val>
+                                        </p:tav>
+                                      </p:tavLst>
+                                    </p:anim>
+                                    <p:anim calcmode="lin" valueType="num">
+                                      <p:cBhvr additive="base">
+                                        <p:cTn id="8" dur="500" fill="hold"/>
+                                        <p:tgtEl>
+                                          <p:spTgt spid="2"/>
+                                        </p:tgtEl>
+                                        <p:attrNameLst>
+                                          <p:attrName>ppt_y</p:attrName>
+                                        </p:attrNameLst>
+                                      </p:cBhvr>
+                                      <p:tavLst>
+                                        <p:tav tm="0">
+                                          <p:val>
+                                            <p:strVal val="1+#ppt_h/2"/>
+                                          </p:val>
+                                        </p:tav>
+                                        <p:tav tm="100000">
+                                          <p:val>
+                                            <p:strVal val="#ppt_y"/>
+                                          </p:val>
+                                        </p:tav>
+                                      </p:tavLst>
+                                    </p:anim>
+                                  </p:childTnLst>
+                                </p:cTn>
+                              </p:par>
+                            </p:childTnLst>
+                          </p:cTn>
+                        </p:par>
+                      </p:childTnLst>
+                    </p:cTn>
+                  </p:par>
+                  <p:par>
+                    <p:cTn id="9" fill="hold">
+                      <p:stCondLst>
+                        <p:cond delay="indefinite"/>
+                      </p:stCondLst>
+                      <p:childTnLst>
+                        <p:par>
+                          <p:cTn id="10" fill="hold">
+                            <p:stCondLst>
+                              <p:cond delay="0"/>
+                            </p:stCondLst>
+                            <p:childTnLst>
+                              <p:par>
+                                <p:cTn id="11" presetID="2" presetClass="entr" presetSubtype="4" fill="hold" grpId="0" nodeType="clickEffect">
+                                  <p:stCondLst>
+                                    <p:cond delay="0"/>
+                                  </p:stCondLst>
+                                  <p:childTnLst>
+                                    <p:set>
+                                      <p:cBhvr>
+                                        <p:cTn id="12" dur="1" fill="hold">
+                                          <p:stCondLst>
+                                            <p:cond delay="0"/>
+                                          </p:stCondLst>
+                                        </p:cTn>
+                                        <p:tgtEl>
+                                          <p:spTgt spid="4"/>
+                                        </p:tgtEl>
+                                        <p:attrNameLst>
+                                          <p:attrName>style.visibility</p:attrName>
+                                        </p:attrNameLst>
+                                      </p:cBhvr>
+                                      <p:to>
+                                        <p:strVal val="visible"/>
+                                      </p:to>
+                                    </p:set>
+                                    <p:anim calcmode="lin" valueType="num">
+                                      <p:cBhvr additive="base">
+                                        <p:cTn id="13" dur="500" fill="hold"/>
+                                        <p:tgtEl>
+                                          <p:spTgt spid="4"/>
+                                        </p:tgtEl>
+                                        <p:attrNameLst>
+                                          <p:attrName>ppt_x</p:attrName>
+                                        </p:attrNameLst>
+                                      </p:cBhvr>
+                                      <p:tavLst>
+                                        <p:tav tm="0">
+                                          <p:val>
+                                            <p:strVal val="#ppt_x"/>
+                                          </p:val>
+                                        </p:tav>
+                                        <p:tav tm="100000">
+                                          <p:val>
+                                            <p:strVal val="#ppt_x"/>
+                                          </p:val>
+                                        </p:tav>
+                                      </p:tavLst>
+                                    </p:anim>
+                                    <p:anim calcmode="lin" valueType="num">
+                                      <p:cBhvr additive="base">
+                                        <p:cTn id="14" dur="500" fill="hold"/>
+                                        <p:tgtEl>
+                                          <p:spTgt spid="4"/>
+                                        </p:tgtEl>
+                                        <p:attrNameLst>
+                                          <p:attrName>ppt_y</p:attrName>
+                                        </p:attrNameLst>
+                                      </p:cBhvr>
+                                      <p:tavLst>
+                                        <p:tav tm="0">
+                                          <p:val>
+                                            <p:strVal val="1+#ppt_h/2"/>
+                                          </p:val>
+                                        </p:tav>
+                                        <p:tav tm="100000">
+                                          <p:val>
+                                            <p:strVal val="#ppt_y"/>
+                                          </p:val>
+                                        </p:tav>
+                                      </p:tavLst>
+                                    </p:anim>
+                                  </p:childTnLst>
+                                </p:cTn>
+                              </p:par>
+                            </p:childTnLst>
+                          </p:cTn>
+                        </p:par>
+                      </p:childTnLst>
+                    </p:cTn>
+                  </p:par>
+                </p:childTnLst>
+              </p:cTn>
+              <p:prevCondLst>
+                <p:cond evt="onPrev" delay="0">
+                  <p:tgtEl>
+                    <p:sldTgt/>
+                  </p:tgtEl>
+                </p:cond>
+              </p:prevCondLst>
+              <p:nextCondLst>
+                <p:cond evt="onNext" delay="0">
+                  <p:tgtEl>
+                    <p:sldTgt/>
+                  </p:tgtEl>
+                </p:cond>
+              </p:nextCondLst>
+            </p:seq>
+          </p:childTnLst>
+        </p:cTn>
+      </p:par>
+    </p:tnLst>
+    <p:bldLst>
+      <p:bldP spid="2" grpId="0"/>
+      <p:bldP spid="4" grpId="0"/>
+    </p:bldLst>
+  </p:timing>
+</p:sld>
+</file>
+
+<file path=ppt/slides/slide45.xml><?xml version="1.0" encoding="utf-8"?>
+<p:sld xmlns:a="http://schemas.openxmlformats.org/drawingml/2006/main" xmlns:r="http://schemas.openxmlformats.org/officeDocument/2006/relationships" xmlns:p="http://schemas.openxmlformats.org/presentationml/2006/main">
+  <p:cSld>
+    <p:spTree>
+      <p:nvGrpSpPr>
+        <p:cNvPr id="1" name=""/>
+        <p:cNvGrpSpPr/>
+        <p:nvPr/>
+      </p:nvGrpSpPr>
+      <p:grpSpPr>
+        <a:xfrm>
+          <a:off x="0" y="0"/>
+          <a:ext cx="0" cy="0"/>
+          <a:chOff x="0" y="0"/>
+          <a:chExt cx="0" cy="0"/>
+        </a:xfrm>
+      </p:grpSpPr>
+      <p:sp>
+        <p:nvSpPr>
+          <p:cNvPr id="3" name="Title 2">
+            <a:extLst>
+              <a:ext uri="{FF2B5EF4-FFF2-40B4-BE49-F238E27FC236}">
+                <a16:creationId xmlns:a16="http://schemas.microsoft.com/office/drawing/2014/main" id="{E7C850D0-2E7E-4DD9-A60B-8E7F6400DF4F}"/>
+              </a:ext>
+            </a:extLst>
+          </p:cNvPr>
+          <p:cNvSpPr>
+            <a:spLocks noGrp="1"/>
+          </p:cNvSpPr>
+          <p:nvPr>
+            <p:ph type="title" idx="4294967295"/>
+          </p:nvPr>
+        </p:nvSpPr>
+        <p:spPr>
+          <a:xfrm>
+            <a:off x="3600450" y="2420937"/>
+            <a:ext cx="1943100" cy="301625"/>
+          </a:xfrm>
+        </p:spPr>
+        <p:txBody>
+          <a:bodyPr/>
+          <a:lstStyle/>
+          <a:p>
+            <a:pPr algn="ctr"/>
+            <a:r>
+              <a:rPr lang="en-US" dirty="0"/>
+              <a:t>RESILIENCE</a:t>
+            </a:r>
+          </a:p>
+        </p:txBody>
+      </p:sp>
+    </p:spTree>
+    <p:extLst>
+      <p:ext uri="{BB962C8B-B14F-4D97-AF65-F5344CB8AC3E}">
+        <p14:creationId xmlns:p14="http://schemas.microsoft.com/office/powerpoint/2010/main" val="3817099453"/>
+      </p:ext>
+    </p:extLst>
+  </p:cSld>
+  <p:clrMapOvr>
+    <a:masterClrMapping/>
+  </p:clrMapOvr>
+</p:sld>
+</file>
+
+<file path=ppt/slides/slide46.xml><?xml version="1.0" encoding="utf-8"?>
+<p:sld xmlns:a="http://schemas.openxmlformats.org/drawingml/2006/main" xmlns:r="http://schemas.openxmlformats.org/officeDocument/2006/relationships" xmlns:p="http://schemas.openxmlformats.org/presentationml/2006/main">
+  <p:cSld>
+    <p:spTree>
+      <p:nvGrpSpPr>
+        <p:cNvPr id="1" name=""/>
+        <p:cNvGrpSpPr/>
+        <p:nvPr/>
+      </p:nvGrpSpPr>
+      <p:grpSpPr>
+        <a:xfrm>
+          <a:off x="0" y="0"/>
+          <a:ext cx="0" cy="0"/>
+          <a:chOff x="0" y="0"/>
+          <a:chExt cx="0" cy="0"/>
+        </a:xfrm>
+      </p:grpSpPr>
+      <p:sp>
+        <p:nvSpPr>
+          <p:cNvPr id="3" name="Slide Number Placeholder 2">
+            <a:extLst>
+              <a:ext uri="{FF2B5EF4-FFF2-40B4-BE49-F238E27FC236}">
+                <a16:creationId xmlns:a16="http://schemas.microsoft.com/office/drawing/2014/main" id="{00EB801D-718B-403B-84EF-B690666A6518}"/>
+              </a:ext>
+            </a:extLst>
+          </p:cNvPr>
+          <p:cNvSpPr>
+            <a:spLocks noGrp="1"/>
+          </p:cNvSpPr>
+          <p:nvPr>
+            <p:ph type="sldNum" sz="quarter" idx="4"/>
+          </p:nvPr>
+        </p:nvSpPr>
+        <p:spPr/>
+        <p:txBody>
+          <a:bodyPr/>
+          <a:lstStyle/>
+          <a:p>
+            <a:fld id="{3A707DD9-E92B-45E8-BE0A-E6B2EDF345EB}" type="slidenum">
+              <a:rPr lang="en-US" smtClean="0"/>
+              <a:pPr/>
+              <a:t>46</a:t>
+            </a:fld>
+            <a:endParaRPr lang="en-US" dirty="0"/>
+          </a:p>
+        </p:txBody>
+      </p:sp>
+      <p:sp>
+        <p:nvSpPr>
+          <p:cNvPr id="6" name="Title 1">
+            <a:extLst>
+              <a:ext uri="{FF2B5EF4-FFF2-40B4-BE49-F238E27FC236}">
+                <a16:creationId xmlns:a16="http://schemas.microsoft.com/office/drawing/2014/main" id="{86909CD1-1BC7-4BC0-B99E-D2E8BF5E300D}"/>
+              </a:ext>
+            </a:extLst>
+          </p:cNvPr>
+          <p:cNvSpPr>
+            <a:spLocks noGrp="1"/>
+          </p:cNvSpPr>
+          <p:nvPr>
+            <p:ph type="title"/>
+          </p:nvPr>
+        </p:nvSpPr>
+        <p:spPr>
+          <a:xfrm>
+            <a:off x="360363" y="228600"/>
+            <a:ext cx="8426450" cy="301625"/>
+          </a:xfrm>
+        </p:spPr>
+        <p:txBody>
+          <a:bodyPr/>
+          <a:lstStyle/>
+          <a:p>
+            <a:r>
+              <a:rPr lang="en-US" dirty="0"/>
+              <a:t>TIMEOUTS</a:t>
+            </a:r>
+          </a:p>
+        </p:txBody>
+      </p:sp>
+      <p:grpSp>
+        <p:nvGrpSpPr>
+          <p:cNvPr id="13" name="Group 12">
+            <a:extLst>
+              <a:ext uri="{FF2B5EF4-FFF2-40B4-BE49-F238E27FC236}">
+                <a16:creationId xmlns:a16="http://schemas.microsoft.com/office/drawing/2014/main" id="{BB6FE3EB-4963-4826-96AA-8AB9E45D265A}"/>
+              </a:ext>
+            </a:extLst>
+          </p:cNvPr>
+          <p:cNvGrpSpPr/>
+          <p:nvPr/>
+        </p:nvGrpSpPr>
+        <p:grpSpPr>
+          <a:xfrm>
+            <a:off x="2296475" y="2193990"/>
+            <a:ext cx="4551050" cy="755520"/>
+            <a:chOff x="2318251" y="2193989"/>
+            <a:chExt cx="4551050" cy="755520"/>
+          </a:xfrm>
+        </p:grpSpPr>
+        <p:cxnSp>
+          <p:nvCxnSpPr>
+            <p:cNvPr id="52" name="Straight Connector 51">
+              <a:extLst>
+                <a:ext uri="{FF2B5EF4-FFF2-40B4-BE49-F238E27FC236}">
+                  <a16:creationId xmlns:a16="http://schemas.microsoft.com/office/drawing/2014/main" id="{D26CDEA3-2534-4D3A-897C-54AAC447136C}"/>
+                </a:ext>
+              </a:extLst>
+            </p:cNvPr>
+            <p:cNvCxnSpPr>
+              <a:cxnSpLocks/>
+            </p:cNvCxnSpPr>
+            <p:nvPr/>
+          </p:nvCxnSpPr>
+          <p:spPr>
+            <a:xfrm>
+              <a:off x="3427581" y="2353114"/>
+              <a:ext cx="2332390" cy="0"/>
+            </a:xfrm>
+            <a:prstGeom prst="line">
+              <a:avLst/>
+            </a:prstGeom>
+            <a:ln w="28575">
+              <a:prstDash val="dash"/>
+              <a:headEnd type="none" w="med" len="med"/>
+              <a:tailEnd type="arrow" w="med" len="med"/>
+            </a:ln>
+          </p:spPr>
+          <p:style>
+            <a:lnRef idx="1">
+              <a:schemeClr val="accent2"/>
+            </a:lnRef>
+            <a:fillRef idx="0">
+              <a:schemeClr val="accent2"/>
+            </a:fillRef>
+            <a:effectRef idx="0">
+              <a:schemeClr val="accent2"/>
+            </a:effectRef>
+            <a:fontRef idx="minor">
+              <a:schemeClr val="tx1"/>
+            </a:fontRef>
+          </p:style>
+        </p:cxnSp>
+        <p:sp>
+          <p:nvSpPr>
+            <p:cNvPr id="2" name="Rectangle: Rounded Corners 1">
+              <a:extLst>
+                <a:ext uri="{FF2B5EF4-FFF2-40B4-BE49-F238E27FC236}">
+                  <a16:creationId xmlns:a16="http://schemas.microsoft.com/office/drawing/2014/main" id="{D1329A6C-880C-46C3-9D52-288E9F6B3309}"/>
+                </a:ext>
+              </a:extLst>
+            </p:cNvPr>
+            <p:cNvSpPr/>
+            <p:nvPr/>
+          </p:nvSpPr>
+          <p:spPr>
+            <a:xfrm>
+              <a:off x="2318251" y="2193990"/>
+              <a:ext cx="1109330" cy="755519"/>
+            </a:xfrm>
+            <a:prstGeom prst="roundRect">
+              <a:avLst/>
+            </a:prstGeom>
+            <a:solidFill>
+              <a:schemeClr val="accent4"/>
+            </a:solidFill>
+          </p:spPr>
+          <p:style>
+            <a:lnRef idx="2">
+              <a:schemeClr val="accent4">
+                <a:shade val="50000"/>
+              </a:schemeClr>
+            </a:lnRef>
+            <a:fillRef idx="1">
+              <a:schemeClr val="accent4"/>
+            </a:fillRef>
+            <a:effectRef idx="0">
+              <a:schemeClr val="accent4"/>
+            </a:effectRef>
+            <a:fontRef idx="minor">
+              <a:schemeClr val="lt1"/>
+            </a:fontRef>
+          </p:style>
+          <p:txBody>
+            <a:bodyPr rtlCol="0" anchor="ctr"/>
+            <a:lstStyle/>
+            <a:p>
+              <a:pPr algn="ctr"/>
+              <a:endParaRPr lang="en-US" dirty="0"/>
+            </a:p>
+          </p:txBody>
+        </p:sp>
+        <p:cxnSp>
+          <p:nvCxnSpPr>
+            <p:cNvPr id="23" name="Straight Connector 22">
+              <a:extLst>
+                <a:ext uri="{FF2B5EF4-FFF2-40B4-BE49-F238E27FC236}">
+                  <a16:creationId xmlns:a16="http://schemas.microsoft.com/office/drawing/2014/main" id="{0361701B-0A86-402C-8A48-D33434D1E1AC}"/>
+                </a:ext>
+              </a:extLst>
+            </p:cNvPr>
+            <p:cNvCxnSpPr>
+              <a:cxnSpLocks/>
+            </p:cNvCxnSpPr>
+            <p:nvPr/>
+          </p:nvCxnSpPr>
+          <p:spPr>
+            <a:xfrm>
+              <a:off x="3427581" y="2789049"/>
+              <a:ext cx="2332390" cy="0"/>
+            </a:xfrm>
+            <a:prstGeom prst="line">
+              <a:avLst/>
+            </a:prstGeom>
+            <a:ln w="28575">
+              <a:prstDash val="dash"/>
+              <a:headEnd type="arrow" w="med" len="med"/>
+              <a:tailEnd type="none" w="med" len="med"/>
+            </a:ln>
+          </p:spPr>
+          <p:style>
+            <a:lnRef idx="1">
+              <a:schemeClr val="accent2"/>
+            </a:lnRef>
+            <a:fillRef idx="0">
+              <a:schemeClr val="accent2"/>
+            </a:fillRef>
+            <a:effectRef idx="0">
+              <a:schemeClr val="accent2"/>
+            </a:effectRef>
+            <a:fontRef idx="minor">
+              <a:schemeClr val="tx1"/>
+            </a:fontRef>
+          </p:style>
+        </p:cxnSp>
+        <p:sp>
+          <p:nvSpPr>
+            <p:cNvPr id="11" name="Rectangle: Rounded Corners 10">
+              <a:extLst>
+                <a:ext uri="{FF2B5EF4-FFF2-40B4-BE49-F238E27FC236}">
+                  <a16:creationId xmlns:a16="http://schemas.microsoft.com/office/drawing/2014/main" id="{71A8D4AC-2D0D-4E78-9A07-6895AD2E39E9}"/>
+                </a:ext>
+              </a:extLst>
+            </p:cNvPr>
+            <p:cNvSpPr/>
+            <p:nvPr/>
+          </p:nvSpPr>
+          <p:spPr>
+            <a:xfrm>
+              <a:off x="5759971" y="2193989"/>
+              <a:ext cx="1109330" cy="755519"/>
+            </a:xfrm>
+            <a:prstGeom prst="roundRect">
+              <a:avLst/>
+            </a:prstGeom>
+            <a:solidFill>
+              <a:schemeClr val="accent4"/>
+            </a:solidFill>
+          </p:spPr>
+          <p:style>
+            <a:lnRef idx="2">
+              <a:schemeClr val="accent4">
+                <a:shade val="50000"/>
+              </a:schemeClr>
+            </a:lnRef>
+            <a:fillRef idx="1">
+              <a:schemeClr val="accent4"/>
+            </a:fillRef>
+            <a:effectRef idx="0">
+              <a:schemeClr val="accent4"/>
+            </a:effectRef>
+            <a:fontRef idx="minor">
+              <a:schemeClr val="lt1"/>
+            </a:fontRef>
+          </p:style>
+          <p:txBody>
+            <a:bodyPr rtlCol="0" anchor="ctr"/>
+            <a:lstStyle/>
+            <a:p>
+              <a:pPr algn="ctr"/>
+              <a:endParaRPr lang="en-US" dirty="0"/>
+            </a:p>
+          </p:txBody>
+        </p:sp>
+      </p:grpSp>
+      <p:sp>
+        <p:nvSpPr>
+          <p:cNvPr id="15" name="Rectangle 14">
+            <a:extLst>
+              <a:ext uri="{FF2B5EF4-FFF2-40B4-BE49-F238E27FC236}">
+                <a16:creationId xmlns:a16="http://schemas.microsoft.com/office/drawing/2014/main" id="{AD1D6BC9-6F62-4335-B712-5B4A819D5734}"/>
+              </a:ext>
+            </a:extLst>
+          </p:cNvPr>
+          <p:cNvSpPr/>
+          <p:nvPr/>
+        </p:nvSpPr>
+        <p:spPr>
+          <a:xfrm>
+            <a:off x="2066724" y="3148730"/>
+            <a:ext cx="1568827" cy="523220"/>
+          </a:xfrm>
+          <a:prstGeom prst="rect">
+            <a:avLst/>
+          </a:prstGeom>
+          <a:noFill/>
+        </p:spPr>
+        <p:txBody>
+          <a:bodyPr wrap="none" lIns="91440" tIns="45720" rIns="91440" bIns="45720">
+            <a:spAutoFit/>
+          </a:bodyPr>
+          <a:lstStyle/>
+          <a:p>
+            <a:pPr algn="ctr"/>
+            <a:r>
+              <a:rPr lang="en-US" sz="2800" dirty="0">
+                <a:ln w="0"/>
+                <a:solidFill>
+                  <a:schemeClr val="accent1"/>
+                </a:solidFill>
+                <a:effectLst>
+                  <a:outerShdw blurRad="38100" dist="25400" dir="5400000" algn="ctr" rotWithShape="0">
+                    <a:srgbClr val="6E747A">
+                      <a:alpha val="43000"/>
+                    </a:srgbClr>
+                  </a:outerShdw>
+                </a:effectLst>
+              </a:rPr>
+              <a:t>TIMEOUT</a:t>
+            </a:r>
+          </a:p>
+        </p:txBody>
+      </p:sp>
+      <p:sp>
+        <p:nvSpPr>
+          <p:cNvPr id="31" name="Lightning Bolt 30">
+            <a:extLst>
+              <a:ext uri="{FF2B5EF4-FFF2-40B4-BE49-F238E27FC236}">
+                <a16:creationId xmlns:a16="http://schemas.microsoft.com/office/drawing/2014/main" id="{BC875150-4242-4488-82CE-9490FF721B50}"/>
+              </a:ext>
+            </a:extLst>
+          </p:cNvPr>
+          <p:cNvSpPr/>
+          <p:nvPr/>
+        </p:nvSpPr>
+        <p:spPr>
+          <a:xfrm>
+            <a:off x="4325480" y="2092203"/>
+            <a:ext cx="379310" cy="478880"/>
+          </a:xfrm>
+          <a:prstGeom prst="lightningBolt">
+            <a:avLst/>
+          </a:prstGeom>
+        </p:spPr>
+        <p:style>
+          <a:lnRef idx="2">
+            <a:schemeClr val="accent6">
+              <a:shade val="50000"/>
+            </a:schemeClr>
+          </a:lnRef>
+          <a:fillRef idx="1">
+            <a:schemeClr val="accent6"/>
+          </a:fillRef>
+          <a:effectRef idx="0">
+            <a:schemeClr val="accent6"/>
+          </a:effectRef>
+          <a:fontRef idx="minor">
+            <a:schemeClr val="lt1"/>
+          </a:fontRef>
+        </p:style>
+        <p:txBody>
+          <a:bodyPr rtlCol="0" anchor="ctr"/>
+          <a:lstStyle/>
+          <a:p>
+            <a:pPr algn="ctr"/>
+            <a:endParaRPr lang="en-US"/>
+          </a:p>
+        </p:txBody>
+      </p:sp>
+      <p:sp>
+        <p:nvSpPr>
+          <p:cNvPr id="32" name="Lightning Bolt 31">
+            <a:extLst>
+              <a:ext uri="{FF2B5EF4-FFF2-40B4-BE49-F238E27FC236}">
+                <a16:creationId xmlns:a16="http://schemas.microsoft.com/office/drawing/2014/main" id="{13EDC378-66AA-4160-AE7A-5FD4D0BF7B15}"/>
+              </a:ext>
+            </a:extLst>
+          </p:cNvPr>
+          <p:cNvSpPr/>
+          <p:nvPr/>
+        </p:nvSpPr>
+        <p:spPr>
+          <a:xfrm>
+            <a:off x="6065242" y="2331643"/>
+            <a:ext cx="379310" cy="478880"/>
+          </a:xfrm>
+          <a:prstGeom prst="lightningBolt">
+            <a:avLst/>
+          </a:prstGeom>
+        </p:spPr>
+        <p:style>
+          <a:lnRef idx="2">
+            <a:schemeClr val="accent6">
+              <a:shade val="50000"/>
+            </a:schemeClr>
+          </a:lnRef>
+          <a:fillRef idx="1">
+            <a:schemeClr val="accent6"/>
+          </a:fillRef>
+          <a:effectRef idx="0">
+            <a:schemeClr val="accent6"/>
+          </a:effectRef>
+          <a:fontRef idx="minor">
+            <a:schemeClr val="lt1"/>
+          </a:fontRef>
+        </p:style>
+        <p:txBody>
+          <a:bodyPr rtlCol="0" anchor="ctr"/>
+          <a:lstStyle/>
+          <a:p>
+            <a:pPr algn="ctr"/>
+            <a:endParaRPr lang="en-US"/>
+          </a:p>
+        </p:txBody>
+      </p:sp>
+      <p:sp>
+        <p:nvSpPr>
+          <p:cNvPr id="33" name="Lightning Bolt 32">
+            <a:extLst>
+              <a:ext uri="{FF2B5EF4-FFF2-40B4-BE49-F238E27FC236}">
+                <a16:creationId xmlns:a16="http://schemas.microsoft.com/office/drawing/2014/main" id="{74FAAC3B-96F4-40F3-9208-BCBA1005494E}"/>
+              </a:ext>
+            </a:extLst>
+          </p:cNvPr>
+          <p:cNvSpPr/>
+          <p:nvPr/>
+        </p:nvSpPr>
+        <p:spPr>
+          <a:xfrm>
+            <a:off x="4382345" y="2571083"/>
+            <a:ext cx="379310" cy="478880"/>
+          </a:xfrm>
+          <a:prstGeom prst="lightningBolt">
+            <a:avLst/>
+          </a:prstGeom>
+        </p:spPr>
+        <p:style>
+          <a:lnRef idx="2">
+            <a:schemeClr val="accent6">
+              <a:shade val="50000"/>
+            </a:schemeClr>
+          </a:lnRef>
+          <a:fillRef idx="1">
+            <a:schemeClr val="accent6"/>
+          </a:fillRef>
+          <a:effectRef idx="0">
+            <a:schemeClr val="accent6"/>
+          </a:effectRef>
+          <a:fontRef idx="minor">
+            <a:schemeClr val="lt1"/>
+          </a:fontRef>
+        </p:style>
+        <p:txBody>
+          <a:bodyPr rtlCol="0" anchor="ctr"/>
+          <a:lstStyle/>
+          <a:p>
+            <a:pPr algn="ctr"/>
+            <a:endParaRPr lang="en-US"/>
+          </a:p>
+        </p:txBody>
+      </p:sp>
+    </p:spTree>
+    <p:extLst>
+      <p:ext uri="{BB962C8B-B14F-4D97-AF65-F5344CB8AC3E}">
+        <p14:creationId xmlns:p14="http://schemas.microsoft.com/office/powerpoint/2010/main" val="2083196204"/>
+      </p:ext>
+    </p:extLst>
+  </p:cSld>
+  <p:clrMapOvr>
+    <a:masterClrMapping/>
+  </p:clrMapOvr>
+  <mc:AlternateContent xmlns:mc="http://schemas.openxmlformats.org/markup-compatibility/2006" xmlns:p159="http://schemas.microsoft.com/office/powerpoint/2015/09/main">
+    <mc:Choice Requires="p159">
+      <p:transition xmlns:p14="http://schemas.microsoft.com/office/powerpoint/2010/main" spd="slow" p14:dur="2000">
+        <p159:morph option="byObject"/>
+      </p:transition>
+    </mc:Choice>
+    <mc:Fallback xmlns="">
+      <p:transition spd="slow">
+        <p:fade/>
+      </p:transition>
+    </mc:Fallback>
+  </mc:AlternateContent>
+  <p:timing>
+    <p:tnLst>
+      <p:par>
+        <p:cTn id="1" dur="indefinite" restart="never" nodeType="tmRoot">
+          <p:childTnLst>
+            <p:seq concurrent="1" nextAc="seek">
+              <p:cTn id="2" dur="indefinite" nodeType="mainSeq">
+                <p:childTnLst>
+                  <p:par>
+                    <p:cTn id="3" fill="hold">
+                      <p:stCondLst>
+                        <p:cond delay="indefinite"/>
+                      </p:stCondLst>
+                      <p:childTnLst>
+                        <p:par>
+                          <p:cTn id="4" fill="hold">
+                            <p:stCondLst>
+                              <p:cond delay="0"/>
+                            </p:stCondLst>
+                            <p:childTnLst>
+                              <p:par>
+                                <p:cTn id="5" presetID="31" presetClass="entr" presetSubtype="0" fill="hold" grpId="0" nodeType="clickEffect">
+                                  <p:stCondLst>
+                                    <p:cond delay="0"/>
+                                  </p:stCondLst>
+                                  <p:childTnLst>
+                                    <p:set>
+                                      <p:cBhvr>
+                                        <p:cTn id="6" dur="1" fill="hold">
+                                          <p:stCondLst>
+                                            <p:cond delay="0"/>
+                                          </p:stCondLst>
+                                        </p:cTn>
+                                        <p:tgtEl>
+                                          <p:spTgt spid="31"/>
+                                        </p:tgtEl>
+                                        <p:attrNameLst>
+                                          <p:attrName>style.visibility</p:attrName>
+                                        </p:attrNameLst>
+                                      </p:cBhvr>
+                                      <p:to>
+                                        <p:strVal val="visible"/>
+                                      </p:to>
+                                    </p:set>
+                                    <p:anim calcmode="lin" valueType="num">
+                                      <p:cBhvr>
+                                        <p:cTn id="7" dur="1000" fill="hold"/>
+                                        <p:tgtEl>
+                                          <p:spTgt spid="31"/>
+                                        </p:tgtEl>
+                                        <p:attrNameLst>
+                                          <p:attrName>ppt_w</p:attrName>
+                                        </p:attrNameLst>
+                                      </p:cBhvr>
+                                      <p:tavLst>
+                                        <p:tav tm="0">
+                                          <p:val>
+                                            <p:fltVal val="0"/>
+                                          </p:val>
+                                        </p:tav>
+                                        <p:tav tm="100000">
+                                          <p:val>
+                                            <p:strVal val="#ppt_w"/>
+                                          </p:val>
+                                        </p:tav>
+                                      </p:tavLst>
+                                    </p:anim>
+                                    <p:anim calcmode="lin" valueType="num">
+                                      <p:cBhvr>
+                                        <p:cTn id="8" dur="1000" fill="hold"/>
+                                        <p:tgtEl>
+                                          <p:spTgt spid="31"/>
+                                        </p:tgtEl>
+                                        <p:attrNameLst>
+                                          <p:attrName>ppt_h</p:attrName>
+                                        </p:attrNameLst>
+                                      </p:cBhvr>
+                                      <p:tavLst>
+                                        <p:tav tm="0">
+                                          <p:val>
+                                            <p:fltVal val="0"/>
+                                          </p:val>
+                                        </p:tav>
+                                        <p:tav tm="100000">
+                                          <p:val>
+                                            <p:strVal val="#ppt_h"/>
+                                          </p:val>
+                                        </p:tav>
+                                      </p:tavLst>
+                                    </p:anim>
+                                    <p:anim calcmode="lin" valueType="num">
+                                      <p:cBhvr>
+                                        <p:cTn id="9" dur="1000" fill="hold"/>
+                                        <p:tgtEl>
+                                          <p:spTgt spid="31"/>
+                                        </p:tgtEl>
+                                        <p:attrNameLst>
+                                          <p:attrName>style.rotation</p:attrName>
+                                        </p:attrNameLst>
+                                      </p:cBhvr>
+                                      <p:tavLst>
+                                        <p:tav tm="0">
+                                          <p:val>
+                                            <p:fltVal val="90"/>
+                                          </p:val>
+                                        </p:tav>
+                                        <p:tav tm="100000">
+                                          <p:val>
+                                            <p:fltVal val="0"/>
+                                          </p:val>
+                                        </p:tav>
+                                      </p:tavLst>
+                                    </p:anim>
+                                    <p:animEffect transition="in" filter="fade">
+                                      <p:cBhvr>
+                                        <p:cTn id="10" dur="1000"/>
+                                        <p:tgtEl>
+                                          <p:spTgt spid="31"/>
+                                        </p:tgtEl>
+                                      </p:cBhvr>
+                                    </p:animEffect>
+                                  </p:childTnLst>
+                                </p:cTn>
+                              </p:par>
+                            </p:childTnLst>
+                          </p:cTn>
+                        </p:par>
+                      </p:childTnLst>
+                    </p:cTn>
+                  </p:par>
+                  <p:par>
+                    <p:cTn id="11" fill="hold">
+                      <p:stCondLst>
+                        <p:cond delay="indefinite"/>
+                      </p:stCondLst>
+                      <p:childTnLst>
+                        <p:par>
+                          <p:cTn id="12" fill="hold">
+                            <p:stCondLst>
+                              <p:cond delay="0"/>
+                            </p:stCondLst>
+                            <p:childTnLst>
+                              <p:par>
+                                <p:cTn id="13" presetID="10" presetClass="entr" presetSubtype="0" fill="hold" grpId="0" nodeType="clickEffect">
+                                  <p:stCondLst>
+                                    <p:cond delay="0"/>
+                                  </p:stCondLst>
+                                  <p:childTnLst>
+                                    <p:set>
+                                      <p:cBhvr>
+                                        <p:cTn id="14" dur="1" fill="hold">
+                                          <p:stCondLst>
+                                            <p:cond delay="0"/>
+                                          </p:stCondLst>
+                                        </p:cTn>
+                                        <p:tgtEl>
+                                          <p:spTgt spid="15"/>
+                                        </p:tgtEl>
+                                        <p:attrNameLst>
+                                          <p:attrName>style.visibility</p:attrName>
+                                        </p:attrNameLst>
+                                      </p:cBhvr>
+                                      <p:to>
+                                        <p:strVal val="visible"/>
+                                      </p:to>
+                                    </p:set>
+                                    <p:animEffect transition="in" filter="fade">
+                                      <p:cBhvr>
+                                        <p:cTn id="15" dur="500"/>
+                                        <p:tgtEl>
+                                          <p:spTgt spid="15"/>
+                                        </p:tgtEl>
+                                      </p:cBhvr>
+                                    </p:animEffect>
+                                  </p:childTnLst>
+                                </p:cTn>
+                              </p:par>
+                            </p:childTnLst>
+                          </p:cTn>
+                        </p:par>
+                      </p:childTnLst>
+                    </p:cTn>
+                  </p:par>
+                  <p:par>
+                    <p:cTn id="16" fill="hold">
+                      <p:stCondLst>
+                        <p:cond delay="indefinite"/>
+                      </p:stCondLst>
+                      <p:childTnLst>
+                        <p:par>
+                          <p:cTn id="17" fill="hold">
+                            <p:stCondLst>
+                              <p:cond delay="0"/>
+                            </p:stCondLst>
+                            <p:childTnLst>
+                              <p:par>
+                                <p:cTn id="18" presetID="31" presetClass="entr" presetSubtype="0" fill="hold" grpId="0" nodeType="clickEffect">
+                                  <p:stCondLst>
+                                    <p:cond delay="0"/>
+                                  </p:stCondLst>
+                                  <p:childTnLst>
+                                    <p:set>
+                                      <p:cBhvr>
+                                        <p:cTn id="19" dur="1" fill="hold">
+                                          <p:stCondLst>
+                                            <p:cond delay="0"/>
+                                          </p:stCondLst>
+                                        </p:cTn>
+                                        <p:tgtEl>
+                                          <p:spTgt spid="32"/>
+                                        </p:tgtEl>
+                                        <p:attrNameLst>
+                                          <p:attrName>style.visibility</p:attrName>
+                                        </p:attrNameLst>
+                                      </p:cBhvr>
+                                      <p:to>
+                                        <p:strVal val="visible"/>
+                                      </p:to>
+                                    </p:set>
+                                    <p:anim calcmode="lin" valueType="num">
+                                      <p:cBhvr>
+                                        <p:cTn id="20" dur="1000" fill="hold"/>
+                                        <p:tgtEl>
+                                          <p:spTgt spid="32"/>
+                                        </p:tgtEl>
+                                        <p:attrNameLst>
+                                          <p:attrName>ppt_w</p:attrName>
+                                        </p:attrNameLst>
+                                      </p:cBhvr>
+                                      <p:tavLst>
+                                        <p:tav tm="0">
+                                          <p:val>
+                                            <p:fltVal val="0"/>
+                                          </p:val>
+                                        </p:tav>
+                                        <p:tav tm="100000">
+                                          <p:val>
+                                            <p:strVal val="#ppt_w"/>
+                                          </p:val>
+                                        </p:tav>
+                                      </p:tavLst>
+                                    </p:anim>
+                                    <p:anim calcmode="lin" valueType="num">
+                                      <p:cBhvr>
+                                        <p:cTn id="21" dur="1000" fill="hold"/>
+                                        <p:tgtEl>
+                                          <p:spTgt spid="32"/>
+                                        </p:tgtEl>
+                                        <p:attrNameLst>
+                                          <p:attrName>ppt_h</p:attrName>
+                                        </p:attrNameLst>
+                                      </p:cBhvr>
+                                      <p:tavLst>
+                                        <p:tav tm="0">
+                                          <p:val>
+                                            <p:fltVal val="0"/>
+                                          </p:val>
+                                        </p:tav>
+                                        <p:tav tm="100000">
+                                          <p:val>
+                                            <p:strVal val="#ppt_h"/>
+                                          </p:val>
+                                        </p:tav>
+                                      </p:tavLst>
+                                    </p:anim>
+                                    <p:anim calcmode="lin" valueType="num">
+                                      <p:cBhvr>
+                                        <p:cTn id="22" dur="1000" fill="hold"/>
+                                        <p:tgtEl>
+                                          <p:spTgt spid="32"/>
+                                        </p:tgtEl>
+                                        <p:attrNameLst>
+                                          <p:attrName>style.rotation</p:attrName>
+                                        </p:attrNameLst>
+                                      </p:cBhvr>
+                                      <p:tavLst>
+                                        <p:tav tm="0">
+                                          <p:val>
+                                            <p:fltVal val="90"/>
+                                          </p:val>
+                                        </p:tav>
+                                        <p:tav tm="100000">
+                                          <p:val>
+                                            <p:fltVal val="0"/>
+                                          </p:val>
+                                        </p:tav>
+                                      </p:tavLst>
+                                    </p:anim>
+                                    <p:animEffect transition="in" filter="fade">
+                                      <p:cBhvr>
+                                        <p:cTn id="23" dur="1000"/>
+                                        <p:tgtEl>
+                                          <p:spTgt spid="32"/>
+                                        </p:tgtEl>
+                                      </p:cBhvr>
+                                    </p:animEffect>
+                                  </p:childTnLst>
+                                </p:cTn>
+                              </p:par>
+                              <p:par>
+                                <p:cTn id="24" presetID="10" presetClass="exit" presetSubtype="0" fill="hold" grpId="1" nodeType="withEffect">
+                                  <p:stCondLst>
+                                    <p:cond delay="0"/>
+                                  </p:stCondLst>
+                                  <p:childTnLst>
+                                    <p:animEffect transition="out" filter="fade">
+                                      <p:cBhvr>
+                                        <p:cTn id="25" dur="500"/>
+                                        <p:tgtEl>
+                                          <p:spTgt spid="31"/>
+                                        </p:tgtEl>
+                                      </p:cBhvr>
+                                    </p:animEffect>
+                                    <p:set>
+                                      <p:cBhvr>
+                                        <p:cTn id="26" dur="1" fill="hold">
+                                          <p:stCondLst>
+                                            <p:cond delay="499"/>
+                                          </p:stCondLst>
+                                        </p:cTn>
+                                        <p:tgtEl>
+                                          <p:spTgt spid="31"/>
+                                        </p:tgtEl>
+                                        <p:attrNameLst>
+                                          <p:attrName>style.visibility</p:attrName>
+                                        </p:attrNameLst>
+                                      </p:cBhvr>
+                                      <p:to>
+                                        <p:strVal val="hidden"/>
+                                      </p:to>
+                                    </p:set>
+                                  </p:childTnLst>
+                                </p:cTn>
+                              </p:par>
+                            </p:childTnLst>
+                          </p:cTn>
+                        </p:par>
+                      </p:childTnLst>
+                    </p:cTn>
+                  </p:par>
+                  <p:par>
+                    <p:cTn id="27" fill="hold">
+                      <p:stCondLst>
+                        <p:cond delay="indefinite"/>
+                      </p:stCondLst>
+                      <p:childTnLst>
+                        <p:par>
+                          <p:cTn id="28" fill="hold">
+                            <p:stCondLst>
+                              <p:cond delay="0"/>
+                            </p:stCondLst>
+                            <p:childTnLst>
+                              <p:par>
+                                <p:cTn id="29" presetID="31" presetClass="entr" presetSubtype="0" fill="hold" grpId="0" nodeType="clickEffect">
+                                  <p:stCondLst>
+                                    <p:cond delay="0"/>
+                                  </p:stCondLst>
+                                  <p:childTnLst>
+                                    <p:set>
+                                      <p:cBhvr>
+                                        <p:cTn id="30" dur="1" fill="hold">
+                                          <p:stCondLst>
+                                            <p:cond delay="0"/>
+                                          </p:stCondLst>
+                                        </p:cTn>
+                                        <p:tgtEl>
+                                          <p:spTgt spid="33"/>
+                                        </p:tgtEl>
+                                        <p:attrNameLst>
+                                          <p:attrName>style.visibility</p:attrName>
+                                        </p:attrNameLst>
+                                      </p:cBhvr>
+                                      <p:to>
+                                        <p:strVal val="visible"/>
+                                      </p:to>
+                                    </p:set>
+                                    <p:anim calcmode="lin" valueType="num">
+                                      <p:cBhvr>
+                                        <p:cTn id="31" dur="1000" fill="hold"/>
+                                        <p:tgtEl>
+                                          <p:spTgt spid="33"/>
+                                        </p:tgtEl>
+                                        <p:attrNameLst>
+                                          <p:attrName>ppt_w</p:attrName>
+                                        </p:attrNameLst>
+                                      </p:cBhvr>
+                                      <p:tavLst>
+                                        <p:tav tm="0">
+                                          <p:val>
+                                            <p:fltVal val="0"/>
+                                          </p:val>
+                                        </p:tav>
+                                        <p:tav tm="100000">
+                                          <p:val>
+                                            <p:strVal val="#ppt_w"/>
+                                          </p:val>
+                                        </p:tav>
+                                      </p:tavLst>
+                                    </p:anim>
+                                    <p:anim calcmode="lin" valueType="num">
+                                      <p:cBhvr>
+                                        <p:cTn id="32" dur="1000" fill="hold"/>
+                                        <p:tgtEl>
+                                          <p:spTgt spid="33"/>
+                                        </p:tgtEl>
+                                        <p:attrNameLst>
+                                          <p:attrName>ppt_h</p:attrName>
+                                        </p:attrNameLst>
+                                      </p:cBhvr>
+                                      <p:tavLst>
+                                        <p:tav tm="0">
+                                          <p:val>
+                                            <p:fltVal val="0"/>
+                                          </p:val>
+                                        </p:tav>
+                                        <p:tav tm="100000">
+                                          <p:val>
+                                            <p:strVal val="#ppt_h"/>
+                                          </p:val>
+                                        </p:tav>
+                                      </p:tavLst>
+                                    </p:anim>
+                                    <p:anim calcmode="lin" valueType="num">
+                                      <p:cBhvr>
+                                        <p:cTn id="33" dur="1000" fill="hold"/>
+                                        <p:tgtEl>
+                                          <p:spTgt spid="33"/>
+                                        </p:tgtEl>
+                                        <p:attrNameLst>
+                                          <p:attrName>style.rotation</p:attrName>
+                                        </p:attrNameLst>
+                                      </p:cBhvr>
+                                      <p:tavLst>
+                                        <p:tav tm="0">
+                                          <p:val>
+                                            <p:fltVal val="90"/>
+                                          </p:val>
+                                        </p:tav>
+                                        <p:tav tm="100000">
+                                          <p:val>
+                                            <p:fltVal val="0"/>
+                                          </p:val>
+                                        </p:tav>
+                                      </p:tavLst>
+                                    </p:anim>
+                                    <p:animEffect transition="in" filter="fade">
+                                      <p:cBhvr>
+                                        <p:cTn id="34" dur="1000"/>
+                                        <p:tgtEl>
+                                          <p:spTgt spid="33"/>
+                                        </p:tgtEl>
+                                      </p:cBhvr>
+                                    </p:animEffect>
+                                  </p:childTnLst>
+                                </p:cTn>
+                              </p:par>
+                              <p:par>
+                                <p:cTn id="35" presetID="10" presetClass="exit" presetSubtype="0" fill="hold" grpId="1" nodeType="withEffect">
+                                  <p:stCondLst>
+                                    <p:cond delay="0"/>
+                                  </p:stCondLst>
+                                  <p:childTnLst>
+                                    <p:animEffect transition="out" filter="fade">
+                                      <p:cBhvr>
+                                        <p:cTn id="36" dur="500"/>
+                                        <p:tgtEl>
+                                          <p:spTgt spid="32"/>
+                                        </p:tgtEl>
+                                      </p:cBhvr>
+                                    </p:animEffect>
+                                    <p:set>
+                                      <p:cBhvr>
+                                        <p:cTn id="37" dur="1" fill="hold">
+                                          <p:stCondLst>
+                                            <p:cond delay="499"/>
+                                          </p:stCondLst>
+                                        </p:cTn>
+                                        <p:tgtEl>
+                                          <p:spTgt spid="32"/>
+                                        </p:tgtEl>
+                                        <p:attrNameLst>
+                                          <p:attrName>style.visibility</p:attrName>
+                                        </p:attrNameLst>
+                                      </p:cBhvr>
+                                      <p:to>
+                                        <p:strVal val="hidden"/>
+                                      </p:to>
+                                    </p:set>
+                                  </p:childTnLst>
+                                </p:cTn>
+                              </p:par>
+                            </p:childTnLst>
+                          </p:cTn>
+                        </p:par>
+                      </p:childTnLst>
+                    </p:cTn>
+                  </p:par>
+                </p:childTnLst>
+              </p:cTn>
+              <p:prevCondLst>
+                <p:cond evt="onPrev" delay="0">
+                  <p:tgtEl>
+                    <p:sldTgt/>
+                  </p:tgtEl>
+                </p:cond>
+              </p:prevCondLst>
+              <p:nextCondLst>
+                <p:cond evt="onNext" delay="0">
+                  <p:tgtEl>
+                    <p:sldTgt/>
+                  </p:tgtEl>
+                </p:cond>
+              </p:nextCondLst>
+            </p:seq>
+          </p:childTnLst>
+        </p:cTn>
+      </p:par>
+    </p:tnLst>
+    <p:bldLst>
+      <p:bldP spid="15" grpId="0"/>
+      <p:bldP spid="31" grpId="0" animBg="1"/>
+      <p:bldP spid="31" grpId="1" animBg="1"/>
+      <p:bldP spid="32" grpId="0" animBg="1"/>
+      <p:bldP spid="32" grpId="1" animBg="1"/>
+      <p:bldP spid="33" grpId="0" animBg="1"/>
+    </p:bldLst>
+  </p:timing>
+</p:sld>
+</file>
+
+<file path=ppt/slides/slide47.xml><?xml version="1.0" encoding="utf-8"?>
+<p:sld xmlns:a="http://schemas.openxmlformats.org/drawingml/2006/main" xmlns:r="http://schemas.openxmlformats.org/officeDocument/2006/relationships" xmlns:p="http://schemas.openxmlformats.org/presentationml/2006/main">
+  <p:cSld>
+    <p:spTree>
+      <p:nvGrpSpPr>
+        <p:cNvPr id="1" name=""/>
+        <p:cNvGrpSpPr/>
+        <p:nvPr/>
+      </p:nvGrpSpPr>
+      <p:grpSpPr>
+        <a:xfrm>
+          <a:off x="0" y="0"/>
+          <a:ext cx="0" cy="0"/>
+          <a:chOff x="0" y="0"/>
+          <a:chExt cx="0" cy="0"/>
+        </a:xfrm>
+      </p:grpSpPr>
+      <p:sp>
+        <p:nvSpPr>
+          <p:cNvPr id="2" name="Title 1">
+            <a:extLst>
+              <a:ext uri="{FF2B5EF4-FFF2-40B4-BE49-F238E27FC236}">
+                <a16:creationId xmlns:a16="http://schemas.microsoft.com/office/drawing/2014/main" id="{5838FCDC-F421-432F-93E5-2B240F0C3A26}"/>
+              </a:ext>
+            </a:extLst>
+          </p:cNvPr>
+          <p:cNvSpPr>
+            <a:spLocks noGrp="1"/>
+          </p:cNvSpPr>
+          <p:nvPr>
+            <p:ph type="title"/>
+          </p:nvPr>
+        </p:nvSpPr>
+        <p:spPr/>
+        <p:txBody>
+          <a:bodyPr/>
+          <a:lstStyle/>
+          <a:p>
+            <a:r>
+              <a:rPr lang="en-US" dirty="0"/>
+              <a:t>CIRCUIT BREAKERS</a:t>
+            </a:r>
+          </a:p>
+        </p:txBody>
+      </p:sp>
+      <p:sp>
+        <p:nvSpPr>
+          <p:cNvPr id="3" name="Slide Number Placeholder 2">
+            <a:extLst>
+              <a:ext uri="{FF2B5EF4-FFF2-40B4-BE49-F238E27FC236}">
+                <a16:creationId xmlns:a16="http://schemas.microsoft.com/office/drawing/2014/main" id="{41427896-FA27-48EC-B05E-B72D29C8A23C}"/>
+              </a:ext>
+            </a:extLst>
+          </p:cNvPr>
+          <p:cNvSpPr>
+            <a:spLocks noGrp="1"/>
+          </p:cNvSpPr>
+          <p:nvPr>
+            <p:ph type="sldNum" sz="quarter" idx="4"/>
+          </p:nvPr>
+        </p:nvSpPr>
+        <p:spPr/>
+        <p:txBody>
+          <a:bodyPr/>
+          <a:lstStyle/>
+          <a:p>
+            <a:fld id="{3A707DD9-E92B-45E8-BE0A-E6B2EDF345EB}" type="slidenum">
+              <a:rPr lang="en-US" smtClean="0"/>
+              <a:pPr/>
+              <a:t>47</a:t>
+            </a:fld>
+            <a:endParaRPr lang="en-US" dirty="0"/>
+          </a:p>
+        </p:txBody>
+      </p:sp>
+      <p:sp>
+        <p:nvSpPr>
+          <p:cNvPr id="5" name="Rectangle: Rounded Corners 4">
+            <a:extLst>
+              <a:ext uri="{FF2B5EF4-FFF2-40B4-BE49-F238E27FC236}">
+                <a16:creationId xmlns:a16="http://schemas.microsoft.com/office/drawing/2014/main" id="{B7754A19-3B9C-4DE7-B428-E4464FA3CD01}"/>
+              </a:ext>
+            </a:extLst>
+          </p:cNvPr>
+          <p:cNvSpPr/>
+          <p:nvPr/>
+        </p:nvSpPr>
+        <p:spPr>
+          <a:xfrm>
+            <a:off x="2018849" y="1725795"/>
+            <a:ext cx="758618" cy="498900"/>
+          </a:xfrm>
+          <a:prstGeom prst="roundRect">
+            <a:avLst/>
+          </a:prstGeom>
+        </p:spPr>
+        <p:style>
+          <a:lnRef idx="2">
+            <a:schemeClr val="accent4">
+              <a:shade val="50000"/>
+            </a:schemeClr>
+          </a:lnRef>
+          <a:fillRef idx="1">
+            <a:schemeClr val="accent4"/>
+          </a:fillRef>
+          <a:effectRef idx="0">
+            <a:schemeClr val="accent4"/>
+          </a:effectRef>
+          <a:fontRef idx="minor">
+            <a:schemeClr val="lt1"/>
+          </a:fontRef>
+        </p:style>
+        <p:txBody>
+          <a:bodyPr rtlCol="0" anchor="ctr"/>
+          <a:lstStyle/>
+          <a:p>
+            <a:pPr algn="ctr"/>
+            <a:endParaRPr lang="en-US" dirty="0"/>
+          </a:p>
+        </p:txBody>
+      </p:sp>
+      <p:sp>
+        <p:nvSpPr>
+          <p:cNvPr id="6" name="Rectangle: Rounded Corners 5">
+            <a:extLst>
+              <a:ext uri="{FF2B5EF4-FFF2-40B4-BE49-F238E27FC236}">
+                <a16:creationId xmlns:a16="http://schemas.microsoft.com/office/drawing/2014/main" id="{397020A7-5F71-4B1D-A412-90653F2DE211}"/>
+              </a:ext>
+            </a:extLst>
+          </p:cNvPr>
+          <p:cNvSpPr/>
+          <p:nvPr/>
+        </p:nvSpPr>
+        <p:spPr>
+          <a:xfrm>
+            <a:off x="4209213" y="2369039"/>
+            <a:ext cx="758618" cy="498900"/>
+          </a:xfrm>
+          <a:prstGeom prst="roundRect">
+            <a:avLst/>
+          </a:prstGeom>
+          <a:solidFill>
+            <a:schemeClr val="accent4"/>
+          </a:solidFill>
+        </p:spPr>
+        <p:style>
+          <a:lnRef idx="2">
+            <a:schemeClr val="accent4">
+              <a:shade val="50000"/>
+            </a:schemeClr>
+          </a:lnRef>
+          <a:fillRef idx="1">
+            <a:schemeClr val="accent4"/>
+          </a:fillRef>
+          <a:effectRef idx="0">
+            <a:schemeClr val="accent4"/>
+          </a:effectRef>
+          <a:fontRef idx="minor">
+            <a:schemeClr val="lt1"/>
+          </a:fontRef>
+        </p:style>
+        <p:txBody>
+          <a:bodyPr rtlCol="0" anchor="ctr"/>
+          <a:lstStyle/>
+          <a:p>
+            <a:pPr algn="ctr"/>
+            <a:endParaRPr lang="en-US" dirty="0"/>
+          </a:p>
+        </p:txBody>
+      </p:sp>
+      <p:sp>
+        <p:nvSpPr>
+          <p:cNvPr id="7" name="Rectangle: Rounded Corners 6">
+            <a:extLst>
+              <a:ext uri="{FF2B5EF4-FFF2-40B4-BE49-F238E27FC236}">
+                <a16:creationId xmlns:a16="http://schemas.microsoft.com/office/drawing/2014/main" id="{614D3AC6-1D2D-4863-BB4D-1233CB1AA5F2}"/>
+              </a:ext>
+            </a:extLst>
+          </p:cNvPr>
+          <p:cNvSpPr/>
+          <p:nvPr/>
+        </p:nvSpPr>
+        <p:spPr>
+          <a:xfrm>
+            <a:off x="1907891" y="3654701"/>
+            <a:ext cx="758618" cy="498900"/>
+          </a:xfrm>
+          <a:prstGeom prst="roundRect">
+            <a:avLst/>
+          </a:prstGeom>
+          <a:solidFill>
+            <a:schemeClr val="accent4"/>
+          </a:solidFill>
+        </p:spPr>
+        <p:style>
+          <a:lnRef idx="2">
+            <a:schemeClr val="accent4">
+              <a:shade val="50000"/>
+            </a:schemeClr>
+          </a:lnRef>
+          <a:fillRef idx="1">
+            <a:schemeClr val="accent4"/>
+          </a:fillRef>
+          <a:effectRef idx="0">
+            <a:schemeClr val="accent4"/>
+          </a:effectRef>
+          <a:fontRef idx="minor">
+            <a:schemeClr val="lt1"/>
+          </a:fontRef>
+        </p:style>
+        <p:txBody>
+          <a:bodyPr rtlCol="0" anchor="ctr"/>
+          <a:lstStyle/>
+          <a:p>
+            <a:pPr algn="ctr"/>
+            <a:endParaRPr lang="en-US" dirty="0"/>
+          </a:p>
+        </p:txBody>
+      </p:sp>
+      <p:sp>
+        <p:nvSpPr>
+          <p:cNvPr id="8" name="Rectangle: Rounded Corners 7">
+            <a:extLst>
+              <a:ext uri="{FF2B5EF4-FFF2-40B4-BE49-F238E27FC236}">
+                <a16:creationId xmlns:a16="http://schemas.microsoft.com/office/drawing/2014/main" id="{7CFF1FE2-7337-4865-A675-EF8F0AE7BF4E}"/>
+              </a:ext>
+            </a:extLst>
+          </p:cNvPr>
+          <p:cNvSpPr/>
+          <p:nvPr/>
+        </p:nvSpPr>
+        <p:spPr>
+          <a:xfrm>
+            <a:off x="3747782" y="3440296"/>
+            <a:ext cx="758618" cy="498900"/>
+          </a:xfrm>
+          <a:prstGeom prst="roundRect">
+            <a:avLst/>
+          </a:prstGeom>
+          <a:solidFill>
+            <a:schemeClr val="accent4"/>
+          </a:solidFill>
+        </p:spPr>
+        <p:style>
+          <a:lnRef idx="2">
+            <a:schemeClr val="accent4">
+              <a:shade val="50000"/>
+            </a:schemeClr>
+          </a:lnRef>
+          <a:fillRef idx="1">
+            <a:schemeClr val="accent4"/>
+          </a:fillRef>
+          <a:effectRef idx="0">
+            <a:schemeClr val="accent4"/>
+          </a:effectRef>
+          <a:fontRef idx="minor">
+            <a:schemeClr val="lt1"/>
+          </a:fontRef>
+        </p:style>
+        <p:txBody>
+          <a:bodyPr rtlCol="0" anchor="ctr"/>
+          <a:lstStyle/>
+          <a:p>
+            <a:pPr algn="ctr"/>
+            <a:endParaRPr lang="en-US" dirty="0"/>
+          </a:p>
+        </p:txBody>
+      </p:sp>
+      <p:sp>
+        <p:nvSpPr>
+          <p:cNvPr id="9" name="Rectangle: Rounded Corners 8">
+            <a:extLst>
+              <a:ext uri="{FF2B5EF4-FFF2-40B4-BE49-F238E27FC236}">
+                <a16:creationId xmlns:a16="http://schemas.microsoft.com/office/drawing/2014/main" id="{42E62F53-6430-44A3-A807-0DB12ABD62B0}"/>
+              </a:ext>
+            </a:extLst>
+          </p:cNvPr>
+          <p:cNvSpPr/>
+          <p:nvPr/>
+        </p:nvSpPr>
+        <p:spPr>
+          <a:xfrm>
+            <a:off x="2974638" y="2618489"/>
+            <a:ext cx="758618" cy="498900"/>
+          </a:xfrm>
+          <a:prstGeom prst="roundRect">
+            <a:avLst/>
+          </a:prstGeom>
+        </p:spPr>
+        <p:style>
+          <a:lnRef idx="2">
+            <a:schemeClr val="accent4">
+              <a:shade val="50000"/>
+            </a:schemeClr>
+          </a:lnRef>
+          <a:fillRef idx="1">
+            <a:schemeClr val="accent4"/>
+          </a:fillRef>
+          <a:effectRef idx="0">
+            <a:schemeClr val="accent4"/>
+          </a:effectRef>
+          <a:fontRef idx="minor">
+            <a:schemeClr val="lt1"/>
+          </a:fontRef>
+        </p:style>
+        <p:txBody>
+          <a:bodyPr rtlCol="0" anchor="ctr"/>
+          <a:lstStyle/>
+          <a:p>
+            <a:pPr algn="ctr"/>
+            <a:endParaRPr lang="en-US" dirty="0"/>
+          </a:p>
+        </p:txBody>
+      </p:sp>
+      <p:sp>
+        <p:nvSpPr>
+          <p:cNvPr id="10" name="Rectangle: Rounded Corners 9">
+            <a:extLst>
+              <a:ext uri="{FF2B5EF4-FFF2-40B4-BE49-F238E27FC236}">
+                <a16:creationId xmlns:a16="http://schemas.microsoft.com/office/drawing/2014/main" id="{65AE9496-6D46-4BB0-9056-012CA5ADB347}"/>
+              </a:ext>
+            </a:extLst>
+          </p:cNvPr>
+          <p:cNvSpPr/>
+          <p:nvPr/>
+        </p:nvSpPr>
+        <p:spPr>
+          <a:xfrm>
+            <a:off x="3599189" y="1137613"/>
+            <a:ext cx="758618" cy="498900"/>
+          </a:xfrm>
+          <a:prstGeom prst="roundRect">
+            <a:avLst/>
+          </a:prstGeom>
+        </p:spPr>
+        <p:style>
+          <a:lnRef idx="2">
+            <a:schemeClr val="accent4">
+              <a:shade val="50000"/>
+            </a:schemeClr>
+          </a:lnRef>
+          <a:fillRef idx="1">
+            <a:schemeClr val="accent4"/>
+          </a:fillRef>
+          <a:effectRef idx="0">
+            <a:schemeClr val="accent4"/>
+          </a:effectRef>
+          <a:fontRef idx="minor">
+            <a:schemeClr val="lt1"/>
+          </a:fontRef>
+        </p:style>
+        <p:txBody>
+          <a:bodyPr rtlCol="0" anchor="ctr"/>
+          <a:lstStyle/>
+          <a:p>
+            <a:pPr algn="ctr"/>
+            <a:endParaRPr lang="en-US" dirty="0"/>
+          </a:p>
+        </p:txBody>
+      </p:sp>
+      <p:cxnSp>
+        <p:nvCxnSpPr>
+          <p:cNvPr id="11" name="Straight Connector 10">
+            <a:extLst>
+              <a:ext uri="{FF2B5EF4-FFF2-40B4-BE49-F238E27FC236}">
+                <a16:creationId xmlns:a16="http://schemas.microsoft.com/office/drawing/2014/main" id="{40FB9BF9-CBE3-4134-A210-B137D9392512}"/>
+              </a:ext>
+            </a:extLst>
+          </p:cNvPr>
+          <p:cNvCxnSpPr>
+            <a:stCxn id="5" idx="3"/>
+            <a:endCxn id="10" idx="1"/>
+          </p:cNvCxnSpPr>
+          <p:nvPr/>
+        </p:nvCxnSpPr>
+        <p:spPr>
+          <a:xfrm flipV="1">
+            <a:off x="2777467" y="1387063"/>
+            <a:ext cx="821722" cy="588182"/>
+          </a:xfrm>
+          <a:prstGeom prst="line">
+            <a:avLst/>
+          </a:prstGeom>
+          <a:ln w="28575">
+            <a:solidFill>
+              <a:schemeClr val="accent2"/>
+            </a:solidFill>
+            <a:prstDash val="dash"/>
+          </a:ln>
+        </p:spPr>
+        <p:style>
+          <a:lnRef idx="1">
+            <a:schemeClr val="accent2"/>
+          </a:lnRef>
+          <a:fillRef idx="0">
+            <a:schemeClr val="accent2"/>
+          </a:fillRef>
+          <a:effectRef idx="0">
+            <a:schemeClr val="accent2"/>
+          </a:effectRef>
+          <a:fontRef idx="minor">
+            <a:schemeClr val="tx1"/>
+          </a:fontRef>
+        </p:style>
+      </p:cxnSp>
+      <p:cxnSp>
+        <p:nvCxnSpPr>
+          <p:cNvPr id="12" name="Straight Connector 11">
+            <a:extLst>
+              <a:ext uri="{FF2B5EF4-FFF2-40B4-BE49-F238E27FC236}">
+                <a16:creationId xmlns:a16="http://schemas.microsoft.com/office/drawing/2014/main" id="{CBFE3271-8BA0-4A13-B934-CC9C82B0C51E}"/>
+              </a:ext>
+            </a:extLst>
+          </p:cNvPr>
+          <p:cNvCxnSpPr>
+            <a:cxnSpLocks/>
+            <a:stCxn id="5" idx="3"/>
+            <a:endCxn id="9" idx="0"/>
+          </p:cNvCxnSpPr>
+          <p:nvPr/>
+        </p:nvCxnSpPr>
+        <p:spPr>
+          <a:xfrm>
+            <a:off x="2777467" y="1975245"/>
+            <a:ext cx="576481" cy="643244"/>
+          </a:xfrm>
+          <a:prstGeom prst="line">
+            <a:avLst/>
+          </a:prstGeom>
+          <a:ln w="28575">
+            <a:solidFill>
+              <a:schemeClr val="accent2"/>
+            </a:solidFill>
+            <a:prstDash val="dash"/>
+          </a:ln>
+        </p:spPr>
+        <p:style>
+          <a:lnRef idx="1">
+            <a:schemeClr val="accent2"/>
+          </a:lnRef>
+          <a:fillRef idx="0">
+            <a:schemeClr val="accent2"/>
+          </a:fillRef>
+          <a:effectRef idx="0">
+            <a:schemeClr val="accent2"/>
+          </a:effectRef>
+          <a:fontRef idx="minor">
+            <a:schemeClr val="tx1"/>
+          </a:fontRef>
+        </p:style>
+      </p:cxnSp>
+      <p:cxnSp>
+        <p:nvCxnSpPr>
+          <p:cNvPr id="13" name="Straight Connector 12">
+            <a:extLst>
+              <a:ext uri="{FF2B5EF4-FFF2-40B4-BE49-F238E27FC236}">
+                <a16:creationId xmlns:a16="http://schemas.microsoft.com/office/drawing/2014/main" id="{8E0A7F7B-02F2-4550-A8D2-4FD7F18A2234}"/>
+              </a:ext>
+            </a:extLst>
+          </p:cNvPr>
+          <p:cNvCxnSpPr>
+            <a:cxnSpLocks/>
+            <a:stCxn id="6" idx="1"/>
+            <a:endCxn id="9" idx="3"/>
+          </p:cNvCxnSpPr>
+          <p:nvPr/>
+        </p:nvCxnSpPr>
+        <p:spPr>
+          <a:xfrm flipH="1">
+            <a:off x="3733256" y="2618489"/>
+            <a:ext cx="475957" cy="249450"/>
+          </a:xfrm>
+          <a:prstGeom prst="line">
+            <a:avLst/>
+          </a:prstGeom>
+          <a:ln w="28575">
+            <a:prstDash val="dash"/>
+          </a:ln>
+        </p:spPr>
+        <p:style>
+          <a:lnRef idx="1">
+            <a:schemeClr val="accent2"/>
+          </a:lnRef>
+          <a:fillRef idx="0">
+            <a:schemeClr val="accent2"/>
+          </a:fillRef>
+          <a:effectRef idx="0">
+            <a:schemeClr val="accent2"/>
+          </a:effectRef>
+          <a:fontRef idx="minor">
+            <a:schemeClr val="tx1"/>
+          </a:fontRef>
+        </p:style>
+      </p:cxnSp>
+      <p:cxnSp>
+        <p:nvCxnSpPr>
+          <p:cNvPr id="14" name="Straight Connector 13">
+            <a:extLst>
+              <a:ext uri="{FF2B5EF4-FFF2-40B4-BE49-F238E27FC236}">
+                <a16:creationId xmlns:a16="http://schemas.microsoft.com/office/drawing/2014/main" id="{C69516D2-C564-4634-AE1C-2AE653FD3381}"/>
+              </a:ext>
+            </a:extLst>
+          </p:cNvPr>
+          <p:cNvCxnSpPr>
+            <a:cxnSpLocks/>
+            <a:stCxn id="6" idx="2"/>
+            <a:endCxn id="8" idx="0"/>
+          </p:cNvCxnSpPr>
+          <p:nvPr/>
+        </p:nvCxnSpPr>
+        <p:spPr>
+          <a:xfrm flipH="1">
+            <a:off x="4127092" y="2867939"/>
+            <a:ext cx="461430" cy="572357"/>
+          </a:xfrm>
+          <a:prstGeom prst="line">
+            <a:avLst/>
+          </a:prstGeom>
+          <a:ln w="28575">
+            <a:prstDash val="dash"/>
+          </a:ln>
+        </p:spPr>
+        <p:style>
+          <a:lnRef idx="1">
+            <a:schemeClr val="accent2"/>
+          </a:lnRef>
+          <a:fillRef idx="0">
+            <a:schemeClr val="accent2"/>
+          </a:fillRef>
+          <a:effectRef idx="0">
+            <a:schemeClr val="accent2"/>
+          </a:effectRef>
+          <a:fontRef idx="minor">
+            <a:schemeClr val="tx1"/>
+          </a:fontRef>
+        </p:style>
+      </p:cxnSp>
+      <p:cxnSp>
+        <p:nvCxnSpPr>
+          <p:cNvPr id="15" name="Straight Connector 14">
+            <a:extLst>
+              <a:ext uri="{FF2B5EF4-FFF2-40B4-BE49-F238E27FC236}">
+                <a16:creationId xmlns:a16="http://schemas.microsoft.com/office/drawing/2014/main" id="{3687DB14-FC80-44AF-8390-793C2E087C55}"/>
+              </a:ext>
+            </a:extLst>
+          </p:cNvPr>
+          <p:cNvCxnSpPr>
+            <a:cxnSpLocks/>
+            <a:stCxn id="8" idx="1"/>
+            <a:endCxn id="7" idx="3"/>
+          </p:cNvCxnSpPr>
+          <p:nvPr/>
+        </p:nvCxnSpPr>
+        <p:spPr>
+          <a:xfrm flipH="1">
+            <a:off x="2666509" y="3689747"/>
+            <a:ext cx="1081273" cy="214404"/>
+          </a:xfrm>
+          <a:prstGeom prst="line">
+            <a:avLst/>
+          </a:prstGeom>
+          <a:ln w="28575">
+            <a:prstDash val="dash"/>
+          </a:ln>
+        </p:spPr>
+        <p:style>
+          <a:lnRef idx="1">
+            <a:schemeClr val="accent2"/>
+          </a:lnRef>
+          <a:fillRef idx="0">
+            <a:schemeClr val="accent2"/>
+          </a:fillRef>
+          <a:effectRef idx="0">
+            <a:schemeClr val="accent2"/>
+          </a:effectRef>
+          <a:fontRef idx="minor">
+            <a:schemeClr val="tx1"/>
+          </a:fontRef>
+        </p:style>
+      </p:cxnSp>
+      <p:cxnSp>
+        <p:nvCxnSpPr>
+          <p:cNvPr id="16" name="Straight Connector 15">
+            <a:extLst>
+              <a:ext uri="{FF2B5EF4-FFF2-40B4-BE49-F238E27FC236}">
+                <a16:creationId xmlns:a16="http://schemas.microsoft.com/office/drawing/2014/main" id="{CF1F8CAD-C591-4F32-B97A-E591CF7E213E}"/>
+              </a:ext>
+            </a:extLst>
+          </p:cNvPr>
+          <p:cNvCxnSpPr>
+            <a:cxnSpLocks/>
+            <a:stCxn id="5" idx="2"/>
+            <a:endCxn id="7" idx="0"/>
+          </p:cNvCxnSpPr>
+          <p:nvPr/>
+        </p:nvCxnSpPr>
+        <p:spPr>
+          <a:xfrm flipH="1">
+            <a:off x="2287201" y="2224695"/>
+            <a:ext cx="110958" cy="1430005"/>
+          </a:xfrm>
+          <a:prstGeom prst="line">
+            <a:avLst/>
+          </a:prstGeom>
+          <a:ln w="28575">
+            <a:solidFill>
+              <a:schemeClr val="accent2"/>
+            </a:solidFill>
+            <a:prstDash val="dash"/>
+          </a:ln>
+        </p:spPr>
+        <p:style>
+          <a:lnRef idx="1">
+            <a:schemeClr val="accent2"/>
+          </a:lnRef>
+          <a:fillRef idx="0">
+            <a:schemeClr val="accent2"/>
+          </a:fillRef>
+          <a:effectRef idx="0">
+            <a:schemeClr val="accent2"/>
+          </a:effectRef>
+          <a:fontRef idx="minor">
+            <a:schemeClr val="tx1"/>
+          </a:fontRef>
+        </p:style>
+      </p:cxnSp>
+      <p:sp>
+        <p:nvSpPr>
+          <p:cNvPr id="18" name="&quot;Not Allowed&quot; Symbol 17">
+            <a:extLst>
+              <a:ext uri="{FF2B5EF4-FFF2-40B4-BE49-F238E27FC236}">
+                <a16:creationId xmlns:a16="http://schemas.microsoft.com/office/drawing/2014/main" id="{C44563D5-4936-4E50-8C67-E51E7C6C9CA7}"/>
+              </a:ext>
+            </a:extLst>
+          </p:cNvPr>
+          <p:cNvSpPr/>
+          <p:nvPr/>
+        </p:nvSpPr>
+        <p:spPr>
+          <a:xfrm>
+            <a:off x="1942170" y="1554150"/>
+            <a:ext cx="914539" cy="873132"/>
+          </a:xfrm>
+          <a:prstGeom prst="noSmoking">
+            <a:avLst/>
+          </a:prstGeom>
+        </p:spPr>
+        <p:style>
+          <a:lnRef idx="2">
+            <a:schemeClr val="accent6">
+              <a:shade val="50000"/>
+            </a:schemeClr>
+          </a:lnRef>
+          <a:fillRef idx="1">
+            <a:schemeClr val="accent6"/>
+          </a:fillRef>
+          <a:effectRef idx="0">
+            <a:schemeClr val="accent6"/>
+          </a:effectRef>
+          <a:fontRef idx="minor">
+            <a:schemeClr val="lt1"/>
+          </a:fontRef>
+        </p:style>
+        <p:txBody>
+          <a:bodyPr rtlCol="0" anchor="ctr"/>
+          <a:lstStyle/>
+          <a:p>
+            <a:pPr algn="ctr"/>
+            <a:endParaRPr lang="en-US">
+              <a:solidFill>
+                <a:schemeClr val="tx1"/>
+              </a:solidFill>
+            </a:endParaRPr>
+          </a:p>
+        </p:txBody>
+      </p:sp>
+      <p:sp>
+        <p:nvSpPr>
+          <p:cNvPr id="17" name="Lightning Bolt 16">
+            <a:extLst>
+              <a:ext uri="{FF2B5EF4-FFF2-40B4-BE49-F238E27FC236}">
+                <a16:creationId xmlns:a16="http://schemas.microsoft.com/office/drawing/2014/main" id="{A7D0FA68-8D83-4451-89C4-5542F8D08554}"/>
+              </a:ext>
+            </a:extLst>
+          </p:cNvPr>
+          <p:cNvSpPr/>
+          <p:nvPr/>
+        </p:nvSpPr>
+        <p:spPr>
+          <a:xfrm>
+            <a:off x="2974638" y="1461320"/>
+            <a:ext cx="379310" cy="478880"/>
+          </a:xfrm>
+          <a:prstGeom prst="lightningBolt">
+            <a:avLst/>
+          </a:prstGeom>
+        </p:spPr>
+        <p:style>
+          <a:lnRef idx="2">
+            <a:schemeClr val="accent5">
+              <a:shade val="50000"/>
+            </a:schemeClr>
+          </a:lnRef>
+          <a:fillRef idx="1">
+            <a:schemeClr val="accent5"/>
+          </a:fillRef>
+          <a:effectRef idx="0">
+            <a:schemeClr val="accent5"/>
+          </a:effectRef>
+          <a:fontRef idx="minor">
+            <a:schemeClr val="lt1"/>
+          </a:fontRef>
+        </p:style>
+        <p:txBody>
+          <a:bodyPr rtlCol="0" anchor="ctr"/>
+          <a:lstStyle/>
+          <a:p>
+            <a:pPr algn="ctr"/>
+            <a:endParaRPr lang="en-US"/>
+          </a:p>
+        </p:txBody>
+      </p:sp>
+      <p:sp>
+        <p:nvSpPr>
+          <p:cNvPr id="19" name="Lightning Bolt 18">
+            <a:extLst>
+              <a:ext uri="{FF2B5EF4-FFF2-40B4-BE49-F238E27FC236}">
+                <a16:creationId xmlns:a16="http://schemas.microsoft.com/office/drawing/2014/main" id="{EFA5188D-2D07-490E-8E5D-44286A440603}"/>
+              </a:ext>
+            </a:extLst>
+          </p:cNvPr>
+          <p:cNvSpPr/>
+          <p:nvPr/>
+        </p:nvSpPr>
+        <p:spPr>
+          <a:xfrm>
+            <a:off x="2125670" y="2845500"/>
+            <a:ext cx="379310" cy="478880"/>
+          </a:xfrm>
+          <a:prstGeom prst="lightningBolt">
+            <a:avLst/>
+          </a:prstGeom>
+        </p:spPr>
+        <p:style>
+          <a:lnRef idx="2">
+            <a:schemeClr val="accent5">
+              <a:shade val="50000"/>
+            </a:schemeClr>
+          </a:lnRef>
+          <a:fillRef idx="1">
+            <a:schemeClr val="accent5"/>
+          </a:fillRef>
+          <a:effectRef idx="0">
+            <a:schemeClr val="accent5"/>
+          </a:effectRef>
+          <a:fontRef idx="minor">
+            <a:schemeClr val="lt1"/>
+          </a:fontRef>
+        </p:style>
+        <p:txBody>
+          <a:bodyPr rtlCol="0" anchor="ctr"/>
+          <a:lstStyle/>
+          <a:p>
+            <a:pPr algn="ctr"/>
+            <a:endParaRPr lang="en-US"/>
+          </a:p>
+        </p:txBody>
+      </p:sp>
+      <p:sp>
+        <p:nvSpPr>
+          <p:cNvPr id="21" name="Lightning Bolt 20">
+            <a:extLst>
+              <a:ext uri="{FF2B5EF4-FFF2-40B4-BE49-F238E27FC236}">
+                <a16:creationId xmlns:a16="http://schemas.microsoft.com/office/drawing/2014/main" id="{2C7C45E9-D467-40D5-BA3B-574272D7EF9F}"/>
+              </a:ext>
+            </a:extLst>
+          </p:cNvPr>
+          <p:cNvSpPr/>
+          <p:nvPr/>
+        </p:nvSpPr>
+        <p:spPr>
+          <a:xfrm>
+            <a:off x="2907604" y="2092870"/>
+            <a:ext cx="379310" cy="478880"/>
+          </a:xfrm>
+          <a:prstGeom prst="lightningBolt">
+            <a:avLst/>
+          </a:prstGeom>
+        </p:spPr>
+        <p:style>
+          <a:lnRef idx="2">
+            <a:schemeClr val="accent5">
+              <a:shade val="50000"/>
+            </a:schemeClr>
+          </a:lnRef>
+          <a:fillRef idx="1">
+            <a:schemeClr val="accent5"/>
+          </a:fillRef>
+          <a:effectRef idx="0">
+            <a:schemeClr val="accent5"/>
+          </a:effectRef>
+          <a:fontRef idx="minor">
+            <a:schemeClr val="lt1"/>
+          </a:fontRef>
+        </p:style>
+        <p:txBody>
+          <a:bodyPr rtlCol="0" anchor="ctr"/>
+          <a:lstStyle/>
+          <a:p>
+            <a:pPr algn="ctr"/>
+            <a:endParaRPr lang="en-US"/>
+          </a:p>
+        </p:txBody>
+      </p:sp>
+      <p:pic>
+        <p:nvPicPr>
+          <p:cNvPr id="1026" name="Picture 2" descr="Online Circuit Breaker and Fuses Product Types ...">
+            <a:extLst>
+              <a:ext uri="{FF2B5EF4-FFF2-40B4-BE49-F238E27FC236}">
+                <a16:creationId xmlns:a16="http://schemas.microsoft.com/office/drawing/2014/main" id="{B398EADD-B614-413A-93F9-D81C74F41DFA}"/>
+              </a:ext>
+            </a:extLst>
+          </p:cNvPr>
+          <p:cNvPicPr>
+            <a:picLocks noChangeAspect="1" noChangeArrowheads="1"/>
+          </p:cNvPicPr>
+          <p:nvPr/>
+        </p:nvPicPr>
+        <p:blipFill>
+          <a:blip r:embed="rId2" cstate="print">
+            <a:extLst>
+              <a:ext uri="{28A0092B-C50C-407E-A947-70E740481C1C}">
+                <a14:useLocalDpi xmlns:a14="http://schemas.microsoft.com/office/drawing/2010/main" val="0"/>
+              </a:ext>
+            </a:extLst>
+          </a:blip>
+          <a:srcRect/>
+          <a:stretch>
+            <a:fillRect/>
+          </a:stretch>
+        </p:blipFill>
+        <p:spPr bwMode="auto">
+          <a:xfrm>
+            <a:off x="5336167" y="1322260"/>
+            <a:ext cx="2246767" cy="2498979"/>
+          </a:xfrm>
+          <a:prstGeom prst="rect">
+            <a:avLst/>
+          </a:prstGeom>
+          <a:noFill/>
+          <a:extLst>
+            <a:ext uri="{909E8E84-426E-40DD-AFC4-6F175D3DCCD1}">
+              <a14:hiddenFill xmlns:a14="http://schemas.microsoft.com/office/drawing/2010/main">
+                <a:solidFill>
+                  <a:srgbClr val="FFFFFF"/>
+                </a:solidFill>
+              </a14:hiddenFill>
+            </a:ext>
+          </a:extLst>
+        </p:spPr>
+      </p:pic>
+    </p:spTree>
+    <p:extLst>
+      <p:ext uri="{BB962C8B-B14F-4D97-AF65-F5344CB8AC3E}">
+        <p14:creationId xmlns:p14="http://schemas.microsoft.com/office/powerpoint/2010/main" val="1056558491"/>
+      </p:ext>
+    </p:extLst>
+  </p:cSld>
+  <p:clrMapOvr>
+    <a:masterClrMapping/>
+  </p:clrMapOvr>
+  <p:timing>
+    <p:tnLst>
+      <p:par>
+        <p:cTn id="1" dur="indefinite" restart="never" nodeType="tmRoot">
+          <p:childTnLst>
+            <p:seq concurrent="1" nextAc="seek">
+              <p:cTn id="2" dur="indefinite" nodeType="mainSeq">
+                <p:childTnLst>
+                  <p:par>
+                    <p:cTn id="3" fill="hold">
+                      <p:stCondLst>
+                        <p:cond delay="indefinite"/>
+                      </p:stCondLst>
+                      <p:childTnLst>
+                        <p:par>
+                          <p:cTn id="4" fill="hold">
+                            <p:stCondLst>
+                              <p:cond delay="0"/>
+                            </p:stCondLst>
+                            <p:childTnLst>
+                              <p:par>
+                                <p:cTn id="5" presetID="10" presetClass="entr" presetSubtype="0" fill="hold" grpId="0" nodeType="clickEffect">
+                                  <p:stCondLst>
+                                    <p:cond delay="0"/>
+                                  </p:stCondLst>
+                                  <p:childTnLst>
+                                    <p:set>
+                                      <p:cBhvr>
+                                        <p:cTn id="6" dur="1" fill="hold">
+                                          <p:stCondLst>
+                                            <p:cond delay="0"/>
+                                          </p:stCondLst>
+                                        </p:cTn>
+                                        <p:tgtEl>
+                                          <p:spTgt spid="18"/>
+                                        </p:tgtEl>
+                                        <p:attrNameLst>
+                                          <p:attrName>style.visibility</p:attrName>
+                                        </p:attrNameLst>
+                                      </p:cBhvr>
+                                      <p:to>
+                                        <p:strVal val="visible"/>
+                                      </p:to>
+                                    </p:set>
+                                    <p:animEffect transition="in" filter="fade">
+                                      <p:cBhvr>
+                                        <p:cTn id="7" dur="500"/>
+                                        <p:tgtEl>
+                                          <p:spTgt spid="18"/>
+                                        </p:tgtEl>
+                                      </p:cBhvr>
+                                    </p:animEffect>
+                                  </p:childTnLst>
+                                </p:cTn>
+                              </p:par>
+                            </p:childTnLst>
+                          </p:cTn>
+                        </p:par>
+                      </p:childTnLst>
+                    </p:cTn>
+                  </p:par>
+                  <p:par>
+                    <p:cTn id="8" fill="hold">
+                      <p:stCondLst>
+                        <p:cond delay="indefinite"/>
+                      </p:stCondLst>
+                      <p:childTnLst>
+                        <p:par>
+                          <p:cTn id="9" fill="hold">
+                            <p:stCondLst>
+                              <p:cond delay="0"/>
+                            </p:stCondLst>
+                            <p:childTnLst>
+                              <p:par>
+                                <p:cTn id="10" presetID="25" presetClass="emph" presetSubtype="0" fill="hold" nodeType="clickEffect">
+                                  <p:stCondLst>
+                                    <p:cond delay="0"/>
+                                  </p:stCondLst>
+                                  <p:childTnLst>
+                                    <p:animClr clrSpc="hsl" dir="cw">
+                                      <p:cBhvr override="childStyle">
+                                        <p:cTn id="11" dur="500" fill="hold"/>
+                                        <p:tgtEl>
+                                          <p:spTgt spid="11"/>
+                                        </p:tgtEl>
+                                        <p:attrNameLst>
+                                          <p:attrName>style.color</p:attrName>
+                                        </p:attrNameLst>
+                                      </p:cBhvr>
+                                      <p:by>
+                                        <p:hsl h="0" s="-70588" l="0"/>
+                                      </p:by>
+                                    </p:animClr>
+                                    <p:animClr clrSpc="hsl" dir="cw">
+                                      <p:cBhvr>
+                                        <p:cTn id="12" dur="500" fill="hold"/>
+                                        <p:tgtEl>
+                                          <p:spTgt spid="11"/>
+                                        </p:tgtEl>
+                                        <p:attrNameLst>
+                                          <p:attrName>fillcolor</p:attrName>
+                                        </p:attrNameLst>
+                                      </p:cBhvr>
+                                      <p:by>
+                                        <p:hsl h="0" s="-70588" l="0"/>
+                                      </p:by>
+                                    </p:animClr>
+                                    <p:animClr clrSpc="hsl" dir="cw">
+                                      <p:cBhvr>
+                                        <p:cTn id="13" dur="500" fill="hold"/>
+                                        <p:tgtEl>
+                                          <p:spTgt spid="11"/>
+                                        </p:tgtEl>
+                                        <p:attrNameLst>
+                                          <p:attrName>stroke.color</p:attrName>
+                                        </p:attrNameLst>
+                                      </p:cBhvr>
+                                      <p:by>
+                                        <p:hsl h="0" s="-70588" l="0"/>
+                                      </p:by>
+                                    </p:animClr>
+                                    <p:set>
+                                      <p:cBhvr>
+                                        <p:cTn id="14" dur="500" fill="hold"/>
+                                        <p:tgtEl>
+                                          <p:spTgt spid="11"/>
+                                        </p:tgtEl>
+                                        <p:attrNameLst>
+                                          <p:attrName>fill.type</p:attrName>
+                                        </p:attrNameLst>
+                                      </p:cBhvr>
+                                      <p:to>
+                                        <p:strVal val="solid"/>
+                                      </p:to>
+                                    </p:set>
+                                  </p:childTnLst>
+                                </p:cTn>
+                              </p:par>
+                              <p:par>
+                                <p:cTn id="15" presetID="25" presetClass="emph" presetSubtype="0" fill="hold" nodeType="withEffect">
+                                  <p:stCondLst>
+                                    <p:cond delay="0"/>
+                                  </p:stCondLst>
+                                  <p:childTnLst>
+                                    <p:animClr clrSpc="hsl" dir="cw">
+                                      <p:cBhvr override="childStyle">
+                                        <p:cTn id="16" dur="500" fill="hold"/>
+                                        <p:tgtEl>
+                                          <p:spTgt spid="12"/>
+                                        </p:tgtEl>
+                                        <p:attrNameLst>
+                                          <p:attrName>style.color</p:attrName>
+                                        </p:attrNameLst>
+                                      </p:cBhvr>
+                                      <p:by>
+                                        <p:hsl h="0" s="-70588" l="0"/>
+                                      </p:by>
+                                    </p:animClr>
+                                    <p:animClr clrSpc="hsl" dir="cw">
+                                      <p:cBhvr>
+                                        <p:cTn id="17" dur="500" fill="hold"/>
+                                        <p:tgtEl>
+                                          <p:spTgt spid="12"/>
+                                        </p:tgtEl>
+                                        <p:attrNameLst>
+                                          <p:attrName>fillcolor</p:attrName>
+                                        </p:attrNameLst>
+                                      </p:cBhvr>
+                                      <p:by>
+                                        <p:hsl h="0" s="-70588" l="0"/>
+                                      </p:by>
+                                    </p:animClr>
+                                    <p:animClr clrSpc="hsl" dir="cw">
+                                      <p:cBhvr>
+                                        <p:cTn id="18" dur="500" fill="hold"/>
+                                        <p:tgtEl>
+                                          <p:spTgt spid="12"/>
+                                        </p:tgtEl>
+                                        <p:attrNameLst>
+                                          <p:attrName>stroke.color</p:attrName>
+                                        </p:attrNameLst>
+                                      </p:cBhvr>
+                                      <p:by>
+                                        <p:hsl h="0" s="-70588" l="0"/>
+                                      </p:by>
+                                    </p:animClr>
+                                    <p:set>
+                                      <p:cBhvr>
+                                        <p:cTn id="19" dur="500" fill="hold"/>
+                                        <p:tgtEl>
+                                          <p:spTgt spid="12"/>
+                                        </p:tgtEl>
+                                        <p:attrNameLst>
+                                          <p:attrName>fill.type</p:attrName>
+                                        </p:attrNameLst>
+                                      </p:cBhvr>
+                                      <p:to>
+                                        <p:strVal val="solid"/>
+                                      </p:to>
+                                    </p:set>
+                                  </p:childTnLst>
+                                </p:cTn>
+                              </p:par>
+                              <p:par>
+                                <p:cTn id="20" presetID="25" presetClass="emph" presetSubtype="0" fill="hold" nodeType="withEffect">
+                                  <p:stCondLst>
+                                    <p:cond delay="0"/>
+                                  </p:stCondLst>
+                                  <p:childTnLst>
+                                    <p:animClr clrSpc="hsl" dir="cw">
+                                      <p:cBhvr override="childStyle">
+                                        <p:cTn id="21" dur="500" fill="hold"/>
+                                        <p:tgtEl>
+                                          <p:spTgt spid="16"/>
+                                        </p:tgtEl>
+                                        <p:attrNameLst>
+                                          <p:attrName>style.color</p:attrName>
+                                        </p:attrNameLst>
+                                      </p:cBhvr>
+                                      <p:by>
+                                        <p:hsl h="0" s="-70588" l="0"/>
+                                      </p:by>
+                                    </p:animClr>
+                                    <p:animClr clrSpc="hsl" dir="cw">
+                                      <p:cBhvr>
+                                        <p:cTn id="22" dur="500" fill="hold"/>
+                                        <p:tgtEl>
+                                          <p:spTgt spid="16"/>
+                                        </p:tgtEl>
+                                        <p:attrNameLst>
+                                          <p:attrName>fillcolor</p:attrName>
+                                        </p:attrNameLst>
+                                      </p:cBhvr>
+                                      <p:by>
+                                        <p:hsl h="0" s="-70588" l="0"/>
+                                      </p:by>
+                                    </p:animClr>
+                                    <p:animClr clrSpc="hsl" dir="cw">
+                                      <p:cBhvr>
+                                        <p:cTn id="23" dur="500" fill="hold"/>
+                                        <p:tgtEl>
+                                          <p:spTgt spid="16"/>
+                                        </p:tgtEl>
+                                        <p:attrNameLst>
+                                          <p:attrName>stroke.color</p:attrName>
+                                        </p:attrNameLst>
+                                      </p:cBhvr>
+                                      <p:by>
+                                        <p:hsl h="0" s="-70588" l="0"/>
+                                      </p:by>
+                                    </p:animClr>
+                                    <p:set>
+                                      <p:cBhvr>
+                                        <p:cTn id="24" dur="500" fill="hold"/>
+                                        <p:tgtEl>
+                                          <p:spTgt spid="16"/>
+                                        </p:tgtEl>
+                                        <p:attrNameLst>
+                                          <p:attrName>fill.type</p:attrName>
+                                        </p:attrNameLst>
+                                      </p:cBhvr>
+                                      <p:to>
+                                        <p:strVal val="solid"/>
+                                      </p:to>
+                                    </p:set>
+                                  </p:childTnLst>
+                                </p:cTn>
+                              </p:par>
+                            </p:childTnLst>
+                          </p:cTn>
+                        </p:par>
+                      </p:childTnLst>
+                    </p:cTn>
+                  </p:par>
+                  <p:par>
+                    <p:cTn id="25" fill="hold">
+                      <p:stCondLst>
+                        <p:cond delay="indefinite"/>
+                      </p:stCondLst>
+                      <p:childTnLst>
+                        <p:par>
+                          <p:cTn id="26" fill="hold">
+                            <p:stCondLst>
+                              <p:cond delay="0"/>
+                            </p:stCondLst>
+                            <p:childTnLst>
+                              <p:par>
+                                <p:cTn id="27" presetID="31" presetClass="entr" presetSubtype="0" fill="hold" grpId="0" nodeType="clickEffect">
+                                  <p:stCondLst>
+                                    <p:cond delay="0"/>
+                                  </p:stCondLst>
+                                  <p:childTnLst>
+                                    <p:set>
+                                      <p:cBhvr>
+                                        <p:cTn id="28" dur="1" fill="hold">
+                                          <p:stCondLst>
+                                            <p:cond delay="0"/>
+                                          </p:stCondLst>
+                                        </p:cTn>
+                                        <p:tgtEl>
+                                          <p:spTgt spid="17"/>
+                                        </p:tgtEl>
+                                        <p:attrNameLst>
+                                          <p:attrName>style.visibility</p:attrName>
+                                        </p:attrNameLst>
+                                      </p:cBhvr>
+                                      <p:to>
+                                        <p:strVal val="visible"/>
+                                      </p:to>
+                                    </p:set>
+                                    <p:anim calcmode="lin" valueType="num">
+                                      <p:cBhvr>
+                                        <p:cTn id="29" dur="1000" fill="hold"/>
+                                        <p:tgtEl>
+                                          <p:spTgt spid="17"/>
+                                        </p:tgtEl>
+                                        <p:attrNameLst>
+                                          <p:attrName>ppt_w</p:attrName>
+                                        </p:attrNameLst>
+                                      </p:cBhvr>
+                                      <p:tavLst>
+                                        <p:tav tm="0">
+                                          <p:val>
+                                            <p:fltVal val="0"/>
+                                          </p:val>
+                                        </p:tav>
+                                        <p:tav tm="100000">
+                                          <p:val>
+                                            <p:strVal val="#ppt_w"/>
+                                          </p:val>
+                                        </p:tav>
+                                      </p:tavLst>
+                                    </p:anim>
+                                    <p:anim calcmode="lin" valueType="num">
+                                      <p:cBhvr>
+                                        <p:cTn id="30" dur="1000" fill="hold"/>
+                                        <p:tgtEl>
+                                          <p:spTgt spid="17"/>
+                                        </p:tgtEl>
+                                        <p:attrNameLst>
+                                          <p:attrName>ppt_h</p:attrName>
+                                        </p:attrNameLst>
+                                      </p:cBhvr>
+                                      <p:tavLst>
+                                        <p:tav tm="0">
+                                          <p:val>
+                                            <p:fltVal val="0"/>
+                                          </p:val>
+                                        </p:tav>
+                                        <p:tav tm="100000">
+                                          <p:val>
+                                            <p:strVal val="#ppt_h"/>
+                                          </p:val>
+                                        </p:tav>
+                                      </p:tavLst>
+                                    </p:anim>
+                                    <p:anim calcmode="lin" valueType="num">
+                                      <p:cBhvr>
+                                        <p:cTn id="31" dur="1000" fill="hold"/>
+                                        <p:tgtEl>
+                                          <p:spTgt spid="17"/>
+                                        </p:tgtEl>
+                                        <p:attrNameLst>
+                                          <p:attrName>style.rotation</p:attrName>
+                                        </p:attrNameLst>
+                                      </p:cBhvr>
+                                      <p:tavLst>
+                                        <p:tav tm="0">
+                                          <p:val>
+                                            <p:fltVal val="90"/>
+                                          </p:val>
+                                        </p:tav>
+                                        <p:tav tm="100000">
+                                          <p:val>
+                                            <p:fltVal val="0"/>
+                                          </p:val>
+                                        </p:tav>
+                                      </p:tavLst>
+                                    </p:anim>
+                                    <p:animEffect transition="in" filter="fade">
+                                      <p:cBhvr>
+                                        <p:cTn id="32" dur="1000"/>
+                                        <p:tgtEl>
+                                          <p:spTgt spid="17"/>
+                                        </p:tgtEl>
+                                      </p:cBhvr>
+                                    </p:animEffect>
+                                  </p:childTnLst>
+                                </p:cTn>
+                              </p:par>
+                              <p:par>
+                                <p:cTn id="33" presetID="31" presetClass="entr" presetSubtype="0" fill="hold" grpId="0" nodeType="withEffect">
+                                  <p:stCondLst>
+                                    <p:cond delay="0"/>
+                                  </p:stCondLst>
+                                  <p:childTnLst>
+                                    <p:set>
+                                      <p:cBhvr>
+                                        <p:cTn id="34" dur="1" fill="hold">
+                                          <p:stCondLst>
+                                            <p:cond delay="0"/>
+                                          </p:stCondLst>
+                                        </p:cTn>
+                                        <p:tgtEl>
+                                          <p:spTgt spid="21"/>
+                                        </p:tgtEl>
+                                        <p:attrNameLst>
+                                          <p:attrName>style.visibility</p:attrName>
+                                        </p:attrNameLst>
+                                      </p:cBhvr>
+                                      <p:to>
+                                        <p:strVal val="visible"/>
+                                      </p:to>
+                                    </p:set>
+                                    <p:anim calcmode="lin" valueType="num">
+                                      <p:cBhvr>
+                                        <p:cTn id="35" dur="1000" fill="hold"/>
+                                        <p:tgtEl>
+                                          <p:spTgt spid="21"/>
+                                        </p:tgtEl>
+                                        <p:attrNameLst>
+                                          <p:attrName>ppt_w</p:attrName>
+                                        </p:attrNameLst>
+                                      </p:cBhvr>
+                                      <p:tavLst>
+                                        <p:tav tm="0">
+                                          <p:val>
+                                            <p:fltVal val="0"/>
+                                          </p:val>
+                                        </p:tav>
+                                        <p:tav tm="100000">
+                                          <p:val>
+                                            <p:strVal val="#ppt_w"/>
+                                          </p:val>
+                                        </p:tav>
+                                      </p:tavLst>
+                                    </p:anim>
+                                    <p:anim calcmode="lin" valueType="num">
+                                      <p:cBhvr>
+                                        <p:cTn id="36" dur="1000" fill="hold"/>
+                                        <p:tgtEl>
+                                          <p:spTgt spid="21"/>
+                                        </p:tgtEl>
+                                        <p:attrNameLst>
+                                          <p:attrName>ppt_h</p:attrName>
+                                        </p:attrNameLst>
+                                      </p:cBhvr>
+                                      <p:tavLst>
+                                        <p:tav tm="0">
+                                          <p:val>
+                                            <p:fltVal val="0"/>
+                                          </p:val>
+                                        </p:tav>
+                                        <p:tav tm="100000">
+                                          <p:val>
+                                            <p:strVal val="#ppt_h"/>
+                                          </p:val>
+                                        </p:tav>
+                                      </p:tavLst>
+                                    </p:anim>
+                                    <p:anim calcmode="lin" valueType="num">
+                                      <p:cBhvr>
+                                        <p:cTn id="37" dur="1000" fill="hold"/>
+                                        <p:tgtEl>
+                                          <p:spTgt spid="21"/>
+                                        </p:tgtEl>
+                                        <p:attrNameLst>
+                                          <p:attrName>style.rotation</p:attrName>
+                                        </p:attrNameLst>
+                                      </p:cBhvr>
+                                      <p:tavLst>
+                                        <p:tav tm="0">
+                                          <p:val>
+                                            <p:fltVal val="90"/>
+                                          </p:val>
+                                        </p:tav>
+                                        <p:tav tm="100000">
+                                          <p:val>
+                                            <p:fltVal val="0"/>
+                                          </p:val>
+                                        </p:tav>
+                                      </p:tavLst>
+                                    </p:anim>
+                                    <p:animEffect transition="in" filter="fade">
+                                      <p:cBhvr>
+                                        <p:cTn id="38" dur="1000"/>
+                                        <p:tgtEl>
+                                          <p:spTgt spid="21"/>
+                                        </p:tgtEl>
+                                      </p:cBhvr>
+                                    </p:animEffect>
+                                  </p:childTnLst>
+                                </p:cTn>
+                              </p:par>
+                              <p:par>
+                                <p:cTn id="39" presetID="31" presetClass="entr" presetSubtype="0" fill="hold" grpId="0" nodeType="withEffect">
+                                  <p:stCondLst>
+                                    <p:cond delay="0"/>
+                                  </p:stCondLst>
+                                  <p:childTnLst>
+                                    <p:set>
+                                      <p:cBhvr>
+                                        <p:cTn id="40" dur="1" fill="hold">
+                                          <p:stCondLst>
+                                            <p:cond delay="0"/>
+                                          </p:stCondLst>
+                                        </p:cTn>
+                                        <p:tgtEl>
+                                          <p:spTgt spid="19"/>
+                                        </p:tgtEl>
+                                        <p:attrNameLst>
+                                          <p:attrName>style.visibility</p:attrName>
+                                        </p:attrNameLst>
+                                      </p:cBhvr>
+                                      <p:to>
+                                        <p:strVal val="visible"/>
+                                      </p:to>
+                                    </p:set>
+                                    <p:anim calcmode="lin" valueType="num">
+                                      <p:cBhvr>
+                                        <p:cTn id="41" dur="1000" fill="hold"/>
+                                        <p:tgtEl>
+                                          <p:spTgt spid="19"/>
+                                        </p:tgtEl>
+                                        <p:attrNameLst>
+                                          <p:attrName>ppt_w</p:attrName>
+                                        </p:attrNameLst>
+                                      </p:cBhvr>
+                                      <p:tavLst>
+                                        <p:tav tm="0">
+                                          <p:val>
+                                            <p:fltVal val="0"/>
+                                          </p:val>
+                                        </p:tav>
+                                        <p:tav tm="100000">
+                                          <p:val>
+                                            <p:strVal val="#ppt_w"/>
+                                          </p:val>
+                                        </p:tav>
+                                      </p:tavLst>
+                                    </p:anim>
+                                    <p:anim calcmode="lin" valueType="num">
+                                      <p:cBhvr>
+                                        <p:cTn id="42" dur="1000" fill="hold"/>
+                                        <p:tgtEl>
+                                          <p:spTgt spid="19"/>
+                                        </p:tgtEl>
+                                        <p:attrNameLst>
+                                          <p:attrName>ppt_h</p:attrName>
+                                        </p:attrNameLst>
+                                      </p:cBhvr>
+                                      <p:tavLst>
+                                        <p:tav tm="0">
+                                          <p:val>
+                                            <p:fltVal val="0"/>
+                                          </p:val>
+                                        </p:tav>
+                                        <p:tav tm="100000">
+                                          <p:val>
+                                            <p:strVal val="#ppt_h"/>
+                                          </p:val>
+                                        </p:tav>
+                                      </p:tavLst>
+                                    </p:anim>
+                                    <p:anim calcmode="lin" valueType="num">
+                                      <p:cBhvr>
+                                        <p:cTn id="43" dur="1000" fill="hold"/>
+                                        <p:tgtEl>
+                                          <p:spTgt spid="19"/>
+                                        </p:tgtEl>
+                                        <p:attrNameLst>
+                                          <p:attrName>style.rotation</p:attrName>
+                                        </p:attrNameLst>
+                                      </p:cBhvr>
+                                      <p:tavLst>
+                                        <p:tav tm="0">
+                                          <p:val>
+                                            <p:fltVal val="90"/>
+                                          </p:val>
+                                        </p:tav>
+                                        <p:tav tm="100000">
+                                          <p:val>
+                                            <p:fltVal val="0"/>
+                                          </p:val>
+                                        </p:tav>
+                                      </p:tavLst>
+                                    </p:anim>
+                                    <p:animEffect transition="in" filter="fade">
+                                      <p:cBhvr>
+                                        <p:cTn id="44" dur="1000"/>
+                                        <p:tgtEl>
+                                          <p:spTgt spid="19"/>
+                                        </p:tgtEl>
+                                      </p:cBhvr>
+                                    </p:animEffect>
+                                  </p:childTnLst>
+                                </p:cTn>
+                              </p:par>
+                            </p:childTnLst>
+                          </p:cTn>
+                        </p:par>
+                      </p:childTnLst>
+                    </p:cTn>
+                  </p:par>
+                  <p:par>
+                    <p:cTn id="45" fill="hold">
+                      <p:stCondLst>
+                        <p:cond delay="indefinite"/>
+                      </p:stCondLst>
+                      <p:childTnLst>
+                        <p:par>
+                          <p:cTn id="46" fill="hold">
+                            <p:stCondLst>
+                              <p:cond delay="0"/>
+                            </p:stCondLst>
+                            <p:childTnLst>
+                              <p:par>
+                                <p:cTn id="47" presetID="42" presetClass="entr" presetSubtype="0" fill="hold" nodeType="clickEffect">
+                                  <p:stCondLst>
+                                    <p:cond delay="0"/>
+                                  </p:stCondLst>
+                                  <p:childTnLst>
+                                    <p:set>
+                                      <p:cBhvr>
+                                        <p:cTn id="48" dur="1" fill="hold">
+                                          <p:stCondLst>
+                                            <p:cond delay="0"/>
+                                          </p:stCondLst>
+                                        </p:cTn>
+                                        <p:tgtEl>
+                                          <p:spTgt spid="1026"/>
+                                        </p:tgtEl>
+                                        <p:attrNameLst>
+                                          <p:attrName>style.visibility</p:attrName>
+                                        </p:attrNameLst>
+                                      </p:cBhvr>
+                                      <p:to>
+                                        <p:strVal val="visible"/>
+                                      </p:to>
+                                    </p:set>
+                                    <p:animEffect transition="in" filter="fade">
+                                      <p:cBhvr>
+                                        <p:cTn id="49" dur="1000"/>
+                                        <p:tgtEl>
+                                          <p:spTgt spid="1026"/>
+                                        </p:tgtEl>
+                                      </p:cBhvr>
+                                    </p:animEffect>
+                                    <p:anim calcmode="lin" valueType="num">
+                                      <p:cBhvr>
+                                        <p:cTn id="50" dur="1000" fill="hold"/>
+                                        <p:tgtEl>
+                                          <p:spTgt spid="1026"/>
+                                        </p:tgtEl>
+                                        <p:attrNameLst>
+                                          <p:attrName>ppt_x</p:attrName>
+                                        </p:attrNameLst>
+                                      </p:cBhvr>
+                                      <p:tavLst>
+                                        <p:tav tm="0">
+                                          <p:val>
+                                            <p:strVal val="#ppt_x"/>
+                                          </p:val>
+                                        </p:tav>
+                                        <p:tav tm="100000">
+                                          <p:val>
+                                            <p:strVal val="#ppt_x"/>
+                                          </p:val>
+                                        </p:tav>
+                                      </p:tavLst>
+                                    </p:anim>
+                                    <p:anim calcmode="lin" valueType="num">
+                                      <p:cBhvr>
+                                        <p:cTn id="51" dur="1000" fill="hold"/>
+                                        <p:tgtEl>
+                                          <p:spTgt spid="1026"/>
+                                        </p:tgtEl>
+                                        <p:attrNameLst>
+                                          <p:attrName>ppt_y</p:attrName>
+                                        </p:attrNameLst>
+                                      </p:cBhvr>
+                                      <p:tavLst>
+                                        <p:tav tm="0">
+                                          <p:val>
+                                            <p:strVal val="#ppt_y+.1"/>
+                                          </p:val>
+                                        </p:tav>
+                                        <p:tav tm="100000">
+                                          <p:val>
+                                            <p:strVal val="#ppt_y"/>
+                                          </p:val>
+                                        </p:tav>
+                                      </p:tavLst>
+                                    </p:anim>
+                                  </p:childTnLst>
+                                </p:cTn>
+                              </p:par>
+                            </p:childTnLst>
+                          </p:cTn>
+                        </p:par>
+                      </p:childTnLst>
+                    </p:cTn>
+                  </p:par>
+                </p:childTnLst>
+              </p:cTn>
+              <p:prevCondLst>
+                <p:cond evt="onPrev" delay="0">
+                  <p:tgtEl>
+                    <p:sldTgt/>
+                  </p:tgtEl>
+                </p:cond>
+              </p:prevCondLst>
+              <p:nextCondLst>
+                <p:cond evt="onNext" delay="0">
+                  <p:tgtEl>
+                    <p:sldTgt/>
+                  </p:tgtEl>
+                </p:cond>
+              </p:nextCondLst>
+            </p:seq>
+          </p:childTnLst>
+        </p:cTn>
+      </p:par>
+    </p:tnLst>
+    <p:bldLst>
+      <p:bldP spid="18" grpId="0" animBg="1"/>
+      <p:bldP spid="17" grpId="0" animBg="1"/>
+      <p:bldP spid="19" grpId="0" animBg="1"/>
+      <p:bldP spid="21" grpId="0" animBg="1"/>
+    </p:bldLst>
+  </p:timing>
 </p:sld>
 </file>
 
@@ -48226,6 +52889,295 @@
   <p:clrMapOvr>
     <a:masterClrMapping/>
   </p:clrMapOvr>
+  <mc:AlternateContent xmlns:mc="http://schemas.openxmlformats.org/markup-compatibility/2006" xmlns:p159="http://schemas.microsoft.com/office/powerpoint/2015/09/main">
+    <mc:Choice Requires="p159">
+      <p:transition xmlns:p14="http://schemas.microsoft.com/office/powerpoint/2010/main" spd="slow" p14:dur="2000">
+        <p159:morph option="byObject"/>
+      </p:transition>
+    </mc:Choice>
+    <mc:Fallback xmlns="">
+      <p:transition spd="slow">
+        <p:fade/>
+      </p:transition>
+    </mc:Fallback>
+  </mc:AlternateContent>
+  <p:timing>
+    <p:tnLst>
+      <p:par>
+        <p:cTn id="1" dur="indefinite" restart="never" nodeType="tmRoot">
+          <p:childTnLst>
+            <p:seq concurrent="1" nextAc="seek">
+              <p:cTn id="2" dur="indefinite" nodeType="mainSeq">
+                <p:childTnLst>
+                  <p:par>
+                    <p:cTn id="3" fill="hold">
+                      <p:stCondLst>
+                        <p:cond delay="indefinite"/>
+                      </p:stCondLst>
+                      <p:childTnLst>
+                        <p:par>
+                          <p:cTn id="4" fill="hold">
+                            <p:stCondLst>
+                              <p:cond delay="0"/>
+                            </p:stCondLst>
+                            <p:childTnLst>
+                              <p:par>
+                                <p:cTn id="5" presetID="10" presetClass="entr" presetSubtype="0" fill="hold" grpId="0" nodeType="clickEffect">
+                                  <p:stCondLst>
+                                    <p:cond delay="0"/>
+                                  </p:stCondLst>
+                                  <p:childTnLst>
+                                    <p:set>
+                                      <p:cBhvr>
+                                        <p:cTn id="6" dur="1" fill="hold">
+                                          <p:stCondLst>
+                                            <p:cond delay="0"/>
+                                          </p:stCondLst>
+                                        </p:cTn>
+                                        <p:tgtEl>
+                                          <p:spTgt spid="7">
+                                            <p:txEl>
+                                              <p:pRg st="0" end="0"/>
+                                            </p:txEl>
+                                          </p:spTgt>
+                                        </p:tgtEl>
+                                        <p:attrNameLst>
+                                          <p:attrName>style.visibility</p:attrName>
+                                        </p:attrNameLst>
+                                      </p:cBhvr>
+                                      <p:to>
+                                        <p:strVal val="visible"/>
+                                      </p:to>
+                                    </p:set>
+                                    <p:animEffect transition="in" filter="fade">
+                                      <p:cBhvr>
+                                        <p:cTn id="7" dur="500"/>
+                                        <p:tgtEl>
+                                          <p:spTgt spid="7">
+                                            <p:txEl>
+                                              <p:pRg st="0" end="0"/>
+                                            </p:txEl>
+                                          </p:spTgt>
+                                        </p:tgtEl>
+                                      </p:cBhvr>
+                                    </p:animEffect>
+                                  </p:childTnLst>
+                                </p:cTn>
+                              </p:par>
+                            </p:childTnLst>
+                          </p:cTn>
+                        </p:par>
+                      </p:childTnLst>
+                    </p:cTn>
+                  </p:par>
+                  <p:par>
+                    <p:cTn id="8" fill="hold">
+                      <p:stCondLst>
+                        <p:cond delay="indefinite"/>
+                      </p:stCondLst>
+                      <p:childTnLst>
+                        <p:par>
+                          <p:cTn id="9" fill="hold">
+                            <p:stCondLst>
+                              <p:cond delay="0"/>
+                            </p:stCondLst>
+                            <p:childTnLst>
+                              <p:par>
+                                <p:cTn id="10" presetID="10" presetClass="entr" presetSubtype="0" fill="hold" grpId="0" nodeType="clickEffect">
+                                  <p:stCondLst>
+                                    <p:cond delay="0"/>
+                                  </p:stCondLst>
+                                  <p:childTnLst>
+                                    <p:set>
+                                      <p:cBhvr>
+                                        <p:cTn id="11" dur="1" fill="hold">
+                                          <p:stCondLst>
+                                            <p:cond delay="0"/>
+                                          </p:stCondLst>
+                                        </p:cTn>
+                                        <p:tgtEl>
+                                          <p:spTgt spid="7">
+                                            <p:txEl>
+                                              <p:pRg st="1" end="1"/>
+                                            </p:txEl>
+                                          </p:spTgt>
+                                        </p:tgtEl>
+                                        <p:attrNameLst>
+                                          <p:attrName>style.visibility</p:attrName>
+                                        </p:attrNameLst>
+                                      </p:cBhvr>
+                                      <p:to>
+                                        <p:strVal val="visible"/>
+                                      </p:to>
+                                    </p:set>
+                                    <p:animEffect transition="in" filter="fade">
+                                      <p:cBhvr>
+                                        <p:cTn id="12" dur="500"/>
+                                        <p:tgtEl>
+                                          <p:spTgt spid="7">
+                                            <p:txEl>
+                                              <p:pRg st="1" end="1"/>
+                                            </p:txEl>
+                                          </p:spTgt>
+                                        </p:tgtEl>
+                                      </p:cBhvr>
+                                    </p:animEffect>
+                                  </p:childTnLst>
+                                </p:cTn>
+                              </p:par>
+                            </p:childTnLst>
+                          </p:cTn>
+                        </p:par>
+                      </p:childTnLst>
+                    </p:cTn>
+                  </p:par>
+                  <p:par>
+                    <p:cTn id="13" fill="hold">
+                      <p:stCondLst>
+                        <p:cond delay="indefinite"/>
+                      </p:stCondLst>
+                      <p:childTnLst>
+                        <p:par>
+                          <p:cTn id="14" fill="hold">
+                            <p:stCondLst>
+                              <p:cond delay="0"/>
+                            </p:stCondLst>
+                            <p:childTnLst>
+                              <p:par>
+                                <p:cTn id="15" presetID="10" presetClass="entr" presetSubtype="0" fill="hold" grpId="0" nodeType="clickEffect">
+                                  <p:stCondLst>
+                                    <p:cond delay="0"/>
+                                  </p:stCondLst>
+                                  <p:childTnLst>
+                                    <p:set>
+                                      <p:cBhvr>
+                                        <p:cTn id="16" dur="1" fill="hold">
+                                          <p:stCondLst>
+                                            <p:cond delay="0"/>
+                                          </p:stCondLst>
+                                        </p:cTn>
+                                        <p:tgtEl>
+                                          <p:spTgt spid="7">
+                                            <p:txEl>
+                                              <p:pRg st="2" end="2"/>
+                                            </p:txEl>
+                                          </p:spTgt>
+                                        </p:tgtEl>
+                                        <p:attrNameLst>
+                                          <p:attrName>style.visibility</p:attrName>
+                                        </p:attrNameLst>
+                                      </p:cBhvr>
+                                      <p:to>
+                                        <p:strVal val="visible"/>
+                                      </p:to>
+                                    </p:set>
+                                    <p:animEffect transition="in" filter="fade">
+                                      <p:cBhvr>
+                                        <p:cTn id="17" dur="500"/>
+                                        <p:tgtEl>
+                                          <p:spTgt spid="7">
+                                            <p:txEl>
+                                              <p:pRg st="2" end="2"/>
+                                            </p:txEl>
+                                          </p:spTgt>
+                                        </p:tgtEl>
+                                      </p:cBhvr>
+                                    </p:animEffect>
+                                  </p:childTnLst>
+                                </p:cTn>
+                              </p:par>
+                            </p:childTnLst>
+                          </p:cTn>
+                        </p:par>
+                      </p:childTnLst>
+                    </p:cTn>
+                  </p:par>
+                  <p:par>
+                    <p:cTn id="18" fill="hold">
+                      <p:stCondLst>
+                        <p:cond delay="indefinite"/>
+                      </p:stCondLst>
+                      <p:childTnLst>
+                        <p:par>
+                          <p:cTn id="19" fill="hold">
+                            <p:stCondLst>
+                              <p:cond delay="0"/>
+                            </p:stCondLst>
+                            <p:childTnLst>
+                              <p:par>
+                                <p:cTn id="20" presetID="10" presetClass="entr" presetSubtype="0" fill="hold" grpId="0" nodeType="clickEffect">
+                                  <p:stCondLst>
+                                    <p:cond delay="0"/>
+                                  </p:stCondLst>
+                                  <p:childTnLst>
+                                    <p:set>
+                                      <p:cBhvr>
+                                        <p:cTn id="21" dur="1" fill="hold">
+                                          <p:stCondLst>
+                                            <p:cond delay="0"/>
+                                          </p:stCondLst>
+                                        </p:cTn>
+                                        <p:tgtEl>
+                                          <p:spTgt spid="7">
+                                            <p:txEl>
+                                              <p:pRg st="3" end="3"/>
+                                            </p:txEl>
+                                          </p:spTgt>
+                                        </p:tgtEl>
+                                        <p:attrNameLst>
+                                          <p:attrName>style.visibility</p:attrName>
+                                        </p:attrNameLst>
+                                      </p:cBhvr>
+                                      <p:to>
+                                        <p:strVal val="visible"/>
+                                      </p:to>
+                                    </p:set>
+                                    <p:animEffect transition="in" filter="fade">
+                                      <p:cBhvr>
+                                        <p:cTn id="22" dur="500"/>
+                                        <p:tgtEl>
+                                          <p:spTgt spid="7">
+                                            <p:txEl>
+                                              <p:pRg st="3" end="3"/>
+                                            </p:txEl>
+                                          </p:spTgt>
+                                        </p:tgtEl>
+                                      </p:cBhvr>
+                                    </p:animEffect>
+                                  </p:childTnLst>
+                                </p:cTn>
+                              </p:par>
+                            </p:childTnLst>
+                          </p:cTn>
+                        </p:par>
+                      </p:childTnLst>
+                    </p:cTn>
+                  </p:par>
+                </p:childTnLst>
+              </p:cTn>
+              <p:prevCondLst>
+                <p:cond evt="onPrev" delay="0">
+                  <p:tgtEl>
+                    <p:sldTgt/>
+                  </p:tgtEl>
+                </p:cond>
+              </p:prevCondLst>
+              <p:nextCondLst>
+                <p:cond evt="onNext" delay="0">
+                  <p:tgtEl>
+                    <p:sldTgt/>
+                  </p:tgtEl>
+                </p:cond>
+              </p:nextCondLst>
+            </p:seq>
+          </p:childTnLst>
+        </p:cTn>
+      </p:par>
+    </p:tnLst>
+    <p:bldLst>
+      <p:bldP spid="7" grpId="0" build="p"/>
+    </p:bldLst>
+  </p:timing>
 </p:sld>
 </file>
 
@@ -48716,6 +53668,139 @@
   <p:clrMapOvr>
     <a:masterClrMapping/>
   </p:clrMapOvr>
+  <mc:AlternateContent xmlns:mc="http://schemas.openxmlformats.org/markup-compatibility/2006" xmlns:p159="http://schemas.microsoft.com/office/powerpoint/2015/09/main">
+    <mc:Choice Requires="p159">
+      <p:transition xmlns:p14="http://schemas.microsoft.com/office/powerpoint/2010/main" spd="slow" p14:dur="2000">
+        <p159:morph option="byObject"/>
+      </p:transition>
+    </mc:Choice>
+    <mc:Fallback xmlns="">
+      <p:transition spd="slow">
+        <p:fade/>
+      </p:transition>
+    </mc:Fallback>
+  </mc:AlternateContent>
+  <p:timing>
+    <p:tnLst>
+      <p:par>
+        <p:cTn id="1" dur="indefinite" restart="never" nodeType="tmRoot">
+          <p:childTnLst>
+            <p:seq concurrent="1" nextAc="seek">
+              <p:cTn id="2" dur="indefinite" nodeType="mainSeq">
+                <p:childTnLst>
+                  <p:par>
+                    <p:cTn id="3" fill="hold">
+                      <p:stCondLst>
+                        <p:cond delay="indefinite"/>
+                      </p:stCondLst>
+                      <p:childTnLst>
+                        <p:par>
+                          <p:cTn id="4" fill="hold">
+                            <p:stCondLst>
+                              <p:cond delay="0"/>
+                            </p:stCondLst>
+                            <p:childTnLst>
+                              <p:par>
+                                <p:cTn id="5" presetID="2" presetClass="entr" presetSubtype="2" fill="hold" nodeType="clickEffect">
+                                  <p:stCondLst>
+                                    <p:cond delay="0"/>
+                                  </p:stCondLst>
+                                  <p:childTnLst>
+                                    <p:set>
+                                      <p:cBhvr>
+                                        <p:cTn id="6" dur="1" fill="hold">
+                                          <p:stCondLst>
+                                            <p:cond delay="0"/>
+                                          </p:stCondLst>
+                                        </p:cTn>
+                                        <p:tgtEl>
+                                          <p:spTgt spid="21"/>
+                                        </p:tgtEl>
+                                        <p:attrNameLst>
+                                          <p:attrName>style.visibility</p:attrName>
+                                        </p:attrNameLst>
+                                      </p:cBhvr>
+                                      <p:to>
+                                        <p:strVal val="visible"/>
+                                      </p:to>
+                                    </p:set>
+                                    <p:anim calcmode="lin" valueType="num">
+                                      <p:cBhvr additive="base">
+                                        <p:cTn id="7" dur="500" fill="hold"/>
+                                        <p:tgtEl>
+                                          <p:spTgt spid="21"/>
+                                        </p:tgtEl>
+                                        <p:attrNameLst>
+                                          <p:attrName>ppt_x</p:attrName>
+                                        </p:attrNameLst>
+                                      </p:cBhvr>
+                                      <p:tavLst>
+                                        <p:tav tm="0">
+                                          <p:val>
+                                            <p:strVal val="1+#ppt_w/2"/>
+                                          </p:val>
+                                        </p:tav>
+                                        <p:tav tm="100000">
+                                          <p:val>
+                                            <p:strVal val="#ppt_x"/>
+                                          </p:val>
+                                        </p:tav>
+                                      </p:tavLst>
+                                    </p:anim>
+                                    <p:anim calcmode="lin" valueType="num">
+                                      <p:cBhvr additive="base">
+                                        <p:cTn id="8" dur="500" fill="hold"/>
+                                        <p:tgtEl>
+                                          <p:spTgt spid="21"/>
+                                        </p:tgtEl>
+                                        <p:attrNameLst>
+                                          <p:attrName>ppt_y</p:attrName>
+                                        </p:attrNameLst>
+                                      </p:cBhvr>
+                                      <p:tavLst>
+                                        <p:tav tm="0">
+                                          <p:val>
+                                            <p:strVal val="#ppt_y"/>
+                                          </p:val>
+                                        </p:tav>
+                                        <p:tav tm="100000">
+                                          <p:val>
+                                            <p:strVal val="#ppt_y"/>
+                                          </p:val>
+                                        </p:tav>
+                                      </p:tavLst>
+                                    </p:anim>
+                                  </p:childTnLst>
+                                </p:cTn>
+                              </p:par>
+                            </p:childTnLst>
+                          </p:cTn>
+                        </p:par>
+                      </p:childTnLst>
+                    </p:cTn>
+                  </p:par>
+                </p:childTnLst>
+              </p:cTn>
+              <p:prevCondLst>
+                <p:cond evt="onPrev" delay="0">
+                  <p:tgtEl>
+                    <p:sldTgt/>
+                  </p:tgtEl>
+                </p:cond>
+              </p:prevCondLst>
+              <p:nextCondLst>
+                <p:cond evt="onNext" delay="0">
+                  <p:tgtEl>
+                    <p:sldTgt/>
+                  </p:tgtEl>
+                </p:cond>
+              </p:nextCondLst>
+            </p:seq>
+          </p:childTnLst>
+        </p:cTn>
+      </p:par>
+    </p:tnLst>
+  </p:timing>
 </p:sld>
 </file>
 
@@ -49555,6 +54640,199 @@
   <p:clrMapOvr>
     <a:masterClrMapping/>
   </p:clrMapOvr>
+  <p:timing>
+    <p:tnLst>
+      <p:par>
+        <p:cTn id="1" dur="indefinite" restart="never" nodeType="tmRoot">
+          <p:childTnLst>
+            <p:seq concurrent="1" nextAc="seek">
+              <p:cTn id="2" dur="indefinite" nodeType="mainSeq">
+                <p:childTnLst>
+                  <p:par>
+                    <p:cTn id="3" fill="hold">
+                      <p:stCondLst>
+                        <p:cond delay="indefinite"/>
+                      </p:stCondLst>
+                      <p:childTnLst>
+                        <p:par>
+                          <p:cTn id="4" fill="hold">
+                            <p:stCondLst>
+                              <p:cond delay="0"/>
+                            </p:stCondLst>
+                            <p:childTnLst>
+                              <p:par>
+                                <p:cTn id="5" presetID="10" presetClass="entr" presetSubtype="0" fill="hold" grpId="0" nodeType="clickEffect">
+                                  <p:stCondLst>
+                                    <p:cond delay="0"/>
+                                  </p:stCondLst>
+                                  <p:childTnLst>
+                                    <p:set>
+                                      <p:cBhvr>
+                                        <p:cTn id="6" dur="1" fill="hold">
+                                          <p:stCondLst>
+                                            <p:cond delay="0"/>
+                                          </p:stCondLst>
+                                        </p:cTn>
+                                        <p:tgtEl>
+                                          <p:spTgt spid="4"/>
+                                        </p:tgtEl>
+                                        <p:attrNameLst>
+                                          <p:attrName>style.visibility</p:attrName>
+                                        </p:attrNameLst>
+                                      </p:cBhvr>
+                                      <p:to>
+                                        <p:strVal val="visible"/>
+                                      </p:to>
+                                    </p:set>
+                                    <p:animEffect transition="in" filter="fade">
+                                      <p:cBhvr>
+                                        <p:cTn id="7" dur="500"/>
+                                        <p:tgtEl>
+                                          <p:spTgt spid="4"/>
+                                        </p:tgtEl>
+                                      </p:cBhvr>
+                                    </p:animEffect>
+                                  </p:childTnLst>
+                                </p:cTn>
+                              </p:par>
+                            </p:childTnLst>
+                          </p:cTn>
+                        </p:par>
+                      </p:childTnLst>
+                    </p:cTn>
+                  </p:par>
+                  <p:par>
+                    <p:cTn id="8" fill="hold">
+                      <p:stCondLst>
+                        <p:cond delay="indefinite"/>
+                      </p:stCondLst>
+                      <p:childTnLst>
+                        <p:par>
+                          <p:cTn id="9" fill="hold">
+                            <p:stCondLst>
+                              <p:cond delay="0"/>
+                            </p:stCondLst>
+                            <p:childTnLst>
+                              <p:par>
+                                <p:cTn id="10" presetID="10" presetClass="entr" presetSubtype="0" fill="hold" nodeType="clickEffect">
+                                  <p:stCondLst>
+                                    <p:cond delay="0"/>
+                                  </p:stCondLst>
+                                  <p:childTnLst>
+                                    <p:set>
+                                      <p:cBhvr>
+                                        <p:cTn id="11" dur="1" fill="hold">
+                                          <p:stCondLst>
+                                            <p:cond delay="0"/>
+                                          </p:stCondLst>
+                                        </p:cTn>
+                                        <p:tgtEl>
+                                          <p:spTgt spid="2"/>
+                                        </p:tgtEl>
+                                        <p:attrNameLst>
+                                          <p:attrName>style.visibility</p:attrName>
+                                        </p:attrNameLst>
+                                      </p:cBhvr>
+                                      <p:to>
+                                        <p:strVal val="visible"/>
+                                      </p:to>
+                                    </p:set>
+                                    <p:animEffect transition="in" filter="fade">
+                                      <p:cBhvr>
+                                        <p:cTn id="12" dur="500"/>
+                                        <p:tgtEl>
+                                          <p:spTgt spid="2"/>
+                                        </p:tgtEl>
+                                      </p:cBhvr>
+                                    </p:animEffect>
+                                  </p:childTnLst>
+                                </p:cTn>
+                              </p:par>
+                            </p:childTnLst>
+                          </p:cTn>
+                        </p:par>
+                      </p:childTnLst>
+                    </p:cTn>
+                  </p:par>
+                  <p:par>
+                    <p:cTn id="13" fill="hold">
+                      <p:stCondLst>
+                        <p:cond delay="indefinite"/>
+                      </p:stCondLst>
+                      <p:childTnLst>
+                        <p:par>
+                          <p:cTn id="14" fill="hold">
+                            <p:stCondLst>
+                              <p:cond delay="0"/>
+                            </p:stCondLst>
+                            <p:childTnLst>
+                              <p:par>
+                                <p:cTn id="15" presetID="10" presetClass="entr" presetSubtype="0" fill="hold" grpId="0" nodeType="clickEffect">
+                                  <p:stCondLst>
+                                    <p:cond delay="0"/>
+                                  </p:stCondLst>
+                                  <p:childTnLst>
+                                    <p:set>
+                                      <p:cBhvr>
+                                        <p:cTn id="16" dur="1" fill="hold">
+                                          <p:stCondLst>
+                                            <p:cond delay="0"/>
+                                          </p:stCondLst>
+                                        </p:cTn>
+                                        <p:tgtEl>
+                                          <p:spTgt spid="7"/>
+                                        </p:tgtEl>
+                                        <p:attrNameLst>
+                                          <p:attrName>style.visibility</p:attrName>
+                                        </p:attrNameLst>
+                                      </p:cBhvr>
+                                      <p:to>
+                                        <p:strVal val="visible"/>
+                                      </p:to>
+                                    </p:set>
+                                    <p:animEffect transition="in" filter="fade">
+                                      <p:cBhvr>
+                                        <p:cTn id="17" dur="500"/>
+                                        <p:tgtEl>
+                                          <p:spTgt spid="7"/>
+                                        </p:tgtEl>
+                                      </p:cBhvr>
+                                    </p:animEffect>
+                                  </p:childTnLst>
+                                </p:cTn>
+                              </p:par>
+                            </p:childTnLst>
+                          </p:cTn>
+                        </p:par>
+                      </p:childTnLst>
+                    </p:cTn>
+                  </p:par>
+                </p:childTnLst>
+              </p:cTn>
+              <p:prevCondLst>
+                <p:cond evt="onPrev" delay="0">
+                  <p:tgtEl>
+                    <p:sldTgt/>
+                  </p:tgtEl>
+                </p:cond>
+              </p:prevCondLst>
+              <p:nextCondLst>
+                <p:cond evt="onNext" delay="0">
+                  <p:tgtEl>
+                    <p:sldTgt/>
+                  </p:tgtEl>
+                </p:cond>
+              </p:nextCondLst>
+            </p:seq>
+          </p:childTnLst>
+        </p:cTn>
+      </p:par>
+    </p:tnLst>
+    <p:bldLst>
+      <p:bldP spid="7" grpId="0"/>
+      <p:bldP spid="4" grpId="0"/>
+    </p:bldLst>
+  </p:timing>
 </p:sld>
 </file>
 
@@ -50242,7 +55520,7 @@
                             </p:stCondLst>
                             <p:childTnLst>
                               <p:par>
-                                <p:cTn id="13" presetID="31" presetClass="entr" presetSubtype="0" fill="hold" grpId="0" nodeType="clickEffect">
+                                <p:cTn id="13" presetID="10" presetClass="entr" presetSubtype="0" fill="hold" grpId="0" nodeType="clickEffect">
                                   <p:stCondLst>
                                     <p:cond delay="0"/>
                                   </p:stCondLst>
@@ -50250,6 +55528,59 @@
                                     <p:set>
                                       <p:cBhvr>
                                         <p:cTn id="14" dur="1" fill="hold">
+                                          <p:stCondLst>
+                                            <p:cond delay="0"/>
+                                          </p:stCondLst>
+                                        </p:cTn>
+                                        <p:tgtEl>
+                                          <p:spTgt spid="15"/>
+                                        </p:tgtEl>
+                                        <p:attrNameLst>
+                                          <p:attrName>style.visibility</p:attrName>
+                                        </p:attrNameLst>
+                                      </p:cBhvr>
+                                      <p:to>
+                                        <p:strVal val="visible"/>
+                                      </p:to>
+                                    </p:set>
+                                    <p:animEffect transition="in" filter="fade">
+                                      <p:cBhvr>
+                                        <p:cTn id="15" dur="500"/>
+                                        <p:tgtEl>
+                                          <p:spTgt spid="15"/>
+                                        </p:tgtEl>
+                                      </p:cBhvr>
+                                    </p:animEffect>
+                                  </p:childTnLst>
+                                </p:cTn>
+                              </p:par>
+                            </p:childTnLst>
+                          </p:cTn>
+                        </p:par>
+                      </p:childTnLst>
+                    </p:cTn>
+                  </p:par>
+                  <p:par>
+                    <p:cTn id="16" fill="hold">
+                      <p:stCondLst>
+                        <p:cond delay="indefinite"/>
+                      </p:stCondLst>
+                      <p:childTnLst>
+                        <p:par>
+                          <p:cTn id="17" fill="hold">
+                            <p:stCondLst>
+                              <p:cond delay="0"/>
+                            </p:stCondLst>
+                            <p:childTnLst>
+                              <p:par>
+                                <p:cTn id="18" presetID="31" presetClass="entr" presetSubtype="0" fill="hold" grpId="0" nodeType="clickEffect">
+                                  <p:stCondLst>
+                                    <p:cond delay="0"/>
+                                  </p:stCondLst>
+                                  <p:childTnLst>
+                                    <p:set>
+                                      <p:cBhvr>
+                                        <p:cTn id="19" dur="1" fill="hold">
                                           <p:stCondLst>
                                             <p:cond delay="0"/>
                                           </p:stCondLst>
@@ -50267,7 +55598,7 @@
                                     </p:set>
                                     <p:anim calcmode="lin" valueType="num">
                                       <p:cBhvr>
-                                        <p:cTn id="15" dur="1000" fill="hold"/>
+                                        <p:cTn id="20" dur="1000" fill="hold"/>
                                         <p:tgtEl>
                                           <p:spTgt spid="32"/>
                                         </p:tgtEl>
@@ -50290,7 +55621,7 @@
                                     </p:anim>
                                     <p:anim calcmode="lin" valueType="num">
                                       <p:cBhvr>
-                                        <p:cTn id="16" dur="1000" fill="hold"/>
+                                        <p:cTn id="21" dur="1000" fill="hold"/>
                                         <p:tgtEl>
                                           <p:spTgt spid="32"/>
                                         </p:tgtEl>
@@ -50313,7 +55644,7 @@
                                     </p:anim>
                                     <p:anim calcmode="lin" valueType="num">
                                       <p:cBhvr>
-                                        <p:cTn id="17" dur="1000" fill="hold"/>
+                                        <p:cTn id="22" dur="1000" fill="hold"/>
                                         <p:tgtEl>
                                           <p:spTgt spid="32"/>
                                         </p:tgtEl>
@@ -50336,12 +55667,47 @@
                                     </p:anim>
                                     <p:animEffect transition="in" filter="fade">
                                       <p:cBhvr>
-                                        <p:cTn id="18" dur="1000"/>
+                                        <p:cTn id="23" dur="1000"/>
                                         <p:tgtEl>
                                           <p:spTgt spid="32"/>
                                         </p:tgtEl>
                                       </p:cBhvr>
                                     </p:animEffect>
+                                  </p:childTnLst>
+                                </p:cTn>
+                              </p:par>
+                              <p:par>
+                                <p:cTn id="24" presetID="10" presetClass="exit" presetSubtype="0" fill="hold" grpId="1" nodeType="withEffect">
+                                  <p:stCondLst>
+                                    <p:cond delay="0"/>
+                                  </p:stCondLst>
+                                  <p:childTnLst>
+                                    <p:animEffect transition="out" filter="fade">
+                                      <p:cBhvr>
+                                        <p:cTn id="25" dur="500"/>
+                                        <p:tgtEl>
+                                          <p:spTgt spid="31"/>
+                                        </p:tgtEl>
+                                      </p:cBhvr>
+                                    </p:animEffect>
+                                    <p:set>
+                                      <p:cBhvr>
+                                        <p:cTn id="26" dur="1" fill="hold">
+                                          <p:stCondLst>
+                                            <p:cond delay="499"/>
+                                          </p:stCondLst>
+                                        </p:cTn>
+                                        <p:tgtEl>
+                                          <p:spTgt spid="31"/>
+                                        </p:tgtEl>
+                                        <p:attrNameLst>
+                                          <p:attrName>style.visibility</p:attrName>
+                                        </p:attrNameLst>
+                                      </p:cBhvr>
+                                      <p:to>
+                                        <p:strVal val="hidden"/>
+                                      </p:to>
+                                    </p:set>
                                   </p:childTnLst>
                                 </p:cTn>
                               </p:par>
@@ -50352,26 +55718,26 @@
                     </p:cTn>
                   </p:par>
                   <p:par>
-                    <p:cTn id="19" fill="hold">
+                    <p:cTn id="27" fill="hold">
                       <p:stCondLst>
                         <p:cond delay="indefinite"/>
                       </p:stCondLst>
                       <p:childTnLst>
                         <p:par>
-                          <p:cTn id="20" fill="hold">
+                          <p:cTn id="28" fill="hold">
                             <p:stCondLst>
                               <p:cond delay="0"/>
                             </p:stCondLst>
                             <p:childTnLst>
                               <p:par>
-                                <p:cTn id="21" presetID="31" presetClass="entr" presetSubtype="0" fill="hold" grpId="0" nodeType="clickEffect">
+                                <p:cTn id="29" presetID="31" presetClass="entr" presetSubtype="0" fill="hold" grpId="0" nodeType="clickEffect">
                                   <p:stCondLst>
                                     <p:cond delay="0"/>
                                   </p:stCondLst>
                                   <p:childTnLst>
                                     <p:set>
                                       <p:cBhvr>
-                                        <p:cTn id="22" dur="1" fill="hold">
+                                        <p:cTn id="30" dur="1" fill="hold">
                                           <p:stCondLst>
                                             <p:cond delay="0"/>
                                           </p:stCondLst>
@@ -50389,7 +55755,7 @@
                                     </p:set>
                                     <p:anim calcmode="lin" valueType="num">
                                       <p:cBhvr>
-                                        <p:cTn id="23" dur="1000" fill="hold"/>
+                                        <p:cTn id="31" dur="1000" fill="hold"/>
                                         <p:tgtEl>
                                           <p:spTgt spid="33"/>
                                         </p:tgtEl>
@@ -50412,7 +55778,7 @@
                                     </p:anim>
                                     <p:anim calcmode="lin" valueType="num">
                                       <p:cBhvr>
-                                        <p:cTn id="24" dur="1000" fill="hold"/>
+                                        <p:cTn id="32" dur="1000" fill="hold"/>
                                         <p:tgtEl>
                                           <p:spTgt spid="33"/>
                                         </p:tgtEl>
@@ -50435,7 +55801,7 @@
                                     </p:anim>
                                     <p:anim calcmode="lin" valueType="num">
                                       <p:cBhvr>
-                                        <p:cTn id="25" dur="1000" fill="hold"/>
+                                        <p:cTn id="33" dur="1000" fill="hold"/>
                                         <p:tgtEl>
                                           <p:spTgt spid="33"/>
                                         </p:tgtEl>
@@ -50458,9 +55824,97 @@
                                     </p:anim>
                                     <p:animEffect transition="in" filter="fade">
                                       <p:cBhvr>
-                                        <p:cTn id="26" dur="1000"/>
+                                        <p:cTn id="34" dur="1000"/>
                                         <p:tgtEl>
                                           <p:spTgt spid="33"/>
+                                        </p:tgtEl>
+                                      </p:cBhvr>
+                                    </p:animEffect>
+                                  </p:childTnLst>
+                                </p:cTn>
+                              </p:par>
+                              <p:par>
+                                <p:cTn id="35" presetID="10" presetClass="exit" presetSubtype="0" fill="hold" grpId="1" nodeType="withEffect">
+                                  <p:stCondLst>
+                                    <p:cond delay="0"/>
+                                  </p:stCondLst>
+                                  <p:childTnLst>
+                                    <p:animEffect transition="out" filter="fade">
+                                      <p:cBhvr>
+                                        <p:cTn id="36" dur="500"/>
+                                        <p:tgtEl>
+                                          <p:spTgt spid="32"/>
+                                        </p:tgtEl>
+                                      </p:cBhvr>
+                                    </p:animEffect>
+                                    <p:set>
+                                      <p:cBhvr>
+                                        <p:cTn id="37" dur="1" fill="hold">
+                                          <p:stCondLst>
+                                            <p:cond delay="499"/>
+                                          </p:stCondLst>
+                                        </p:cTn>
+                                        <p:tgtEl>
+                                          <p:spTgt spid="32"/>
+                                        </p:tgtEl>
+                                        <p:attrNameLst>
+                                          <p:attrName>style.visibility</p:attrName>
+                                        </p:attrNameLst>
+                                      </p:cBhvr>
+                                      <p:to>
+                                        <p:strVal val="hidden"/>
+                                      </p:to>
+                                    </p:set>
+                                  </p:childTnLst>
+                                </p:cTn>
+                              </p:par>
+                            </p:childTnLst>
+                          </p:cTn>
+                        </p:par>
+                      </p:childTnLst>
+                    </p:cTn>
+                  </p:par>
+                  <p:par>
+                    <p:cTn id="38" fill="hold">
+                      <p:stCondLst>
+                        <p:cond delay="indefinite"/>
+                      </p:stCondLst>
+                      <p:childTnLst>
+                        <p:par>
+                          <p:cTn id="39" fill="hold">
+                            <p:stCondLst>
+                              <p:cond delay="0"/>
+                            </p:stCondLst>
+                            <p:childTnLst>
+                              <p:par>
+                                <p:cTn id="40" presetID="10" presetClass="entr" presetSubtype="0" fill="hold" grpId="0" nodeType="clickEffect">
+                                  <p:stCondLst>
+                                    <p:cond delay="0"/>
+                                  </p:stCondLst>
+                                  <p:childTnLst>
+                                    <p:set>
+                                      <p:cBhvr>
+                                        <p:cTn id="41" dur="1" fill="hold">
+                                          <p:stCondLst>
+                                            <p:cond delay="0"/>
+                                          </p:stCondLst>
+                                        </p:cTn>
+                                        <p:tgtEl>
+                                          <p:spTgt spid="17"/>
+                                        </p:tgtEl>
+                                        <p:attrNameLst>
+                                          <p:attrName>style.visibility</p:attrName>
+                                        </p:attrNameLst>
+                                      </p:cBhvr>
+                                      <p:to>
+                                        <p:strVal val="visible"/>
+                                      </p:to>
+                                    </p:set>
+                                    <p:animEffect transition="in" filter="fade">
+                                      <p:cBhvr>
+                                        <p:cTn id="42" dur="500"/>
+                                        <p:tgtEl>
+                                          <p:spTgt spid="17"/>
                                         </p:tgtEl>
                                       </p:cBhvr>
                                     </p:animEffect>
@@ -50495,8 +55949,12 @@
       </p:par>
     </p:tnLst>
     <p:bldLst>
+      <p:bldP spid="15" grpId="0"/>
+      <p:bldP spid="17" grpId="0"/>
       <p:bldP spid="31" grpId="0" animBg="1"/>
+      <p:bldP spid="31" grpId="1" animBg="1"/>
       <p:bldP spid="32" grpId="0" animBg="1"/>
+      <p:bldP spid="32" grpId="1" animBg="1"/>
       <p:bldP spid="33" grpId="0" animBg="1"/>
     </p:bldLst>
   </p:timing>
